--- a/Presents/Luongnv.Intro6.0.pptx
+++ b/Presents/Luongnv.Intro6.0.pptx
@@ -295,7 +295,7 @@
           <a:p>
             <a:fld id="{25F1A227-23B6-4C19-942A-F47326EC29E8}" type="datetimeFigureOut">
               <a:rPr lang="en-US" smtClean="0"/>
-              <a:t>4/6/2012</a:t>
+              <a:t>4/7/2012</a:t>
             </a:fld>
             <a:endParaRPr lang="en-US"/>
           </a:p>
@@ -2390,7 +2390,7 @@
           <a:p>
             <a:fld id="{71052FE1-3B5B-4810-A49E-9809327C23B0}" type="datetime1">
               <a:rPr lang="en-US" smtClean="0"/>
-              <a:t>4/6/2012</a:t>
+              <a:t>4/7/2012</a:t>
             </a:fld>
             <a:endParaRPr lang="en-US"/>
           </a:p>
@@ -2564,7 +2564,7 @@
           <a:p>
             <a:fld id="{6508B24B-3736-46F1-A6CF-41C799FC1BF8}" type="datetime1">
               <a:rPr lang="en-US" smtClean="0"/>
-              <a:t>4/6/2012</a:t>
+              <a:t>4/7/2012</a:t>
             </a:fld>
             <a:endParaRPr lang="en-US"/>
           </a:p>
@@ -2748,7 +2748,7 @@
           <a:p>
             <a:fld id="{737D6933-6F8D-476F-B929-CFD95D14D3FE}" type="datetime1">
               <a:rPr lang="en-US" smtClean="0"/>
-              <a:t>4/6/2012</a:t>
+              <a:t>4/7/2012</a:t>
             </a:fld>
             <a:endParaRPr lang="en-US"/>
           </a:p>
@@ -2949,7 +2949,7 @@
           <a:p>
             <a:fld id="{E3E2306C-E34F-4492-8C03-BFD178B0B86F}" type="datetime1">
               <a:rPr lang="en-US" smtClean="0"/>
-              <a:t>4/6/2012</a:t>
+              <a:t>4/7/2012</a:t>
             </a:fld>
             <a:endParaRPr lang="en-US"/>
           </a:p>
@@ -3235,7 +3235,7 @@
           <a:p>
             <a:fld id="{F45CE621-976D-490D-93D6-82BE04FEF33C}" type="datetime1">
               <a:rPr lang="en-US" smtClean="0"/>
-              <a:t>4/6/2012</a:t>
+              <a:t>4/7/2012</a:t>
             </a:fld>
             <a:endParaRPr lang="en-US"/>
           </a:p>
@@ -3527,7 +3527,7 @@
           <a:p>
             <a:fld id="{24C18882-06AD-4971-A70B-932A9A310951}" type="datetime1">
               <a:rPr lang="en-US" smtClean="0"/>
-              <a:t>4/6/2012</a:t>
+              <a:t>4/7/2012</a:t>
             </a:fld>
             <a:endParaRPr lang="en-US"/>
           </a:p>
@@ -3953,7 +3953,7 @@
           <a:p>
             <a:fld id="{40FDA9CF-AA6A-4460-BD3C-E233BABB6924}" type="datetime1">
               <a:rPr lang="en-US" smtClean="0"/>
-              <a:t>4/6/2012</a:t>
+              <a:t>4/7/2012</a:t>
             </a:fld>
             <a:endParaRPr lang="en-US"/>
           </a:p>
@@ -4075,7 +4075,7 @@
           <a:p>
             <a:fld id="{D9D502B8-AD58-4FD1-B793-29B56CAC21BC}" type="datetime1">
               <a:rPr lang="en-US" smtClean="0"/>
-              <a:t>4/6/2012</a:t>
+              <a:t>4/7/2012</a:t>
             </a:fld>
             <a:endParaRPr lang="en-US"/>
           </a:p>
@@ -4174,7 +4174,7 @@
           <a:p>
             <a:fld id="{B92BDB8E-050F-425D-9DE1-477C1D76FE38}" type="datetime1">
               <a:rPr lang="en-US" smtClean="0"/>
-              <a:t>4/6/2012</a:t>
+              <a:t>4/7/2012</a:t>
             </a:fld>
             <a:endParaRPr lang="en-US"/>
           </a:p>
@@ -4455,7 +4455,7 @@
           <a:p>
             <a:fld id="{4DCF948D-9A0F-45A7-AC2A-0F9D66411295}" type="datetime1">
               <a:rPr lang="en-US" smtClean="0"/>
-              <a:t>4/6/2012</a:t>
+              <a:t>4/7/2012</a:t>
             </a:fld>
             <a:endParaRPr lang="en-US"/>
           </a:p>
@@ -4712,7 +4712,7 @@
           <a:p>
             <a:fld id="{4A21D891-95FB-4F5F-ADE7-5BBBBA77FC22}" type="datetime1">
               <a:rPr lang="en-US" smtClean="0"/>
-              <a:t>4/6/2012</a:t>
+              <a:t>4/7/2012</a:t>
             </a:fld>
             <a:endParaRPr lang="en-US"/>
           </a:p>
@@ -4929,7 +4929,7 @@
           <a:p>
             <a:fld id="{52F776B0-53FF-4CEF-B324-E68B4BDDBC71}" type="datetime1">
               <a:rPr lang="en-US" smtClean="0"/>
-              <a:t>4/6/2012</a:t>
+              <a:t>4/7/2012</a:t>
             </a:fld>
             <a:endParaRPr lang="en-US"/>
           </a:p>
@@ -5333,11 +5333,7 @@
           <a:p>
             <a:r>
               <a:rPr lang="en-US" sz="3600" b="1" dirty="0" smtClean="0"/>
-              <a:t>GIẢI </a:t>
-            </a:r>
-            <a:r>
-              <a:rPr lang="en-US" sz="3600" b="1" dirty="0" smtClean="0"/>
-              <a:t>THUẬT DI TRUYỀN GIẢI BÀI TOÁN THIẾT KẾ MẠNG </a:t>
+              <a:t>GIẢI THUẬT DI TRUYỀN GIẢI BÀI TOÁN THIẾT KẾ MẠNG </a:t>
             </a:r>
             <a:br>
               <a:rPr lang="en-US" sz="3600" b="1" dirty="0" smtClean="0"/>
@@ -5358,23 +5354,7 @@
             </a:br>
             <a:r>
               <a:rPr lang="en-US" sz="2800" b="1" dirty="0" smtClean="0"/>
-              <a:t>(Genetic </a:t>
-            </a:r>
-            <a:r>
-              <a:rPr lang="en-US" sz="2800" b="1" dirty="0" smtClean="0"/>
-              <a:t>Algorithms </a:t>
-            </a:r>
-            <a:r>
-              <a:rPr lang="en-US" sz="2800" b="1" dirty="0" smtClean="0"/>
-              <a:t>for</a:t>
-            </a:r>
-            <a:r>
-              <a:rPr lang="en-US" sz="2800" b="1" dirty="0" smtClean="0"/>
-              <a:t> solving </a:t>
-            </a:r>
-            <a:r>
-              <a:rPr lang="en-US" sz="2800" b="1" dirty="0" smtClean="0"/>
-              <a:t>multilayer survivable optical network design problem)</a:t>
+              <a:t>(Genetic Algorithms for solving multilayer survivable optical network design problem)</a:t>
             </a:r>
             <a:r>
               <a:rPr lang="en-US" sz="3600" b="1" dirty="0" smtClean="0"/>
@@ -5475,7 +5455,7 @@
           <a:p>
             <a:fld id="{76501CD9-90AD-4FB7-A953-0FB9DCCFDF2E}" type="datetime1">
               <a:rPr lang="en-US" smtClean="0"/>
-              <a:t>4/6/2012</a:t>
+              <a:t>4/7/2012</a:t>
             </a:fld>
             <a:endParaRPr lang="en-US"/>
           </a:p>
@@ -5606,7 +5586,7 @@
           <a:p>
             <a:fld id="{D9D502B8-AD58-4FD1-B793-29B56CAC21BC}" type="datetime1">
               <a:rPr lang="en-US" smtClean="0"/>
-              <a:t>4/6/2012</a:t>
+              <a:t>4/7/2012</a:t>
             </a:fld>
             <a:endParaRPr lang="en-US"/>
           </a:p>
@@ -5998,7 +5978,7 @@
           <a:p>
             <a:fld id="{D9D502B8-AD58-4FD1-B793-29B56CAC21BC}" type="datetime1">
               <a:rPr lang="en-US" smtClean="0"/>
-              <a:t>4/6/2012</a:t>
+              <a:t>4/7/2012</a:t>
             </a:fld>
             <a:endParaRPr lang="en-US"/>
           </a:p>
@@ -6182,8 +6162,8 @@
           </a:p>
         </p:txBody>
       </p:sp>
-      <mc:AlternateContent xmlns:mc="http://schemas.openxmlformats.org/markup-compatibility/2006">
-        <mc:Choice xmlns:a14="http://schemas.microsoft.com/office/drawing/2010/main" Requires="a14">
+      <mc:AlternateContent xmlns:mc="http://schemas.openxmlformats.org/markup-compatibility/2006" xmlns:a14="http://schemas.microsoft.com/office/drawing/2010/main">
+        <mc:Choice Requires="a14">
           <p:sp>
             <p:nvSpPr>
               <p:cNvPr id="7" name="Content Placeholder 6"/>
@@ -6283,11 +6263,7 @@
                 </a:r>
                 <a:r>
                   <a:rPr lang="en-US" dirty="0" smtClean="0"/>
-                  <a:t>,c</a:t>
-                </a:r>
-                <a:r>
-                  <a:rPr lang="en-US" dirty="0" smtClean="0"/>
-                  <a:t>), </a:t>
+                  <a:t>,c), </a:t>
                 </a:r>
                 <a:r>
                   <a:rPr lang="en-US" dirty="0" err="1" smtClean="0"/>
@@ -6355,11 +6331,7 @@
                 <a:pPr lvl="1"/>
                 <a:r>
                   <a:rPr lang="en-US" dirty="0" smtClean="0"/>
-                  <a:t>T </a:t>
-                </a:r>
-                <a:r>
-                  <a:rPr lang="en-US" dirty="0" smtClean="0"/>
-                  <a:t>– </a:t>
+                  <a:t>T – </a:t>
                 </a:r>
                 <a:r>
                   <a:rPr lang="en-US" dirty="0" err="1" smtClean="0"/>
@@ -6441,11 +6413,7 @@
                 </a:r>
                 <a:r>
                   <a:rPr lang="en-US" dirty="0" smtClean="0"/>
-                  <a:t>∈</a:t>
-                </a:r>
-                <a:r>
-                  <a:rPr lang="en-US" dirty="0" smtClean="0"/>
-                  <a:t>T: </a:t>
+                  <a:t>∈T: </a:t>
                 </a:r>
                 <a:r>
                   <a:rPr lang="en-US" dirty="0" err="1" smtClean="0"/>
@@ -6505,11 +6473,7 @@
                 </a:r>
                 <a:r>
                   <a:rPr lang="en-US" dirty="0" smtClean="0"/>
-                  <a:t> </a:t>
-                </a:r>
-                <a:r>
-                  <a:rPr lang="en-US" dirty="0" smtClean="0"/>
-                  <a:t>d</a:t>
+                  <a:t> d</a:t>
                 </a:r>
                 <a:r>
                   <a:rPr lang="en-US" sz="2800" baseline="-25000" dirty="0" smtClean="0"/>
@@ -6756,11 +6720,7 @@
                 </a:r>
                 <a:r>
                   <a:rPr lang="en-US" dirty="0" smtClean="0"/>
-                  <a:t> </a:t>
-                </a:r>
-                <a:r>
-                  <a:rPr lang="en-US" dirty="0" smtClean="0"/>
-                  <a:t>request </a:t>
+                  <a:t> request </a:t>
                 </a:r>
                 <a:r>
                   <a:rPr lang="en-US" dirty="0" err="1" smtClean="0"/>
@@ -6943,11 +6903,7 @@
                 </a:r>
                 <a:r>
                   <a:rPr lang="en-US" dirty="0" smtClean="0"/>
-                  <a:t> </a:t>
-                </a:r>
-                <a:r>
-                  <a:rPr lang="en-US" dirty="0" smtClean="0"/>
-                  <a:t>chi </a:t>
+                  <a:t> chi </a:t>
                 </a:r>
                 <a:r>
                   <a:rPr lang="en-US" dirty="0" err="1" smtClean="0"/>
@@ -7030,7 +6986,7 @@
             </p:txBody>
           </p:sp>
         </mc:Choice>
-        <mc:Fallback>
+        <mc:Fallback xmlns="">
           <p:sp>
             <p:nvSpPr>
               <p:cNvPr id="7" name="Content Placeholder 6"/>
@@ -7229,7 +7185,7 @@
           <a:p>
             <a:fld id="{D9D502B8-AD58-4FD1-B793-29B56CAC21BC}" type="datetime1">
               <a:rPr lang="en-US" smtClean="0"/>
-              <a:t>4/6/2012</a:t>
+              <a:t>4/7/2012</a:t>
             </a:fld>
             <a:endParaRPr lang="en-US"/>
           </a:p>
@@ -7463,7 +7419,7 @@
           <a:p>
             <a:fld id="{E3E2306C-E34F-4492-8C03-BFD178B0B86F}" type="datetime1">
               <a:rPr lang="en-US" smtClean="0"/>
-              <a:t>4/6/2012</a:t>
+              <a:t>4/7/2012</a:t>
             </a:fld>
             <a:endParaRPr lang="en-US"/>
           </a:p>
@@ -7593,7 +7549,7 @@
           <a:p>
             <a:fld id="{D9D502B8-AD58-4FD1-B793-29B56CAC21BC}" type="datetime1">
               <a:rPr lang="en-US" smtClean="0"/>
-              <a:t>4/6/2012</a:t>
+              <a:t>4/7/2012</a:t>
             </a:fld>
             <a:endParaRPr lang="en-US"/>
           </a:p>
@@ -8538,7 +8494,7 @@
           <a:p>
             <a:fld id="{D9D502B8-AD58-4FD1-B793-29B56CAC21BC}" type="datetime1">
               <a:rPr lang="en-US" smtClean="0"/>
-              <a:t>4/6/2012</a:t>
+              <a:t>4/7/2012</a:t>
             </a:fld>
             <a:endParaRPr lang="en-US"/>
           </a:p>
@@ -8701,7 +8657,7 @@
           <a:p>
             <a:fld id="{E3E2306C-E34F-4492-8C03-BFD178B0B86F}" type="datetime1">
               <a:rPr lang="en-US" smtClean="0"/>
-              <a:t>4/6/2012</a:t>
+              <a:t>4/7/2012</a:t>
             </a:fld>
             <a:endParaRPr lang="en-US"/>
           </a:p>
@@ -8821,6 +8777,174 @@
       </p:sp>
       <p:sp>
         <p:nvSpPr>
+          <p:cNvPr id="7" name="Content Placeholder 6"/>
+          <p:cNvSpPr>
+            <a:spLocks noGrp="1"/>
+          </p:cNvSpPr>
+          <p:nvPr>
+            <p:ph idx="1"/>
+          </p:nvPr>
+        </p:nvSpPr>
+        <p:spPr/>
+        <p:txBody>
+          <a:bodyPr/>
+          <a:lstStyle/>
+          <a:p>
+            <a:r>
+              <a:rPr lang="en-US" dirty="0" err="1" smtClean="0"/>
+              <a:t>Mã</a:t>
+            </a:r>
+            <a:r>
+              <a:rPr lang="en-US" dirty="0" smtClean="0"/>
+              <a:t> </a:t>
+            </a:r>
+            <a:r>
+              <a:rPr lang="en-US" dirty="0" err="1" smtClean="0"/>
+              <a:t>hóa</a:t>
+            </a:r>
+            <a:endParaRPr lang="en-US" dirty="0" smtClean="0"/>
+          </a:p>
+          <a:p>
+            <a:r>
+              <a:rPr lang="en-US" dirty="0" err="1" smtClean="0"/>
+              <a:t>Đánh</a:t>
+            </a:r>
+            <a:r>
+              <a:rPr lang="en-US" dirty="0" smtClean="0"/>
+              <a:t> </a:t>
+            </a:r>
+            <a:r>
+              <a:rPr lang="en-US" dirty="0" err="1" smtClean="0"/>
+              <a:t>giá</a:t>
+            </a:r>
+            <a:r>
+              <a:rPr lang="en-US" dirty="0" smtClean="0"/>
+              <a:t> </a:t>
+            </a:r>
+            <a:r>
+              <a:rPr lang="en-US" dirty="0" err="1" smtClean="0"/>
+              <a:t>độ</a:t>
+            </a:r>
+            <a:r>
+              <a:rPr lang="en-US" dirty="0" smtClean="0"/>
+              <a:t> </a:t>
+            </a:r>
+            <a:r>
+              <a:rPr lang="en-US" dirty="0" err="1" smtClean="0"/>
+              <a:t>thích</a:t>
+            </a:r>
+            <a:r>
+              <a:rPr lang="en-US" dirty="0" smtClean="0"/>
+              <a:t> </a:t>
+            </a:r>
+            <a:r>
+              <a:rPr lang="en-US" dirty="0" err="1" smtClean="0"/>
+              <a:t>nghi</a:t>
+            </a:r>
+            <a:endParaRPr lang="en-US" dirty="0" smtClean="0"/>
+          </a:p>
+          <a:p>
+            <a:r>
+              <a:rPr lang="en-US" dirty="0" err="1" smtClean="0"/>
+              <a:t>Khởi</a:t>
+            </a:r>
+            <a:r>
+              <a:rPr lang="en-US" dirty="0" smtClean="0"/>
+              <a:t> </a:t>
+            </a:r>
+            <a:r>
+              <a:rPr lang="en-US" dirty="0" err="1" smtClean="0"/>
+              <a:t>tạo</a:t>
+            </a:r>
+            <a:r>
+              <a:rPr lang="en-US" dirty="0" smtClean="0"/>
+              <a:t> </a:t>
+            </a:r>
+            <a:r>
+              <a:rPr lang="en-US" dirty="0" err="1" smtClean="0"/>
+              <a:t>quần</a:t>
+            </a:r>
+            <a:r>
+              <a:rPr lang="en-US" dirty="0" smtClean="0"/>
+              <a:t> </a:t>
+            </a:r>
+            <a:r>
+              <a:rPr lang="en-US" dirty="0" err="1" smtClean="0"/>
+              <a:t>thể</a:t>
+            </a:r>
+            <a:endParaRPr lang="en-US" dirty="0" smtClean="0"/>
+          </a:p>
+          <a:p>
+            <a:r>
+              <a:rPr lang="en-US" dirty="0" err="1" smtClean="0"/>
+              <a:t>Chọn</a:t>
+            </a:r>
+            <a:r>
+              <a:rPr lang="en-US" dirty="0" smtClean="0"/>
+              <a:t> cha </a:t>
+            </a:r>
+            <a:r>
+              <a:rPr lang="en-US" dirty="0" err="1" smtClean="0"/>
+              <a:t>mẹ</a:t>
+            </a:r>
+            <a:r>
+              <a:rPr lang="en-US" dirty="0" smtClean="0"/>
+              <a:t> </a:t>
+            </a:r>
+            <a:r>
+              <a:rPr lang="en-US" dirty="0" err="1" smtClean="0"/>
+              <a:t>lai</a:t>
+            </a:r>
+            <a:r>
+              <a:rPr lang="en-US" dirty="0" smtClean="0"/>
+              <a:t> </a:t>
+            </a:r>
+            <a:r>
+              <a:rPr lang="en-US" dirty="0" err="1" smtClean="0"/>
+              <a:t>ghép</a:t>
+            </a:r>
+            <a:r>
+              <a:rPr lang="en-US" dirty="0" smtClean="0"/>
+              <a:t> </a:t>
+            </a:r>
+          </a:p>
+          <a:p>
+            <a:r>
+              <a:rPr lang="en-US" dirty="0" smtClean="0"/>
+              <a:t>Lai </a:t>
+            </a:r>
+            <a:r>
+              <a:rPr lang="en-US" dirty="0" err="1" smtClean="0"/>
+              <a:t>ghép</a:t>
+            </a:r>
+            <a:endParaRPr lang="en-US" dirty="0" smtClean="0"/>
+          </a:p>
+          <a:p>
+            <a:r>
+              <a:rPr lang="en-US" dirty="0" err="1" smtClean="0"/>
+              <a:t>Đột</a:t>
+            </a:r>
+            <a:r>
+              <a:rPr lang="en-US" dirty="0" smtClean="0"/>
+              <a:t> </a:t>
+            </a:r>
+            <a:r>
+              <a:rPr lang="en-US" dirty="0" err="1" smtClean="0"/>
+              <a:t>biến</a:t>
+            </a:r>
+            <a:endParaRPr lang="en-US" dirty="0" smtClean="0"/>
+          </a:p>
+          <a:p>
+            <a:r>
+              <a:rPr lang="en-US" dirty="0" err="1" smtClean="0"/>
+              <a:t>Chọ</a:t>
+            </a:r>
+            <a:endParaRPr lang="en-US" dirty="0"/>
+          </a:p>
+        </p:txBody>
+      </p:sp>
+      <p:sp>
+        <p:nvSpPr>
           <p:cNvPr id="3" name="Date Placeholder 2"/>
           <p:cNvSpPr>
             <a:spLocks noGrp="1"/>
@@ -8836,7 +8960,7 @@
           <a:p>
             <a:fld id="{D9D502B8-AD58-4FD1-B793-29B56CAC21BC}" type="datetime1">
               <a:rPr lang="en-US" smtClean="0"/>
-              <a:t>4/6/2012</a:t>
+              <a:t>4/7/2012</a:t>
             </a:fld>
             <a:endParaRPr lang="en-US"/>
           </a:p>
@@ -8888,64 +9012,6 @@
           </a:p>
         </p:txBody>
       </p:sp>
-      <p:sp>
-        <p:nvSpPr>
-          <p:cNvPr id="8" name="Circular Arrow 7"/>
-          <p:cNvSpPr/>
-          <p:nvPr/>
-        </p:nvSpPr>
-        <p:spPr>
-          <a:xfrm rot="10800000">
-            <a:off x="1371600" y="1600200"/>
-            <a:ext cx="6172200" cy="4267200"/>
-          </a:xfrm>
-          <a:prstGeom prst="circularArrow">
-            <a:avLst>
-              <a:gd name="adj1" fmla="val 12500"/>
-              <a:gd name="adj2" fmla="val 1098417"/>
-              <a:gd name="adj3" fmla="val 20457681"/>
-              <a:gd name="adj4" fmla="val 10760730"/>
-              <a:gd name="adj5" fmla="val 16783"/>
-            </a:avLst>
-          </a:prstGeom>
-        </p:spPr>
-        <p:style>
-          <a:lnRef idx="2">
-            <a:schemeClr val="accent1">
-              <a:shade val="50000"/>
-            </a:schemeClr>
-          </a:lnRef>
-          <a:fillRef idx="1">
-            <a:schemeClr val="accent1"/>
-          </a:fillRef>
-          <a:effectRef idx="0">
-            <a:schemeClr val="accent1"/>
-          </a:effectRef>
-          <a:fontRef idx="minor">
-            <a:schemeClr val="lt1"/>
-          </a:fontRef>
-        </p:style>
-        <p:txBody>
-          <a:bodyPr anchor="ctr"/>
-          <a:lstStyle/>
-          <a:p>
-            <a:pPr algn="ctr" fontAlgn="auto">
-              <a:spcBef>
-                <a:spcPts val="0"/>
-              </a:spcBef>
-              <a:spcAft>
-                <a:spcPts val="0"/>
-              </a:spcAft>
-              <a:defRPr/>
-            </a:pPr>
-            <a:endParaRPr lang="en-US">
-              <a:solidFill>
-                <a:schemeClr val="tx1"/>
-              </a:solidFill>
-            </a:endParaRPr>
-          </a:p>
-        </p:txBody>
-      </p:sp>
       <p:grpSp>
         <p:nvGrpSpPr>
           <p:cNvPr id="9" name="Group 8"/>
@@ -8954,7 +9020,7 @@
         </p:nvGrpSpPr>
         <p:grpSpPr>
           <a:xfrm>
-            <a:off x="347030" y="3121729"/>
+            <a:off x="259947" y="4623515"/>
             <a:ext cx="1536352" cy="614541"/>
             <a:chOff x="4129" y="1826329"/>
             <a:chExt cx="1536352" cy="614541"/>
@@ -9100,7 +9166,7 @@
         </p:nvGrpSpPr>
         <p:grpSpPr>
           <a:xfrm>
-            <a:off x="1729748" y="3121729"/>
+            <a:off x="1729748" y="4648200"/>
             <a:ext cx="1536352" cy="614541"/>
             <a:chOff x="1386847" y="1826329"/>
             <a:chExt cx="1536352" cy="614541"/>
@@ -9254,7 +9320,7 @@
         </p:nvGrpSpPr>
         <p:grpSpPr>
           <a:xfrm>
-            <a:off x="3112465" y="3121729"/>
+            <a:off x="3112465" y="4648200"/>
             <a:ext cx="1536352" cy="614541"/>
             <a:chOff x="2769564" y="1826329"/>
             <a:chExt cx="1536352" cy="614541"/>
@@ -9400,7 +9466,7 @@
         </p:nvGrpSpPr>
         <p:grpSpPr>
           <a:xfrm>
-            <a:off x="4495183" y="3121729"/>
+            <a:off x="4495183" y="4648200"/>
             <a:ext cx="1536352" cy="614541"/>
             <a:chOff x="4152282" y="1826329"/>
             <a:chExt cx="1536352" cy="614541"/>
@@ -9586,7 +9652,7 @@
         </p:nvGrpSpPr>
         <p:grpSpPr>
           <a:xfrm>
-            <a:off x="5877900" y="3121729"/>
+            <a:off x="5877900" y="4648200"/>
             <a:ext cx="1536352" cy="614541"/>
             <a:chOff x="5534999" y="1826329"/>
             <a:chExt cx="1536352" cy="614541"/>
@@ -9740,7 +9806,7 @@
         </p:nvGrpSpPr>
         <p:grpSpPr>
           <a:xfrm>
-            <a:off x="7260618" y="3121729"/>
+            <a:off x="7260618" y="4648200"/>
             <a:ext cx="1536352" cy="614541"/>
             <a:chOff x="6917717" y="1826329"/>
             <a:chExt cx="1536352" cy="614541"/>
@@ -11369,7 +11435,7 @@
           <a:p>
             <a:fld id="{E3E2306C-E34F-4492-8C03-BFD178B0B86F}" type="datetime1">
               <a:rPr lang="en-US" smtClean="0"/>
-              <a:t>4/6/2012</a:t>
+              <a:t>4/7/2012</a:t>
             </a:fld>
             <a:endParaRPr lang="en-US"/>
           </a:p>
@@ -12762,7 +12828,7 @@
           <a:p>
             <a:fld id="{D9D502B8-AD58-4FD1-B793-29B56CAC21BC}" type="datetime1">
               <a:rPr lang="en-US" smtClean="0"/>
-              <a:t>4/6/2012</a:t>
+              <a:t>4/7/2012</a:t>
             </a:fld>
             <a:endParaRPr lang="en-US"/>
           </a:p>
@@ -14329,7 +14395,7 @@
           <a:p>
             <a:fld id="{E3E2306C-E34F-4492-8C03-BFD178B0B86F}" type="datetime1">
               <a:rPr lang="en-US" smtClean="0"/>
-              <a:t>4/6/2012</a:t>
+              <a:t>4/7/2012</a:t>
             </a:fld>
             <a:endParaRPr lang="en-US"/>
           </a:p>
@@ -14459,7 +14525,7 @@
         <p:spPr>
           <a:xfrm>
             <a:off x="2514600" y="4191000"/>
-            <a:ext cx="231648" cy="1559465"/>
+            <a:ext cx="231648" cy="466859"/>
           </a:xfrm>
           <a:prstGeom prst="leftBrace">
             <a:avLst/>
@@ -14497,7 +14563,7 @@
         <p:spPr>
           <a:xfrm>
             <a:off x="2895600" y="4150027"/>
-            <a:ext cx="5634876" cy="1600438"/>
+            <a:ext cx="2836161" cy="615553"/>
           </a:xfrm>
           <a:prstGeom prst="rect">
             <a:avLst/>
@@ -14525,252 +14591,6 @@
               <a:buChar char="-"/>
             </a:pPr>
             <a:r>
-              <a:rPr lang="en-US" sz="1600" dirty="0" smtClean="0"/>
-              <a:t>Chi </a:t>
-            </a:r>
-            <a:r>
-              <a:rPr lang="en-US" sz="1600" dirty="0" err="1" smtClean="0"/>
-              <a:t>phí</a:t>
-            </a:r>
-            <a:r>
-              <a:rPr lang="en-US" sz="1600" dirty="0" smtClean="0"/>
-              <a:t>: C = c(N</a:t>
-            </a:r>
-            <a:r>
-              <a:rPr lang="en-US" sz="1600" baseline="-25000" dirty="0" smtClean="0"/>
-              <a:t>7</a:t>
-            </a:r>
-            <a:r>
-              <a:rPr lang="en-US" sz="1600" dirty="0" smtClean="0"/>
-              <a:t>,N</a:t>
-            </a:r>
-            <a:r>
-              <a:rPr lang="en-US" sz="1600" baseline="-25000" dirty="0" smtClean="0"/>
-              <a:t>1</a:t>
-            </a:r>
-            <a:r>
-              <a:rPr lang="en-US" sz="1600" dirty="0" smtClean="0"/>
-              <a:t>) + c(N</a:t>
-            </a:r>
-            <a:r>
-              <a:rPr lang="en-US" sz="1600" baseline="-25000" dirty="0"/>
-              <a:t>1</a:t>
-            </a:r>
-            <a:r>
-              <a:rPr lang="en-US" sz="1600" dirty="0" smtClean="0"/>
-              <a:t>,N</a:t>
-            </a:r>
-            <a:r>
-              <a:rPr lang="en-US" sz="1600" baseline="-25000" dirty="0"/>
-              <a:t>5</a:t>
-            </a:r>
-            <a:r>
-              <a:rPr lang="en-US" sz="1600" dirty="0" smtClean="0"/>
-              <a:t>) + c(N</a:t>
-            </a:r>
-            <a:r>
-              <a:rPr lang="en-US" sz="1600" baseline="-25000" dirty="0"/>
-              <a:t>5</a:t>
-            </a:r>
-            <a:r>
-              <a:rPr lang="en-US" sz="1600" dirty="0" smtClean="0"/>
-              <a:t>,N</a:t>
-            </a:r>
-            <a:r>
-              <a:rPr lang="en-US" sz="1600" baseline="-25000" dirty="0"/>
-              <a:t>6</a:t>
-            </a:r>
-            <a:r>
-              <a:rPr lang="en-US" sz="1600" dirty="0" smtClean="0"/>
-              <a:t>) + c(N</a:t>
-            </a:r>
-            <a:r>
-              <a:rPr lang="en-US" sz="1600" baseline="-25000" dirty="0"/>
-              <a:t>6</a:t>
-            </a:r>
-            <a:r>
-              <a:rPr lang="en-US" sz="1600" dirty="0" smtClean="0"/>
-              <a:t>,N</a:t>
-            </a:r>
-            <a:r>
-              <a:rPr lang="en-US" sz="1600" baseline="-25000" dirty="0"/>
-              <a:t>9</a:t>
-            </a:r>
-            <a:r>
-              <a:rPr lang="en-US" sz="1600" dirty="0" smtClean="0"/>
-              <a:t>) + c(N</a:t>
-            </a:r>
-            <a:r>
-              <a:rPr lang="en-US" sz="1600" baseline="-25000" dirty="0" smtClean="0"/>
-              <a:t>9</a:t>
-            </a:r>
-            <a:r>
-              <a:rPr lang="en-US" sz="1600" dirty="0" smtClean="0"/>
-              <a:t>,N</a:t>
-            </a:r>
-            <a:r>
-              <a:rPr lang="en-US" sz="1600" baseline="-25000" dirty="0" smtClean="0"/>
-              <a:t>17</a:t>
-            </a:r>
-            <a:r>
-              <a:rPr lang="en-US" sz="1600" dirty="0" smtClean="0"/>
-              <a:t>)</a:t>
-            </a:r>
-          </a:p>
-          <a:p>
-            <a:r>
-              <a:rPr lang="en-US" sz="1600" i="1" dirty="0" smtClean="0"/>
-              <a:t>(</a:t>
-            </a:r>
-            <a:r>
-              <a:rPr lang="en-US" sz="1600" i="1" dirty="0" err="1" smtClean="0"/>
-              <a:t>Khi</a:t>
-            </a:r>
-            <a:r>
-              <a:rPr lang="en-US" sz="1600" i="1" dirty="0" smtClean="0"/>
-              <a:t> </a:t>
-            </a:r>
-            <a:r>
-              <a:rPr lang="en-US" sz="1600" i="1" dirty="0" err="1" smtClean="0"/>
-              <a:t>có</a:t>
-            </a:r>
-            <a:r>
-              <a:rPr lang="en-US" sz="1600" i="1" dirty="0" smtClean="0"/>
-              <a:t> </a:t>
-            </a:r>
-            <a:r>
-              <a:rPr lang="en-US" sz="1600" i="1" dirty="0" err="1" smtClean="0"/>
-              <a:t>từ</a:t>
-            </a:r>
-            <a:r>
-              <a:rPr lang="en-US" sz="1600" i="1" dirty="0" smtClean="0"/>
-              <a:t> 2 request </a:t>
-            </a:r>
-            <a:r>
-              <a:rPr lang="en-US" sz="1600" i="1" dirty="0" err="1" smtClean="0"/>
-              <a:t>trở</a:t>
-            </a:r>
-            <a:r>
-              <a:rPr lang="en-US" sz="1600" i="1" dirty="0" smtClean="0"/>
-              <a:t> </a:t>
-            </a:r>
-            <a:r>
-              <a:rPr lang="en-US" sz="1600" i="1" dirty="0" err="1" smtClean="0"/>
-              <a:t>lên</a:t>
-            </a:r>
-            <a:r>
-              <a:rPr lang="en-US" sz="1600" i="1" dirty="0" smtClean="0"/>
-              <a:t> </a:t>
-            </a:r>
-            <a:r>
-              <a:rPr lang="en-US" sz="1600" i="1" dirty="0" err="1" smtClean="0"/>
-              <a:t>cùng</a:t>
-            </a:r>
-            <a:r>
-              <a:rPr lang="en-US" sz="1600" i="1" dirty="0" smtClean="0"/>
-              <a:t> </a:t>
-            </a:r>
-            <a:r>
-              <a:rPr lang="en-US" sz="1600" i="1" dirty="0" err="1" smtClean="0"/>
-              <a:t>sử</a:t>
-            </a:r>
-            <a:r>
-              <a:rPr lang="en-US" sz="1600" i="1" dirty="0" smtClean="0"/>
-              <a:t> </a:t>
-            </a:r>
-            <a:r>
-              <a:rPr lang="en-US" sz="1600" i="1" dirty="0" err="1" smtClean="0"/>
-              <a:t>dụng</a:t>
-            </a:r>
-            <a:r>
-              <a:rPr lang="en-US" sz="1600" i="1" dirty="0" smtClean="0"/>
-              <a:t> 1 link </a:t>
-            </a:r>
-            <a:r>
-              <a:rPr lang="en-US" sz="1600" i="1" dirty="0" err="1" smtClean="0"/>
-              <a:t>vật</a:t>
-            </a:r>
-            <a:r>
-              <a:rPr lang="en-US" sz="1600" i="1" dirty="0" smtClean="0"/>
-              <a:t> </a:t>
-            </a:r>
-            <a:r>
-              <a:rPr lang="en-US" sz="1600" i="1" dirty="0" err="1" smtClean="0"/>
-              <a:t>lý</a:t>
-            </a:r>
-            <a:r>
-              <a:rPr lang="en-US" sz="1600" i="1" dirty="0" smtClean="0"/>
-              <a:t> </a:t>
-            </a:r>
-            <a:r>
-              <a:rPr lang="en-US" sz="1600" i="1" dirty="0" err="1" smtClean="0"/>
-              <a:t>thì</a:t>
-            </a:r>
-            <a:r>
-              <a:rPr lang="en-US" sz="1600" i="1" dirty="0" smtClean="0"/>
-              <a:t> </a:t>
-            </a:r>
-            <a:r>
-              <a:rPr lang="en-US" sz="1600" i="1" dirty="0" err="1" smtClean="0"/>
-              <a:t>chỉ</a:t>
-            </a:r>
-            <a:r>
-              <a:rPr lang="en-US" sz="1600" i="1" dirty="0" smtClean="0"/>
-              <a:t> </a:t>
-            </a:r>
-            <a:r>
-              <a:rPr lang="en-US" sz="1600" i="1" dirty="0" err="1" smtClean="0"/>
-              <a:t>tính</a:t>
-            </a:r>
-            <a:r>
-              <a:rPr lang="en-US" sz="1600" i="1" dirty="0" smtClean="0"/>
-              <a:t> </a:t>
-            </a:r>
-          </a:p>
-          <a:p>
-            <a:r>
-              <a:rPr lang="en-US" sz="1600" i="1" dirty="0" smtClean="0"/>
-              <a:t>chi </a:t>
-            </a:r>
-            <a:r>
-              <a:rPr lang="en-US" sz="1600" i="1" dirty="0" err="1" smtClean="0"/>
-              <a:t>phí</a:t>
-            </a:r>
-            <a:r>
-              <a:rPr lang="en-US" sz="1600" i="1" dirty="0" smtClean="0"/>
-              <a:t> 1 </a:t>
-            </a:r>
-            <a:r>
-              <a:rPr lang="en-US" sz="1600" i="1" dirty="0" err="1" smtClean="0"/>
-              <a:t>lần</a:t>
-            </a:r>
-            <a:r>
-              <a:rPr lang="en-US" sz="1600" i="1" dirty="0" smtClean="0"/>
-              <a:t> </a:t>
-            </a:r>
-            <a:r>
-              <a:rPr lang="en-US" sz="1600" i="1" dirty="0" err="1" smtClean="0"/>
-              <a:t>trên</a:t>
-            </a:r>
-            <a:r>
-              <a:rPr lang="en-US" sz="1600" i="1" dirty="0" smtClean="0"/>
-              <a:t> link </a:t>
-            </a:r>
-            <a:r>
-              <a:rPr lang="en-US" sz="1600" i="1" dirty="0" err="1" smtClean="0"/>
-              <a:t>đó</a:t>
-            </a:r>
-            <a:r>
-              <a:rPr lang="en-US" sz="1600" i="1" dirty="0" smtClean="0"/>
-              <a:t>)</a:t>
-            </a:r>
-          </a:p>
-          <a:p>
-            <a:pPr marL="285750" indent="-285750">
-              <a:buFontTx/>
-              <a:buChar char="-"/>
-            </a:pPr>
-            <a:r>
               <a:rPr lang="en-US" sz="1600" dirty="0" err="1" smtClean="0"/>
               <a:t>Danh</a:t>
             </a:r>
@@ -14796,7 +14616,7 @@
             </a:r>
             <a:r>
               <a:rPr lang="en-US" sz="1600" dirty="0" err="1" smtClean="0"/>
-              <a:t>đỉnh</a:t>
+              <a:t>cạnh</a:t>
             </a:r>
             <a:r>
               <a:rPr lang="en-US" sz="1600" dirty="0" smtClean="0"/>
@@ -14804,120 +14624,13 @@
             </a:r>
             <a:r>
               <a:rPr lang="en-US" sz="1600" dirty="0" err="1" smtClean="0"/>
-              <a:t>theo</a:t>
+              <a:t>trên</a:t>
             </a:r>
             <a:r>
               <a:rPr lang="en-US" sz="1600" dirty="0" smtClean="0"/>
-              <a:t> </a:t>
-            </a:r>
-            <a:r>
-              <a:rPr lang="en-US" sz="1600" dirty="0" err="1" smtClean="0"/>
-              <a:t>thứ</a:t>
-            </a:r>
-            <a:r>
-              <a:rPr lang="en-US" sz="1600" dirty="0" smtClean="0"/>
-              <a:t> </a:t>
-            </a:r>
-            <a:r>
-              <a:rPr lang="en-US" sz="1600" dirty="0" err="1" smtClean="0"/>
-              <a:t>tự</a:t>
-            </a:r>
-            <a:r>
-              <a:rPr lang="en-US" sz="1600" dirty="0" smtClean="0"/>
-              <a:t>: {N</a:t>
-            </a:r>
-            <a:r>
-              <a:rPr lang="en-US" sz="1600" baseline="-25000" dirty="0" smtClean="0"/>
-              <a:t>7</a:t>
-            </a:r>
-            <a:r>
-              <a:rPr lang="en-US" sz="1600" dirty="0" smtClean="0"/>
-              <a:t>,N</a:t>
-            </a:r>
-            <a:r>
-              <a:rPr lang="en-US" sz="1600" baseline="-25000" dirty="0" smtClean="0"/>
-              <a:t>1</a:t>
-            </a:r>
-            <a:r>
-              <a:rPr lang="en-US" sz="1600" dirty="0" smtClean="0"/>
-              <a:t>,N</a:t>
-            </a:r>
-            <a:r>
-              <a:rPr lang="en-US" sz="1600" baseline="-25000" dirty="0" smtClean="0"/>
-              <a:t>5</a:t>
-            </a:r>
-            <a:r>
-              <a:rPr lang="en-US" sz="1600" dirty="0" smtClean="0"/>
-              <a:t>,N</a:t>
-            </a:r>
-            <a:r>
-              <a:rPr lang="en-US" sz="1600" baseline="-25000" dirty="0" smtClean="0"/>
-              <a:t>6</a:t>
-            </a:r>
-            <a:r>
-              <a:rPr lang="en-US" sz="1600" dirty="0" smtClean="0"/>
-              <a:t>,N</a:t>
-            </a:r>
-            <a:r>
-              <a:rPr lang="en-US" sz="1600" baseline="-25000" dirty="0" smtClean="0"/>
-              <a:t>9</a:t>
-            </a:r>
-            <a:r>
-              <a:rPr lang="en-US" sz="1600" dirty="0" smtClean="0"/>
-              <a:t>,N</a:t>
-            </a:r>
-            <a:r>
-              <a:rPr lang="en-US" sz="1600" baseline="-25000" dirty="0" smtClean="0"/>
-              <a:t>10</a:t>
-            </a:r>
-            <a:r>
-              <a:rPr lang="en-US" sz="1600" dirty="0" smtClean="0"/>
-              <a:t>, N</a:t>
-            </a:r>
-            <a:r>
-              <a:rPr lang="en-US" sz="1600" baseline="-25000" dirty="0" smtClean="0"/>
-              <a:t>17</a:t>
-            </a:r>
-            <a:r>
-              <a:rPr lang="en-US" sz="1600" dirty="0" smtClean="0"/>
-              <a:t>}</a:t>
+              <a:t> gen</a:t>
             </a:r>
             <a:endParaRPr lang="en-US" sz="1600" dirty="0" smtClean="0"/>
-          </a:p>
-          <a:p>
-            <a:pPr marL="285750" indent="-285750">
-              <a:buFontTx/>
-              <a:buChar char="-"/>
-            </a:pPr>
-            <a:r>
-              <a:rPr lang="en-US" sz="1600" b="1" dirty="0" err="1" smtClean="0">
-                <a:solidFill>
-                  <a:srgbClr val="FF0000"/>
-                </a:solidFill>
-              </a:rPr>
-              <a:t>Bước</a:t>
-            </a:r>
-            <a:r>
-              <a:rPr lang="en-US" sz="1600" b="1" dirty="0" smtClean="0">
-                <a:solidFill>
-                  <a:srgbClr val="FF0000"/>
-                </a:solidFill>
-              </a:rPr>
-              <a:t> </a:t>
-            </a:r>
-            <a:r>
-              <a:rPr lang="en-US" sz="1600" b="1" dirty="0" err="1" smtClean="0">
-                <a:solidFill>
-                  <a:srgbClr val="FF0000"/>
-                </a:solidFill>
-              </a:rPr>
-              <a:t>sóng</a:t>
-            </a:r>
-            <a:endParaRPr lang="en-US" sz="1600" b="1" dirty="0">
-              <a:solidFill>
-                <a:srgbClr val="FF0000"/>
-              </a:solidFill>
-            </a:endParaRPr>
           </a:p>
         </p:txBody>
       </p:sp>
@@ -16850,7 +16563,7 @@
           <a:p>
             <a:fld id="{E3E2306C-E34F-4492-8C03-BFD178B0B86F}" type="datetime1">
               <a:rPr lang="en-US" smtClean="0"/>
-              <a:t>4/6/2012</a:t>
+              <a:t>4/7/2012</a:t>
             </a:fld>
             <a:endParaRPr lang="en-US"/>
           </a:p>
@@ -18509,7 +18222,7 @@
           <a:p>
             <a:fld id="{E3E2306C-E34F-4492-8C03-BFD178B0B86F}" type="datetime1">
               <a:rPr lang="en-US" smtClean="0"/>
-              <a:t>4/6/2012</a:t>
+              <a:t>4/7/2012</a:t>
             </a:fld>
             <a:endParaRPr lang="en-US"/>
           </a:p>
@@ -19382,7 +19095,7 @@
           <a:p>
             <a:fld id="{E3E2306C-E34F-4492-8C03-BFD178B0B86F}" type="datetime1">
               <a:rPr lang="en-US" smtClean="0"/>
-              <a:t>4/6/2012</a:t>
+              <a:t>4/7/2012</a:t>
             </a:fld>
             <a:endParaRPr lang="en-US"/>
           </a:p>
@@ -19587,7 +19300,7 @@
           <a:p>
             <a:fld id="{E3E2306C-E34F-4492-8C03-BFD178B0B86F}" type="datetime1">
               <a:rPr lang="en-US" smtClean="0"/>
-              <a:t>4/6/2012</a:t>
+              <a:t>4/7/2012</a:t>
             </a:fld>
             <a:endParaRPr lang="en-US"/>
           </a:p>
@@ -20818,7 +20531,7 @@
           <a:p>
             <a:fld id="{E3E2306C-E34F-4492-8C03-BFD178B0B86F}" type="datetime1">
               <a:rPr lang="en-US" smtClean="0"/>
-              <a:t>4/6/2012</a:t>
+              <a:t>4/7/2012</a:t>
             </a:fld>
             <a:endParaRPr lang="en-US"/>
           </a:p>
@@ -22080,7 +21793,7 @@
           <a:p>
             <a:fld id="{E3E2306C-E34F-4492-8C03-BFD178B0B86F}" type="datetime1">
               <a:rPr lang="en-US" smtClean="0"/>
-              <a:t>4/6/2012</a:t>
+              <a:t>4/7/2012</a:t>
             </a:fld>
             <a:endParaRPr lang="en-US"/>
           </a:p>
@@ -23384,7 +23097,7 @@
           <a:p>
             <a:fld id="{E3E2306C-E34F-4492-8C03-BFD178B0B86F}" type="datetime1">
               <a:rPr lang="en-US" smtClean="0"/>
-              <a:t>4/6/2012</a:t>
+              <a:t>4/7/2012</a:t>
             </a:fld>
             <a:endParaRPr lang="en-US"/>
           </a:p>
@@ -24634,7 +24347,7 @@
           <a:p>
             <a:fld id="{E3E2306C-E34F-4492-8C03-BFD178B0B86F}" type="datetime1">
               <a:rPr lang="en-US" smtClean="0"/>
-              <a:t>4/6/2012</a:t>
+              <a:t>4/7/2012</a:t>
             </a:fld>
             <a:endParaRPr lang="en-US"/>
           </a:p>
@@ -24881,7 +24594,7 @@
           <a:p>
             <a:fld id="{E3E2306C-E34F-4492-8C03-BFD178B0B86F}" type="datetime1">
               <a:rPr lang="en-US" smtClean="0"/>
-              <a:t>4/6/2012</a:t>
+              <a:t>4/7/2012</a:t>
             </a:fld>
             <a:endParaRPr lang="en-US"/>
           </a:p>
@@ -28255,7 +27968,7 @@
           <a:p>
             <a:fld id="{E3E2306C-E34F-4492-8C03-BFD178B0B86F}" type="datetime1">
               <a:rPr lang="en-US" smtClean="0"/>
-              <a:t>4/6/2012</a:t>
+              <a:t>4/7/2012</a:t>
             </a:fld>
             <a:endParaRPr lang="en-US"/>
           </a:p>
@@ -28532,7 +28245,7 @@
           <a:p>
             <a:fld id="{E3E2306C-E34F-4492-8C03-BFD178B0B86F}" type="datetime1">
               <a:rPr lang="en-US" smtClean="0"/>
-              <a:t>4/6/2012</a:t>
+              <a:t>4/7/2012</a:t>
             </a:fld>
             <a:endParaRPr lang="en-US"/>
           </a:p>
@@ -28833,7 +28546,7 @@
           <a:p>
             <a:fld id="{E3E2306C-E34F-4492-8C03-BFD178B0B86F}" type="datetime1">
               <a:rPr lang="en-US" smtClean="0"/>
-              <a:t>4/6/2012</a:t>
+              <a:t>4/7/2012</a:t>
             </a:fld>
             <a:endParaRPr lang="en-US"/>
           </a:p>
@@ -29229,7 +28942,7 @@
           <a:p>
             <a:fld id="{E3E2306C-E34F-4492-8C03-BFD178B0B86F}" type="datetime1">
               <a:rPr lang="en-US" smtClean="0"/>
-              <a:t>4/6/2012</a:t>
+              <a:t>4/7/2012</a:t>
             </a:fld>
             <a:endParaRPr lang="en-US"/>
           </a:p>
@@ -30362,7 +30075,7 @@
           <a:p>
             <a:fld id="{E3E2306C-E34F-4492-8C03-BFD178B0B86F}" type="datetime1">
               <a:rPr lang="en-US" smtClean="0"/>
-              <a:t>4/6/2012</a:t>
+              <a:t>4/7/2012</a:t>
             </a:fld>
             <a:endParaRPr lang="en-US"/>
           </a:p>
@@ -30689,7 +30402,7 @@
           <a:p>
             <a:fld id="{D9D502B8-AD58-4FD1-B793-29B56CAC21BC}" type="datetime1">
               <a:rPr lang="en-US" smtClean="0"/>
-              <a:t>4/6/2012</a:t>
+              <a:t>4/7/2012</a:t>
             </a:fld>
             <a:endParaRPr lang="en-US"/>
           </a:p>
@@ -30825,7 +30538,7 @@
           <a:p>
             <a:fld id="{E3E2306C-E34F-4492-8C03-BFD178B0B86F}" type="datetime1">
               <a:rPr lang="en-US" smtClean="0"/>
-              <a:t>4/6/2012</a:t>
+              <a:t>4/7/2012</a:t>
             </a:fld>
             <a:endParaRPr lang="en-US"/>
           </a:p>
@@ -31054,7 +30767,7 @@
           <a:p>
             <a:fld id="{F45CE621-976D-490D-93D6-82BE04FEF33C}" type="datetime1">
               <a:rPr lang="en-US" smtClean="0"/>
-              <a:t>4/6/2012</a:t>
+              <a:t>4/7/2012</a:t>
             </a:fld>
             <a:endParaRPr lang="en-US"/>
           </a:p>
@@ -31238,7 +30951,7 @@
           <a:p>
             <a:fld id="{D9D502B8-AD58-4FD1-B793-29B56CAC21BC}" type="datetime1">
               <a:rPr lang="en-US" smtClean="0"/>
-              <a:t>4/6/2012</a:t>
+              <a:t>4/7/2012</a:t>
             </a:fld>
             <a:endParaRPr lang="en-US"/>
           </a:p>
@@ -31472,7 +31185,7 @@
           <a:p>
             <a:fld id="{D9D502B8-AD58-4FD1-B793-29B56CAC21BC}" type="datetime1">
               <a:rPr lang="en-US" smtClean="0"/>
-              <a:t>4/6/2012</a:t>
+              <a:t>4/7/2012</a:t>
             </a:fld>
             <a:endParaRPr lang="en-US"/>
           </a:p>
@@ -31798,7 +31511,7 @@
           <a:p>
             <a:fld id="{D9D502B8-AD58-4FD1-B793-29B56CAC21BC}" type="datetime1">
               <a:rPr lang="en-US" smtClean="0"/>
-              <a:t>4/6/2012</a:t>
+              <a:t>4/7/2012</a:t>
             </a:fld>
             <a:endParaRPr lang="en-US"/>
           </a:p>
@@ -31993,7 +31706,7 @@
           <a:p>
             <a:fld id="{D9D502B8-AD58-4FD1-B793-29B56CAC21BC}" type="datetime1">
               <a:rPr lang="en-US" smtClean="0"/>
-              <a:t>4/6/2012</a:t>
+              <a:t>4/7/2012</a:t>
             </a:fld>
             <a:endParaRPr lang="en-US"/>
           </a:p>

--- a/Presents/Luongnv.Intro6.0.pptx
+++ b/Presents/Luongnv.Intro6.0.pptx
@@ -28,10 +28,10 @@
     <p:sldId id="290" r:id="rId19"/>
     <p:sldId id="312" r:id="rId20"/>
     <p:sldId id="311" r:id="rId21"/>
-    <p:sldId id="304" r:id="rId22"/>
-    <p:sldId id="325" r:id="rId23"/>
-    <p:sldId id="313" r:id="rId24"/>
-    <p:sldId id="305" r:id="rId25"/>
+    <p:sldId id="326" r:id="rId22"/>
+    <p:sldId id="304" r:id="rId23"/>
+    <p:sldId id="325" r:id="rId24"/>
+    <p:sldId id="313" r:id="rId25"/>
     <p:sldId id="306" r:id="rId26"/>
     <p:sldId id="307" r:id="rId27"/>
     <p:sldId id="314" r:id="rId28"/>
@@ -180,10 +180,10 @@
             <p14:sldId id="290"/>
             <p14:sldId id="312"/>
             <p14:sldId id="311"/>
+            <p14:sldId id="326"/>
             <p14:sldId id="304"/>
             <p14:sldId id="325"/>
             <p14:sldId id="313"/>
-            <p14:sldId id="305"/>
             <p14:sldId id="306"/>
             <p14:sldId id="307"/>
             <p14:sldId id="314"/>
@@ -295,7 +295,7 @@
           <a:p>
             <a:fld id="{25F1A227-23B6-4C19-942A-F47326EC29E8}" type="datetimeFigureOut">
               <a:rPr lang="en-US" smtClean="0"/>
-              <a:t>4/7/2012</a:t>
+              <a:t>4/10/2012</a:t>
             </a:fld>
             <a:endParaRPr lang="en-US"/>
           </a:p>
@@ -2390,7 +2390,7 @@
           <a:p>
             <a:fld id="{71052FE1-3B5B-4810-A49E-9809327C23B0}" type="datetime1">
               <a:rPr lang="en-US" smtClean="0"/>
-              <a:t>4/7/2012</a:t>
+              <a:t>4/10/2012</a:t>
             </a:fld>
             <a:endParaRPr lang="en-US"/>
           </a:p>
@@ -2564,7 +2564,7 @@
           <a:p>
             <a:fld id="{6508B24B-3736-46F1-A6CF-41C799FC1BF8}" type="datetime1">
               <a:rPr lang="en-US" smtClean="0"/>
-              <a:t>4/7/2012</a:t>
+              <a:t>4/10/2012</a:t>
             </a:fld>
             <a:endParaRPr lang="en-US"/>
           </a:p>
@@ -2748,7 +2748,7 @@
           <a:p>
             <a:fld id="{737D6933-6F8D-476F-B929-CFD95D14D3FE}" type="datetime1">
               <a:rPr lang="en-US" smtClean="0"/>
-              <a:t>4/7/2012</a:t>
+              <a:t>4/10/2012</a:t>
             </a:fld>
             <a:endParaRPr lang="en-US"/>
           </a:p>
@@ -2949,7 +2949,7 @@
           <a:p>
             <a:fld id="{E3E2306C-E34F-4492-8C03-BFD178B0B86F}" type="datetime1">
               <a:rPr lang="en-US" smtClean="0"/>
-              <a:t>4/7/2012</a:t>
+              <a:t>4/10/2012</a:t>
             </a:fld>
             <a:endParaRPr lang="en-US"/>
           </a:p>
@@ -3235,7 +3235,7 @@
           <a:p>
             <a:fld id="{F45CE621-976D-490D-93D6-82BE04FEF33C}" type="datetime1">
               <a:rPr lang="en-US" smtClean="0"/>
-              <a:t>4/7/2012</a:t>
+              <a:t>4/10/2012</a:t>
             </a:fld>
             <a:endParaRPr lang="en-US"/>
           </a:p>
@@ -3527,7 +3527,7 @@
           <a:p>
             <a:fld id="{24C18882-06AD-4971-A70B-932A9A310951}" type="datetime1">
               <a:rPr lang="en-US" smtClean="0"/>
-              <a:t>4/7/2012</a:t>
+              <a:t>4/10/2012</a:t>
             </a:fld>
             <a:endParaRPr lang="en-US"/>
           </a:p>
@@ -3953,7 +3953,7 @@
           <a:p>
             <a:fld id="{40FDA9CF-AA6A-4460-BD3C-E233BABB6924}" type="datetime1">
               <a:rPr lang="en-US" smtClean="0"/>
-              <a:t>4/7/2012</a:t>
+              <a:t>4/10/2012</a:t>
             </a:fld>
             <a:endParaRPr lang="en-US"/>
           </a:p>
@@ -4075,7 +4075,7 @@
           <a:p>
             <a:fld id="{D9D502B8-AD58-4FD1-B793-29B56CAC21BC}" type="datetime1">
               <a:rPr lang="en-US" smtClean="0"/>
-              <a:t>4/7/2012</a:t>
+              <a:t>4/10/2012</a:t>
             </a:fld>
             <a:endParaRPr lang="en-US"/>
           </a:p>
@@ -4174,7 +4174,7 @@
           <a:p>
             <a:fld id="{B92BDB8E-050F-425D-9DE1-477C1D76FE38}" type="datetime1">
               <a:rPr lang="en-US" smtClean="0"/>
-              <a:t>4/7/2012</a:t>
+              <a:t>4/10/2012</a:t>
             </a:fld>
             <a:endParaRPr lang="en-US"/>
           </a:p>
@@ -4455,7 +4455,7 @@
           <a:p>
             <a:fld id="{4DCF948D-9A0F-45A7-AC2A-0F9D66411295}" type="datetime1">
               <a:rPr lang="en-US" smtClean="0"/>
-              <a:t>4/7/2012</a:t>
+              <a:t>4/10/2012</a:t>
             </a:fld>
             <a:endParaRPr lang="en-US"/>
           </a:p>
@@ -4712,7 +4712,7 @@
           <a:p>
             <a:fld id="{4A21D891-95FB-4F5F-ADE7-5BBBBA77FC22}" type="datetime1">
               <a:rPr lang="en-US" smtClean="0"/>
-              <a:t>4/7/2012</a:t>
+              <a:t>4/10/2012</a:t>
             </a:fld>
             <a:endParaRPr lang="en-US"/>
           </a:p>
@@ -4929,7 +4929,7 @@
           <a:p>
             <a:fld id="{52F776B0-53FF-4CEF-B324-E68B4BDDBC71}" type="datetime1">
               <a:rPr lang="en-US" smtClean="0"/>
-              <a:t>4/7/2012</a:t>
+              <a:t>4/10/2012</a:t>
             </a:fld>
             <a:endParaRPr lang="en-US"/>
           </a:p>
@@ -5347,7 +5347,7 @@
             </a:br>
             <a:r>
               <a:rPr lang="en-US" sz="3600" b="1" dirty="0" smtClean="0"/>
-              <a:t/>
+              <a:t>  </a:t>
             </a:r>
             <a:br>
               <a:rPr lang="en-US" sz="3600" b="1" dirty="0" smtClean="0"/>
@@ -5455,7 +5455,7 @@
           <a:p>
             <a:fld id="{76501CD9-90AD-4FB7-A953-0FB9DCCFDF2E}" type="datetime1">
               <a:rPr lang="en-US" smtClean="0"/>
-              <a:t>4/7/2012</a:t>
+              <a:t>4/10/2012</a:t>
             </a:fld>
             <a:endParaRPr lang="en-US"/>
           </a:p>
@@ -5586,7 +5586,7 @@
           <a:p>
             <a:fld id="{D9D502B8-AD58-4FD1-B793-29B56CAC21BC}" type="datetime1">
               <a:rPr lang="en-US" smtClean="0"/>
-              <a:t>4/7/2012</a:t>
+              <a:t>4/10/2012</a:t>
             </a:fld>
             <a:endParaRPr lang="en-US"/>
           </a:p>
@@ -5978,7 +5978,7 @@
           <a:p>
             <a:fld id="{D9D502B8-AD58-4FD1-B793-29B56CAC21BC}" type="datetime1">
               <a:rPr lang="en-US" smtClean="0"/>
-              <a:t>4/7/2012</a:t>
+              <a:t>4/10/2012</a:t>
             </a:fld>
             <a:endParaRPr lang="en-US"/>
           </a:p>
@@ -6162,8 +6162,8 @@
           </a:p>
         </p:txBody>
       </p:sp>
-      <mc:AlternateContent xmlns:mc="http://schemas.openxmlformats.org/markup-compatibility/2006" xmlns:a14="http://schemas.microsoft.com/office/drawing/2010/main">
-        <mc:Choice Requires="a14">
+      <mc:AlternateContent xmlns:mc="http://schemas.openxmlformats.org/markup-compatibility/2006">
+        <mc:Choice xmlns:a14="http://schemas.microsoft.com/office/drawing/2010/main" Requires="a14">
           <p:sp>
             <p:nvSpPr>
               <p:cNvPr id="7" name="Content Placeholder 6"/>
@@ -6665,11 +6665,11 @@
                   <a:t> </a:t>
                 </a:r>
                 <a:r>
-                  <a:rPr lang="en-US" dirty="0" err="1" smtClean="0"/>
-                  <a:t>t</a:t>
+                  <a:rPr lang="en-US" dirty="0" smtClean="0"/>
+                  <a:t>d</a:t>
                 </a:r>
                 <a:r>
-                  <a:rPr lang="en-US" baseline="-25000" dirty="0" err="1" smtClean="0"/>
+                  <a:rPr lang="en-US" baseline="-25000" dirty="0" smtClean="0"/>
                   <a:t>i</a:t>
                 </a:r>
                 <a:r>
@@ -6695,14 +6695,6 @@
                 <a:r>
                   <a:rPr lang="en-US" baseline="-25000" dirty="0" smtClean="0"/>
                   <a:t>1</a:t>
-                </a:r>
-                <a:r>
-                  <a:rPr lang="en-US" dirty="0" smtClean="0"/>
-                  <a:t> </a:t>
-                </a:r>
-                <a:r>
-                  <a:rPr lang="en-US" dirty="0" err="1" smtClean="0"/>
-                  <a:t>cho</a:t>
                 </a:r>
                 <a:endParaRPr lang="en-US" sz="2800" baseline="-25000" dirty="0"/>
               </a:p>
@@ -6748,38 +6740,6 @@
                 </a:r>
                 <a:r>
                   <a:rPr lang="en-US" dirty="0" smtClean="0"/>
-                  <a:t> </a:t>
-                </a:r>
-                <a:r>
-                  <a:rPr lang="en-US" b="1" dirty="0" err="1" smtClean="0">
-                    <a:solidFill>
-                      <a:srgbClr val="FF0000"/>
-                    </a:solidFill>
-                  </a:rPr>
-                  <a:t>phân</a:t>
-                </a:r>
-                <a:r>
-                  <a:rPr lang="en-US" b="1" dirty="0" smtClean="0">
-                    <a:solidFill>
-                      <a:srgbClr val="FF0000"/>
-                    </a:solidFill>
-                  </a:rPr>
-                  <a:t> </a:t>
-                </a:r>
-                <a:r>
-                  <a:rPr lang="en-US" b="1" dirty="0" err="1" smtClean="0">
-                    <a:solidFill>
-                      <a:srgbClr val="FF0000"/>
-                    </a:solidFill>
-                  </a:rPr>
-                  <a:t>biệt</a:t>
-                </a:r>
-                <a:r>
-                  <a:rPr lang="en-US" b="1" dirty="0" smtClean="0">
-                    <a:solidFill>
-                      <a:srgbClr val="FF0000"/>
-                    </a:solidFill>
-                  </a:rPr>
                   <a:t> </a:t>
                 </a:r>
                 <a:r>
@@ -6875,11 +6835,11 @@
                   <a:t> </a:t>
                 </a:r>
                 <a:r>
-                  <a:rPr lang="en-US" dirty="0" err="1"/>
-                  <a:t>t</a:t>
+                  <a:rPr lang="en-US" dirty="0"/>
+                  <a:t>d</a:t>
                 </a:r>
                 <a:r>
-                  <a:rPr lang="en-US" baseline="-25000" dirty="0" err="1"/>
+                  <a:rPr lang="en-US" baseline="-25000" dirty="0" smtClean="0"/>
                   <a:t>i</a:t>
                 </a:r>
                 <a:r>
@@ -6986,7 +6946,7 @@
             </p:txBody>
           </p:sp>
         </mc:Choice>
-        <mc:Fallback xmlns="">
+        <mc:Fallback>
           <p:sp>
             <p:nvSpPr>
               <p:cNvPr id="7" name="Content Placeholder 6"/>
@@ -7005,7 +6965,7 @@
               <a:blipFill rotWithShape="1">
                 <a:blip r:embed="rId2"/>
                 <a:stretch>
-                  <a:fillRect l="-963" t="-970" r="-444"/>
+                  <a:fillRect l="-963" t="-970"/>
                 </a:stretch>
               </a:blipFill>
             </p:spPr>
@@ -7041,7 +7001,7 @@
           <a:p>
             <a:fld id="{D9D502B8-AD58-4FD1-B793-29B56CAC21BC}" type="datetime1">
               <a:rPr lang="en-US" smtClean="0"/>
-              <a:t>4/7/2012</a:t>
+              <a:t>4/10/2012</a:t>
             </a:fld>
             <a:endParaRPr lang="en-US"/>
           </a:p>
@@ -7185,7 +7145,7 @@
           <a:p>
             <a:fld id="{D9D502B8-AD58-4FD1-B793-29B56CAC21BC}" type="datetime1">
               <a:rPr lang="en-US" smtClean="0"/>
-              <a:t>4/7/2012</a:t>
+              <a:t>4/10/2012</a:t>
             </a:fld>
             <a:endParaRPr lang="en-US"/>
           </a:p>
@@ -7419,7 +7379,7 @@
           <a:p>
             <a:fld id="{E3E2306C-E34F-4492-8C03-BFD178B0B86F}" type="datetime1">
               <a:rPr lang="en-US" smtClean="0"/>
-              <a:t>4/7/2012</a:t>
+              <a:t>4/10/2012</a:t>
             </a:fld>
             <a:endParaRPr lang="en-US"/>
           </a:p>
@@ -7549,7 +7509,7 @@
           <a:p>
             <a:fld id="{D9D502B8-AD58-4FD1-B793-29B56CAC21BC}" type="datetime1">
               <a:rPr lang="en-US" smtClean="0"/>
-              <a:t>4/7/2012</a:t>
+              <a:t>4/10/2012</a:t>
             </a:fld>
             <a:endParaRPr lang="en-US"/>
           </a:p>
@@ -8176,35 +8136,59 @@
             </a:r>
             <a:r>
               <a:rPr lang="en-US" dirty="0" smtClean="0"/>
-              <a:t>. (</a:t>
-            </a:r>
-            <a:r>
-              <a:rPr lang="en-US" dirty="0" err="1" smtClean="0"/>
-              <a:t>trích</a:t>
-            </a:r>
-            <a:r>
-              <a:rPr lang="en-US" dirty="0" smtClean="0"/>
-              <a:t> </a:t>
-            </a:r>
-            <a:r>
-              <a:rPr lang="en-US" dirty="0" err="1" smtClean="0"/>
-              <a:t>dẫn</a:t>
-            </a:r>
-            <a:r>
-              <a:rPr lang="en-US" dirty="0" smtClean="0"/>
-              <a:t> </a:t>
-            </a:r>
-            <a:r>
-              <a:rPr lang="en-US" dirty="0" err="1" smtClean="0"/>
-              <a:t>từ</a:t>
-            </a:r>
-            <a:r>
-              <a:rPr lang="en-US" dirty="0" smtClean="0"/>
-              <a:t> </a:t>
-            </a:r>
-            <a:r>
-              <a:rPr lang="en-US" dirty="0" err="1" smtClean="0"/>
-              <a:t>đâu</a:t>
+              <a:t>. </a:t>
+            </a:r>
+            <a:r>
+              <a:rPr lang="en-US" dirty="0"/>
+              <a:t>(Multilayer Survivable Optical Network Design, </a:t>
+            </a:r>
+            <a:r>
+              <a:rPr lang="en-US" i="1" dirty="0"/>
+              <a:t>Sylvie </a:t>
+            </a:r>
+            <a:r>
+              <a:rPr lang="en-US" i="1" dirty="0" smtClean="0"/>
+              <a:t>Borne, </a:t>
+            </a:r>
+            <a:r>
+              <a:rPr lang="en-US" i="1" dirty="0" err="1"/>
+              <a:t>Virginie</a:t>
+            </a:r>
+            <a:r>
+              <a:rPr lang="en-US" i="1" dirty="0"/>
+              <a:t> </a:t>
+            </a:r>
+            <a:r>
+              <a:rPr lang="en-US" i="1" dirty="0" err="1" smtClean="0"/>
+              <a:t>Gabrel</a:t>
+            </a:r>
+            <a:r>
+              <a:rPr lang="en-US" i="1" dirty="0" smtClean="0"/>
+              <a:t>, </a:t>
+            </a:r>
+            <a:r>
+              <a:rPr lang="en-US" i="1" dirty="0" err="1"/>
+              <a:t>Ridha</a:t>
+            </a:r>
+            <a:r>
+              <a:rPr lang="en-US" i="1" dirty="0"/>
+              <a:t> </a:t>
+            </a:r>
+            <a:r>
+              <a:rPr lang="en-US" i="1" dirty="0" err="1" smtClean="0"/>
+              <a:t>Mahjoub</a:t>
+            </a:r>
+            <a:r>
+              <a:rPr lang="en-US" i="1" dirty="0" smtClean="0"/>
+              <a:t>, </a:t>
+            </a:r>
+            <a:r>
+              <a:rPr lang="en-US" i="1" dirty="0"/>
+              <a:t>and Raouia </a:t>
+            </a:r>
+            <a:r>
+              <a:rPr lang="en-US" i="1" dirty="0" smtClean="0"/>
+              <a:t>Taktak</a:t>
             </a:r>
             <a:r>
               <a:rPr lang="en-US" dirty="0" smtClean="0"/>
@@ -8319,35 +8303,47 @@
             </a:r>
             <a:r>
               <a:rPr lang="en-US" dirty="0" smtClean="0"/>
-              <a:t>) (</a:t>
-            </a:r>
-            <a:r>
-              <a:rPr lang="en-US" dirty="0" err="1" smtClean="0"/>
-              <a:t>trích</a:t>
-            </a:r>
-            <a:r>
-              <a:rPr lang="en-US" dirty="0" smtClean="0"/>
-              <a:t> </a:t>
-            </a:r>
-            <a:r>
-              <a:rPr lang="en-US" dirty="0" err="1" smtClean="0"/>
-              <a:t>dẫn</a:t>
-            </a:r>
-            <a:r>
-              <a:rPr lang="en-US" dirty="0" smtClean="0"/>
-              <a:t> </a:t>
-            </a:r>
-            <a:r>
-              <a:rPr lang="en-US" dirty="0" err="1" smtClean="0"/>
-              <a:t>từ</a:t>
-            </a:r>
-            <a:r>
-              <a:rPr lang="en-US" dirty="0" smtClean="0"/>
-              <a:t> </a:t>
-            </a:r>
-            <a:r>
-              <a:rPr lang="en-US" dirty="0" err="1" smtClean="0"/>
-              <a:t>đâu</a:t>
+              <a:t>) </a:t>
+            </a:r>
+            <a:r>
+              <a:rPr lang="en-US" dirty="0"/>
+              <a:t>(Multilayer Survivable Optical Network Design, </a:t>
+            </a:r>
+            <a:r>
+              <a:rPr lang="en-US" i="1" dirty="0"/>
+              <a:t>Sylvie Borne, </a:t>
+            </a:r>
+            <a:r>
+              <a:rPr lang="en-US" i="1" dirty="0" err="1"/>
+              <a:t>Virginie</a:t>
+            </a:r>
+            <a:r>
+              <a:rPr lang="en-US" i="1" dirty="0"/>
+              <a:t> </a:t>
+            </a:r>
+            <a:r>
+              <a:rPr lang="en-US" i="1" dirty="0" err="1"/>
+              <a:t>Gabrel</a:t>
+            </a:r>
+            <a:r>
+              <a:rPr lang="en-US" i="1" dirty="0"/>
+              <a:t>, </a:t>
+            </a:r>
+            <a:r>
+              <a:rPr lang="en-US" i="1" dirty="0" err="1"/>
+              <a:t>Ridha</a:t>
+            </a:r>
+            <a:r>
+              <a:rPr lang="en-US" i="1" dirty="0"/>
+              <a:t> </a:t>
+            </a:r>
+            <a:r>
+              <a:rPr lang="en-US" i="1" dirty="0" err="1"/>
+              <a:t>Mahjoub</a:t>
+            </a:r>
+            <a:r>
+              <a:rPr lang="en-US" i="1" dirty="0"/>
+              <a:t>, and Raouia Taktak</a:t>
             </a:r>
             <a:r>
               <a:rPr lang="en-US" dirty="0" smtClean="0"/>
@@ -8364,7 +8360,23 @@
             </a:r>
             <a:r>
               <a:rPr lang="en-US" dirty="0" err="1" smtClean="0"/>
-              <a:t>Áp</a:t>
+              <a:t>Đề</a:t>
+            </a:r>
+            <a:r>
+              <a:rPr lang="en-US" dirty="0" smtClean="0"/>
+              <a:t> </a:t>
+            </a:r>
+            <a:r>
+              <a:rPr lang="en-US" dirty="0" err="1" smtClean="0"/>
+              <a:t>xuất</a:t>
+            </a:r>
+            <a:r>
+              <a:rPr lang="en-US" dirty="0" smtClean="0"/>
+              <a:t> </a:t>
+            </a:r>
+            <a:r>
+              <a:rPr lang="en-US" dirty="0" err="1" smtClean="0"/>
+              <a:t>sử</a:t>
             </a:r>
             <a:r>
               <a:rPr lang="en-US" dirty="0" smtClean="0"/>
@@ -8392,11 +8404,11 @@
             </a:r>
             <a:r>
               <a:rPr lang="en-US" dirty="0" smtClean="0"/>
-              <a:t> heuristic </a:t>
-            </a:r>
-            <a:r>
-              <a:rPr lang="en-US" dirty="0" err="1" smtClean="0"/>
-              <a:t>để</a:t>
+              <a:t> di </a:t>
+            </a:r>
+            <a:r>
+              <a:rPr lang="en-US" dirty="0" err="1" smtClean="0"/>
+              <a:t>truyền</a:t>
             </a:r>
             <a:r>
               <a:rPr lang="en-US" dirty="0" smtClean="0"/>
@@ -8421,54 +8433,6 @@
             <a:r>
               <a:rPr lang="en-US" dirty="0" err="1" smtClean="0"/>
               <a:t>toán</a:t>
-            </a:r>
-            <a:r>
-              <a:rPr lang="en-US" dirty="0" smtClean="0"/>
-              <a:t>. </a:t>
-            </a:r>
-            <a:r>
-              <a:rPr lang="en-US" dirty="0" err="1" smtClean="0"/>
-              <a:t>Cụ</a:t>
-            </a:r>
-            <a:r>
-              <a:rPr lang="en-US" dirty="0" smtClean="0"/>
-              <a:t> </a:t>
-            </a:r>
-            <a:r>
-              <a:rPr lang="en-US" dirty="0" err="1" smtClean="0"/>
-              <a:t>thể</a:t>
-            </a:r>
-            <a:r>
-              <a:rPr lang="en-US" dirty="0" smtClean="0"/>
-              <a:t> </a:t>
-            </a:r>
-            <a:r>
-              <a:rPr lang="en-US" dirty="0" err="1" smtClean="0"/>
-              <a:t>là</a:t>
-            </a:r>
-            <a:r>
-              <a:rPr lang="en-US" dirty="0" smtClean="0"/>
-              <a:t> </a:t>
-            </a:r>
-            <a:r>
-              <a:rPr lang="en-US" dirty="0" err="1" smtClean="0"/>
-              <a:t>giải</a:t>
-            </a:r>
-            <a:r>
-              <a:rPr lang="en-US" dirty="0" smtClean="0"/>
-              <a:t> </a:t>
-            </a:r>
-            <a:r>
-              <a:rPr lang="en-US" dirty="0" err="1" smtClean="0"/>
-              <a:t>thuật</a:t>
-            </a:r>
-            <a:r>
-              <a:rPr lang="en-US" dirty="0" smtClean="0"/>
-              <a:t> di </a:t>
-            </a:r>
-            <a:r>
-              <a:rPr lang="en-US" dirty="0" err="1" smtClean="0"/>
-              <a:t>truyền</a:t>
             </a:r>
             <a:r>
               <a:rPr lang="en-US" dirty="0" smtClean="0"/>
@@ -8494,7 +8458,7 @@
           <a:p>
             <a:fld id="{D9D502B8-AD58-4FD1-B793-29B56CAC21BC}" type="datetime1">
               <a:rPr lang="en-US" smtClean="0"/>
-              <a:t>4/7/2012</a:t>
+              <a:t>4/10/2012</a:t>
             </a:fld>
             <a:endParaRPr lang="en-US"/>
           </a:p>
@@ -8657,7 +8621,7 @@
           <a:p>
             <a:fld id="{E3E2306C-E34F-4492-8C03-BFD178B0B86F}" type="datetime1">
               <a:rPr lang="en-US" smtClean="0"/>
-              <a:t>4/7/2012</a:t>
+              <a:t>4/10/2012</a:t>
             </a:fld>
             <a:endParaRPr lang="en-US"/>
           </a:p>
@@ -8769,7 +8733,7 @@
             </a:r>
             <a:r>
               <a:rPr lang="en-US" sz="2800" b="0" dirty="0" smtClean="0"/>
-              <a:t>. MÔ HÌNH ĐỀ XUẤT : GIẢI THUẬT DI TRUYỀN</a:t>
+              <a:t>. GIẢI THUẬT ĐỀ XUẤT</a:t>
             </a:r>
             <a:endParaRPr lang="en-US" sz="2800" b="0" dirty="0"/>
           </a:p>
@@ -8937,7 +8901,54 @@
           <a:p>
             <a:r>
               <a:rPr lang="en-US" dirty="0" err="1" smtClean="0"/>
-              <a:t>Chọ</a:t>
+              <a:t>Đấu</a:t>
+            </a:r>
+            <a:r>
+              <a:rPr lang="en-US" dirty="0" smtClean="0"/>
+              <a:t> </a:t>
+            </a:r>
+            <a:r>
+              <a:rPr lang="en-US" dirty="0" err="1" smtClean="0"/>
+              <a:t>tranh</a:t>
+            </a:r>
+            <a:r>
+              <a:rPr lang="en-US" dirty="0" smtClean="0"/>
+              <a:t> </a:t>
+            </a:r>
+            <a:r>
+              <a:rPr lang="en-US" dirty="0" err="1" smtClean="0"/>
+              <a:t>sinh</a:t>
+            </a:r>
+            <a:r>
+              <a:rPr lang="en-US" dirty="0" smtClean="0"/>
+              <a:t> </a:t>
+            </a:r>
+            <a:r>
+              <a:rPr lang="en-US" dirty="0" err="1" smtClean="0"/>
+              <a:t>tồn</a:t>
+            </a:r>
+            <a:endParaRPr lang="en-US" dirty="0" smtClean="0"/>
+          </a:p>
+          <a:p>
+            <a:r>
+              <a:rPr lang="en-US" dirty="0" err="1" smtClean="0"/>
+              <a:t>Điều</a:t>
+            </a:r>
+            <a:r>
+              <a:rPr lang="en-US" dirty="0" smtClean="0"/>
+              <a:t> </a:t>
+            </a:r>
+            <a:r>
+              <a:rPr lang="en-US" dirty="0" err="1" smtClean="0"/>
+              <a:t>kiện</a:t>
+            </a:r>
+            <a:r>
+              <a:rPr lang="en-US" dirty="0" smtClean="0"/>
+              <a:t> </a:t>
+            </a:r>
+            <a:r>
+              <a:rPr lang="en-US" dirty="0" err="1" smtClean="0"/>
+              <a:t>dừng</a:t>
             </a:r>
             <a:endParaRPr lang="en-US" dirty="0"/>
           </a:p>
@@ -8960,7 +8971,7 @@
           <a:p>
             <a:fld id="{D9D502B8-AD58-4FD1-B793-29B56CAC21BC}" type="datetime1">
               <a:rPr lang="en-US" smtClean="0"/>
-              <a:t>4/7/2012</a:t>
+              <a:t>4/10/2012</a:t>
             </a:fld>
             <a:endParaRPr lang="en-US"/>
           </a:p>
@@ -9012,914 +9023,6 @@
           </a:p>
         </p:txBody>
       </p:sp>
-      <p:grpSp>
-        <p:nvGrpSpPr>
-          <p:cNvPr id="9" name="Group 8"/>
-          <p:cNvGrpSpPr/>
-          <p:nvPr/>
-        </p:nvGrpSpPr>
-        <p:grpSpPr>
-          <a:xfrm>
-            <a:off x="259947" y="4623515"/>
-            <a:ext cx="1536352" cy="614541"/>
-            <a:chOff x="4129" y="1826329"/>
-            <a:chExt cx="1536352" cy="614541"/>
-          </a:xfrm>
-          <a:scene3d>
-            <a:camera prst="orthographicFront"/>
-            <a:lightRig rig="flat" dir="t"/>
-          </a:scene3d>
-        </p:grpSpPr>
-        <p:sp>
-          <p:nvSpPr>
-            <p:cNvPr id="25" name="Chevron 24"/>
-            <p:cNvSpPr/>
-            <p:nvPr/>
-          </p:nvSpPr>
-          <p:spPr>
-            <a:xfrm>
-              <a:off x="4129" y="1826329"/>
-              <a:ext cx="1536352" cy="614541"/>
-            </a:xfrm>
-            <a:prstGeom prst="chevron">
-              <a:avLst/>
-            </a:prstGeom>
-            <a:sp3d prstMaterial="dkEdge">
-              <a:bevelT w="8200" h="38100"/>
-            </a:sp3d>
-          </p:spPr>
-          <p:style>
-            <a:lnRef idx="0">
-              <a:schemeClr val="lt1">
-                <a:hueOff val="0"/>
-                <a:satOff val="0"/>
-                <a:lumOff val="0"/>
-                <a:alphaOff val="0"/>
-              </a:schemeClr>
-            </a:lnRef>
-            <a:fillRef idx="2">
-              <a:schemeClr val="accent2">
-                <a:hueOff val="0"/>
-                <a:satOff val="0"/>
-                <a:lumOff val="0"/>
-                <a:alphaOff val="0"/>
-              </a:schemeClr>
-            </a:fillRef>
-            <a:effectRef idx="1">
-              <a:schemeClr val="accent2">
-                <a:hueOff val="0"/>
-                <a:satOff val="0"/>
-                <a:lumOff val="0"/>
-                <a:alphaOff val="0"/>
-              </a:schemeClr>
-            </a:effectRef>
-            <a:fontRef idx="minor">
-              <a:schemeClr val="dk1"/>
-            </a:fontRef>
-          </p:style>
-        </p:sp>
-        <p:sp>
-          <p:nvSpPr>
-            <p:cNvPr id="26" name="Chevron 4"/>
-            <p:cNvSpPr/>
-            <p:nvPr/>
-          </p:nvSpPr>
-          <p:spPr>
-            <a:xfrm>
-              <a:off x="311400" y="1826329"/>
-              <a:ext cx="921811" cy="614541"/>
-            </a:xfrm>
-            <a:prstGeom prst="rect">
-              <a:avLst/>
-            </a:prstGeom>
-            <a:sp3d/>
-          </p:spPr>
-          <p:style>
-            <a:lnRef idx="0">
-              <a:scrgbClr r="0" g="0" b="0"/>
-            </a:lnRef>
-            <a:fillRef idx="0">
-              <a:scrgbClr r="0" g="0" b="0"/>
-            </a:fillRef>
-            <a:effectRef idx="0">
-              <a:scrgbClr r="0" g="0" b="0"/>
-            </a:effectRef>
-            <a:fontRef idx="minor">
-              <a:schemeClr val="dk1"/>
-            </a:fontRef>
-          </p:style>
-          <p:txBody>
-            <a:bodyPr spcFirstLastPara="0" vert="horz" wrap="square" lIns="44006" tIns="14669" rIns="14669" bIns="14669" numCol="1" spcCol="1270" anchor="ctr" anchorCtr="0">
-              <a:noAutofit/>
-            </a:bodyPr>
-            <a:lstStyle/>
-            <a:p>
-              <a:pPr lvl="0" algn="ctr" defTabSz="488950">
-                <a:lnSpc>
-                  <a:spcPct val="90000"/>
-                </a:lnSpc>
-                <a:spcBef>
-                  <a:spcPct val="0"/>
-                </a:spcBef>
-                <a:spcAft>
-                  <a:spcPct val="35000"/>
-                </a:spcAft>
-              </a:pPr>
-              <a:r>
-                <a:rPr lang="en-US" sz="1100" b="1" kern="1200" dirty="0" err="1" smtClean="0"/>
-                <a:t>Khởi</a:t>
-              </a:r>
-              <a:r>
-                <a:rPr lang="en-US" sz="1100" b="1" kern="1200" dirty="0" smtClean="0"/>
-                <a:t> </a:t>
-              </a:r>
-              <a:r>
-                <a:rPr lang="en-US" sz="1100" b="1" kern="1200" dirty="0" err="1" smtClean="0"/>
-                <a:t>tạo</a:t>
-              </a:r>
-              <a:r>
-                <a:rPr lang="en-US" sz="1100" b="1" kern="1200" dirty="0" smtClean="0"/>
-                <a:t> </a:t>
-              </a:r>
-              <a:r>
-                <a:rPr lang="en-US" sz="1100" b="1" kern="1200" dirty="0" err="1" smtClean="0"/>
-                <a:t>quần</a:t>
-              </a:r>
-              <a:r>
-                <a:rPr lang="en-US" sz="1100" b="1" kern="1200" dirty="0" smtClean="0"/>
-                <a:t> </a:t>
-              </a:r>
-              <a:r>
-                <a:rPr lang="en-US" sz="1100" b="1" kern="1200" dirty="0" err="1" smtClean="0"/>
-                <a:t>thể</a:t>
-              </a:r>
-              <a:endParaRPr lang="en-US" sz="1100" b="1" kern="1200" dirty="0"/>
-            </a:p>
-          </p:txBody>
-        </p:sp>
-      </p:grpSp>
-      <p:grpSp>
-        <p:nvGrpSpPr>
-          <p:cNvPr id="10" name="Group 9"/>
-          <p:cNvGrpSpPr/>
-          <p:nvPr/>
-        </p:nvGrpSpPr>
-        <p:grpSpPr>
-          <a:xfrm>
-            <a:off x="1729748" y="4648200"/>
-            <a:ext cx="1536352" cy="614541"/>
-            <a:chOff x="1386847" y="1826329"/>
-            <a:chExt cx="1536352" cy="614541"/>
-          </a:xfrm>
-          <a:scene3d>
-            <a:camera prst="orthographicFront"/>
-            <a:lightRig rig="flat" dir="t"/>
-          </a:scene3d>
-        </p:grpSpPr>
-        <p:sp>
-          <p:nvSpPr>
-            <p:cNvPr id="23" name="Chevron 22"/>
-            <p:cNvSpPr/>
-            <p:nvPr/>
-          </p:nvSpPr>
-          <p:spPr>
-            <a:xfrm>
-              <a:off x="1386847" y="1826329"/>
-              <a:ext cx="1536352" cy="614541"/>
-            </a:xfrm>
-            <a:prstGeom prst="chevron">
-              <a:avLst/>
-            </a:prstGeom>
-            <a:sp3d prstMaterial="dkEdge">
-              <a:bevelT w="8200" h="38100"/>
-            </a:sp3d>
-          </p:spPr>
-          <p:style>
-            <a:lnRef idx="0">
-              <a:schemeClr val="lt1">
-                <a:hueOff val="0"/>
-                <a:satOff val="0"/>
-                <a:lumOff val="0"/>
-                <a:alphaOff val="0"/>
-              </a:schemeClr>
-            </a:lnRef>
-            <a:fillRef idx="2">
-              <a:schemeClr val="accent2">
-                <a:hueOff val="936304"/>
-                <a:satOff val="-1168"/>
-                <a:lumOff val="275"/>
-                <a:alphaOff val="0"/>
-              </a:schemeClr>
-            </a:fillRef>
-            <a:effectRef idx="1">
-              <a:schemeClr val="accent2">
-                <a:hueOff val="936304"/>
-                <a:satOff val="-1168"/>
-                <a:lumOff val="275"/>
-                <a:alphaOff val="0"/>
-              </a:schemeClr>
-            </a:effectRef>
-            <a:fontRef idx="minor">
-              <a:schemeClr val="dk1"/>
-            </a:fontRef>
-          </p:style>
-        </p:sp>
-        <p:sp>
-          <p:nvSpPr>
-            <p:cNvPr id="24" name="Chevron 6"/>
-            <p:cNvSpPr/>
-            <p:nvPr/>
-          </p:nvSpPr>
-          <p:spPr>
-            <a:xfrm>
-              <a:off x="1694118" y="1826329"/>
-              <a:ext cx="921811" cy="614541"/>
-            </a:xfrm>
-            <a:prstGeom prst="rect">
-              <a:avLst/>
-            </a:prstGeom>
-            <a:sp3d/>
-          </p:spPr>
-          <p:style>
-            <a:lnRef idx="0">
-              <a:scrgbClr r="0" g="0" b="0"/>
-            </a:lnRef>
-            <a:fillRef idx="0">
-              <a:scrgbClr r="0" g="0" b="0"/>
-            </a:fillRef>
-            <a:effectRef idx="0">
-              <a:scrgbClr r="0" g="0" b="0"/>
-            </a:effectRef>
-            <a:fontRef idx="minor">
-              <a:schemeClr val="dk1"/>
-            </a:fontRef>
-          </p:style>
-          <p:txBody>
-            <a:bodyPr spcFirstLastPara="0" vert="horz" wrap="square" lIns="44006" tIns="14669" rIns="14669" bIns="14669" numCol="1" spcCol="1270" anchor="ctr" anchorCtr="0">
-              <a:noAutofit/>
-            </a:bodyPr>
-            <a:lstStyle/>
-            <a:p>
-              <a:pPr lvl="0" algn="ctr" defTabSz="488950">
-                <a:lnSpc>
-                  <a:spcPct val="90000"/>
-                </a:lnSpc>
-                <a:spcBef>
-                  <a:spcPct val="0"/>
-                </a:spcBef>
-                <a:spcAft>
-                  <a:spcPct val="35000"/>
-                </a:spcAft>
-              </a:pPr>
-              <a:r>
-                <a:rPr lang="en-US" sz="1100" b="1" kern="1200" dirty="0" err="1" smtClean="0"/>
-                <a:t>Đánh</a:t>
-              </a:r>
-              <a:r>
-                <a:rPr lang="en-US" sz="1100" b="1" kern="1200" dirty="0" smtClean="0"/>
-                <a:t> </a:t>
-              </a:r>
-              <a:r>
-                <a:rPr lang="en-US" sz="1100" b="1" kern="1200" dirty="0" err="1" smtClean="0"/>
-                <a:t>giá</a:t>
-              </a:r>
-              <a:r>
-                <a:rPr lang="en-US" sz="1100" b="1" kern="1200" dirty="0" smtClean="0"/>
-                <a:t> </a:t>
-              </a:r>
-              <a:r>
-                <a:rPr lang="en-US" sz="1100" b="1" kern="1200" dirty="0" err="1" smtClean="0"/>
-                <a:t>độ</a:t>
-              </a:r>
-              <a:r>
-                <a:rPr lang="en-US" sz="1100" b="1" kern="1200" dirty="0" smtClean="0"/>
-                <a:t> </a:t>
-              </a:r>
-              <a:r>
-                <a:rPr lang="en-US" sz="1100" b="1" kern="1200" dirty="0" err="1" smtClean="0"/>
-                <a:t>thích</a:t>
-              </a:r>
-              <a:r>
-                <a:rPr lang="en-US" sz="1100" b="1" kern="1200" dirty="0" smtClean="0"/>
-                <a:t> </a:t>
-              </a:r>
-              <a:r>
-                <a:rPr lang="en-US" sz="1100" b="1" kern="1200" dirty="0" err="1" smtClean="0"/>
-                <a:t>nghi</a:t>
-              </a:r>
-              <a:endParaRPr lang="en-US" sz="1100" b="1" kern="1200" dirty="0"/>
-            </a:p>
-          </p:txBody>
-        </p:sp>
-      </p:grpSp>
-      <p:grpSp>
-        <p:nvGrpSpPr>
-          <p:cNvPr id="11" name="Group 10"/>
-          <p:cNvGrpSpPr/>
-          <p:nvPr/>
-        </p:nvGrpSpPr>
-        <p:grpSpPr>
-          <a:xfrm>
-            <a:off x="3112465" y="4648200"/>
-            <a:ext cx="1536352" cy="614541"/>
-            <a:chOff x="2769564" y="1826329"/>
-            <a:chExt cx="1536352" cy="614541"/>
-          </a:xfrm>
-          <a:scene3d>
-            <a:camera prst="orthographicFront"/>
-            <a:lightRig rig="flat" dir="t"/>
-          </a:scene3d>
-        </p:grpSpPr>
-        <p:sp>
-          <p:nvSpPr>
-            <p:cNvPr id="21" name="Chevron 20"/>
-            <p:cNvSpPr/>
-            <p:nvPr/>
-          </p:nvSpPr>
-          <p:spPr>
-            <a:xfrm>
-              <a:off x="2769564" y="1826329"/>
-              <a:ext cx="1536352" cy="614541"/>
-            </a:xfrm>
-            <a:prstGeom prst="chevron">
-              <a:avLst/>
-            </a:prstGeom>
-            <a:sp3d prstMaterial="dkEdge">
-              <a:bevelT w="8200" h="38100"/>
-            </a:sp3d>
-          </p:spPr>
-          <p:style>
-            <a:lnRef idx="0">
-              <a:schemeClr val="lt1">
-                <a:hueOff val="0"/>
-                <a:satOff val="0"/>
-                <a:lumOff val="0"/>
-                <a:alphaOff val="0"/>
-              </a:schemeClr>
-            </a:lnRef>
-            <a:fillRef idx="2">
-              <a:schemeClr val="accent2">
-                <a:hueOff val="1872608"/>
-                <a:satOff val="-2336"/>
-                <a:lumOff val="549"/>
-                <a:alphaOff val="0"/>
-              </a:schemeClr>
-            </a:fillRef>
-            <a:effectRef idx="1">
-              <a:schemeClr val="accent2">
-                <a:hueOff val="1872608"/>
-                <a:satOff val="-2336"/>
-                <a:lumOff val="549"/>
-                <a:alphaOff val="0"/>
-              </a:schemeClr>
-            </a:effectRef>
-            <a:fontRef idx="minor">
-              <a:schemeClr val="dk1"/>
-            </a:fontRef>
-          </p:style>
-        </p:sp>
-        <p:sp>
-          <p:nvSpPr>
-            <p:cNvPr id="22" name="Chevron 8"/>
-            <p:cNvSpPr/>
-            <p:nvPr/>
-          </p:nvSpPr>
-          <p:spPr>
-            <a:xfrm>
-              <a:off x="3076835" y="1826329"/>
-              <a:ext cx="921811" cy="614541"/>
-            </a:xfrm>
-            <a:prstGeom prst="rect">
-              <a:avLst/>
-            </a:prstGeom>
-            <a:sp3d/>
-          </p:spPr>
-          <p:style>
-            <a:lnRef idx="0">
-              <a:scrgbClr r="0" g="0" b="0"/>
-            </a:lnRef>
-            <a:fillRef idx="0">
-              <a:scrgbClr r="0" g="0" b="0"/>
-            </a:fillRef>
-            <a:effectRef idx="0">
-              <a:scrgbClr r="0" g="0" b="0"/>
-            </a:effectRef>
-            <a:fontRef idx="minor">
-              <a:schemeClr val="dk1"/>
-            </a:fontRef>
-          </p:style>
-          <p:txBody>
-            <a:bodyPr spcFirstLastPara="0" vert="horz" wrap="square" lIns="44006" tIns="14669" rIns="14669" bIns="14669" numCol="1" spcCol="1270" anchor="ctr" anchorCtr="0">
-              <a:noAutofit/>
-            </a:bodyPr>
-            <a:lstStyle/>
-            <a:p>
-              <a:pPr lvl="0" algn="ctr" defTabSz="488950">
-                <a:lnSpc>
-                  <a:spcPct val="90000"/>
-                </a:lnSpc>
-                <a:spcBef>
-                  <a:spcPct val="0"/>
-                </a:spcBef>
-                <a:spcAft>
-                  <a:spcPct val="35000"/>
-                </a:spcAft>
-              </a:pPr>
-              <a:r>
-                <a:rPr lang="en-US" sz="1100" b="1" kern="1200" dirty="0" err="1" smtClean="0"/>
-                <a:t>Sinh</a:t>
-              </a:r>
-              <a:r>
-                <a:rPr lang="en-US" sz="1100" b="1" kern="1200" dirty="0" smtClean="0"/>
-                <a:t> </a:t>
-              </a:r>
-              <a:r>
-                <a:rPr lang="en-US" sz="1100" b="1" kern="1200" dirty="0" err="1" smtClean="0"/>
-                <a:t>quần</a:t>
-              </a:r>
-              <a:r>
-                <a:rPr lang="en-US" sz="1100" b="1" kern="1200" dirty="0" smtClean="0"/>
-                <a:t> </a:t>
-              </a:r>
-              <a:r>
-                <a:rPr lang="en-US" sz="1100" b="1" kern="1200" dirty="0" err="1" smtClean="0"/>
-                <a:t>thể</a:t>
-              </a:r>
-              <a:r>
-                <a:rPr lang="en-US" sz="1100" b="1" kern="1200" dirty="0" smtClean="0"/>
-                <a:t> </a:t>
-              </a:r>
-              <a:r>
-                <a:rPr lang="en-US" sz="1100" b="1" kern="1200" dirty="0" err="1" smtClean="0"/>
-                <a:t>mới</a:t>
-              </a:r>
-              <a:endParaRPr lang="en-US" sz="1100" b="1" kern="1200" dirty="0"/>
-            </a:p>
-          </p:txBody>
-        </p:sp>
-      </p:grpSp>
-      <p:grpSp>
-        <p:nvGrpSpPr>
-          <p:cNvPr id="12" name="Group 11"/>
-          <p:cNvGrpSpPr/>
-          <p:nvPr/>
-        </p:nvGrpSpPr>
-        <p:grpSpPr>
-          <a:xfrm>
-            <a:off x="4495183" y="4648200"/>
-            <a:ext cx="1536352" cy="614541"/>
-            <a:chOff x="4152282" y="1826329"/>
-            <a:chExt cx="1536352" cy="614541"/>
-          </a:xfrm>
-          <a:scene3d>
-            <a:camera prst="orthographicFront"/>
-            <a:lightRig rig="flat" dir="t"/>
-          </a:scene3d>
-        </p:grpSpPr>
-        <p:sp>
-          <p:nvSpPr>
-            <p:cNvPr id="19" name="Chevron 18"/>
-            <p:cNvSpPr/>
-            <p:nvPr/>
-          </p:nvSpPr>
-          <p:spPr>
-            <a:xfrm>
-              <a:off x="4152282" y="1826329"/>
-              <a:ext cx="1536352" cy="614541"/>
-            </a:xfrm>
-            <a:prstGeom prst="chevron">
-              <a:avLst/>
-            </a:prstGeom>
-            <a:sp3d prstMaterial="dkEdge">
-              <a:bevelT w="8200" h="38100"/>
-            </a:sp3d>
-          </p:spPr>
-          <p:style>
-            <a:lnRef idx="0">
-              <a:schemeClr val="lt1">
-                <a:hueOff val="0"/>
-                <a:satOff val="0"/>
-                <a:lumOff val="0"/>
-                <a:alphaOff val="0"/>
-              </a:schemeClr>
-            </a:lnRef>
-            <a:fillRef idx="2">
-              <a:schemeClr val="accent2">
-                <a:hueOff val="2808911"/>
-                <a:satOff val="-3503"/>
-                <a:lumOff val="824"/>
-                <a:alphaOff val="0"/>
-              </a:schemeClr>
-            </a:fillRef>
-            <a:effectRef idx="1">
-              <a:schemeClr val="accent2">
-                <a:hueOff val="2808911"/>
-                <a:satOff val="-3503"/>
-                <a:lumOff val="824"/>
-                <a:alphaOff val="0"/>
-              </a:schemeClr>
-            </a:effectRef>
-            <a:fontRef idx="minor">
-              <a:schemeClr val="dk1"/>
-            </a:fontRef>
-          </p:style>
-        </p:sp>
-        <p:sp>
-          <p:nvSpPr>
-            <p:cNvPr id="20" name="Chevron 10"/>
-            <p:cNvSpPr/>
-            <p:nvPr/>
-          </p:nvSpPr>
-          <p:spPr>
-            <a:xfrm>
-              <a:off x="4459553" y="1826329"/>
-              <a:ext cx="921811" cy="614541"/>
-            </a:xfrm>
-            <a:prstGeom prst="rect">
-              <a:avLst/>
-            </a:prstGeom>
-            <a:sp3d/>
-          </p:spPr>
-          <p:style>
-            <a:lnRef idx="0">
-              <a:scrgbClr r="0" g="0" b="0"/>
-            </a:lnRef>
-            <a:fillRef idx="0">
-              <a:scrgbClr r="0" g="0" b="0"/>
-            </a:fillRef>
-            <a:effectRef idx="0">
-              <a:scrgbClr r="0" g="0" b="0"/>
-            </a:effectRef>
-            <a:fontRef idx="minor">
-              <a:schemeClr val="dk1"/>
-            </a:fontRef>
-          </p:style>
-          <p:txBody>
-            <a:bodyPr spcFirstLastPara="0" vert="horz" wrap="square" lIns="44006" tIns="14669" rIns="14669" bIns="14669" numCol="1" spcCol="1270" anchor="ctr" anchorCtr="0">
-              <a:noAutofit/>
-            </a:bodyPr>
-            <a:lstStyle/>
-            <a:p>
-              <a:pPr lvl="0" algn="ctr" defTabSz="488950">
-                <a:lnSpc>
-                  <a:spcPct val="90000"/>
-                </a:lnSpc>
-                <a:spcBef>
-                  <a:spcPct val="0"/>
-                </a:spcBef>
-                <a:spcAft>
-                  <a:spcPct val="35000"/>
-                </a:spcAft>
-              </a:pPr>
-              <a:r>
-                <a:rPr lang="en-US" sz="1100" b="1" kern="1200" dirty="0" err="1" smtClean="0"/>
-                <a:t>Thay</a:t>
-              </a:r>
-              <a:r>
-                <a:rPr lang="en-US" sz="1100" b="1" kern="1200" dirty="0" smtClean="0"/>
-                <a:t> </a:t>
-              </a:r>
-              <a:r>
-                <a:rPr lang="en-US" sz="1100" b="1" kern="1200" dirty="0" err="1" smtClean="0"/>
-                <a:t>thế</a:t>
-              </a:r>
-              <a:r>
-                <a:rPr lang="en-US" sz="1100" b="1" kern="1200" dirty="0" smtClean="0"/>
-                <a:t> </a:t>
-              </a:r>
-              <a:r>
-                <a:rPr lang="en-US" sz="1100" b="1" kern="1200" dirty="0" err="1" smtClean="0"/>
-                <a:t>quần</a:t>
-              </a:r>
-              <a:r>
-                <a:rPr lang="en-US" sz="1100" b="1" kern="1200" dirty="0" smtClean="0"/>
-                <a:t> </a:t>
-              </a:r>
-              <a:r>
-                <a:rPr lang="en-US" sz="1100" b="1" kern="1200" dirty="0" err="1" smtClean="0"/>
-                <a:t>thể</a:t>
-              </a:r>
-              <a:r>
-                <a:rPr lang="en-US" sz="1100" b="1" kern="1200" dirty="0" smtClean="0"/>
-                <a:t> </a:t>
-              </a:r>
-              <a:r>
-                <a:rPr lang="en-US" sz="1100" b="1" kern="1200" dirty="0" err="1" smtClean="0"/>
-                <a:t>cũ</a:t>
-              </a:r>
-              <a:r>
-                <a:rPr lang="en-US" sz="1100" b="1" kern="1200" dirty="0" smtClean="0"/>
-                <a:t> </a:t>
-              </a:r>
-              <a:r>
-                <a:rPr lang="en-US" sz="1100" b="1" kern="1200" dirty="0" err="1" smtClean="0"/>
-                <a:t>bằng</a:t>
-              </a:r>
-              <a:r>
-                <a:rPr lang="en-US" sz="1100" b="1" kern="1200" dirty="0" smtClean="0"/>
-                <a:t> </a:t>
-              </a:r>
-              <a:r>
-                <a:rPr lang="en-US" sz="1100" b="1" kern="1200" dirty="0" err="1" smtClean="0"/>
-                <a:t>quần</a:t>
-              </a:r>
-              <a:r>
-                <a:rPr lang="en-US" sz="1100" b="1" kern="1200" dirty="0" smtClean="0"/>
-                <a:t> </a:t>
-              </a:r>
-              <a:r>
-                <a:rPr lang="en-US" sz="1100" b="1" kern="1200" dirty="0" err="1" smtClean="0"/>
-                <a:t>thể</a:t>
-              </a:r>
-              <a:r>
-                <a:rPr lang="en-US" sz="1100" b="1" kern="1200" dirty="0" smtClean="0"/>
-                <a:t> </a:t>
-              </a:r>
-              <a:r>
-                <a:rPr lang="en-US" sz="1100" b="1" kern="1200" dirty="0" err="1" smtClean="0"/>
-                <a:t>mới</a:t>
-              </a:r>
-              <a:endParaRPr lang="en-US" sz="1100" b="1" kern="1200" dirty="0"/>
-            </a:p>
-          </p:txBody>
-        </p:sp>
-      </p:grpSp>
-      <p:grpSp>
-        <p:nvGrpSpPr>
-          <p:cNvPr id="13" name="Group 12"/>
-          <p:cNvGrpSpPr/>
-          <p:nvPr/>
-        </p:nvGrpSpPr>
-        <p:grpSpPr>
-          <a:xfrm>
-            <a:off x="5877900" y="4648200"/>
-            <a:ext cx="1536352" cy="614541"/>
-            <a:chOff x="5534999" y="1826329"/>
-            <a:chExt cx="1536352" cy="614541"/>
-          </a:xfrm>
-          <a:scene3d>
-            <a:camera prst="orthographicFront"/>
-            <a:lightRig rig="flat" dir="t"/>
-          </a:scene3d>
-        </p:grpSpPr>
-        <p:sp>
-          <p:nvSpPr>
-            <p:cNvPr id="17" name="Chevron 16"/>
-            <p:cNvSpPr/>
-            <p:nvPr/>
-          </p:nvSpPr>
-          <p:spPr>
-            <a:xfrm>
-              <a:off x="5534999" y="1826329"/>
-              <a:ext cx="1536352" cy="614541"/>
-            </a:xfrm>
-            <a:prstGeom prst="chevron">
-              <a:avLst/>
-            </a:prstGeom>
-            <a:sp3d prstMaterial="dkEdge">
-              <a:bevelT w="8200" h="38100"/>
-            </a:sp3d>
-          </p:spPr>
-          <p:style>
-            <a:lnRef idx="0">
-              <a:schemeClr val="lt1">
-                <a:hueOff val="0"/>
-                <a:satOff val="0"/>
-                <a:lumOff val="0"/>
-                <a:alphaOff val="0"/>
-              </a:schemeClr>
-            </a:lnRef>
-            <a:fillRef idx="2">
-              <a:schemeClr val="accent2">
-                <a:hueOff val="3745215"/>
-                <a:satOff val="-4671"/>
-                <a:lumOff val="1098"/>
-                <a:alphaOff val="0"/>
-              </a:schemeClr>
-            </a:fillRef>
-            <a:effectRef idx="1">
-              <a:schemeClr val="accent2">
-                <a:hueOff val="3745215"/>
-                <a:satOff val="-4671"/>
-                <a:lumOff val="1098"/>
-                <a:alphaOff val="0"/>
-              </a:schemeClr>
-            </a:effectRef>
-            <a:fontRef idx="minor">
-              <a:schemeClr val="dk1"/>
-            </a:fontRef>
-          </p:style>
-        </p:sp>
-        <p:sp>
-          <p:nvSpPr>
-            <p:cNvPr id="18" name="Chevron 12"/>
-            <p:cNvSpPr/>
-            <p:nvPr/>
-          </p:nvSpPr>
-          <p:spPr>
-            <a:xfrm>
-              <a:off x="5842270" y="1826329"/>
-              <a:ext cx="921811" cy="614541"/>
-            </a:xfrm>
-            <a:prstGeom prst="rect">
-              <a:avLst/>
-            </a:prstGeom>
-            <a:sp3d/>
-          </p:spPr>
-          <p:style>
-            <a:lnRef idx="0">
-              <a:scrgbClr r="0" g="0" b="0"/>
-            </a:lnRef>
-            <a:fillRef idx="0">
-              <a:scrgbClr r="0" g="0" b="0"/>
-            </a:fillRef>
-            <a:effectRef idx="0">
-              <a:scrgbClr r="0" g="0" b="0"/>
-            </a:effectRef>
-            <a:fontRef idx="minor">
-              <a:schemeClr val="dk1"/>
-            </a:fontRef>
-          </p:style>
-          <p:txBody>
-            <a:bodyPr spcFirstLastPara="0" vert="horz" wrap="square" lIns="44006" tIns="14669" rIns="14669" bIns="14669" numCol="1" spcCol="1270" anchor="ctr" anchorCtr="0">
-              <a:noAutofit/>
-            </a:bodyPr>
-            <a:lstStyle/>
-            <a:p>
-              <a:pPr lvl="0" algn="ctr" defTabSz="488950">
-                <a:lnSpc>
-                  <a:spcPct val="90000"/>
-                </a:lnSpc>
-                <a:spcBef>
-                  <a:spcPct val="0"/>
-                </a:spcBef>
-                <a:spcAft>
-                  <a:spcPct val="35000"/>
-                </a:spcAft>
-              </a:pPr>
-              <a:r>
-                <a:rPr lang="en-US" sz="1100" b="1" kern="1200" dirty="0" err="1" smtClean="0"/>
-                <a:t>Kiểm</a:t>
-              </a:r>
-              <a:r>
-                <a:rPr lang="en-US" sz="1100" b="1" kern="1200" dirty="0" smtClean="0"/>
-                <a:t> </a:t>
-              </a:r>
-              <a:r>
-                <a:rPr lang="en-US" sz="1100" b="1" kern="1200" dirty="0" err="1" smtClean="0"/>
-                <a:t>tra</a:t>
-              </a:r>
-              <a:r>
-                <a:rPr lang="en-US" sz="1100" b="1" kern="1200" dirty="0" smtClean="0"/>
-                <a:t> </a:t>
-              </a:r>
-              <a:r>
-                <a:rPr lang="en-US" sz="1100" b="1" kern="1200" dirty="0" err="1" smtClean="0"/>
-                <a:t>điều</a:t>
-              </a:r>
-              <a:r>
-                <a:rPr lang="en-US" sz="1100" b="1" kern="1200" dirty="0" smtClean="0"/>
-                <a:t> </a:t>
-              </a:r>
-              <a:r>
-                <a:rPr lang="en-US" sz="1100" b="1" kern="1200" dirty="0" err="1" smtClean="0"/>
-                <a:t>kiện</a:t>
-              </a:r>
-              <a:r>
-                <a:rPr lang="en-US" sz="1100" b="1" kern="1200" dirty="0" smtClean="0"/>
-                <a:t> </a:t>
-              </a:r>
-              <a:r>
-                <a:rPr lang="en-US" sz="1100" b="1" kern="1200" dirty="0" err="1" smtClean="0"/>
-                <a:t>dừng</a:t>
-              </a:r>
-              <a:endParaRPr lang="en-US" sz="1100" b="1" kern="1200" dirty="0"/>
-            </a:p>
-          </p:txBody>
-        </p:sp>
-      </p:grpSp>
-      <p:grpSp>
-        <p:nvGrpSpPr>
-          <p:cNvPr id="14" name="Group 13"/>
-          <p:cNvGrpSpPr/>
-          <p:nvPr/>
-        </p:nvGrpSpPr>
-        <p:grpSpPr>
-          <a:xfrm>
-            <a:off x="7260618" y="4648200"/>
-            <a:ext cx="1536352" cy="614541"/>
-            <a:chOff x="6917717" y="1826329"/>
-            <a:chExt cx="1536352" cy="614541"/>
-          </a:xfrm>
-          <a:scene3d>
-            <a:camera prst="orthographicFront"/>
-            <a:lightRig rig="flat" dir="t"/>
-          </a:scene3d>
-        </p:grpSpPr>
-        <p:sp>
-          <p:nvSpPr>
-            <p:cNvPr id="15" name="Chevron 14"/>
-            <p:cNvSpPr/>
-            <p:nvPr/>
-          </p:nvSpPr>
-          <p:spPr>
-            <a:xfrm>
-              <a:off x="6917717" y="1826329"/>
-              <a:ext cx="1536352" cy="614541"/>
-            </a:xfrm>
-            <a:prstGeom prst="chevron">
-              <a:avLst/>
-            </a:prstGeom>
-            <a:sp3d prstMaterial="dkEdge">
-              <a:bevelT w="8200" h="38100"/>
-            </a:sp3d>
-          </p:spPr>
-          <p:style>
-            <a:lnRef idx="0">
-              <a:schemeClr val="lt1">
-                <a:hueOff val="0"/>
-                <a:satOff val="0"/>
-                <a:lumOff val="0"/>
-                <a:alphaOff val="0"/>
-              </a:schemeClr>
-            </a:lnRef>
-            <a:fillRef idx="2">
-              <a:schemeClr val="accent2">
-                <a:hueOff val="4681519"/>
-                <a:satOff val="-5839"/>
-                <a:lumOff val="1373"/>
-                <a:alphaOff val="0"/>
-              </a:schemeClr>
-            </a:fillRef>
-            <a:effectRef idx="1">
-              <a:schemeClr val="accent2">
-                <a:hueOff val="4681519"/>
-                <a:satOff val="-5839"/>
-                <a:lumOff val="1373"/>
-                <a:alphaOff val="0"/>
-              </a:schemeClr>
-            </a:effectRef>
-            <a:fontRef idx="minor">
-              <a:schemeClr val="dk1"/>
-            </a:fontRef>
-          </p:style>
-        </p:sp>
-        <p:sp>
-          <p:nvSpPr>
-            <p:cNvPr id="16" name="Chevron 14"/>
-            <p:cNvSpPr/>
-            <p:nvPr/>
-          </p:nvSpPr>
-          <p:spPr>
-            <a:xfrm>
-              <a:off x="7224988" y="1826329"/>
-              <a:ext cx="921811" cy="614541"/>
-            </a:xfrm>
-            <a:prstGeom prst="rect">
-              <a:avLst/>
-            </a:prstGeom>
-            <a:sp3d/>
-          </p:spPr>
-          <p:style>
-            <a:lnRef idx="0">
-              <a:scrgbClr r="0" g="0" b="0"/>
-            </a:lnRef>
-            <a:fillRef idx="0">
-              <a:scrgbClr r="0" g="0" b="0"/>
-            </a:fillRef>
-            <a:effectRef idx="0">
-              <a:scrgbClr r="0" g="0" b="0"/>
-            </a:effectRef>
-            <a:fontRef idx="minor">
-              <a:schemeClr val="dk1"/>
-            </a:fontRef>
-          </p:style>
-          <p:txBody>
-            <a:bodyPr spcFirstLastPara="0" vert="horz" wrap="square" lIns="44006" tIns="14669" rIns="14669" bIns="14669" numCol="1" spcCol="1270" anchor="ctr" anchorCtr="0">
-              <a:noAutofit/>
-            </a:bodyPr>
-            <a:lstStyle/>
-            <a:p>
-              <a:pPr lvl="0" algn="ctr" defTabSz="488950">
-                <a:lnSpc>
-                  <a:spcPct val="90000"/>
-                </a:lnSpc>
-                <a:spcBef>
-                  <a:spcPct val="0"/>
-                </a:spcBef>
-                <a:spcAft>
-                  <a:spcPct val="35000"/>
-                </a:spcAft>
-              </a:pPr>
-              <a:r>
-                <a:rPr lang="en-US" sz="1100" b="1" kern="1200" smtClean="0"/>
-                <a:t>Kết thúc</a:t>
-              </a:r>
-              <a:endParaRPr lang="en-US" sz="1100" b="1" kern="1200" dirty="0"/>
-            </a:p>
-          </p:txBody>
-        </p:sp>
-      </p:grpSp>
     </p:spTree>
     <p:extLst>
       <p:ext uri="{BB962C8B-B14F-4D97-AF65-F5344CB8AC3E}">
@@ -9990,7 +9093,7 @@
             <p:ph idx="1"/>
             <p:extLst>
               <p:ext uri="{D42A27DB-BD31-4B8C-83A1-F6EECF244321}">
-                <p14:modId xmlns:p14="http://schemas.microsoft.com/office/powerpoint/2010/main" val="330220111"/>
+                <p14:modId xmlns:p14="http://schemas.microsoft.com/office/powerpoint/2010/main" val="2346389911"/>
               </p:ext>
             </p:extLst>
           </p:nvPr>
@@ -10129,7 +9232,14 @@
                     <a:lstStyle/>
                     <a:p>
                       <a:r>
-                        <a:rPr lang="en-US" dirty="0" smtClean="0"/>
+                        <a:rPr lang="en-US" sz="1800" kern="1200" baseline="0" dirty="0" smtClean="0">
+                          <a:solidFill>
+                            <a:schemeClr val="tx1"/>
+                          </a:solidFill>
+                          <a:latin typeface="+mn-lt"/>
+                          <a:ea typeface="+mn-ea"/>
+                          <a:cs typeface="+mn-cs"/>
+                        </a:rPr>
                         <a:t>t</a:t>
                       </a:r>
                       <a:r>
@@ -10307,7 +9417,14 @@
                     <a:lstStyle/>
                     <a:p>
                       <a:r>
-                        <a:rPr lang="en-US" dirty="0" smtClean="0"/>
+                        <a:rPr lang="en-US" sz="1800" kern="1200" baseline="0" dirty="0" smtClean="0">
+                          <a:solidFill>
+                            <a:schemeClr val="tx1"/>
+                          </a:solidFill>
+                          <a:latin typeface="+mn-lt"/>
+                          <a:ea typeface="+mn-ea"/>
+                          <a:cs typeface="+mn-cs"/>
+                        </a:rPr>
                         <a:t>t</a:t>
                       </a:r>
                       <a:r>
@@ -10688,7 +9805,7 @@
                     <a:p>
                       <a:r>
                         <a:rPr lang="en-US" dirty="0" smtClean="0"/>
-                        <a:t>0</a:t>
+                        <a:t>c</a:t>
                       </a:r>
                       <a:endParaRPr lang="en-US" dirty="0"/>
                     </a:p>
@@ -10747,7 +9864,7 @@
                     <a:p>
                       <a:r>
                         <a:rPr lang="en-US" dirty="0" smtClean="0"/>
-                        <a:t>1</a:t>
+                        <a:t>4</a:t>
                       </a:r>
                       <a:endParaRPr lang="en-US" dirty="0"/>
                     </a:p>
@@ -10806,7 +9923,7 @@
                     <a:p>
                       <a:r>
                         <a:rPr lang="en-US" dirty="0" smtClean="0"/>
-                        <a:t>0</a:t>
+                        <a:t>5</a:t>
                       </a:r>
                       <a:endParaRPr lang="en-US" dirty="0"/>
                     </a:p>
@@ -10924,7 +10041,7 @@
                     <a:p>
                       <a:r>
                         <a:rPr lang="en-US" dirty="0" smtClean="0"/>
-                        <a:t>0</a:t>
+                        <a:t>4</a:t>
                       </a:r>
                       <a:endParaRPr lang="en-US" dirty="0"/>
                     </a:p>
@@ -10983,7 +10100,7 @@
                     <a:p>
                       <a:r>
                         <a:rPr lang="en-US" dirty="0" smtClean="0"/>
-                        <a:t>0</a:t>
+                        <a:t>5</a:t>
                       </a:r>
                       <a:endParaRPr lang="en-US" dirty="0"/>
                     </a:p>
@@ -11199,7 +10316,7 @@
                     <a:p>
                       <a:r>
                         <a:rPr lang="en-US" dirty="0" smtClean="0"/>
-                        <a:t>1</a:t>
+                        <a:t>2</a:t>
                       </a:r>
                       <a:endParaRPr lang="en-US" dirty="0"/>
                     </a:p>
@@ -11232,7 +10349,7 @@
                     <a:p>
                       <a:r>
                         <a:rPr lang="en-US" dirty="0" smtClean="0"/>
-                        <a:t>1</a:t>
+                        <a:t>6</a:t>
                       </a:r>
                       <a:endParaRPr lang="en-US" dirty="0"/>
                     </a:p>
@@ -11256,7 +10373,7 @@
                     <a:p>
                       <a:r>
                         <a:rPr lang="en-US" dirty="0" smtClean="0"/>
-                        <a:t>0</a:t>
+                        <a:t>3</a:t>
                       </a:r>
                       <a:endParaRPr lang="en-US" dirty="0"/>
                     </a:p>
@@ -11280,7 +10397,7 @@
                     <a:p>
                       <a:r>
                         <a:rPr lang="en-US" dirty="0" smtClean="0"/>
-                        <a:t>0</a:t>
+                        <a:t>2</a:t>
                       </a:r>
                       <a:endParaRPr lang="en-US" dirty="0"/>
                     </a:p>
@@ -11328,7 +10445,7 @@
                     <a:p>
                       <a:r>
                         <a:rPr lang="en-US" dirty="0" smtClean="0"/>
-                        <a:t>1</a:t>
+                        <a:t>3</a:t>
                       </a:r>
                       <a:endParaRPr lang="en-US" dirty="0"/>
                     </a:p>
@@ -11352,7 +10469,7 @@
                     <a:p>
                       <a:r>
                         <a:rPr lang="en-US" dirty="0" smtClean="0"/>
-                        <a:t>1</a:t>
+                        <a:t>6</a:t>
                       </a:r>
                       <a:endParaRPr lang="en-US" dirty="0"/>
                     </a:p>
@@ -11396,7 +10513,7 @@
                     <a:p>
                       <a:r>
                         <a:rPr lang="en-US" dirty="0" smtClean="0"/>
-                        <a:t>0</a:t>
+                        <a:t>9</a:t>
                       </a:r>
                       <a:endParaRPr lang="en-US" dirty="0"/>
                     </a:p>
@@ -11435,7 +10552,7 @@
           <a:p>
             <a:fld id="{E3E2306C-E34F-4492-8C03-BFD178B0B86F}" type="datetime1">
               <a:rPr lang="en-US" smtClean="0"/>
-              <a:t>4/7/2012</a:t>
+              <a:t>4/10/2012</a:t>
             </a:fld>
             <a:endParaRPr lang="en-US"/>
           </a:p>
@@ -11805,7 +10922,7 @@
                   <a:schemeClr val="tx1"/>
                 </a:solidFill>
               </a:rPr>
-              <a:t>Demand </a:t>
+              <a:t>Request </a:t>
             </a:r>
             <a:r>
               <a:rPr lang="en-US" dirty="0" err="1" smtClean="0">
@@ -11831,743 +10948,6 @@
           </a:p>
         </p:txBody>
       </p:sp>
-      <p:cxnSp>
-        <p:nvCxnSpPr>
-          <p:cNvPr id="22" name="Straight Arrow Connector 21"/>
-          <p:cNvCxnSpPr/>
-          <p:nvPr/>
-        </p:nvCxnSpPr>
-        <p:spPr>
-          <a:xfrm>
-            <a:off x="4724400" y="3124200"/>
-            <a:ext cx="685800" cy="1371600"/>
-          </a:xfrm>
-          <a:prstGeom prst="straightConnector1">
-            <a:avLst/>
-          </a:prstGeom>
-          <a:ln>
-            <a:tailEnd type="arrow"/>
-          </a:ln>
-        </p:spPr>
-        <p:style>
-          <a:lnRef idx="1">
-            <a:schemeClr val="accent1"/>
-          </a:lnRef>
-          <a:fillRef idx="0">
-            <a:schemeClr val="accent1"/>
-          </a:fillRef>
-          <a:effectRef idx="0">
-            <a:schemeClr val="accent1"/>
-          </a:effectRef>
-          <a:fontRef idx="minor">
-            <a:schemeClr val="tx1"/>
-          </a:fontRef>
-        </p:style>
-      </p:cxnSp>
-      <p:graphicFrame>
-        <p:nvGraphicFramePr>
-          <p:cNvPr id="26" name="Table 25"/>
-          <p:cNvGraphicFramePr>
-            <a:graphicFrameLocks noGrp="1"/>
-          </p:cNvGraphicFramePr>
-          <p:nvPr>
-            <p:extLst>
-              <p:ext uri="{D42A27DB-BD31-4B8C-83A1-F6EECF244321}">
-                <p14:modId xmlns:p14="http://schemas.microsoft.com/office/powerpoint/2010/main" val="1465755001"/>
-              </p:ext>
-            </p:extLst>
-          </p:nvPr>
-        </p:nvGraphicFramePr>
-        <p:xfrm>
-          <a:off x="3581400" y="4500093"/>
-          <a:ext cx="5181603" cy="370840"/>
-        </p:xfrm>
-        <a:graphic>
-          <a:graphicData uri="http://schemas.openxmlformats.org/drawingml/2006/table">
-            <a:tbl>
-              <a:tblPr firstRow="1" bandRow="1">
-                <a:tableStyleId>{5940675A-B579-460E-94D1-54222C63F5DA}</a:tableStyleId>
-              </a:tblPr>
-              <a:tblGrid>
-                <a:gridCol w="740229"/>
-                <a:gridCol w="740229"/>
-                <a:gridCol w="740229"/>
-                <a:gridCol w="740229"/>
-                <a:gridCol w="740229"/>
-                <a:gridCol w="740229"/>
-                <a:gridCol w="740229"/>
-              </a:tblGrid>
-              <a:tr h="370840">
-                <a:tc>
-                  <a:txBody>
-                    <a:bodyPr/>
-                    <a:lstStyle/>
-                    <a:p>
-                      <a:r>
-                        <a:rPr lang="en-US" sz="1800" dirty="0" smtClean="0"/>
-                        <a:t>N</a:t>
-                      </a:r>
-                      <a:r>
-                        <a:rPr lang="en-US" sz="1800" baseline="-25000" dirty="0" smtClean="0"/>
-                        <a:t>7</a:t>
-                      </a:r>
-                      <a:endParaRPr lang="en-US" dirty="0"/>
-                    </a:p>
-                  </a:txBody>
-                  <a:tcPr/>
-                </a:tc>
-                <a:tc>
-                  <a:txBody>
-                    <a:bodyPr/>
-                    <a:lstStyle/>
-                    <a:p>
-                      <a:r>
-                        <a:rPr lang="en-US" sz="1800" dirty="0" smtClean="0"/>
-                        <a:t>N</a:t>
-                      </a:r>
-                      <a:r>
-                        <a:rPr lang="en-US" sz="1800" baseline="-25000" dirty="0" smtClean="0"/>
-                        <a:t>1</a:t>
-                      </a:r>
-                      <a:endParaRPr lang="en-US" dirty="0"/>
-                    </a:p>
-                  </a:txBody>
-                  <a:tcPr/>
-                </a:tc>
-                <a:tc>
-                  <a:txBody>
-                    <a:bodyPr/>
-                    <a:lstStyle/>
-                    <a:p>
-                      <a:r>
-                        <a:rPr lang="en-US" sz="1800" dirty="0" smtClean="0"/>
-                        <a:t>N</a:t>
-                      </a:r>
-                      <a:r>
-                        <a:rPr lang="en-US" sz="1800" baseline="-25000" dirty="0" smtClean="0"/>
-                        <a:t>5</a:t>
-                      </a:r>
-                      <a:endParaRPr lang="en-US" dirty="0"/>
-                    </a:p>
-                  </a:txBody>
-                  <a:tcPr/>
-                </a:tc>
-                <a:tc>
-                  <a:txBody>
-                    <a:bodyPr/>
-                    <a:lstStyle/>
-                    <a:p>
-                      <a:r>
-                        <a:rPr lang="en-US" dirty="0" smtClean="0"/>
-                        <a:t>N</a:t>
-                      </a:r>
-                      <a:r>
-                        <a:rPr lang="en-US" sz="1800" kern="1200" baseline="-25000" dirty="0" smtClean="0">
-                          <a:solidFill>
-                            <a:schemeClr val="tx1"/>
-                          </a:solidFill>
-                          <a:latin typeface="+mn-lt"/>
-                          <a:ea typeface="+mn-ea"/>
-                          <a:cs typeface="+mn-cs"/>
-                        </a:rPr>
-                        <a:t>6</a:t>
-                      </a:r>
-                      <a:endParaRPr lang="en-US" sz="1800" kern="1200" baseline="-25000" dirty="0">
-                        <a:solidFill>
-                          <a:schemeClr val="tx1"/>
-                        </a:solidFill>
-                        <a:latin typeface="+mn-lt"/>
-                        <a:ea typeface="+mn-ea"/>
-                        <a:cs typeface="+mn-cs"/>
-                      </a:endParaRPr>
-                    </a:p>
-                  </a:txBody>
-                  <a:tcPr/>
-                </a:tc>
-                <a:tc>
-                  <a:txBody>
-                    <a:bodyPr/>
-                    <a:lstStyle/>
-                    <a:p>
-                      <a:r>
-                        <a:rPr lang="en-US" dirty="0" smtClean="0"/>
-                        <a:t>N</a:t>
-                      </a:r>
-                      <a:r>
-                        <a:rPr lang="en-US" sz="1800" kern="1200" baseline="-25000" dirty="0" smtClean="0">
-                          <a:solidFill>
-                            <a:schemeClr val="tx1"/>
-                          </a:solidFill>
-                          <a:latin typeface="+mn-lt"/>
-                          <a:ea typeface="+mn-ea"/>
-                          <a:cs typeface="+mn-cs"/>
-                        </a:rPr>
-                        <a:t>9</a:t>
-                      </a:r>
-                      <a:endParaRPr lang="en-US" sz="1800" kern="1200" baseline="-25000" dirty="0">
-                        <a:solidFill>
-                          <a:schemeClr val="tx1"/>
-                        </a:solidFill>
-                        <a:latin typeface="+mn-lt"/>
-                        <a:ea typeface="+mn-ea"/>
-                        <a:cs typeface="+mn-cs"/>
-                      </a:endParaRPr>
-                    </a:p>
-                  </a:txBody>
-                  <a:tcPr/>
-                </a:tc>
-                <a:tc>
-                  <a:txBody>
-                    <a:bodyPr/>
-                    <a:lstStyle/>
-                    <a:p>
-                      <a:r>
-                        <a:rPr lang="en-US" sz="1800" kern="1200" dirty="0" smtClean="0">
-                          <a:solidFill>
-                            <a:schemeClr val="tx1"/>
-                          </a:solidFill>
-                          <a:latin typeface="+mn-lt"/>
-                          <a:ea typeface="+mn-ea"/>
-                          <a:cs typeface="+mn-cs"/>
-                        </a:rPr>
-                        <a:t>N</a:t>
-                      </a:r>
-                      <a:r>
-                        <a:rPr lang="en-US" sz="1800" kern="1200" baseline="-25000" dirty="0" smtClean="0">
-                          <a:solidFill>
-                            <a:schemeClr val="tx1"/>
-                          </a:solidFill>
-                          <a:latin typeface="+mn-lt"/>
-                          <a:ea typeface="+mn-ea"/>
-                          <a:cs typeface="+mn-cs"/>
-                        </a:rPr>
-                        <a:t>10</a:t>
-                      </a:r>
-                      <a:endParaRPr lang="en-US" sz="1800" kern="1200" baseline="-25000" dirty="0">
-                        <a:solidFill>
-                          <a:schemeClr val="tx1"/>
-                        </a:solidFill>
-                        <a:latin typeface="+mn-lt"/>
-                        <a:ea typeface="+mn-ea"/>
-                        <a:cs typeface="+mn-cs"/>
-                      </a:endParaRPr>
-                    </a:p>
-                  </a:txBody>
-                  <a:tcPr/>
-                </a:tc>
-                <a:tc>
-                  <a:txBody>
-                    <a:bodyPr/>
-                    <a:lstStyle/>
-                    <a:p>
-                      <a:r>
-                        <a:rPr lang="en-US" sz="1800" dirty="0" smtClean="0"/>
-                        <a:t>N</a:t>
-                      </a:r>
-                      <a:r>
-                        <a:rPr lang="en-US" sz="1800" baseline="-25000" dirty="0" smtClean="0"/>
-                        <a:t>17</a:t>
-                      </a:r>
-                      <a:endParaRPr lang="en-US" dirty="0"/>
-                    </a:p>
-                  </a:txBody>
-                  <a:tcPr/>
-                </a:tc>
-              </a:tr>
-            </a:tbl>
-          </a:graphicData>
-        </a:graphic>
-      </p:graphicFrame>
-      <p:cxnSp>
-        <p:nvCxnSpPr>
-          <p:cNvPr id="28" name="Straight Arrow Connector 27"/>
-          <p:cNvCxnSpPr/>
-          <p:nvPr/>
-        </p:nvCxnSpPr>
-        <p:spPr>
-          <a:xfrm flipH="1">
-            <a:off x="3429000" y="4876800"/>
-            <a:ext cx="304800" cy="457200"/>
-          </a:xfrm>
-          <a:prstGeom prst="straightConnector1">
-            <a:avLst/>
-          </a:prstGeom>
-          <a:ln>
-            <a:tailEnd type="arrow"/>
-          </a:ln>
-        </p:spPr>
-        <p:style>
-          <a:lnRef idx="1">
-            <a:schemeClr val="accent1"/>
-          </a:lnRef>
-          <a:fillRef idx="0">
-            <a:schemeClr val="accent1"/>
-          </a:fillRef>
-          <a:effectRef idx="0">
-            <a:schemeClr val="accent1"/>
-          </a:effectRef>
-          <a:fontRef idx="minor">
-            <a:schemeClr val="tx1"/>
-          </a:fontRef>
-        </p:style>
-      </p:cxnSp>
-      <p:cxnSp>
-        <p:nvCxnSpPr>
-          <p:cNvPr id="30" name="Straight Arrow Connector 29"/>
-          <p:cNvCxnSpPr/>
-          <p:nvPr/>
-        </p:nvCxnSpPr>
-        <p:spPr>
-          <a:xfrm>
-            <a:off x="8382000" y="4876800"/>
-            <a:ext cx="76200" cy="457200"/>
-          </a:xfrm>
-          <a:prstGeom prst="straightConnector1">
-            <a:avLst/>
-          </a:prstGeom>
-          <a:ln>
-            <a:tailEnd type="arrow"/>
-          </a:ln>
-        </p:spPr>
-        <p:style>
-          <a:lnRef idx="1">
-            <a:schemeClr val="accent1"/>
-          </a:lnRef>
-          <a:fillRef idx="0">
-            <a:schemeClr val="accent1"/>
-          </a:fillRef>
-          <a:effectRef idx="0">
-            <a:schemeClr val="accent1"/>
-          </a:effectRef>
-          <a:fontRef idx="minor">
-            <a:schemeClr val="tx1"/>
-          </a:fontRef>
-        </p:style>
-      </p:cxnSp>
-      <p:cxnSp>
-        <p:nvCxnSpPr>
-          <p:cNvPr id="32" name="Straight Arrow Connector 31"/>
-          <p:cNvCxnSpPr/>
-          <p:nvPr/>
-        </p:nvCxnSpPr>
-        <p:spPr>
-          <a:xfrm>
-            <a:off x="4914900" y="4876800"/>
-            <a:ext cx="190500" cy="457200"/>
-          </a:xfrm>
-          <a:prstGeom prst="straightConnector1">
-            <a:avLst/>
-          </a:prstGeom>
-          <a:ln>
-            <a:tailEnd type="arrow"/>
-          </a:ln>
-        </p:spPr>
-        <p:style>
-          <a:lnRef idx="1">
-            <a:schemeClr val="accent1"/>
-          </a:lnRef>
-          <a:fillRef idx="0">
-            <a:schemeClr val="accent1"/>
-          </a:fillRef>
-          <a:effectRef idx="0">
-            <a:schemeClr val="accent1"/>
-          </a:effectRef>
-          <a:fontRef idx="minor">
-            <a:schemeClr val="tx1"/>
-          </a:fontRef>
-        </p:style>
-      </p:cxnSp>
-      <p:sp>
-        <p:nvSpPr>
-          <p:cNvPr id="34" name="Rectangular Callout 33"/>
-          <p:cNvSpPr/>
-          <p:nvPr/>
-        </p:nvSpPr>
-        <p:spPr>
-          <a:xfrm>
-            <a:off x="2628363" y="5334000"/>
-            <a:ext cx="1447800" cy="685800"/>
-          </a:xfrm>
-          <a:prstGeom prst="wedgeRectCallout">
-            <a:avLst/>
-          </a:prstGeom>
-          <a:solidFill>
-            <a:schemeClr val="bg2"/>
-          </a:solidFill>
-        </p:spPr>
-        <p:style>
-          <a:lnRef idx="2">
-            <a:schemeClr val="accent1">
-              <a:shade val="50000"/>
-            </a:schemeClr>
-          </a:lnRef>
-          <a:fillRef idx="1">
-            <a:schemeClr val="accent1"/>
-          </a:fillRef>
-          <a:effectRef idx="0">
-            <a:schemeClr val="accent1"/>
-          </a:effectRef>
-          <a:fontRef idx="minor">
-            <a:schemeClr val="lt1"/>
-          </a:fontRef>
-        </p:style>
-        <p:txBody>
-          <a:bodyPr rtlCol="0" anchor="ctr"/>
-          <a:lstStyle/>
-          <a:p>
-            <a:pPr algn="ctr"/>
-            <a:r>
-              <a:rPr lang="en-US" dirty="0" err="1" smtClean="0">
-                <a:solidFill>
-                  <a:schemeClr val="tx1"/>
-                </a:solidFill>
-              </a:rPr>
-              <a:t>Điểm</a:t>
-            </a:r>
-            <a:r>
-              <a:rPr lang="en-US" dirty="0" smtClean="0">
-                <a:solidFill>
-                  <a:schemeClr val="tx1"/>
-                </a:solidFill>
-              </a:rPr>
-              <a:t> </a:t>
-            </a:r>
-            <a:r>
-              <a:rPr lang="en-US" dirty="0" err="1" smtClean="0">
-                <a:solidFill>
-                  <a:schemeClr val="tx1"/>
-                </a:solidFill>
-              </a:rPr>
-              <a:t>đầu</a:t>
-            </a:r>
-            <a:r>
-              <a:rPr lang="en-US" dirty="0" smtClean="0">
-                <a:solidFill>
-                  <a:schemeClr val="tx1"/>
-                </a:solidFill>
-              </a:rPr>
-              <a:t> </a:t>
-            </a:r>
-            <a:r>
-              <a:rPr lang="en-US" dirty="0" err="1" smtClean="0">
-                <a:solidFill>
-                  <a:schemeClr val="tx1"/>
-                </a:solidFill>
-              </a:rPr>
-              <a:t>kết</a:t>
-            </a:r>
-            <a:r>
-              <a:rPr lang="en-US" dirty="0" smtClean="0">
-                <a:solidFill>
-                  <a:schemeClr val="tx1"/>
-                </a:solidFill>
-              </a:rPr>
-              <a:t> </a:t>
-            </a:r>
-            <a:r>
-              <a:rPr lang="en-US" dirty="0" err="1" smtClean="0">
-                <a:solidFill>
-                  <a:schemeClr val="tx1"/>
-                </a:solidFill>
-              </a:rPr>
-              <a:t>nối</a:t>
-            </a:r>
-            <a:endParaRPr lang="en-US" dirty="0">
-              <a:solidFill>
-                <a:schemeClr val="tx1"/>
-              </a:solidFill>
-            </a:endParaRPr>
-          </a:p>
-        </p:txBody>
-      </p:sp>
-      <p:sp>
-        <p:nvSpPr>
-          <p:cNvPr id="35" name="Rectangular Callout 34"/>
-          <p:cNvSpPr/>
-          <p:nvPr/>
-        </p:nvSpPr>
-        <p:spPr>
-          <a:xfrm>
-            <a:off x="4455554" y="5334000"/>
-            <a:ext cx="1945246" cy="685800"/>
-          </a:xfrm>
-          <a:prstGeom prst="wedgeRectCallout">
-            <a:avLst/>
-          </a:prstGeom>
-          <a:solidFill>
-            <a:schemeClr val="bg2"/>
-          </a:solidFill>
-        </p:spPr>
-        <p:style>
-          <a:lnRef idx="2">
-            <a:schemeClr val="accent1">
-              <a:shade val="50000"/>
-            </a:schemeClr>
-          </a:lnRef>
-          <a:fillRef idx="1">
-            <a:schemeClr val="accent1"/>
-          </a:fillRef>
-          <a:effectRef idx="0">
-            <a:schemeClr val="accent1"/>
-          </a:effectRef>
-          <a:fontRef idx="minor">
-            <a:schemeClr val="lt1"/>
-          </a:fontRef>
-        </p:style>
-        <p:txBody>
-          <a:bodyPr rtlCol="0" anchor="ctr"/>
-          <a:lstStyle/>
-          <a:p>
-            <a:pPr algn="ctr"/>
-            <a:r>
-              <a:rPr lang="en-US" dirty="0" err="1" smtClean="0">
-                <a:solidFill>
-                  <a:schemeClr val="tx1"/>
-                </a:solidFill>
-              </a:rPr>
-              <a:t>Các</a:t>
-            </a:r>
-            <a:r>
-              <a:rPr lang="en-US" dirty="0" smtClean="0">
-                <a:solidFill>
-                  <a:schemeClr val="tx1"/>
-                </a:solidFill>
-              </a:rPr>
-              <a:t> </a:t>
-            </a:r>
-            <a:r>
-              <a:rPr lang="en-US" dirty="0" err="1" smtClean="0">
-                <a:solidFill>
-                  <a:schemeClr val="tx1"/>
-                </a:solidFill>
-              </a:rPr>
-              <a:t>điểm</a:t>
-            </a:r>
-            <a:r>
-              <a:rPr lang="en-US" dirty="0" smtClean="0">
-                <a:solidFill>
-                  <a:schemeClr val="tx1"/>
-                </a:solidFill>
-              </a:rPr>
-              <a:t> </a:t>
-            </a:r>
-            <a:r>
-              <a:rPr lang="en-US" dirty="0" err="1" smtClean="0">
-                <a:solidFill>
-                  <a:schemeClr val="tx1"/>
-                </a:solidFill>
-              </a:rPr>
-              <a:t>trên</a:t>
-            </a:r>
-            <a:r>
-              <a:rPr lang="en-US" dirty="0" smtClean="0">
-                <a:solidFill>
-                  <a:schemeClr val="tx1"/>
-                </a:solidFill>
-              </a:rPr>
-              <a:t> </a:t>
-            </a:r>
-            <a:r>
-              <a:rPr lang="en-US" dirty="0" err="1" smtClean="0">
-                <a:solidFill>
-                  <a:schemeClr val="tx1"/>
-                </a:solidFill>
-              </a:rPr>
-              <a:t>đường</a:t>
-            </a:r>
-            <a:r>
-              <a:rPr lang="en-US" dirty="0" smtClean="0">
-                <a:solidFill>
-                  <a:schemeClr val="tx1"/>
-                </a:solidFill>
-              </a:rPr>
-              <a:t> </a:t>
-            </a:r>
-            <a:r>
-              <a:rPr lang="en-US" dirty="0" err="1" smtClean="0">
-                <a:solidFill>
-                  <a:schemeClr val="tx1"/>
-                </a:solidFill>
-              </a:rPr>
-              <a:t>truyền</a:t>
-            </a:r>
-            <a:endParaRPr lang="en-US" dirty="0">
-              <a:solidFill>
-                <a:schemeClr val="tx1"/>
-              </a:solidFill>
-            </a:endParaRPr>
-          </a:p>
-        </p:txBody>
-      </p:sp>
-      <p:sp>
-        <p:nvSpPr>
-          <p:cNvPr id="36" name="Rectangular Callout 35"/>
-          <p:cNvSpPr/>
-          <p:nvPr/>
-        </p:nvSpPr>
-        <p:spPr>
-          <a:xfrm>
-            <a:off x="7391400" y="5334000"/>
-            <a:ext cx="1447800" cy="685800"/>
-          </a:xfrm>
-          <a:prstGeom prst="wedgeRectCallout">
-            <a:avLst/>
-          </a:prstGeom>
-          <a:solidFill>
-            <a:schemeClr val="bg2"/>
-          </a:solidFill>
-        </p:spPr>
-        <p:style>
-          <a:lnRef idx="2">
-            <a:schemeClr val="accent1">
-              <a:shade val="50000"/>
-            </a:schemeClr>
-          </a:lnRef>
-          <a:fillRef idx="1">
-            <a:schemeClr val="accent1"/>
-          </a:fillRef>
-          <a:effectRef idx="0">
-            <a:schemeClr val="accent1"/>
-          </a:effectRef>
-          <a:fontRef idx="minor">
-            <a:schemeClr val="lt1"/>
-          </a:fontRef>
-        </p:style>
-        <p:txBody>
-          <a:bodyPr rtlCol="0" anchor="ctr"/>
-          <a:lstStyle/>
-          <a:p>
-            <a:pPr algn="ctr"/>
-            <a:r>
-              <a:rPr lang="en-US" dirty="0" err="1" smtClean="0">
-                <a:solidFill>
-                  <a:schemeClr val="tx1"/>
-                </a:solidFill>
-              </a:rPr>
-              <a:t>Điểm</a:t>
-            </a:r>
-            <a:r>
-              <a:rPr lang="en-US" dirty="0" smtClean="0">
-                <a:solidFill>
-                  <a:schemeClr val="tx1"/>
-                </a:solidFill>
-              </a:rPr>
-              <a:t> </a:t>
-            </a:r>
-            <a:r>
-              <a:rPr lang="en-US" dirty="0" err="1" smtClean="0">
-                <a:solidFill>
-                  <a:schemeClr val="tx1"/>
-                </a:solidFill>
-              </a:rPr>
-              <a:t>cuối</a:t>
-            </a:r>
-            <a:r>
-              <a:rPr lang="en-US" dirty="0" smtClean="0">
-                <a:solidFill>
-                  <a:schemeClr val="tx1"/>
-                </a:solidFill>
-              </a:rPr>
-              <a:t> </a:t>
-            </a:r>
-            <a:r>
-              <a:rPr lang="en-US" dirty="0" err="1" smtClean="0">
-                <a:solidFill>
-                  <a:schemeClr val="tx1"/>
-                </a:solidFill>
-              </a:rPr>
-              <a:t>kết</a:t>
-            </a:r>
-            <a:r>
-              <a:rPr lang="en-US" dirty="0" smtClean="0">
-                <a:solidFill>
-                  <a:schemeClr val="tx1"/>
-                </a:solidFill>
-              </a:rPr>
-              <a:t> </a:t>
-            </a:r>
-            <a:r>
-              <a:rPr lang="en-US" dirty="0" err="1" smtClean="0">
-                <a:solidFill>
-                  <a:schemeClr val="tx1"/>
-                </a:solidFill>
-              </a:rPr>
-              <a:t>nối</a:t>
-            </a:r>
-            <a:endParaRPr lang="en-US" dirty="0">
-              <a:solidFill>
-                <a:schemeClr val="tx1"/>
-              </a:solidFill>
-            </a:endParaRPr>
-          </a:p>
-        </p:txBody>
-      </p:sp>
-      <p:sp>
-        <p:nvSpPr>
-          <p:cNvPr id="37" name="TextBox 36"/>
-          <p:cNvSpPr txBox="1"/>
-          <p:nvPr/>
-        </p:nvSpPr>
-        <p:spPr>
-          <a:xfrm>
-            <a:off x="1371600" y="4495800"/>
-            <a:ext cx="1447800" cy="369332"/>
-          </a:xfrm>
-          <a:prstGeom prst="rect">
-            <a:avLst/>
-          </a:prstGeom>
-          <a:noFill/>
-        </p:spPr>
-        <p:txBody>
-          <a:bodyPr wrap="square" rtlCol="0">
-            <a:spAutoFit/>
-          </a:bodyPr>
-          <a:lstStyle/>
-          <a:p>
-            <a:r>
-              <a:rPr lang="en-US" dirty="0" smtClean="0"/>
-              <a:t>Physical link</a:t>
-            </a:r>
-            <a:endParaRPr lang="en-US" dirty="0"/>
-          </a:p>
-        </p:txBody>
-      </p:sp>
-      <p:cxnSp>
-        <p:nvCxnSpPr>
-          <p:cNvPr id="39" name="Straight Arrow Connector 38"/>
-          <p:cNvCxnSpPr>
-            <a:stCxn id="37" idx="3"/>
-            <a:endCxn id="26" idx="1"/>
-          </p:cNvCxnSpPr>
-          <p:nvPr/>
-        </p:nvCxnSpPr>
-        <p:spPr>
-          <a:xfrm>
-            <a:off x="2819400" y="4680466"/>
-            <a:ext cx="762000" cy="5047"/>
-          </a:xfrm>
-          <a:prstGeom prst="straightConnector1">
-            <a:avLst/>
-          </a:prstGeom>
-          <a:ln>
-            <a:tailEnd type="arrow"/>
-          </a:ln>
-        </p:spPr>
-        <p:style>
-          <a:lnRef idx="1">
-            <a:schemeClr val="accent1"/>
-          </a:lnRef>
-          <a:fillRef idx="0">
-            <a:schemeClr val="accent1"/>
-          </a:fillRef>
-          <a:effectRef idx="0">
-            <a:schemeClr val="accent1"/>
-          </a:effectRef>
-          <a:fontRef idx="minor">
-            <a:schemeClr val="tx1"/>
-          </a:fontRef>
-        </p:style>
-      </p:cxnSp>
     </p:spTree>
     <p:extLst>
       <p:ext uri="{BB962C8B-B14F-4D97-AF65-F5344CB8AC3E}">
@@ -12828,7 +11208,7 @@
           <a:p>
             <a:fld id="{D9D502B8-AD58-4FD1-B793-29B56CAC21BC}" type="datetime1">
               <a:rPr lang="en-US" smtClean="0"/>
-              <a:t>4/7/2012</a:t>
+              <a:t>4/10/2012</a:t>
             </a:fld>
             <a:endParaRPr lang="en-US"/>
           </a:p>
@@ -13648,7 +12028,7 @@
                     <a:p>
                       <a:r>
                         <a:rPr lang="en-US" dirty="0" smtClean="0"/>
-                        <a:t>0</a:t>
+                        <a:t>c</a:t>
                       </a:r>
                       <a:endParaRPr lang="en-US" dirty="0"/>
                     </a:p>
@@ -13707,7 +12087,7 @@
                     <a:p>
                       <a:r>
                         <a:rPr lang="en-US" dirty="0" smtClean="0"/>
-                        <a:t>1</a:t>
+                        <a:t>4</a:t>
                       </a:r>
                       <a:endParaRPr lang="en-US" dirty="0"/>
                     </a:p>
@@ -13766,7 +12146,7 @@
                     <a:p>
                       <a:r>
                         <a:rPr lang="en-US" dirty="0" smtClean="0"/>
-                        <a:t>0</a:t>
+                        <a:t>5</a:t>
                       </a:r>
                       <a:endParaRPr lang="en-US" dirty="0"/>
                     </a:p>
@@ -13884,7 +12264,7 @@
                     <a:p>
                       <a:r>
                         <a:rPr lang="en-US" dirty="0" smtClean="0"/>
-                        <a:t>0</a:t>
+                        <a:t>4</a:t>
                       </a:r>
                       <a:endParaRPr lang="en-US" dirty="0"/>
                     </a:p>
@@ -13943,7 +12323,7 @@
                     <a:p>
                       <a:r>
                         <a:rPr lang="en-US" dirty="0" smtClean="0"/>
-                        <a:t>0</a:t>
+                        <a:t>5</a:t>
                       </a:r>
                       <a:endParaRPr lang="en-US" dirty="0"/>
                     </a:p>
@@ -14159,7 +12539,7 @@
                     <a:p>
                       <a:r>
                         <a:rPr lang="en-US" dirty="0" smtClean="0"/>
-                        <a:t>1</a:t>
+                        <a:t>2</a:t>
                       </a:r>
                       <a:endParaRPr lang="en-US" dirty="0"/>
                     </a:p>
@@ -14192,7 +12572,7 @@
                     <a:p>
                       <a:r>
                         <a:rPr lang="en-US" dirty="0" smtClean="0"/>
-                        <a:t>1</a:t>
+                        <a:t>6</a:t>
                       </a:r>
                       <a:endParaRPr lang="en-US" dirty="0"/>
                     </a:p>
@@ -14216,7 +12596,7 @@
                     <a:p>
                       <a:r>
                         <a:rPr lang="en-US" dirty="0" smtClean="0"/>
-                        <a:t>0</a:t>
+                        <a:t>3</a:t>
                       </a:r>
                       <a:endParaRPr lang="en-US" dirty="0"/>
                     </a:p>
@@ -14240,7 +12620,7 @@
                     <a:p>
                       <a:r>
                         <a:rPr lang="en-US" dirty="0" smtClean="0"/>
-                        <a:t>0</a:t>
+                        <a:t>2</a:t>
                       </a:r>
                       <a:endParaRPr lang="en-US" dirty="0"/>
                     </a:p>
@@ -14288,7 +12668,7 @@
                     <a:p>
                       <a:r>
                         <a:rPr lang="en-US" dirty="0" smtClean="0"/>
-                        <a:t>1</a:t>
+                        <a:t>3</a:t>
                       </a:r>
                       <a:endParaRPr lang="en-US" dirty="0"/>
                     </a:p>
@@ -14312,7 +12692,7 @@
                     <a:p>
                       <a:r>
                         <a:rPr lang="en-US" dirty="0" smtClean="0"/>
-                        <a:t>1</a:t>
+                        <a:t>6</a:t>
                       </a:r>
                       <a:endParaRPr lang="en-US" dirty="0"/>
                     </a:p>
@@ -14356,7 +12736,7 @@
                     <a:p>
                       <a:r>
                         <a:rPr lang="en-US" dirty="0" smtClean="0"/>
-                        <a:t>0</a:t>
+                        <a:t>9</a:t>
                       </a:r>
                       <a:endParaRPr lang="en-US" dirty="0"/>
                     </a:p>
@@ -14395,7 +12775,7 @@
           <a:p>
             <a:fld id="{E3E2306C-E34F-4492-8C03-BFD178B0B86F}" type="datetime1">
               <a:rPr lang="en-US" smtClean="0"/>
-              <a:t>4/7/2012</a:t>
+              <a:t>4/10/2012</a:t>
             </a:fld>
             <a:endParaRPr lang="en-US"/>
           </a:p>
@@ -14511,7 +12891,7 @@
           <a:p>
             <a:r>
               <a:rPr lang="en-US" dirty="0"/>
-              <a:t>1</a:t>
+              <a:t>6</a:t>
             </a:r>
           </a:p>
         </p:txBody>
@@ -14582,7 +12962,7 @@
             </a:pPr>
             <a:r>
               <a:rPr lang="en-US" dirty="0" smtClean="0"/>
-              <a:t>ID  = 1</a:t>
+              <a:t>ID  = 6</a:t>
             </a:r>
           </a:p>
           <a:p>
@@ -14630,7 +13010,6 @@
               <a:rPr lang="en-US" sz="1600" dirty="0" smtClean="0"/>
               <a:t> gen</a:t>
             </a:r>
-            <a:endParaRPr lang="en-US" sz="1600" dirty="0" smtClean="0"/>
           </a:p>
         </p:txBody>
       </p:sp>
@@ -14692,3421 +13071,7 @@
             </a:r>
             <a:r>
               <a:rPr lang="en-US" b="0" dirty="0" smtClean="0"/>
-              <a:t>. KHỞI TẠO QUẦN THỂ</a:t>
-            </a:r>
-            <a:endParaRPr lang="en-US" b="0" dirty="0"/>
-          </a:p>
-        </p:txBody>
-      </p:sp>
-      <p:sp>
-        <p:nvSpPr>
-          <p:cNvPr id="8" name="Content Placeholder 7"/>
-          <p:cNvSpPr>
-            <a:spLocks noGrp="1"/>
-          </p:cNvSpPr>
-          <p:nvPr>
-            <p:ph idx="1"/>
-          </p:nvPr>
-        </p:nvSpPr>
-        <p:spPr>
-          <a:xfrm>
-            <a:off x="457200" y="1600201"/>
-            <a:ext cx="3352800" cy="3809999"/>
-          </a:xfrm>
-        </p:spPr>
-        <p:txBody>
-          <a:bodyPr>
-            <a:normAutofit fontScale="92500" lnSpcReduction="10000"/>
-          </a:bodyPr>
-          <a:lstStyle/>
-          <a:p>
-            <a:r>
-              <a:rPr lang="en-US" dirty="0" err="1" smtClean="0"/>
-              <a:t>Mỗi</a:t>
-            </a:r>
-            <a:r>
-              <a:rPr lang="en-US" dirty="0" smtClean="0"/>
-              <a:t> router paths </a:t>
-            </a:r>
-            <a:r>
-              <a:rPr lang="en-US" dirty="0" err="1" smtClean="0"/>
-              <a:t>sẽ</a:t>
-            </a:r>
-            <a:r>
-              <a:rPr lang="en-US" dirty="0" smtClean="0"/>
-              <a:t> </a:t>
-            </a:r>
-            <a:r>
-              <a:rPr lang="en-US" dirty="0" err="1" smtClean="0"/>
-              <a:t>tương</a:t>
-            </a:r>
-            <a:r>
-              <a:rPr lang="en-US" dirty="0" smtClean="0"/>
-              <a:t> </a:t>
-            </a:r>
-            <a:r>
-              <a:rPr lang="en-US" dirty="0" err="1" smtClean="0"/>
-              <a:t>ứng</a:t>
-            </a:r>
-            <a:r>
-              <a:rPr lang="en-US" dirty="0" smtClean="0"/>
-              <a:t> 1 </a:t>
-            </a:r>
-            <a:r>
-              <a:rPr lang="en-US" dirty="0" err="1" smtClean="0"/>
-              <a:t>tập</a:t>
-            </a:r>
-            <a:r>
-              <a:rPr lang="en-US" dirty="0" smtClean="0"/>
-              <a:t> physical link</a:t>
-            </a:r>
-          </a:p>
-          <a:p>
-            <a:r>
-              <a:rPr lang="en-US" dirty="0" err="1" smtClean="0"/>
-              <a:t>Chọn</a:t>
-            </a:r>
-            <a:r>
-              <a:rPr lang="en-US" dirty="0" smtClean="0"/>
-              <a:t> L1 </a:t>
-            </a:r>
-            <a:r>
-              <a:rPr lang="en-US" dirty="0" err="1" smtClean="0"/>
-              <a:t>là</a:t>
-            </a:r>
-            <a:r>
-              <a:rPr lang="en-US" dirty="0" smtClean="0"/>
-              <a:t> </a:t>
-            </a:r>
-            <a:r>
-              <a:rPr lang="en-US" dirty="0" err="1" smtClean="0"/>
-              <a:t>đường</a:t>
-            </a:r>
-            <a:r>
-              <a:rPr lang="en-US" dirty="0" smtClean="0"/>
-              <a:t> </a:t>
-            </a:r>
-            <a:r>
-              <a:rPr lang="en-US" dirty="0" err="1" smtClean="0"/>
-              <a:t>đi</a:t>
-            </a:r>
-            <a:r>
-              <a:rPr lang="en-US" dirty="0" smtClean="0"/>
-              <a:t> working, L2 </a:t>
-            </a:r>
-            <a:r>
-              <a:rPr lang="en-US" dirty="0" err="1" smtClean="0"/>
-              <a:t>là</a:t>
-            </a:r>
-            <a:r>
-              <a:rPr lang="en-US" dirty="0" smtClean="0"/>
-              <a:t> </a:t>
-            </a:r>
-            <a:r>
-              <a:rPr lang="en-US" dirty="0" err="1" smtClean="0"/>
-              <a:t>đường</a:t>
-            </a:r>
-            <a:r>
-              <a:rPr lang="en-US" dirty="0" smtClean="0"/>
-              <a:t> </a:t>
-            </a:r>
-            <a:r>
-              <a:rPr lang="en-US" dirty="0" err="1" smtClean="0"/>
-              <a:t>đi</a:t>
-            </a:r>
-            <a:r>
-              <a:rPr lang="en-US" dirty="0" smtClean="0"/>
-              <a:t> backup.</a:t>
-            </a:r>
-          </a:p>
-          <a:p>
-            <a:r>
-              <a:rPr lang="en-US" dirty="0" smtClean="0"/>
-              <a:t>L1, L2 </a:t>
-            </a:r>
-            <a:r>
-              <a:rPr lang="en-US" dirty="0" err="1" smtClean="0"/>
-              <a:t>tương</a:t>
-            </a:r>
-            <a:r>
-              <a:rPr lang="en-US" dirty="0" smtClean="0"/>
-              <a:t> </a:t>
-            </a:r>
-            <a:r>
-              <a:rPr lang="en-US" dirty="0" err="1" smtClean="0"/>
-              <a:t>ứng</a:t>
-            </a:r>
-            <a:r>
-              <a:rPr lang="en-US" dirty="0" smtClean="0"/>
-              <a:t> 1 </a:t>
-            </a:r>
-            <a:r>
-              <a:rPr lang="en-US" dirty="0" err="1" smtClean="0"/>
-              <a:t>tập</a:t>
-            </a:r>
-            <a:r>
-              <a:rPr lang="en-US" dirty="0" smtClean="0"/>
-              <a:t> physical link : M1, M2 </a:t>
-            </a:r>
-            <a:r>
-              <a:rPr lang="en-US" dirty="0" err="1" smtClean="0"/>
-              <a:t>với</a:t>
-            </a:r>
-            <a:r>
-              <a:rPr lang="en-US" dirty="0" smtClean="0"/>
-              <a:t> M1, M2 </a:t>
-            </a:r>
-            <a:r>
-              <a:rPr lang="en-US" dirty="0" err="1" smtClean="0"/>
-              <a:t>chỉ</a:t>
-            </a:r>
-            <a:r>
-              <a:rPr lang="en-US" dirty="0" smtClean="0"/>
-              <a:t> </a:t>
-            </a:r>
-            <a:r>
-              <a:rPr lang="en-US" dirty="0" err="1" smtClean="0"/>
-              <a:t>có</a:t>
-            </a:r>
-            <a:r>
-              <a:rPr lang="en-US" dirty="0" smtClean="0"/>
-              <a:t> </a:t>
-            </a:r>
-            <a:r>
-              <a:rPr lang="en-US" dirty="0" err="1" smtClean="0"/>
-              <a:t>chung</a:t>
-            </a:r>
-            <a:r>
-              <a:rPr lang="en-US" dirty="0" smtClean="0"/>
-              <a:t> 2 </a:t>
-            </a:r>
-            <a:r>
-              <a:rPr lang="en-US" dirty="0" err="1" smtClean="0"/>
-              <a:t>đỉnh</a:t>
-            </a:r>
-            <a:r>
-              <a:rPr lang="en-US" dirty="0" smtClean="0"/>
-              <a:t> </a:t>
-            </a:r>
-            <a:r>
-              <a:rPr lang="en-US" dirty="0" err="1" smtClean="0"/>
-              <a:t>đầu</a:t>
-            </a:r>
-            <a:r>
-              <a:rPr lang="en-US" dirty="0" smtClean="0"/>
-              <a:t> </a:t>
-            </a:r>
-            <a:r>
-              <a:rPr lang="en-US" dirty="0" err="1" smtClean="0"/>
-              <a:t>và</a:t>
-            </a:r>
-            <a:r>
-              <a:rPr lang="en-US" dirty="0" smtClean="0"/>
-              <a:t> </a:t>
-            </a:r>
-            <a:r>
-              <a:rPr lang="en-US" dirty="0" err="1" smtClean="0"/>
-              <a:t>cuối</a:t>
-            </a:r>
-            <a:r>
-              <a:rPr lang="en-US" dirty="0" smtClean="0"/>
-              <a:t> </a:t>
-            </a:r>
-            <a:r>
-              <a:rPr lang="en-US" dirty="0" err="1" smtClean="0"/>
-              <a:t>của</a:t>
-            </a:r>
-            <a:r>
-              <a:rPr lang="en-US" dirty="0" smtClean="0"/>
-              <a:t> </a:t>
-            </a:r>
-            <a:r>
-              <a:rPr lang="en-US" dirty="0" err="1" smtClean="0"/>
-              <a:t>yêu</a:t>
-            </a:r>
-            <a:r>
-              <a:rPr lang="en-US" dirty="0" smtClean="0"/>
-              <a:t> </a:t>
-            </a:r>
-            <a:r>
-              <a:rPr lang="en-US" dirty="0" err="1" smtClean="0"/>
-              <a:t>cầu</a:t>
-            </a:r>
-            <a:r>
-              <a:rPr lang="en-US" dirty="0" smtClean="0"/>
-              <a:t>.</a:t>
-            </a:r>
-          </a:p>
-          <a:p>
-            <a:pPr lvl="1"/>
-            <a:endParaRPr lang="en-US" dirty="0" smtClean="0"/>
-          </a:p>
-        </p:txBody>
-      </p:sp>
-      <p:sp>
-        <p:nvSpPr>
-          <p:cNvPr id="4" name="Date Placeholder 3"/>
-          <p:cNvSpPr>
-            <a:spLocks noGrp="1"/>
-          </p:cNvSpPr>
-          <p:nvPr>
-            <p:ph type="dt" sz="half" idx="10"/>
-          </p:nvPr>
-        </p:nvSpPr>
-        <p:spPr/>
-        <p:txBody>
-          <a:bodyPr/>
-          <a:lstStyle/>
-          <a:p>
-            <a:fld id="{E3E2306C-E34F-4492-8C03-BFD178B0B86F}" type="datetime1">
-              <a:rPr lang="en-US" smtClean="0"/>
-              <a:t>4/7/2012</a:t>
-            </a:fld>
-            <a:endParaRPr lang="en-US"/>
-          </a:p>
-        </p:txBody>
-      </p:sp>
-      <p:sp>
-        <p:nvSpPr>
-          <p:cNvPr id="5" name="Footer Placeholder 4"/>
-          <p:cNvSpPr>
-            <a:spLocks noGrp="1"/>
-          </p:cNvSpPr>
-          <p:nvPr>
-            <p:ph type="ftr" sz="quarter" idx="11"/>
-          </p:nvPr>
-        </p:nvSpPr>
-        <p:spPr/>
-        <p:txBody>
-          <a:bodyPr/>
-          <a:lstStyle/>
-          <a:p>
-            <a:r>
-              <a:rPr lang="en-US" smtClean="0"/>
-              <a:t>Thiết kế mạng chịu lỗi</a:t>
-            </a:r>
-            <a:endParaRPr lang="en-US" dirty="0"/>
-          </a:p>
-        </p:txBody>
-      </p:sp>
-      <p:sp>
-        <p:nvSpPr>
-          <p:cNvPr id="6" name="Slide Number Placeholder 5"/>
-          <p:cNvSpPr>
-            <a:spLocks noGrp="1"/>
-          </p:cNvSpPr>
-          <p:nvPr>
-            <p:ph type="sldNum" sz="quarter" idx="12"/>
-          </p:nvPr>
-        </p:nvSpPr>
-        <p:spPr/>
-        <p:txBody>
-          <a:bodyPr/>
-          <a:lstStyle/>
-          <a:p>
-            <a:fld id="{77147098-D884-47A8-A2F8-2A4EFCDC3B56}" type="slidenum">
-              <a:rPr lang="en-US" smtClean="0"/>
-              <a:t>21</a:t>
-            </a:fld>
-            <a:endParaRPr lang="en-US"/>
-          </a:p>
-        </p:txBody>
-      </p:sp>
-      <p:pic>
-        <p:nvPicPr>
-          <p:cNvPr id="17" name="Picture 2"/>
-          <p:cNvPicPr>
-            <a:picLocks noChangeAspect="1" noChangeArrowheads="1"/>
-          </p:cNvPicPr>
-          <p:nvPr/>
-        </p:nvPicPr>
-        <p:blipFill>
-          <a:blip r:embed="rId2">
-            <a:extLst>
-              <a:ext uri="{28A0092B-C50C-407E-A947-70E740481C1C}">
-                <a14:useLocalDpi xmlns:a14="http://schemas.microsoft.com/office/drawing/2010/main" val="0"/>
-              </a:ext>
-            </a:extLst>
-          </a:blip>
-          <a:srcRect/>
-          <a:stretch>
-            <a:fillRect/>
-          </a:stretch>
-        </p:blipFill>
-        <p:spPr bwMode="auto">
-          <a:xfrm>
-            <a:off x="4267200" y="381000"/>
-            <a:ext cx="4343400" cy="3672680"/>
-          </a:xfrm>
-          <a:prstGeom prst="rect">
-            <a:avLst/>
-          </a:prstGeom>
-          <a:noFill/>
-          <a:ln>
-            <a:noFill/>
-          </a:ln>
-          <a:effectLst/>
-          <a:extLst>
-            <a:ext uri="{909E8E84-426E-40DD-AFC4-6F175D3DCCD1}">
-              <a14:hiddenFill xmlns:a14="http://schemas.microsoft.com/office/drawing/2010/main">
-                <a:solidFill>
-                  <a:schemeClr val="accent1"/>
-                </a:solidFill>
-              </a14:hiddenFill>
-            </a:ext>
-            <a:ext uri="{91240B29-F687-4F45-9708-019B960494DF}">
-              <a14:hiddenLine xmlns:a14="http://schemas.microsoft.com/office/drawing/2010/main" w="9525">
-                <a:solidFill>
-                  <a:schemeClr val="tx1"/>
-                </a:solidFill>
-                <a:miter lim="800000"/>
-                <a:headEnd/>
-                <a:tailEnd/>
-              </a14:hiddenLine>
-            </a:ext>
-            <a:ext uri="{AF507438-7753-43E0-B8FC-AC1667EBCBE1}">
-              <a14:hiddenEffects xmlns:a14="http://schemas.microsoft.com/office/drawing/2010/main">
-                <a:effectLst>
-                  <a:outerShdw dist="35921" dir="2700000" algn="ctr" rotWithShape="0">
-                    <a:schemeClr val="bg2"/>
-                  </a:outerShdw>
-                </a:effectLst>
-              </a14:hiddenEffects>
-            </a:ext>
-          </a:extLst>
-        </p:spPr>
-      </p:pic>
-      <p:sp>
-        <p:nvSpPr>
-          <p:cNvPr id="18" name="TextBox 17"/>
-          <p:cNvSpPr txBox="1"/>
-          <p:nvPr/>
-        </p:nvSpPr>
-        <p:spPr>
-          <a:xfrm>
-            <a:off x="2931673" y="4800600"/>
-            <a:ext cx="5678927" cy="646331"/>
-          </a:xfrm>
-          <a:prstGeom prst="rect">
-            <a:avLst/>
-          </a:prstGeom>
-          <a:noFill/>
-        </p:spPr>
-        <p:txBody>
-          <a:bodyPr wrap="none" rtlCol="0">
-            <a:spAutoFit/>
-          </a:bodyPr>
-          <a:lstStyle/>
-          <a:p>
-            <a:r>
-              <a:rPr lang="en-US" dirty="0" smtClean="0"/>
-              <a:t>L1: (V2, V4) =&gt; M1= {(</a:t>
-            </a:r>
-            <a:r>
-              <a:rPr lang="en-US" b="1" dirty="0" smtClean="0"/>
-              <a:t>w2</a:t>
-            </a:r>
-            <a:r>
-              <a:rPr lang="en-US" dirty="0" smtClean="0"/>
-              <a:t>,w6,</a:t>
-            </a:r>
-            <a:r>
-              <a:rPr lang="en-US" b="1" dirty="0" smtClean="0"/>
-              <a:t>w4</a:t>
-            </a:r>
-            <a:r>
-              <a:rPr lang="en-US" dirty="0" smtClean="0"/>
-              <a:t>), (w2,w6,w3,w4)}</a:t>
-            </a:r>
-          </a:p>
-          <a:p>
-            <a:r>
-              <a:rPr lang="en-US" dirty="0" smtClean="0"/>
-              <a:t>L2: (V2,V1,V4) =&gt; M2={(</a:t>
-            </a:r>
-            <a:r>
-              <a:rPr lang="en-US" b="1" dirty="0" smtClean="0"/>
-              <a:t>w2</a:t>
-            </a:r>
-            <a:r>
-              <a:rPr lang="en-US" dirty="0" smtClean="0"/>
-              <a:t>,</a:t>
-            </a:r>
-            <a:r>
-              <a:rPr lang="en-US" b="1" dirty="0" smtClean="0"/>
-              <a:t>w1</a:t>
-            </a:r>
-            <a:r>
-              <a:rPr lang="en-US" dirty="0" smtClean="0"/>
-              <a:t>,w5,</a:t>
-            </a:r>
-            <a:r>
-              <a:rPr lang="en-US" b="1" dirty="0" smtClean="0"/>
-              <a:t>w4</a:t>
-            </a:r>
-            <a:r>
-              <a:rPr lang="en-US" dirty="0" smtClean="0"/>
-              <a:t>),(</a:t>
-            </a:r>
-            <a:r>
-              <a:rPr lang="en-US" b="1" dirty="0" smtClean="0"/>
-              <a:t>w2</a:t>
-            </a:r>
-            <a:r>
-              <a:rPr lang="en-US" dirty="0" smtClean="0"/>
-              <a:t>,</a:t>
-            </a:r>
-            <a:r>
-              <a:rPr lang="en-US" b="1" dirty="0" smtClean="0"/>
-              <a:t>w1</a:t>
-            </a:r>
-            <a:r>
-              <a:rPr lang="en-US" dirty="0" smtClean="0"/>
-              <a:t>,w7,w3,</a:t>
-            </a:r>
-            <a:r>
-              <a:rPr lang="en-US" b="1" dirty="0" smtClean="0"/>
-              <a:t>w4</a:t>
-            </a:r>
-            <a:r>
-              <a:rPr lang="en-US" dirty="0" smtClean="0"/>
-              <a:t>)}</a:t>
-            </a:r>
-            <a:endParaRPr lang="en-US" dirty="0"/>
-          </a:p>
-        </p:txBody>
-      </p:sp>
-    </p:spTree>
-    <p:extLst>
-      <p:ext uri="{BB962C8B-B14F-4D97-AF65-F5344CB8AC3E}">
-        <p14:creationId xmlns:p14="http://schemas.microsoft.com/office/powerpoint/2010/main" val="916959638"/>
-      </p:ext>
-    </p:extLst>
-  </p:cSld>
-  <p:clrMapOvr>
-    <a:masterClrMapping/>
-  </p:clrMapOvr>
-  <p:timing>
-    <p:tnLst>
-      <p:par>
-        <p:cTn id="1" dur="indefinite" restart="never" nodeType="tmRoot"/>
-      </p:par>
-    </p:tnLst>
-  </p:timing>
-</p:sld>
-</file>
-
-<file path=ppt/slides/slide22.xml><?xml version="1.0" encoding="utf-8"?>
-<p:sld xmlns:a="http://schemas.openxmlformats.org/drawingml/2006/main" xmlns:r="http://schemas.openxmlformats.org/officeDocument/2006/relationships" xmlns:p="http://schemas.openxmlformats.org/presentationml/2006/main">
-  <p:cSld>
-    <p:spTree>
-      <p:nvGrpSpPr>
-        <p:cNvPr id="1" name=""/>
-        <p:cNvGrpSpPr/>
-        <p:nvPr/>
-      </p:nvGrpSpPr>
-      <p:grpSpPr>
-        <a:xfrm>
-          <a:off x="0" y="0"/>
-          <a:ext cx="0" cy="0"/>
-          <a:chOff x="0" y="0"/>
-          <a:chExt cx="0" cy="0"/>
-        </a:xfrm>
-      </p:grpSpPr>
-      <p:sp>
-        <p:nvSpPr>
-          <p:cNvPr id="7" name="Title 6"/>
-          <p:cNvSpPr>
-            <a:spLocks noGrp="1"/>
-          </p:cNvSpPr>
-          <p:nvPr>
-            <p:ph type="title"/>
-          </p:nvPr>
-        </p:nvSpPr>
-        <p:spPr/>
-        <p:txBody>
-          <a:bodyPr/>
-          <a:lstStyle/>
-          <a:p>
-            <a:r>
-              <a:rPr lang="en-US" b="0" dirty="0"/>
-              <a:t>2</a:t>
-            </a:r>
-            <a:r>
-              <a:rPr lang="en-US" b="0" dirty="0" smtClean="0"/>
-              <a:t>. KHỞI TẠO QUẦN THỂ</a:t>
-            </a:r>
-            <a:endParaRPr lang="en-US" b="0" dirty="0"/>
-          </a:p>
-        </p:txBody>
-      </p:sp>
-      <p:sp>
-        <p:nvSpPr>
-          <p:cNvPr id="8" name="Content Placeholder 7"/>
-          <p:cNvSpPr>
-            <a:spLocks noGrp="1"/>
-          </p:cNvSpPr>
-          <p:nvPr>
-            <p:ph idx="1"/>
-          </p:nvPr>
-        </p:nvSpPr>
-        <p:spPr/>
-        <p:txBody>
-          <a:bodyPr>
-            <a:normAutofit/>
-          </a:bodyPr>
-          <a:lstStyle/>
-          <a:p>
-            <a:r>
-              <a:rPr lang="en-US" dirty="0" err="1"/>
-              <a:t>Xây</a:t>
-            </a:r>
-            <a:r>
-              <a:rPr lang="en-US" dirty="0"/>
-              <a:t> </a:t>
-            </a:r>
-            <a:r>
-              <a:rPr lang="en-US" dirty="0" err="1"/>
-              <a:t>dựng</a:t>
-            </a:r>
-            <a:r>
-              <a:rPr lang="en-US" dirty="0"/>
-              <a:t> </a:t>
-            </a:r>
-            <a:r>
-              <a:rPr lang="en-US" dirty="0" err="1" smtClean="0"/>
-              <a:t>tập</a:t>
-            </a:r>
-            <a:r>
-              <a:rPr lang="en-US" dirty="0" smtClean="0"/>
-              <a:t> </a:t>
-            </a:r>
-            <a:r>
-              <a:rPr lang="en-US" dirty="0" err="1"/>
-              <a:t>đường</a:t>
-            </a:r>
-            <a:r>
-              <a:rPr lang="en-US" dirty="0"/>
-              <a:t> </a:t>
-            </a:r>
-            <a:r>
-              <a:rPr lang="en-US" dirty="0" err="1"/>
-              <a:t>đi</a:t>
-            </a:r>
-            <a:r>
-              <a:rPr lang="en-US" dirty="0"/>
-              <a:t> </a:t>
-            </a:r>
-            <a:r>
-              <a:rPr lang="en-US" dirty="0" err="1" smtClean="0"/>
-              <a:t>trên</a:t>
-            </a:r>
-            <a:r>
-              <a:rPr lang="en-US" dirty="0" smtClean="0"/>
-              <a:t> G2 </a:t>
-            </a:r>
-            <a:r>
-              <a:rPr lang="en-US" dirty="0" err="1" smtClean="0"/>
-              <a:t>cho</a:t>
-            </a:r>
-            <a:r>
-              <a:rPr lang="en-US" dirty="0" smtClean="0"/>
-              <a:t> </a:t>
-            </a:r>
-            <a:r>
-              <a:rPr lang="en-US" dirty="0" err="1" smtClean="0"/>
-              <a:t>một</a:t>
-            </a:r>
-            <a:r>
-              <a:rPr lang="en-US" dirty="0" smtClean="0"/>
-              <a:t> </a:t>
-            </a:r>
-            <a:r>
-              <a:rPr lang="en-US" dirty="0" err="1" smtClean="0"/>
-              <a:t>đường</a:t>
-            </a:r>
-            <a:r>
-              <a:rPr lang="en-US" dirty="0" smtClean="0"/>
-              <a:t> </a:t>
-            </a:r>
-            <a:r>
-              <a:rPr lang="en-US" dirty="0" err="1" smtClean="0"/>
-              <a:t>đi</a:t>
-            </a:r>
-            <a:r>
-              <a:rPr lang="en-US" dirty="0" smtClean="0"/>
-              <a:t> </a:t>
-            </a:r>
-            <a:r>
-              <a:rPr lang="en-US" dirty="0" err="1" smtClean="0"/>
-              <a:t>trên</a:t>
-            </a:r>
-            <a:r>
-              <a:rPr lang="en-US" dirty="0" smtClean="0"/>
-              <a:t> G1</a:t>
-            </a:r>
-            <a:endParaRPr lang="en-US" dirty="0"/>
-          </a:p>
-          <a:p>
-            <a:pPr lvl="1"/>
-            <a:r>
-              <a:rPr lang="en-US" dirty="0" err="1" smtClean="0"/>
-              <a:t>Đường</a:t>
-            </a:r>
-            <a:r>
-              <a:rPr lang="en-US" dirty="0" smtClean="0"/>
-              <a:t> </a:t>
-            </a:r>
-            <a:r>
-              <a:rPr lang="en-US" dirty="0" err="1" smtClean="0"/>
-              <a:t>thứ</a:t>
-            </a:r>
-            <a:r>
-              <a:rPr lang="en-US" dirty="0" smtClean="0"/>
-              <a:t> </a:t>
-            </a:r>
-            <a:r>
-              <a:rPr lang="en-US" dirty="0" err="1" smtClean="0"/>
-              <a:t>nhất</a:t>
-            </a:r>
-            <a:r>
-              <a:rPr lang="en-US" dirty="0" smtClean="0"/>
-              <a:t> </a:t>
-            </a:r>
-            <a:r>
-              <a:rPr lang="en-US" dirty="0" err="1"/>
-              <a:t>chính</a:t>
-            </a:r>
-            <a:r>
-              <a:rPr lang="en-US" dirty="0"/>
-              <a:t> </a:t>
-            </a:r>
-            <a:r>
-              <a:rPr lang="en-US" dirty="0" err="1"/>
-              <a:t>là</a:t>
-            </a:r>
-            <a:r>
-              <a:rPr lang="en-US" dirty="0"/>
-              <a:t> </a:t>
-            </a:r>
-            <a:r>
-              <a:rPr lang="en-US" dirty="0" err="1"/>
-              <a:t>đường</a:t>
-            </a:r>
-            <a:r>
-              <a:rPr lang="en-US" dirty="0"/>
-              <a:t> </a:t>
-            </a:r>
-            <a:r>
-              <a:rPr lang="en-US" dirty="0" smtClean="0"/>
-              <a:t>L1. </a:t>
-            </a:r>
-            <a:r>
-              <a:rPr lang="en-US" dirty="0" err="1" smtClean="0"/>
-              <a:t>Đặt</a:t>
-            </a:r>
-            <a:r>
-              <a:rPr lang="en-US" dirty="0" smtClean="0"/>
-              <a:t> </a:t>
-            </a:r>
-            <a:r>
-              <a:rPr lang="en-US" dirty="0"/>
-              <a:t>ID = 0;</a:t>
-            </a:r>
-          </a:p>
-          <a:p>
-            <a:pPr lvl="1"/>
-            <a:r>
-              <a:rPr lang="en-US" b="1" dirty="0" err="1" smtClean="0"/>
-              <a:t>Sau</a:t>
-            </a:r>
-            <a:r>
-              <a:rPr lang="en-US" b="1" dirty="0" smtClean="0"/>
-              <a:t> </a:t>
-            </a:r>
-            <a:r>
-              <a:rPr lang="en-US" b="1" dirty="0" err="1" smtClean="0"/>
-              <a:t>khi</a:t>
-            </a:r>
-            <a:r>
-              <a:rPr lang="en-US" b="1" dirty="0" smtClean="0"/>
-              <a:t> </a:t>
-            </a:r>
-            <a:r>
-              <a:rPr lang="en-US" b="1" dirty="0" err="1" smtClean="0"/>
-              <a:t>lấy</a:t>
-            </a:r>
-            <a:r>
-              <a:rPr lang="en-US" b="1" dirty="0" smtClean="0"/>
-              <a:t> </a:t>
-            </a:r>
-            <a:r>
-              <a:rPr lang="en-US" b="1" dirty="0" err="1" smtClean="0"/>
-              <a:t>đường</a:t>
-            </a:r>
-            <a:r>
-              <a:rPr lang="en-US" b="1" dirty="0" smtClean="0"/>
-              <a:t> </a:t>
-            </a:r>
-            <a:r>
-              <a:rPr lang="en-US" b="1" dirty="0" err="1" smtClean="0"/>
-              <a:t>thứ</a:t>
-            </a:r>
-            <a:r>
-              <a:rPr lang="en-US" b="1" dirty="0" smtClean="0"/>
-              <a:t> </a:t>
-            </a:r>
-            <a:r>
-              <a:rPr lang="en-US" b="1" dirty="0" err="1" smtClean="0"/>
-              <a:t>nhất</a:t>
-            </a:r>
-            <a:r>
-              <a:rPr lang="en-US" b="1" dirty="0" smtClean="0"/>
-              <a:t>, </a:t>
-            </a:r>
-          </a:p>
-          <a:p>
-            <a:pPr lvl="1"/>
-            <a:endParaRPr lang="en-US" b="1" dirty="0" smtClean="0"/>
-          </a:p>
-          <a:p>
-            <a:pPr lvl="1"/>
-            <a:r>
-              <a:rPr lang="en-US" b="1" dirty="0" smtClean="0"/>
-              <a:t>Shortest </a:t>
-            </a:r>
-            <a:r>
-              <a:rPr lang="en-US" b="1" dirty="0"/>
-              <a:t>paths </a:t>
-            </a:r>
-            <a:r>
-              <a:rPr lang="en-US" b="1" dirty="0" err="1"/>
-              <a:t>cho</a:t>
-            </a:r>
-            <a:r>
-              <a:rPr lang="en-US" b="1" dirty="0"/>
-              <a:t> </a:t>
-            </a:r>
-            <a:r>
-              <a:rPr lang="en-US" b="1" dirty="0" err="1"/>
-              <a:t>từng</a:t>
-            </a:r>
-            <a:r>
-              <a:rPr lang="en-US" b="1" dirty="0"/>
-              <a:t> </a:t>
-            </a:r>
-            <a:r>
-              <a:rPr lang="en-US" b="1" dirty="0" err="1"/>
-              <a:t>cặp</a:t>
-            </a:r>
-            <a:r>
-              <a:rPr lang="en-US" b="1" dirty="0"/>
-              <a:t> </a:t>
-            </a:r>
-            <a:r>
-              <a:rPr lang="en-US" b="1" dirty="0" err="1"/>
-              <a:t>đỉnh</a:t>
-            </a:r>
-            <a:r>
-              <a:rPr lang="en-US" b="1" dirty="0"/>
-              <a:t> </a:t>
-            </a:r>
-            <a:r>
-              <a:rPr lang="en-US" b="1" dirty="0" err="1"/>
-              <a:t>trong</a:t>
-            </a:r>
-            <a:r>
-              <a:rPr lang="en-US" b="1" dirty="0"/>
-              <a:t> logical link </a:t>
-            </a:r>
-            <a:r>
-              <a:rPr lang="en-US" b="1" dirty="0" err="1"/>
-              <a:t>kết</a:t>
-            </a:r>
-            <a:r>
-              <a:rPr lang="en-US" b="1" dirty="0"/>
-              <a:t> </a:t>
-            </a:r>
-            <a:r>
-              <a:rPr lang="en-US" b="1" dirty="0" err="1"/>
-              <a:t>hợp</a:t>
-            </a:r>
-            <a:r>
-              <a:rPr lang="en-US" b="1" dirty="0"/>
-              <a:t> </a:t>
-            </a:r>
-            <a:r>
-              <a:rPr lang="en-US" b="1" dirty="0" err="1"/>
-              <a:t>yếu</a:t>
-            </a:r>
-            <a:r>
-              <a:rPr lang="en-US" b="1" dirty="0"/>
-              <a:t> </a:t>
-            </a:r>
-            <a:r>
-              <a:rPr lang="en-US" b="1" dirty="0" err="1"/>
-              <a:t>tố</a:t>
-            </a:r>
-            <a:r>
-              <a:rPr lang="en-US" b="1" dirty="0"/>
-              <a:t> </a:t>
-            </a:r>
-            <a:r>
-              <a:rPr lang="en-US" b="1" dirty="0" err="1"/>
-              <a:t>ngẫu</a:t>
-            </a:r>
-            <a:r>
-              <a:rPr lang="en-US" b="1" dirty="0"/>
-              <a:t> </a:t>
-            </a:r>
-            <a:r>
-              <a:rPr lang="en-US" b="1" dirty="0" err="1"/>
-              <a:t>nhiên</a:t>
-            </a:r>
-            <a:r>
-              <a:rPr lang="en-US" b="1" dirty="0"/>
-              <a:t>, </a:t>
-            </a:r>
-            <a:r>
-              <a:rPr lang="en-US" b="1" dirty="0" err="1"/>
-              <a:t>ưu</a:t>
-            </a:r>
-            <a:r>
-              <a:rPr lang="en-US" b="1" dirty="0"/>
-              <a:t> </a:t>
-            </a:r>
-            <a:r>
-              <a:rPr lang="en-US" b="1" dirty="0" err="1"/>
-              <a:t>tiên</a:t>
-            </a:r>
-            <a:r>
-              <a:rPr lang="en-US" b="1" dirty="0"/>
-              <a:t> </a:t>
-            </a:r>
-            <a:r>
-              <a:rPr lang="en-US" b="1" dirty="0" err="1"/>
-              <a:t>lấy</a:t>
-            </a:r>
-            <a:r>
-              <a:rPr lang="en-US" b="1" dirty="0"/>
-              <a:t> </a:t>
-            </a:r>
-            <a:r>
-              <a:rPr lang="en-US" b="1" dirty="0" err="1"/>
-              <a:t>các</a:t>
-            </a:r>
-            <a:r>
-              <a:rPr lang="en-US" b="1" dirty="0"/>
-              <a:t> </a:t>
-            </a:r>
-            <a:r>
-              <a:rPr lang="en-US" b="1" dirty="0" err="1"/>
-              <a:t>đỉnh</a:t>
-            </a:r>
-            <a:r>
-              <a:rPr lang="en-US" b="1" dirty="0"/>
-              <a:t> </a:t>
-            </a:r>
-            <a:r>
-              <a:rPr lang="en-US" b="1" dirty="0" err="1"/>
-              <a:t>có</a:t>
-            </a:r>
-            <a:r>
-              <a:rPr lang="en-US" b="1" dirty="0"/>
-              <a:t> </a:t>
-            </a:r>
-            <a:r>
-              <a:rPr lang="en-US" b="1" dirty="0" err="1"/>
-              <a:t>các</a:t>
-            </a:r>
-            <a:r>
-              <a:rPr lang="en-US" b="1" dirty="0"/>
-              <a:t> </a:t>
-            </a:r>
-            <a:r>
-              <a:rPr lang="en-US" b="1" dirty="0" err="1"/>
-              <a:t>cạnh</a:t>
-            </a:r>
-            <a:r>
-              <a:rPr lang="en-US" b="1" dirty="0"/>
-              <a:t> </a:t>
-            </a:r>
-            <a:r>
-              <a:rPr lang="en-US" b="1" dirty="0" err="1"/>
-              <a:t>đã</a:t>
-            </a:r>
-            <a:r>
-              <a:rPr lang="en-US" b="1" dirty="0"/>
-              <a:t> </a:t>
-            </a:r>
-            <a:r>
-              <a:rPr lang="en-US" b="1" dirty="0" err="1"/>
-              <a:t>sử</a:t>
-            </a:r>
-            <a:r>
-              <a:rPr lang="en-US" b="1" dirty="0"/>
-              <a:t> </a:t>
-            </a:r>
-            <a:r>
-              <a:rPr lang="en-US" b="1" dirty="0" err="1"/>
-              <a:t>dụng</a:t>
-            </a:r>
-            <a:r>
-              <a:rPr lang="en-US" b="1" dirty="0"/>
-              <a:t>, </a:t>
-            </a:r>
-            <a:r>
-              <a:rPr lang="en-US" b="1" dirty="0" err="1">
-                <a:solidFill>
-                  <a:srgbClr val="FF0000"/>
-                </a:solidFill>
-              </a:rPr>
-              <a:t>và</a:t>
-            </a:r>
-            <a:r>
-              <a:rPr lang="en-US" b="1" dirty="0">
-                <a:solidFill>
-                  <a:srgbClr val="FF0000"/>
-                </a:solidFill>
-              </a:rPr>
-              <a:t> </a:t>
-            </a:r>
-            <a:r>
-              <a:rPr lang="en-US" b="1" dirty="0" err="1">
-                <a:solidFill>
-                  <a:srgbClr val="FF0000"/>
-                </a:solidFill>
-              </a:rPr>
-              <a:t>kiểm</a:t>
-            </a:r>
-            <a:r>
-              <a:rPr lang="en-US" b="1" dirty="0">
-                <a:solidFill>
-                  <a:srgbClr val="FF0000"/>
-                </a:solidFill>
-              </a:rPr>
-              <a:t> </a:t>
-            </a:r>
-            <a:r>
-              <a:rPr lang="en-US" b="1" dirty="0" err="1">
-                <a:solidFill>
-                  <a:srgbClr val="FF0000"/>
-                </a:solidFill>
-              </a:rPr>
-              <a:t>tra</a:t>
-            </a:r>
-            <a:r>
-              <a:rPr lang="en-US" b="1" dirty="0">
-                <a:solidFill>
-                  <a:srgbClr val="FF0000"/>
-                </a:solidFill>
-              </a:rPr>
-              <a:t> </a:t>
-            </a:r>
-            <a:r>
-              <a:rPr lang="en-US" b="1" dirty="0" err="1" smtClean="0">
-                <a:solidFill>
-                  <a:srgbClr val="FF0000"/>
-                </a:solidFill>
-              </a:rPr>
-              <a:t>bước</a:t>
-            </a:r>
-            <a:r>
-              <a:rPr lang="en-US" b="1" dirty="0" smtClean="0">
-                <a:solidFill>
-                  <a:srgbClr val="FF0000"/>
-                </a:solidFill>
-              </a:rPr>
-              <a:t> </a:t>
-            </a:r>
-            <a:r>
-              <a:rPr lang="en-US" b="1" dirty="0" err="1">
-                <a:solidFill>
-                  <a:srgbClr val="FF0000"/>
-                </a:solidFill>
-              </a:rPr>
-              <a:t>sóng</a:t>
-            </a:r>
-            <a:r>
-              <a:rPr lang="en-US" b="1" dirty="0" smtClean="0"/>
-              <a:t>. </a:t>
-            </a:r>
-            <a:r>
-              <a:rPr lang="en-US" dirty="0" smtClean="0"/>
-              <a:t>ID = 1;</a:t>
-            </a:r>
-            <a:endParaRPr lang="en-US" dirty="0"/>
-          </a:p>
-        </p:txBody>
-      </p:sp>
-      <p:sp>
-        <p:nvSpPr>
-          <p:cNvPr id="4" name="Date Placeholder 3"/>
-          <p:cNvSpPr>
-            <a:spLocks noGrp="1"/>
-          </p:cNvSpPr>
-          <p:nvPr>
-            <p:ph type="dt" sz="half" idx="10"/>
-          </p:nvPr>
-        </p:nvSpPr>
-        <p:spPr/>
-        <p:txBody>
-          <a:bodyPr/>
-          <a:lstStyle/>
-          <a:p>
-            <a:fld id="{E3E2306C-E34F-4492-8C03-BFD178B0B86F}" type="datetime1">
-              <a:rPr lang="en-US" smtClean="0"/>
-              <a:t>4/7/2012</a:t>
-            </a:fld>
-            <a:endParaRPr lang="en-US"/>
-          </a:p>
-        </p:txBody>
-      </p:sp>
-      <p:sp>
-        <p:nvSpPr>
-          <p:cNvPr id="5" name="Footer Placeholder 4"/>
-          <p:cNvSpPr>
-            <a:spLocks noGrp="1"/>
-          </p:cNvSpPr>
-          <p:nvPr>
-            <p:ph type="ftr" sz="quarter" idx="11"/>
-          </p:nvPr>
-        </p:nvSpPr>
-        <p:spPr/>
-        <p:txBody>
-          <a:bodyPr/>
-          <a:lstStyle/>
-          <a:p>
-            <a:r>
-              <a:rPr lang="en-US" smtClean="0"/>
-              <a:t>Thiết kế mạng chịu lỗi</a:t>
-            </a:r>
-            <a:endParaRPr lang="en-US" dirty="0"/>
-          </a:p>
-        </p:txBody>
-      </p:sp>
-      <p:sp>
-        <p:nvSpPr>
-          <p:cNvPr id="6" name="Slide Number Placeholder 5"/>
-          <p:cNvSpPr>
-            <a:spLocks noGrp="1"/>
-          </p:cNvSpPr>
-          <p:nvPr>
-            <p:ph type="sldNum" sz="quarter" idx="12"/>
-          </p:nvPr>
-        </p:nvSpPr>
-        <p:spPr/>
-        <p:txBody>
-          <a:bodyPr/>
-          <a:lstStyle/>
-          <a:p>
-            <a:fld id="{77147098-D884-47A8-A2F8-2A4EFCDC3B56}" type="slidenum">
-              <a:rPr lang="en-US" smtClean="0"/>
-              <a:t>22</a:t>
-            </a:fld>
-            <a:endParaRPr lang="en-US"/>
-          </a:p>
-        </p:txBody>
-      </p:sp>
-      <p:graphicFrame>
-        <p:nvGraphicFramePr>
-          <p:cNvPr id="9" name="Table 8"/>
-          <p:cNvGraphicFramePr>
-            <a:graphicFrameLocks noGrp="1"/>
-          </p:cNvGraphicFramePr>
-          <p:nvPr>
-            <p:extLst>
-              <p:ext uri="{D42A27DB-BD31-4B8C-83A1-F6EECF244321}">
-                <p14:modId xmlns:p14="http://schemas.microsoft.com/office/powerpoint/2010/main" val="846998829"/>
-              </p:ext>
-            </p:extLst>
-          </p:nvPr>
-        </p:nvGraphicFramePr>
-        <p:xfrm>
-          <a:off x="576866" y="4250379"/>
-          <a:ext cx="1284668" cy="741680"/>
-        </p:xfrm>
-        <a:graphic>
-          <a:graphicData uri="http://schemas.openxmlformats.org/drawingml/2006/table">
-            <a:tbl>
-              <a:tblPr firstRow="1" bandRow="1">
-                <a:tableStyleId>{5940675A-B579-460E-94D1-54222C63F5DA}</a:tableStyleId>
-              </a:tblPr>
-              <a:tblGrid>
-                <a:gridCol w="1284668"/>
-              </a:tblGrid>
-              <a:tr h="370840">
-                <a:tc>
-                  <a:txBody>
-                    <a:bodyPr/>
-                    <a:lstStyle/>
-                    <a:p>
-                      <a:r>
-                        <a:rPr lang="en-US" dirty="0" smtClean="0"/>
-                        <a:t>ID: Working</a:t>
-                      </a:r>
-                      <a:endParaRPr lang="en-US" dirty="0"/>
-                    </a:p>
-                  </a:txBody>
-                  <a:tcPr/>
-                </a:tc>
-              </a:tr>
-              <a:tr h="370840">
-                <a:tc>
-                  <a:txBody>
-                    <a:bodyPr/>
-                    <a:lstStyle/>
-                    <a:p>
-                      <a:r>
-                        <a:rPr lang="en-US" dirty="0" smtClean="0"/>
-                        <a:t>ID: Backup</a:t>
-                      </a:r>
-                      <a:endParaRPr lang="en-US" dirty="0"/>
-                    </a:p>
-                  </a:txBody>
-                  <a:tcPr/>
-                </a:tc>
-              </a:tr>
-            </a:tbl>
-          </a:graphicData>
-        </a:graphic>
-      </p:graphicFrame>
-      <p:sp>
-        <p:nvSpPr>
-          <p:cNvPr id="10" name="Left Brace 9"/>
-          <p:cNvSpPr/>
-          <p:nvPr/>
-        </p:nvSpPr>
-        <p:spPr>
-          <a:xfrm>
-            <a:off x="2697951" y="3772322"/>
-            <a:ext cx="318580" cy="646331"/>
-          </a:xfrm>
-          <a:prstGeom prst="leftBrace">
-            <a:avLst/>
-          </a:prstGeom>
-        </p:spPr>
-        <p:style>
-          <a:lnRef idx="1">
-            <a:schemeClr val="accent1"/>
-          </a:lnRef>
-          <a:fillRef idx="0">
-            <a:schemeClr val="accent1"/>
-          </a:fillRef>
-          <a:effectRef idx="0">
-            <a:schemeClr val="accent1"/>
-          </a:effectRef>
-          <a:fontRef idx="minor">
-            <a:schemeClr val="tx1"/>
-          </a:fontRef>
-        </p:style>
-        <p:txBody>
-          <a:bodyPr rtlCol="0" anchor="ctr"/>
-          <a:lstStyle/>
-          <a:p>
-            <a:pPr algn="ctr"/>
-            <a:endParaRPr lang="en-US"/>
-          </a:p>
-        </p:txBody>
-      </p:sp>
-      <p:sp>
-        <p:nvSpPr>
-          <p:cNvPr id="11" name="TextBox 10"/>
-          <p:cNvSpPr txBox="1"/>
-          <p:nvPr/>
-        </p:nvSpPr>
-        <p:spPr>
-          <a:xfrm>
-            <a:off x="3066245" y="3772321"/>
-            <a:ext cx="5704268" cy="646331"/>
-          </a:xfrm>
-          <a:prstGeom prst="rect">
-            <a:avLst/>
-          </a:prstGeom>
-          <a:noFill/>
-        </p:spPr>
-        <p:txBody>
-          <a:bodyPr wrap="square" rtlCol="0">
-            <a:spAutoFit/>
-          </a:bodyPr>
-          <a:lstStyle/>
-          <a:p>
-            <a:pPr marL="285750" indent="-285750">
-              <a:buFontTx/>
-              <a:buChar char="-"/>
-            </a:pPr>
-            <a:r>
-              <a:rPr lang="en-US" dirty="0" smtClean="0"/>
-              <a:t>0: </a:t>
-            </a:r>
-            <a:r>
-              <a:rPr lang="en-US" dirty="0" err="1" smtClean="0"/>
-              <a:t>đường</a:t>
-            </a:r>
-            <a:r>
-              <a:rPr lang="en-US" dirty="0" smtClean="0"/>
-              <a:t> </a:t>
-            </a:r>
-            <a:r>
-              <a:rPr lang="en-US" dirty="0" err="1" smtClean="0"/>
-              <a:t>đi</a:t>
-            </a:r>
-            <a:r>
-              <a:rPr lang="en-US" dirty="0" smtClean="0"/>
-              <a:t> </a:t>
-            </a:r>
-            <a:r>
-              <a:rPr lang="en-US" dirty="0" err="1" smtClean="0"/>
-              <a:t>trùng</a:t>
-            </a:r>
-            <a:r>
-              <a:rPr lang="en-US" dirty="0" smtClean="0"/>
-              <a:t> logical link </a:t>
-            </a:r>
-            <a:r>
-              <a:rPr lang="en-US" b="1" dirty="0" smtClean="0">
-                <a:solidFill>
-                  <a:srgbClr val="FF0000"/>
-                </a:solidFill>
-              </a:rPr>
-              <a:t>(L1)</a:t>
-            </a:r>
-          </a:p>
-          <a:p>
-            <a:pPr marL="285750" indent="-285750">
-              <a:buFontTx/>
-              <a:buChar char="-"/>
-            </a:pPr>
-            <a:r>
-              <a:rPr lang="en-US" dirty="0" smtClean="0"/>
-              <a:t>1: </a:t>
-            </a:r>
-            <a:r>
-              <a:rPr lang="en-US" dirty="0" err="1" smtClean="0"/>
-              <a:t>đường</a:t>
-            </a:r>
-            <a:r>
-              <a:rPr lang="en-US" dirty="0" smtClean="0"/>
-              <a:t> </a:t>
-            </a:r>
-            <a:r>
-              <a:rPr lang="en-US" dirty="0" err="1" smtClean="0"/>
-              <a:t>đi</a:t>
-            </a:r>
-            <a:r>
-              <a:rPr lang="en-US" dirty="0" smtClean="0"/>
-              <a:t> </a:t>
-            </a:r>
-            <a:r>
-              <a:rPr lang="en-US" dirty="0" err="1" smtClean="0"/>
-              <a:t>tạo</a:t>
-            </a:r>
-            <a:r>
-              <a:rPr lang="en-US" dirty="0" smtClean="0"/>
-              <a:t> </a:t>
-            </a:r>
-            <a:r>
-              <a:rPr lang="en-US" dirty="0" err="1" smtClean="0"/>
-              <a:t>bởi</a:t>
-            </a:r>
-            <a:r>
-              <a:rPr lang="en-US" dirty="0" smtClean="0"/>
-              <a:t> logical link </a:t>
-            </a:r>
-            <a:r>
-              <a:rPr lang="en-US" b="1" dirty="0">
-                <a:solidFill>
-                  <a:srgbClr val="FF0000"/>
-                </a:solidFill>
-              </a:rPr>
-              <a:t>(L1)  </a:t>
-            </a:r>
-            <a:r>
-              <a:rPr lang="en-US" dirty="0" smtClean="0"/>
-              <a:t>+ 1 </a:t>
-            </a:r>
-            <a:r>
-              <a:rPr lang="en-US" dirty="0" err="1" smtClean="0"/>
-              <a:t>điểm</a:t>
-            </a:r>
-            <a:r>
-              <a:rPr lang="en-US" dirty="0" smtClean="0"/>
-              <a:t> </a:t>
-            </a:r>
-            <a:r>
-              <a:rPr lang="en-US" dirty="0" err="1" smtClean="0"/>
-              <a:t>ngẫu</a:t>
-            </a:r>
-            <a:r>
-              <a:rPr lang="en-US" dirty="0" smtClean="0"/>
-              <a:t> </a:t>
-            </a:r>
-            <a:r>
-              <a:rPr lang="en-US" dirty="0" err="1" smtClean="0"/>
-              <a:t>nhiên</a:t>
-            </a:r>
-            <a:endParaRPr lang="en-US" dirty="0"/>
-          </a:p>
-        </p:txBody>
-      </p:sp>
-      <p:sp>
-        <p:nvSpPr>
-          <p:cNvPr id="12" name="Left Brace 11"/>
-          <p:cNvSpPr/>
-          <p:nvPr/>
-        </p:nvSpPr>
-        <p:spPr>
-          <a:xfrm>
-            <a:off x="2609946" y="4762922"/>
-            <a:ext cx="318580" cy="646331"/>
-          </a:xfrm>
-          <a:prstGeom prst="leftBrace">
-            <a:avLst/>
-          </a:prstGeom>
-        </p:spPr>
-        <p:style>
-          <a:lnRef idx="1">
-            <a:schemeClr val="accent1"/>
-          </a:lnRef>
-          <a:fillRef idx="0">
-            <a:schemeClr val="accent1"/>
-          </a:fillRef>
-          <a:effectRef idx="0">
-            <a:schemeClr val="accent1"/>
-          </a:effectRef>
-          <a:fontRef idx="minor">
-            <a:schemeClr val="tx1"/>
-          </a:fontRef>
-        </p:style>
-        <p:txBody>
-          <a:bodyPr rtlCol="0" anchor="ctr"/>
-          <a:lstStyle/>
-          <a:p>
-            <a:pPr algn="ctr"/>
-            <a:endParaRPr lang="en-US"/>
-          </a:p>
-        </p:txBody>
-      </p:sp>
-      <p:sp>
-        <p:nvSpPr>
-          <p:cNvPr id="13" name="TextBox 12"/>
-          <p:cNvSpPr txBox="1"/>
-          <p:nvPr/>
-        </p:nvSpPr>
-        <p:spPr>
-          <a:xfrm>
-            <a:off x="3048728" y="4762922"/>
-            <a:ext cx="5704268" cy="646331"/>
-          </a:xfrm>
-          <a:prstGeom prst="rect">
-            <a:avLst/>
-          </a:prstGeom>
-          <a:noFill/>
-        </p:spPr>
-        <p:txBody>
-          <a:bodyPr wrap="square" rtlCol="0">
-            <a:spAutoFit/>
-          </a:bodyPr>
-          <a:lstStyle/>
-          <a:p>
-            <a:pPr marL="285750" indent="-285750">
-              <a:buFontTx/>
-              <a:buChar char="-"/>
-            </a:pPr>
-            <a:r>
-              <a:rPr lang="en-US" dirty="0" smtClean="0"/>
-              <a:t>0: </a:t>
-            </a:r>
-            <a:r>
-              <a:rPr lang="en-US" dirty="0" err="1" smtClean="0"/>
-              <a:t>đường</a:t>
-            </a:r>
-            <a:r>
-              <a:rPr lang="en-US" dirty="0" smtClean="0"/>
-              <a:t> </a:t>
-            </a:r>
-            <a:r>
-              <a:rPr lang="en-US" dirty="0" err="1" smtClean="0"/>
-              <a:t>đi</a:t>
-            </a:r>
-            <a:r>
-              <a:rPr lang="en-US" dirty="0" smtClean="0"/>
-              <a:t> </a:t>
-            </a:r>
-            <a:r>
-              <a:rPr lang="en-US" dirty="0" err="1" smtClean="0"/>
-              <a:t>trùng</a:t>
-            </a:r>
-            <a:r>
-              <a:rPr lang="en-US" dirty="0" smtClean="0"/>
-              <a:t> logical link </a:t>
-            </a:r>
-            <a:r>
-              <a:rPr lang="en-US" b="1" dirty="0">
-                <a:solidFill>
-                  <a:srgbClr val="FF0000"/>
-                </a:solidFill>
-              </a:rPr>
-              <a:t>(L2)</a:t>
-            </a:r>
-          </a:p>
-          <a:p>
-            <a:pPr marL="285750" indent="-285750">
-              <a:buFontTx/>
-              <a:buChar char="-"/>
-            </a:pPr>
-            <a:r>
-              <a:rPr lang="en-US" dirty="0" smtClean="0"/>
-              <a:t>1: </a:t>
-            </a:r>
-            <a:r>
-              <a:rPr lang="en-US" dirty="0" err="1" smtClean="0"/>
-              <a:t>đường</a:t>
-            </a:r>
-            <a:r>
-              <a:rPr lang="en-US" dirty="0" smtClean="0"/>
-              <a:t> </a:t>
-            </a:r>
-            <a:r>
-              <a:rPr lang="en-US" dirty="0" err="1" smtClean="0"/>
-              <a:t>đi</a:t>
-            </a:r>
-            <a:r>
-              <a:rPr lang="en-US" dirty="0" smtClean="0"/>
-              <a:t> </a:t>
-            </a:r>
-            <a:r>
-              <a:rPr lang="en-US" dirty="0" err="1" smtClean="0"/>
-              <a:t>tạo</a:t>
-            </a:r>
-            <a:r>
-              <a:rPr lang="en-US" dirty="0" smtClean="0"/>
-              <a:t> </a:t>
-            </a:r>
-            <a:r>
-              <a:rPr lang="en-US" dirty="0" err="1" smtClean="0"/>
-              <a:t>bởi</a:t>
-            </a:r>
-            <a:r>
-              <a:rPr lang="en-US" dirty="0" smtClean="0"/>
-              <a:t> logical link </a:t>
-            </a:r>
-            <a:r>
-              <a:rPr lang="en-US" b="1" dirty="0">
-                <a:solidFill>
-                  <a:srgbClr val="FF0000"/>
-                </a:solidFill>
-              </a:rPr>
-              <a:t>(L2)  </a:t>
-            </a:r>
-            <a:r>
-              <a:rPr lang="en-US" dirty="0" smtClean="0"/>
-              <a:t>+ 1 </a:t>
-            </a:r>
-            <a:r>
-              <a:rPr lang="en-US" dirty="0" err="1" smtClean="0"/>
-              <a:t>điểm</a:t>
-            </a:r>
-            <a:r>
-              <a:rPr lang="en-US" dirty="0" smtClean="0"/>
-              <a:t> </a:t>
-            </a:r>
-            <a:r>
-              <a:rPr lang="en-US" dirty="0" err="1" smtClean="0"/>
-              <a:t>ngẫu</a:t>
-            </a:r>
-            <a:r>
-              <a:rPr lang="en-US" dirty="0" smtClean="0"/>
-              <a:t> </a:t>
-            </a:r>
-            <a:r>
-              <a:rPr lang="en-US" dirty="0" err="1" smtClean="0"/>
-              <a:t>nhiên</a:t>
-            </a:r>
-            <a:endParaRPr lang="en-US" dirty="0"/>
-          </a:p>
-        </p:txBody>
-      </p:sp>
-      <p:cxnSp>
-        <p:nvCxnSpPr>
-          <p:cNvPr id="14" name="Straight Arrow Connector 13"/>
-          <p:cNvCxnSpPr>
-            <a:endCxn id="10" idx="1"/>
-          </p:cNvCxnSpPr>
-          <p:nvPr/>
-        </p:nvCxnSpPr>
-        <p:spPr>
-          <a:xfrm flipV="1">
-            <a:off x="1676400" y="4095488"/>
-            <a:ext cx="1021551" cy="323164"/>
-          </a:xfrm>
-          <a:prstGeom prst="straightConnector1">
-            <a:avLst/>
-          </a:prstGeom>
-          <a:ln>
-            <a:tailEnd type="arrow"/>
-          </a:ln>
-        </p:spPr>
-        <p:style>
-          <a:lnRef idx="1">
-            <a:schemeClr val="accent1"/>
-          </a:lnRef>
-          <a:fillRef idx="0">
-            <a:schemeClr val="accent1"/>
-          </a:fillRef>
-          <a:effectRef idx="0">
-            <a:schemeClr val="accent1"/>
-          </a:effectRef>
-          <a:fontRef idx="minor">
-            <a:schemeClr val="tx1"/>
-          </a:fontRef>
-        </p:style>
-      </p:cxnSp>
-      <p:cxnSp>
-        <p:nvCxnSpPr>
-          <p:cNvPr id="15" name="Straight Arrow Connector 14"/>
-          <p:cNvCxnSpPr>
-            <a:endCxn id="12" idx="1"/>
-          </p:cNvCxnSpPr>
-          <p:nvPr/>
-        </p:nvCxnSpPr>
-        <p:spPr>
-          <a:xfrm>
-            <a:off x="1524000" y="4762922"/>
-            <a:ext cx="1085946" cy="323166"/>
-          </a:xfrm>
-          <a:prstGeom prst="straightConnector1">
-            <a:avLst/>
-          </a:prstGeom>
-          <a:ln>
-            <a:tailEnd type="arrow"/>
-          </a:ln>
-        </p:spPr>
-        <p:style>
-          <a:lnRef idx="1">
-            <a:schemeClr val="accent1"/>
-          </a:lnRef>
-          <a:fillRef idx="0">
-            <a:schemeClr val="accent1"/>
-          </a:fillRef>
-          <a:effectRef idx="0">
-            <a:schemeClr val="accent1"/>
-          </a:effectRef>
-          <a:fontRef idx="minor">
-            <a:schemeClr val="tx1"/>
-          </a:fontRef>
-        </p:style>
-      </p:cxnSp>
-    </p:spTree>
-    <p:extLst>
-      <p:ext uri="{BB962C8B-B14F-4D97-AF65-F5344CB8AC3E}">
-        <p14:creationId xmlns:p14="http://schemas.microsoft.com/office/powerpoint/2010/main" val="2621116127"/>
-      </p:ext>
-    </p:extLst>
-  </p:cSld>
-  <p:clrMapOvr>
-    <a:masterClrMapping/>
-  </p:clrMapOvr>
-  <p:timing>
-    <p:tnLst>
-      <p:par>
-        <p:cTn id="1" dur="indefinite" restart="never" nodeType="tmRoot"/>
-      </p:par>
-    </p:tnLst>
-  </p:timing>
-</p:sld>
-</file>
-
-<file path=ppt/slides/slide23.xml><?xml version="1.0" encoding="utf-8"?>
-<p:sld xmlns:a="http://schemas.openxmlformats.org/drawingml/2006/main" xmlns:r="http://schemas.openxmlformats.org/officeDocument/2006/relationships" xmlns:p="http://schemas.openxmlformats.org/presentationml/2006/main">
-  <p:cSld>
-    <p:spTree>
-      <p:nvGrpSpPr>
-        <p:cNvPr id="1" name=""/>
-        <p:cNvGrpSpPr/>
-        <p:nvPr/>
-      </p:nvGrpSpPr>
-      <p:grpSpPr>
-        <a:xfrm>
-          <a:off x="0" y="0"/>
-          <a:ext cx="0" cy="0"/>
-          <a:chOff x="0" y="0"/>
-          <a:chExt cx="0" cy="0"/>
-        </a:xfrm>
-      </p:grpSpPr>
-      <p:sp>
-        <p:nvSpPr>
-          <p:cNvPr id="7" name="Title 6"/>
-          <p:cNvSpPr>
-            <a:spLocks noGrp="1"/>
-          </p:cNvSpPr>
-          <p:nvPr>
-            <p:ph type="title"/>
-          </p:nvPr>
-        </p:nvSpPr>
-        <p:spPr/>
-        <p:txBody>
-          <a:bodyPr/>
-          <a:lstStyle/>
-          <a:p>
-            <a:r>
-              <a:rPr lang="en-US" b="0" dirty="0"/>
-              <a:t>2</a:t>
-            </a:r>
-            <a:r>
-              <a:rPr lang="en-US" b="0" dirty="0" smtClean="0"/>
-              <a:t>. KHỞI TẠO QUẦN THỂ</a:t>
-            </a:r>
-            <a:endParaRPr lang="en-US" b="0" dirty="0"/>
-          </a:p>
-        </p:txBody>
-      </p:sp>
-      <p:sp>
-        <p:nvSpPr>
-          <p:cNvPr id="8" name="Content Placeholder 7"/>
-          <p:cNvSpPr>
-            <a:spLocks noGrp="1"/>
-          </p:cNvSpPr>
-          <p:nvPr>
-            <p:ph idx="1"/>
-          </p:nvPr>
-        </p:nvSpPr>
-        <p:spPr>
-          <a:xfrm>
-            <a:off x="381000" y="1371600"/>
-            <a:ext cx="8229600" cy="685799"/>
-          </a:xfrm>
-        </p:spPr>
-        <p:txBody>
-          <a:bodyPr>
-            <a:normAutofit fontScale="77500" lnSpcReduction="20000"/>
-          </a:bodyPr>
-          <a:lstStyle/>
-          <a:p>
-            <a:r>
-              <a:rPr lang="en-US" sz="2400" dirty="0" err="1" smtClean="0"/>
-              <a:t>Số</a:t>
-            </a:r>
-            <a:r>
-              <a:rPr lang="en-US" sz="2400" dirty="0" smtClean="0"/>
-              <a:t> </a:t>
-            </a:r>
-            <a:r>
-              <a:rPr lang="en-US" sz="2400" dirty="0" err="1" smtClean="0"/>
-              <a:t>lượng</a:t>
-            </a:r>
-            <a:r>
-              <a:rPr lang="en-US" sz="2400" dirty="0" smtClean="0"/>
-              <a:t> </a:t>
-            </a:r>
-            <a:r>
-              <a:rPr lang="en-US" sz="2400" dirty="0" err="1" smtClean="0"/>
-              <a:t>cá</a:t>
-            </a:r>
-            <a:r>
-              <a:rPr lang="en-US" sz="2400" dirty="0" smtClean="0"/>
-              <a:t> </a:t>
-            </a:r>
-            <a:r>
-              <a:rPr lang="en-US" sz="2400" dirty="0" err="1" smtClean="0"/>
-              <a:t>thể</a:t>
-            </a:r>
-            <a:r>
-              <a:rPr lang="en-US" sz="2400" dirty="0" smtClean="0"/>
-              <a:t> </a:t>
-            </a:r>
-            <a:r>
-              <a:rPr lang="en-US" sz="2400" dirty="0" err="1" smtClean="0"/>
-              <a:t>trong</a:t>
-            </a:r>
-            <a:r>
-              <a:rPr lang="en-US" sz="2400" dirty="0" smtClean="0"/>
-              <a:t> </a:t>
-            </a:r>
-            <a:r>
-              <a:rPr lang="en-US" sz="2400" dirty="0" err="1" smtClean="0"/>
-              <a:t>quần</a:t>
-            </a:r>
-            <a:r>
-              <a:rPr lang="en-US" sz="2400" dirty="0" smtClean="0"/>
-              <a:t> </a:t>
-            </a:r>
-            <a:r>
-              <a:rPr lang="en-US" sz="2400" dirty="0" err="1" smtClean="0"/>
-              <a:t>thể</a:t>
-            </a:r>
-            <a:r>
-              <a:rPr lang="en-US" sz="2400" dirty="0" smtClean="0"/>
-              <a:t>: </a:t>
-            </a:r>
-            <a:r>
-              <a:rPr lang="en-US" sz="2400" dirty="0" err="1" smtClean="0"/>
-              <a:t>Tùy</a:t>
-            </a:r>
-            <a:r>
-              <a:rPr lang="en-US" sz="2400" dirty="0" smtClean="0"/>
-              <a:t> </a:t>
-            </a:r>
-            <a:r>
-              <a:rPr lang="en-US" sz="2400" dirty="0" err="1" smtClean="0"/>
-              <a:t>chọn</a:t>
-            </a:r>
-            <a:r>
-              <a:rPr lang="en-US" sz="2400" dirty="0" smtClean="0"/>
-              <a:t> (50 </a:t>
-            </a:r>
-            <a:r>
-              <a:rPr lang="en-US" sz="2400" dirty="0" err="1" smtClean="0"/>
-              <a:t>chẳng</a:t>
-            </a:r>
-            <a:r>
-              <a:rPr lang="en-US" sz="2400" dirty="0" smtClean="0"/>
-              <a:t> </a:t>
-            </a:r>
-            <a:r>
-              <a:rPr lang="en-US" sz="2400" dirty="0" err="1" smtClean="0"/>
-              <a:t>hạn</a:t>
-            </a:r>
-            <a:r>
-              <a:rPr lang="en-US" sz="2400" dirty="0" smtClean="0"/>
-              <a:t>)</a:t>
-            </a:r>
-          </a:p>
-          <a:p>
-            <a:r>
-              <a:rPr lang="en-US" sz="2400" dirty="0" err="1" smtClean="0"/>
-              <a:t>Với</a:t>
-            </a:r>
-            <a:r>
-              <a:rPr lang="en-US" sz="2400" dirty="0" smtClean="0"/>
-              <a:t> </a:t>
-            </a:r>
-            <a:r>
-              <a:rPr lang="en-US" sz="2400" dirty="0" err="1" smtClean="0"/>
-              <a:t>mỗi</a:t>
-            </a:r>
-            <a:r>
-              <a:rPr lang="en-US" sz="2400" dirty="0" smtClean="0"/>
-              <a:t> request , </a:t>
-            </a:r>
-            <a:r>
-              <a:rPr lang="en-US" sz="2400" dirty="0" err="1" smtClean="0"/>
-              <a:t>chọn</a:t>
-            </a:r>
-            <a:r>
-              <a:rPr lang="en-US" sz="2400" dirty="0" smtClean="0"/>
-              <a:t> </a:t>
-            </a:r>
-            <a:r>
-              <a:rPr lang="en-US" sz="2400" dirty="0" err="1" smtClean="0"/>
-              <a:t>ngẫu</a:t>
-            </a:r>
-            <a:r>
-              <a:rPr lang="en-US" sz="2400" dirty="0" smtClean="0"/>
-              <a:t> </a:t>
-            </a:r>
-            <a:r>
-              <a:rPr lang="en-US" sz="2400" dirty="0" err="1" smtClean="0"/>
-              <a:t>nhiên</a:t>
-            </a:r>
-            <a:r>
-              <a:rPr lang="en-US" sz="2400" dirty="0" smtClean="0"/>
-              <a:t> (0,1) 1 </a:t>
-            </a:r>
-            <a:r>
-              <a:rPr lang="en-US" sz="2400" dirty="0" err="1" smtClean="0"/>
-              <a:t>đường</a:t>
-            </a:r>
-            <a:r>
-              <a:rPr lang="en-US" sz="2400" dirty="0" smtClean="0"/>
-              <a:t> working </a:t>
-            </a:r>
-            <a:r>
-              <a:rPr lang="en-US" sz="2400" dirty="0" err="1" smtClean="0"/>
-              <a:t>và</a:t>
-            </a:r>
-            <a:r>
-              <a:rPr lang="en-US" sz="2400" dirty="0" smtClean="0"/>
-              <a:t> 1 </a:t>
-            </a:r>
-            <a:r>
-              <a:rPr lang="en-US" sz="2400" dirty="0" err="1" smtClean="0"/>
-              <a:t>đường</a:t>
-            </a:r>
-            <a:r>
-              <a:rPr lang="en-US" sz="2400" dirty="0" smtClean="0"/>
-              <a:t> backup</a:t>
-            </a:r>
-          </a:p>
-          <a:p>
-            <a:pPr marL="457200" lvl="1" indent="0">
-              <a:buNone/>
-            </a:pPr>
-            <a:endParaRPr lang="en-US" sz="2000" dirty="0" smtClean="0"/>
-          </a:p>
-        </p:txBody>
-      </p:sp>
-      <p:sp>
-        <p:nvSpPr>
-          <p:cNvPr id="4" name="Date Placeholder 3"/>
-          <p:cNvSpPr>
-            <a:spLocks noGrp="1"/>
-          </p:cNvSpPr>
-          <p:nvPr>
-            <p:ph type="dt" sz="half" idx="10"/>
-          </p:nvPr>
-        </p:nvSpPr>
-        <p:spPr/>
-        <p:txBody>
-          <a:bodyPr/>
-          <a:lstStyle/>
-          <a:p>
-            <a:fld id="{E3E2306C-E34F-4492-8C03-BFD178B0B86F}" type="datetime1">
-              <a:rPr lang="en-US" smtClean="0"/>
-              <a:t>4/7/2012</a:t>
-            </a:fld>
-            <a:endParaRPr lang="en-US"/>
-          </a:p>
-        </p:txBody>
-      </p:sp>
-      <p:sp>
-        <p:nvSpPr>
-          <p:cNvPr id="5" name="Footer Placeholder 4"/>
-          <p:cNvSpPr>
-            <a:spLocks noGrp="1"/>
-          </p:cNvSpPr>
-          <p:nvPr>
-            <p:ph type="ftr" sz="quarter" idx="11"/>
-          </p:nvPr>
-        </p:nvSpPr>
-        <p:spPr/>
-        <p:txBody>
-          <a:bodyPr/>
-          <a:lstStyle/>
-          <a:p>
-            <a:r>
-              <a:rPr lang="en-US" smtClean="0"/>
-              <a:t>Thiết kế mạng chịu lỗi</a:t>
-            </a:r>
-            <a:endParaRPr lang="en-US" dirty="0"/>
-          </a:p>
-        </p:txBody>
-      </p:sp>
-      <p:sp>
-        <p:nvSpPr>
-          <p:cNvPr id="6" name="Slide Number Placeholder 5"/>
-          <p:cNvSpPr>
-            <a:spLocks noGrp="1"/>
-          </p:cNvSpPr>
-          <p:nvPr>
-            <p:ph type="sldNum" sz="quarter" idx="12"/>
-          </p:nvPr>
-        </p:nvSpPr>
-        <p:spPr/>
-        <p:txBody>
-          <a:bodyPr/>
-          <a:lstStyle/>
-          <a:p>
-            <a:fld id="{77147098-D884-47A8-A2F8-2A4EFCDC3B56}" type="slidenum">
-              <a:rPr lang="en-US" smtClean="0"/>
-              <a:t>23</a:t>
-            </a:fld>
-            <a:endParaRPr lang="en-US"/>
-          </a:p>
-        </p:txBody>
-      </p:sp>
-      <p:graphicFrame>
-        <p:nvGraphicFramePr>
-          <p:cNvPr id="23" name="Content Placeholder 8"/>
-          <p:cNvGraphicFramePr>
-            <a:graphicFrameLocks/>
-          </p:cNvGraphicFramePr>
-          <p:nvPr>
-            <p:extLst>
-              <p:ext uri="{D42A27DB-BD31-4B8C-83A1-F6EECF244321}">
-                <p14:modId xmlns:p14="http://schemas.microsoft.com/office/powerpoint/2010/main" val="1003194227"/>
-              </p:ext>
-            </p:extLst>
-          </p:nvPr>
-        </p:nvGraphicFramePr>
-        <p:xfrm>
-          <a:off x="381000" y="3124200"/>
-          <a:ext cx="8229600" cy="1112520"/>
-        </p:xfrm>
-        <a:graphic>
-          <a:graphicData uri="http://schemas.openxmlformats.org/drawingml/2006/table">
-            <a:tbl>
-              <a:tblPr firstRow="1" bandRow="1">
-                <a:tableStyleId>{5940675A-B579-460E-94D1-54222C63F5DA}</a:tableStyleId>
-              </a:tblPr>
-              <a:tblGrid>
-                <a:gridCol w="1188720"/>
-                <a:gridCol w="457200"/>
-                <a:gridCol w="457200"/>
-                <a:gridCol w="457200"/>
-                <a:gridCol w="457200"/>
-                <a:gridCol w="457200"/>
-                <a:gridCol w="457200"/>
-                <a:gridCol w="457200"/>
-                <a:gridCol w="3017520"/>
-                <a:gridCol w="822960"/>
-              </a:tblGrid>
-              <a:tr h="370840">
-                <a:tc>
-                  <a:txBody>
-                    <a:bodyPr/>
-                    <a:lstStyle/>
-                    <a:p>
-                      <a:endParaRPr lang="en-US" dirty="0"/>
-                    </a:p>
-                  </a:txBody>
-                  <a:tcPr marL="109728" marR="109728">
-                    <a:lnL w="12700" cmpd="sng">
-                      <a:noFill/>
-                    </a:lnL>
-                    <a:lnR w="12700" cap="flat" cmpd="sng" algn="ctr">
-                      <a:noFill/>
-                      <a:prstDash val="solid"/>
-                      <a:round/>
-                      <a:headEnd type="none" w="med" len="med"/>
-                      <a:tailEnd type="none" w="med" len="med"/>
-                    </a:lnR>
-                    <a:lnT w="12700" cmpd="sng">
-                      <a:noFill/>
-                    </a:lnT>
-                    <a:lnB w="12700" cmpd="sng">
-                      <a:noFill/>
-                    </a:lnB>
-                    <a:lnTlToBr w="12700" cmpd="sng">
-                      <a:noFill/>
-                      <a:prstDash val="solid"/>
-                    </a:lnTlToBr>
-                    <a:lnBlToTr w="12700" cmpd="sng">
-                      <a:noFill/>
-                      <a:prstDash val="solid"/>
-                    </a:lnBlToTr>
-                  </a:tcPr>
-                </a:tc>
-                <a:tc>
-                  <a:txBody>
-                    <a:bodyPr/>
-                    <a:lstStyle/>
-                    <a:p>
-                      <a:r>
-                        <a:rPr lang="en-US" sz="1600" kern="1200" baseline="0" dirty="0" smtClean="0">
-                          <a:solidFill>
-                            <a:schemeClr val="tx1"/>
-                          </a:solidFill>
-                          <a:latin typeface="+mn-lt"/>
-                          <a:ea typeface="+mn-ea"/>
-                          <a:cs typeface="+mn-cs"/>
-                        </a:rPr>
-                        <a:t>t</a:t>
-                      </a:r>
-                      <a:r>
-                        <a:rPr lang="en-US" sz="1600" kern="1200" baseline="-25000" dirty="0" smtClean="0">
-                          <a:solidFill>
-                            <a:schemeClr val="tx1"/>
-                          </a:solidFill>
-                          <a:latin typeface="+mn-lt"/>
-                          <a:ea typeface="+mn-ea"/>
-                          <a:cs typeface="+mn-cs"/>
-                        </a:rPr>
-                        <a:t>1</a:t>
-                      </a:r>
-                      <a:endParaRPr lang="en-US" sz="1600" kern="1200" baseline="-25000" dirty="0">
-                        <a:solidFill>
-                          <a:schemeClr val="tx1"/>
-                        </a:solidFill>
-                        <a:latin typeface="+mn-lt"/>
-                        <a:ea typeface="+mn-ea"/>
-                        <a:cs typeface="+mn-cs"/>
-                      </a:endParaRPr>
-                    </a:p>
-                  </a:txBody>
-                  <a:tcPr marL="109728" marR="109728">
-                    <a:lnL w="12700" cap="flat" cmpd="sng" algn="ctr">
-                      <a:noFill/>
-                      <a:prstDash val="solid"/>
-                      <a:round/>
-                      <a:headEnd type="none" w="med" len="med"/>
-                      <a:tailEnd type="none" w="med" len="med"/>
-                    </a:lnL>
-                    <a:lnR w="12700" cmpd="sng">
-                      <a:noFill/>
-                    </a:lnR>
-                    <a:lnT w="12700" cmpd="sng">
-                      <a:noFill/>
-                    </a:lnT>
-                    <a:lnB w="12700" cap="flat" cmpd="sng" algn="ctr">
-                      <a:solidFill>
-                        <a:schemeClr val="tx1"/>
-                      </a:solidFill>
-                      <a:prstDash val="solid"/>
-                      <a:round/>
-                      <a:headEnd type="none" w="med" len="med"/>
-                      <a:tailEnd type="none" w="med" len="med"/>
-                    </a:lnB>
-                    <a:lnTlToBr w="12700" cmpd="sng">
-                      <a:noFill/>
-                      <a:prstDash val="solid"/>
-                    </a:lnTlToBr>
-                    <a:lnBlToTr w="12700" cmpd="sng">
-                      <a:noFill/>
-                      <a:prstDash val="solid"/>
-                    </a:lnBlToTr>
-                  </a:tcPr>
-                </a:tc>
-                <a:tc>
-                  <a:txBody>
-                    <a:bodyPr/>
-                    <a:lstStyle/>
-                    <a:p>
-                      <a:r>
-                        <a:rPr lang="en-US" dirty="0" smtClean="0"/>
-                        <a:t>t</a:t>
-                      </a:r>
-                      <a:r>
-                        <a:rPr lang="en-US" sz="1600" kern="1200" baseline="-25000" dirty="0" smtClean="0">
-                          <a:solidFill>
-                            <a:schemeClr val="tx1"/>
-                          </a:solidFill>
-                          <a:latin typeface="+mn-lt"/>
-                          <a:ea typeface="+mn-ea"/>
-                          <a:cs typeface="+mn-cs"/>
-                        </a:rPr>
-                        <a:t>2</a:t>
-                      </a:r>
-                      <a:endParaRPr lang="en-US" sz="1600" kern="1200" baseline="-25000" dirty="0">
-                        <a:solidFill>
-                          <a:schemeClr val="tx1"/>
-                        </a:solidFill>
-                        <a:latin typeface="+mn-lt"/>
-                        <a:ea typeface="+mn-ea"/>
-                        <a:cs typeface="+mn-cs"/>
-                      </a:endParaRPr>
-                    </a:p>
-                  </a:txBody>
-                  <a:tcPr marL="109728" marR="109728">
-                    <a:lnL w="12700" cmpd="sng">
-                      <a:noFill/>
-                    </a:lnL>
-                    <a:lnR w="12700" cmpd="sng">
-                      <a:noFill/>
-                    </a:lnR>
-                    <a:lnT w="12700" cmpd="sng">
-                      <a:noFill/>
-                    </a:lnT>
-                    <a:lnB w="12700" cap="flat" cmpd="sng" algn="ctr">
-                      <a:solidFill>
-                        <a:schemeClr val="tx1"/>
-                      </a:solidFill>
-                      <a:prstDash val="solid"/>
-                      <a:round/>
-                      <a:headEnd type="none" w="med" len="med"/>
-                      <a:tailEnd type="none" w="med" len="med"/>
-                    </a:lnB>
-                    <a:lnTlToBr w="12700" cmpd="sng">
-                      <a:noFill/>
-                      <a:prstDash val="solid"/>
-                    </a:lnTlToBr>
-                    <a:lnBlToTr w="12700" cmpd="sng">
-                      <a:noFill/>
-                      <a:prstDash val="solid"/>
-                    </a:lnBlToTr>
-                  </a:tcPr>
-                </a:tc>
-                <a:tc>
-                  <a:txBody>
-                    <a:bodyPr/>
-                    <a:lstStyle/>
-                    <a:p>
-                      <a:pPr marL="0" algn="l" defTabSz="914400" rtl="0" eaLnBrk="1" latinLnBrk="0" hangingPunct="1"/>
-                      <a:r>
-                        <a:rPr lang="en-US" dirty="0" smtClean="0"/>
-                        <a:t>t</a:t>
-                      </a:r>
-                      <a:r>
-                        <a:rPr lang="en-US" sz="1600" kern="1200" baseline="-25000" dirty="0" smtClean="0">
-                          <a:solidFill>
-                            <a:schemeClr val="tx1"/>
-                          </a:solidFill>
-                          <a:latin typeface="+mn-lt"/>
-                          <a:ea typeface="+mn-ea"/>
-                          <a:cs typeface="+mn-cs"/>
-                        </a:rPr>
-                        <a:t>3</a:t>
-                      </a:r>
-                      <a:endParaRPr lang="en-US" sz="1600" kern="1200" baseline="-25000" dirty="0">
-                        <a:solidFill>
-                          <a:schemeClr val="tx1"/>
-                        </a:solidFill>
-                        <a:latin typeface="+mn-lt"/>
-                        <a:ea typeface="+mn-ea"/>
-                        <a:cs typeface="+mn-cs"/>
-                      </a:endParaRPr>
-                    </a:p>
-                  </a:txBody>
-                  <a:tcPr marL="109728" marR="109728">
-                    <a:lnL w="12700" cmpd="sng">
-                      <a:noFill/>
-                    </a:lnL>
-                    <a:lnR w="12700" cmpd="sng">
-                      <a:noFill/>
-                    </a:lnR>
-                    <a:lnT w="12700" cmpd="sng">
-                      <a:noFill/>
-                    </a:lnT>
-                    <a:lnB w="12700" cap="flat" cmpd="sng" algn="ctr">
-                      <a:solidFill>
-                        <a:schemeClr val="tx1"/>
-                      </a:solidFill>
-                      <a:prstDash val="solid"/>
-                      <a:round/>
-                      <a:headEnd type="none" w="med" len="med"/>
-                      <a:tailEnd type="none" w="med" len="med"/>
-                    </a:lnB>
-                    <a:lnTlToBr w="12700" cmpd="sng">
-                      <a:noFill/>
-                      <a:prstDash val="solid"/>
-                    </a:lnTlToBr>
-                    <a:lnBlToTr w="12700" cmpd="sng">
-                      <a:noFill/>
-                      <a:prstDash val="solid"/>
-                    </a:lnBlToTr>
-                  </a:tcPr>
-                </a:tc>
-                <a:tc>
-                  <a:txBody>
-                    <a:bodyPr/>
-                    <a:lstStyle/>
-                    <a:p>
-                      <a:r>
-                        <a:rPr lang="en-US" dirty="0" smtClean="0"/>
-                        <a:t>t</a:t>
-                      </a:r>
-                      <a:r>
-                        <a:rPr lang="en-US" sz="1600" kern="1200" baseline="-25000" dirty="0" smtClean="0">
-                          <a:solidFill>
-                            <a:schemeClr val="tx1"/>
-                          </a:solidFill>
-                          <a:latin typeface="+mn-lt"/>
-                          <a:ea typeface="+mn-ea"/>
-                          <a:cs typeface="+mn-cs"/>
-                        </a:rPr>
-                        <a:t>4</a:t>
-                      </a:r>
-                      <a:endParaRPr lang="en-US" sz="1600" kern="1200" baseline="-25000" dirty="0">
-                        <a:solidFill>
-                          <a:schemeClr val="tx1"/>
-                        </a:solidFill>
-                        <a:latin typeface="+mn-lt"/>
-                        <a:ea typeface="+mn-ea"/>
-                        <a:cs typeface="+mn-cs"/>
-                      </a:endParaRPr>
-                    </a:p>
-                  </a:txBody>
-                  <a:tcPr marL="109728" marR="109728">
-                    <a:lnL w="12700" cmpd="sng">
-                      <a:noFill/>
-                    </a:lnL>
-                    <a:lnR w="12700" cmpd="sng">
-                      <a:noFill/>
-                    </a:lnR>
-                    <a:lnT w="12700" cmpd="sng">
-                      <a:noFill/>
-                    </a:lnT>
-                    <a:lnB w="12700" cap="flat" cmpd="sng" algn="ctr">
-                      <a:solidFill>
-                        <a:schemeClr val="tx1"/>
-                      </a:solidFill>
-                      <a:prstDash val="solid"/>
-                      <a:round/>
-                      <a:headEnd type="none" w="med" len="med"/>
-                      <a:tailEnd type="none" w="med" len="med"/>
-                    </a:lnB>
-                    <a:lnTlToBr w="12700" cmpd="sng">
-                      <a:noFill/>
-                      <a:prstDash val="solid"/>
-                    </a:lnTlToBr>
-                    <a:lnBlToTr w="12700" cmpd="sng">
-                      <a:noFill/>
-                      <a:prstDash val="solid"/>
-                    </a:lnBlToTr>
-                  </a:tcPr>
-                </a:tc>
-                <a:tc>
-                  <a:txBody>
-                    <a:bodyPr/>
-                    <a:lstStyle/>
-                    <a:p>
-                      <a:r>
-                        <a:rPr lang="en-US" dirty="0" smtClean="0"/>
-                        <a:t>t</a:t>
-                      </a:r>
-                      <a:r>
-                        <a:rPr lang="en-US" sz="1600" kern="1200" baseline="-25000" dirty="0" smtClean="0">
-                          <a:solidFill>
-                            <a:schemeClr val="tx1"/>
-                          </a:solidFill>
-                          <a:latin typeface="+mn-lt"/>
-                          <a:ea typeface="+mn-ea"/>
-                          <a:cs typeface="+mn-cs"/>
-                        </a:rPr>
-                        <a:t>5</a:t>
-                      </a:r>
-                      <a:endParaRPr lang="en-US" sz="1600" kern="1200" baseline="-25000" dirty="0">
-                        <a:solidFill>
-                          <a:schemeClr val="tx1"/>
-                        </a:solidFill>
-                        <a:latin typeface="+mn-lt"/>
-                        <a:ea typeface="+mn-ea"/>
-                        <a:cs typeface="+mn-cs"/>
-                      </a:endParaRPr>
-                    </a:p>
-                  </a:txBody>
-                  <a:tcPr marL="109728" marR="109728">
-                    <a:lnL w="12700" cmpd="sng">
-                      <a:noFill/>
-                    </a:lnL>
-                    <a:lnR w="12700" cmpd="sng">
-                      <a:noFill/>
-                    </a:lnR>
-                    <a:lnT w="12700" cmpd="sng">
-                      <a:noFill/>
-                    </a:lnT>
-                    <a:lnB w="12700" cap="flat" cmpd="sng" algn="ctr">
-                      <a:solidFill>
-                        <a:schemeClr val="tx1"/>
-                      </a:solidFill>
-                      <a:prstDash val="solid"/>
-                      <a:round/>
-                      <a:headEnd type="none" w="med" len="med"/>
-                      <a:tailEnd type="none" w="med" len="med"/>
-                    </a:lnB>
-                    <a:lnTlToBr w="12700" cmpd="sng">
-                      <a:noFill/>
-                      <a:prstDash val="solid"/>
-                    </a:lnTlToBr>
-                    <a:lnBlToTr w="12700" cmpd="sng">
-                      <a:noFill/>
-                      <a:prstDash val="solid"/>
-                    </a:lnBlToTr>
-                  </a:tcPr>
-                </a:tc>
-                <a:tc>
-                  <a:txBody>
-                    <a:bodyPr/>
-                    <a:lstStyle/>
-                    <a:p>
-                      <a:pPr marL="0" algn="l" defTabSz="914400" rtl="0" eaLnBrk="1" latinLnBrk="0" hangingPunct="1"/>
-                      <a:r>
-                        <a:rPr lang="en-US" dirty="0" smtClean="0"/>
-                        <a:t>t</a:t>
-                      </a:r>
-                      <a:r>
-                        <a:rPr lang="en-US" sz="1600" kern="1200" baseline="-25000" dirty="0" smtClean="0">
-                          <a:solidFill>
-                            <a:schemeClr val="tx1"/>
-                          </a:solidFill>
-                          <a:latin typeface="+mn-lt"/>
-                          <a:ea typeface="+mn-ea"/>
-                          <a:cs typeface="+mn-cs"/>
-                        </a:rPr>
-                        <a:t>6</a:t>
-                      </a:r>
-                      <a:endParaRPr lang="en-US" sz="1600" kern="1200" baseline="-25000" dirty="0">
-                        <a:solidFill>
-                          <a:schemeClr val="tx1"/>
-                        </a:solidFill>
-                        <a:latin typeface="+mn-lt"/>
-                        <a:ea typeface="+mn-ea"/>
-                        <a:cs typeface="+mn-cs"/>
-                      </a:endParaRPr>
-                    </a:p>
-                  </a:txBody>
-                  <a:tcPr marL="109728" marR="109728">
-                    <a:lnL w="12700" cmpd="sng">
-                      <a:noFill/>
-                    </a:lnL>
-                    <a:lnR w="12700" cmpd="sng">
-                      <a:noFill/>
-                    </a:lnR>
-                    <a:lnT w="12700" cmpd="sng">
-                      <a:noFill/>
-                    </a:lnT>
-                    <a:lnB w="12700" cap="flat" cmpd="sng" algn="ctr">
-                      <a:solidFill>
-                        <a:schemeClr val="tx1"/>
-                      </a:solidFill>
-                      <a:prstDash val="solid"/>
-                      <a:round/>
-                      <a:headEnd type="none" w="med" len="med"/>
-                      <a:tailEnd type="none" w="med" len="med"/>
-                    </a:lnB>
-                    <a:lnTlToBr w="12700" cmpd="sng">
-                      <a:noFill/>
-                      <a:prstDash val="solid"/>
-                    </a:lnTlToBr>
-                    <a:lnBlToTr w="12700" cmpd="sng">
-                      <a:noFill/>
-                      <a:prstDash val="solid"/>
-                    </a:lnBlToTr>
-                  </a:tcPr>
-                </a:tc>
-                <a:tc>
-                  <a:txBody>
-                    <a:bodyPr/>
-                    <a:lstStyle/>
-                    <a:p>
-                      <a:r>
-                        <a:rPr lang="en-US" dirty="0" smtClean="0"/>
-                        <a:t>t</a:t>
-                      </a:r>
-                      <a:r>
-                        <a:rPr lang="en-US" sz="1600" kern="1200" baseline="-25000" dirty="0" smtClean="0">
-                          <a:solidFill>
-                            <a:schemeClr val="tx1"/>
-                          </a:solidFill>
-                          <a:latin typeface="+mn-lt"/>
-                          <a:ea typeface="+mn-ea"/>
-                          <a:cs typeface="+mn-cs"/>
-                        </a:rPr>
-                        <a:t>7</a:t>
-                      </a:r>
-                      <a:endParaRPr lang="en-US" sz="1600" kern="1200" baseline="-25000" dirty="0">
-                        <a:solidFill>
-                          <a:schemeClr val="tx1"/>
-                        </a:solidFill>
-                        <a:latin typeface="+mn-lt"/>
-                        <a:ea typeface="+mn-ea"/>
-                        <a:cs typeface="+mn-cs"/>
-                      </a:endParaRPr>
-                    </a:p>
-                  </a:txBody>
-                  <a:tcPr marL="109728" marR="109728">
-                    <a:lnL w="12700" cmpd="sng">
-                      <a:noFill/>
-                    </a:lnL>
-                    <a:lnR w="12700" cmpd="sng">
-                      <a:noFill/>
-                    </a:lnR>
-                    <a:lnT w="12700" cmpd="sng">
-                      <a:noFill/>
-                    </a:lnT>
-                    <a:lnB w="12700" cap="flat" cmpd="sng" algn="ctr">
-                      <a:solidFill>
-                        <a:schemeClr val="tx1"/>
-                      </a:solidFill>
-                      <a:prstDash val="solid"/>
-                      <a:round/>
-                      <a:headEnd type="none" w="med" len="med"/>
-                      <a:tailEnd type="none" w="med" len="med"/>
-                    </a:lnB>
-                    <a:lnTlToBr w="12700" cmpd="sng">
-                      <a:noFill/>
-                      <a:prstDash val="solid"/>
-                    </a:lnTlToBr>
-                    <a:lnBlToTr w="12700" cmpd="sng">
-                      <a:noFill/>
-                      <a:prstDash val="solid"/>
-                    </a:lnBlToTr>
-                  </a:tcPr>
-                </a:tc>
-                <a:tc>
-                  <a:txBody>
-                    <a:bodyPr/>
-                    <a:lstStyle/>
-                    <a:p>
-                      <a:r>
-                        <a:rPr lang="en-US" dirty="0" smtClean="0"/>
-                        <a:t>…..</a:t>
-                      </a:r>
-                      <a:endParaRPr lang="en-US" dirty="0"/>
-                    </a:p>
-                  </a:txBody>
-                  <a:tcPr marL="109728" marR="109728">
-                    <a:lnL w="12700" cmpd="sng">
-                      <a:noFill/>
-                    </a:lnL>
-                    <a:lnR w="12700" cmpd="sng">
-                      <a:noFill/>
-                    </a:lnR>
-                    <a:lnT w="12700" cmpd="sng">
-                      <a:noFill/>
-                    </a:lnT>
-                    <a:lnB w="12700" cap="flat" cmpd="sng" algn="ctr">
-                      <a:solidFill>
-                        <a:schemeClr val="tx1"/>
-                      </a:solidFill>
-                      <a:prstDash val="solid"/>
-                      <a:round/>
-                      <a:headEnd type="none" w="med" len="med"/>
-                      <a:tailEnd type="none" w="med" len="med"/>
-                    </a:lnB>
-                    <a:lnTlToBr w="12700" cmpd="sng">
-                      <a:noFill/>
-                      <a:prstDash val="solid"/>
-                    </a:lnTlToBr>
-                    <a:lnBlToTr w="12700" cmpd="sng">
-                      <a:noFill/>
-                      <a:prstDash val="solid"/>
-                    </a:lnBlToTr>
-                  </a:tcPr>
-                </a:tc>
-                <a:tc>
-                  <a:txBody>
-                    <a:bodyPr/>
-                    <a:lstStyle/>
-                    <a:p>
-                      <a:r>
-                        <a:rPr lang="en-US" dirty="0" err="1" smtClean="0"/>
-                        <a:t>t</a:t>
-                      </a:r>
-                      <a:r>
-                        <a:rPr lang="en-US" sz="1600" kern="1200" baseline="-25000" dirty="0" err="1" smtClean="0">
-                          <a:solidFill>
-                            <a:schemeClr val="tx1"/>
-                          </a:solidFill>
-                          <a:latin typeface="+mn-lt"/>
-                          <a:ea typeface="+mn-ea"/>
-                          <a:cs typeface="+mn-cs"/>
-                        </a:rPr>
-                        <a:t>k</a:t>
-                      </a:r>
-                      <a:endParaRPr lang="en-US" sz="1600" kern="1200" baseline="-25000" dirty="0">
-                        <a:solidFill>
-                          <a:schemeClr val="tx1"/>
-                        </a:solidFill>
-                        <a:latin typeface="+mn-lt"/>
-                        <a:ea typeface="+mn-ea"/>
-                        <a:cs typeface="+mn-cs"/>
-                      </a:endParaRPr>
-                    </a:p>
-                  </a:txBody>
-                  <a:tcPr marL="109728" marR="109728">
-                    <a:lnL w="12700" cmpd="sng">
-                      <a:noFill/>
-                    </a:lnL>
-                    <a:lnR w="12700" cmpd="sng">
-                      <a:noFill/>
-                    </a:lnR>
-                    <a:lnT w="12700" cmpd="sng">
-                      <a:noFill/>
-                    </a:lnT>
-                    <a:lnB w="12700" cap="flat" cmpd="sng" algn="ctr">
-                      <a:solidFill>
-                        <a:schemeClr val="tx1"/>
-                      </a:solidFill>
-                      <a:prstDash val="solid"/>
-                      <a:round/>
-                      <a:headEnd type="none" w="med" len="med"/>
-                      <a:tailEnd type="none" w="med" len="med"/>
-                    </a:lnB>
-                    <a:lnTlToBr w="12700" cmpd="sng">
-                      <a:noFill/>
-                      <a:prstDash val="solid"/>
-                    </a:lnTlToBr>
-                    <a:lnBlToTr w="12700" cmpd="sng">
-                      <a:noFill/>
-                      <a:prstDash val="solid"/>
-                    </a:lnBlToTr>
-                  </a:tcPr>
-                </a:tc>
-              </a:tr>
-              <a:tr h="370840">
-                <a:tc>
-                  <a:txBody>
-                    <a:bodyPr/>
-                    <a:lstStyle/>
-                    <a:p>
-                      <a:r>
-                        <a:rPr lang="en-US" dirty="0" smtClean="0"/>
-                        <a:t>Working</a:t>
-                      </a:r>
-                      <a:endParaRPr lang="en-US" dirty="0"/>
-                    </a:p>
-                  </a:txBody>
-                  <a:tcPr marL="109728" marR="109728">
-                    <a:lnL w="12700" cmpd="sng">
-                      <a:noFill/>
-                    </a:lnL>
-                    <a:lnR w="12700" cap="flat" cmpd="sng" algn="ctr">
-                      <a:solidFill>
-                        <a:schemeClr val="tx1"/>
-                      </a:solidFill>
-                      <a:prstDash val="solid"/>
-                      <a:round/>
-                      <a:headEnd type="none" w="med" len="med"/>
-                      <a:tailEnd type="none" w="med" len="med"/>
-                    </a:lnR>
-                    <a:lnT w="12700" cmpd="sng">
-                      <a:noFill/>
-                    </a:lnT>
-                    <a:lnB w="12700" cmpd="sng">
-                      <a:noFill/>
-                    </a:lnB>
-                    <a:lnTlToBr w="12700" cmpd="sng">
-                      <a:noFill/>
-                      <a:prstDash val="solid"/>
-                    </a:lnTlToBr>
-                    <a:lnBlToTr w="12700" cmpd="sng">
-                      <a:noFill/>
-                      <a:prstDash val="solid"/>
-                    </a:lnBlToTr>
-                  </a:tcPr>
-                </a:tc>
-                <a:tc>
-                  <a:txBody>
-                    <a:bodyPr/>
-                    <a:lstStyle/>
-                    <a:p>
-                      <a:r>
-                        <a:rPr lang="en-US" dirty="0" smtClean="0"/>
-                        <a:t>1</a:t>
-                      </a:r>
-                      <a:endParaRPr lang="en-US" dirty="0"/>
-                    </a:p>
-                  </a:txBody>
-                  <a:tcPr marL="109728" marR="109728">
-                    <a:lnL w="12700" cap="flat" cmpd="sng" algn="ctr">
-                      <a:solidFill>
-                        <a:schemeClr val="tx1"/>
-                      </a:solidFill>
-                      <a:prstDash val="solid"/>
-                      <a:round/>
-                      <a:headEnd type="none" w="med" len="med"/>
-                      <a:tailEnd type="none" w="med" len="med"/>
-                    </a:lnL>
-                    <a:lnR w="12700" cap="flat" cmpd="sng" algn="ctr">
-                      <a:solidFill>
-                        <a:schemeClr val="tx1"/>
-                      </a:solidFill>
-                      <a:prstDash val="solid"/>
-                      <a:round/>
-                      <a:headEnd type="none" w="med" len="med"/>
-                      <a:tailEnd type="none" w="med" len="med"/>
-                    </a:lnR>
-                    <a:lnT w="12700" cap="flat" cmpd="sng" algn="ctr">
-                      <a:solidFill>
-                        <a:schemeClr val="tx1"/>
-                      </a:solidFill>
-                      <a:prstDash val="solid"/>
-                      <a:round/>
-                      <a:headEnd type="none" w="med" len="med"/>
-                      <a:tailEnd type="none" w="med" len="med"/>
-                    </a:lnT>
-                    <a:lnB w="12700" cap="flat" cmpd="sng" algn="ctr">
-                      <a:solidFill>
-                        <a:schemeClr val="tx1"/>
-                      </a:solidFill>
-                      <a:prstDash val="solid"/>
-                      <a:round/>
-                      <a:headEnd type="none" w="med" len="med"/>
-                      <a:tailEnd type="none" w="med" len="med"/>
-                    </a:lnB>
-                    <a:lnTlToBr w="12700" cmpd="sng">
-                      <a:noFill/>
-                      <a:prstDash val="solid"/>
-                    </a:lnTlToBr>
-                    <a:lnBlToTr w="12700" cmpd="sng">
-                      <a:noFill/>
-                      <a:prstDash val="solid"/>
-                    </a:lnBlToTr>
-                  </a:tcPr>
-                </a:tc>
-                <a:tc>
-                  <a:txBody>
-                    <a:bodyPr/>
-                    <a:lstStyle/>
-                    <a:p>
-                      <a:r>
-                        <a:rPr lang="en-US" dirty="0" smtClean="0"/>
-                        <a:t>0</a:t>
-                      </a:r>
-                      <a:endParaRPr lang="en-US" dirty="0"/>
-                    </a:p>
-                  </a:txBody>
-                  <a:tcPr marL="109728" marR="109728">
-                    <a:lnL w="12700" cap="flat" cmpd="sng" algn="ctr">
-                      <a:solidFill>
-                        <a:schemeClr val="tx1"/>
-                      </a:solidFill>
-                      <a:prstDash val="solid"/>
-                      <a:round/>
-                      <a:headEnd type="none" w="med" len="med"/>
-                      <a:tailEnd type="none" w="med" len="med"/>
-                    </a:lnL>
-                    <a:lnR w="12700" cap="flat" cmpd="sng" algn="ctr">
-                      <a:solidFill>
-                        <a:schemeClr val="tx1"/>
-                      </a:solidFill>
-                      <a:prstDash val="solid"/>
-                      <a:round/>
-                      <a:headEnd type="none" w="med" len="med"/>
-                      <a:tailEnd type="none" w="med" len="med"/>
-                    </a:lnR>
-                    <a:lnT w="12700" cap="flat" cmpd="sng" algn="ctr">
-                      <a:solidFill>
-                        <a:schemeClr val="tx1"/>
-                      </a:solidFill>
-                      <a:prstDash val="solid"/>
-                      <a:round/>
-                      <a:headEnd type="none" w="med" len="med"/>
-                      <a:tailEnd type="none" w="med" len="med"/>
-                    </a:lnT>
-                    <a:lnB w="12700" cap="flat" cmpd="sng" algn="ctr">
-                      <a:solidFill>
-                        <a:schemeClr val="tx1"/>
-                      </a:solidFill>
-                      <a:prstDash val="solid"/>
-                      <a:round/>
-                      <a:headEnd type="none" w="med" len="med"/>
-                      <a:tailEnd type="none" w="med" len="med"/>
-                    </a:lnB>
-                    <a:lnTlToBr w="12700" cmpd="sng">
-                      <a:noFill/>
-                      <a:prstDash val="solid"/>
-                    </a:lnTlToBr>
-                    <a:lnBlToTr w="12700" cmpd="sng">
-                      <a:noFill/>
-                      <a:prstDash val="solid"/>
-                    </a:lnBlToTr>
-                  </a:tcPr>
-                </a:tc>
-                <a:tc>
-                  <a:txBody>
-                    <a:bodyPr/>
-                    <a:lstStyle/>
-                    <a:p>
-                      <a:r>
-                        <a:rPr lang="en-US" dirty="0" smtClean="0"/>
-                        <a:t>1</a:t>
-                      </a:r>
-                      <a:endParaRPr lang="en-US" dirty="0"/>
-                    </a:p>
-                  </a:txBody>
-                  <a:tcPr marL="109728" marR="109728">
-                    <a:lnL w="12700" cap="flat" cmpd="sng" algn="ctr">
-                      <a:solidFill>
-                        <a:schemeClr val="tx1"/>
-                      </a:solidFill>
-                      <a:prstDash val="solid"/>
-                      <a:round/>
-                      <a:headEnd type="none" w="med" len="med"/>
-                      <a:tailEnd type="none" w="med" len="med"/>
-                    </a:lnL>
-                    <a:lnR w="12700" cap="flat" cmpd="sng" algn="ctr">
-                      <a:solidFill>
-                        <a:schemeClr val="tx1"/>
-                      </a:solidFill>
-                      <a:prstDash val="solid"/>
-                      <a:round/>
-                      <a:headEnd type="none" w="med" len="med"/>
-                      <a:tailEnd type="none" w="med" len="med"/>
-                    </a:lnR>
-                    <a:lnT w="12700" cap="flat" cmpd="sng" algn="ctr">
-                      <a:solidFill>
-                        <a:schemeClr val="tx1"/>
-                      </a:solidFill>
-                      <a:prstDash val="solid"/>
-                      <a:round/>
-                      <a:headEnd type="none" w="med" len="med"/>
-                      <a:tailEnd type="none" w="med" len="med"/>
-                    </a:lnT>
-                    <a:lnB w="12700" cap="flat" cmpd="sng" algn="ctr">
-                      <a:solidFill>
-                        <a:schemeClr val="tx1"/>
-                      </a:solidFill>
-                      <a:prstDash val="solid"/>
-                      <a:round/>
-                      <a:headEnd type="none" w="med" len="med"/>
-                      <a:tailEnd type="none" w="med" len="med"/>
-                    </a:lnB>
-                    <a:lnTlToBr w="12700" cmpd="sng">
-                      <a:noFill/>
-                      <a:prstDash val="solid"/>
-                    </a:lnTlToBr>
-                    <a:lnBlToTr w="12700" cmpd="sng">
-                      <a:noFill/>
-                      <a:prstDash val="solid"/>
-                    </a:lnBlToTr>
-                  </a:tcPr>
-                </a:tc>
-                <a:tc>
-                  <a:txBody>
-                    <a:bodyPr/>
-                    <a:lstStyle/>
-                    <a:p>
-                      <a:r>
-                        <a:rPr lang="en-US" dirty="0" smtClean="0"/>
-                        <a:t>0</a:t>
-                      </a:r>
-                      <a:endParaRPr lang="en-US" dirty="0"/>
-                    </a:p>
-                  </a:txBody>
-                  <a:tcPr marL="109728" marR="109728">
-                    <a:lnL w="12700" cap="flat" cmpd="sng" algn="ctr">
-                      <a:solidFill>
-                        <a:schemeClr val="tx1"/>
-                      </a:solidFill>
-                      <a:prstDash val="solid"/>
-                      <a:round/>
-                      <a:headEnd type="none" w="med" len="med"/>
-                      <a:tailEnd type="none" w="med" len="med"/>
-                    </a:lnL>
-                    <a:lnR w="12700" cap="flat" cmpd="sng" algn="ctr">
-                      <a:solidFill>
-                        <a:schemeClr val="tx1"/>
-                      </a:solidFill>
-                      <a:prstDash val="solid"/>
-                      <a:round/>
-                      <a:headEnd type="none" w="med" len="med"/>
-                      <a:tailEnd type="none" w="med" len="med"/>
-                    </a:lnR>
-                    <a:lnT w="12700" cap="flat" cmpd="sng" algn="ctr">
-                      <a:solidFill>
-                        <a:schemeClr val="tx1"/>
-                      </a:solidFill>
-                      <a:prstDash val="solid"/>
-                      <a:round/>
-                      <a:headEnd type="none" w="med" len="med"/>
-                      <a:tailEnd type="none" w="med" len="med"/>
-                    </a:lnT>
-                    <a:lnB w="12700" cap="flat" cmpd="sng" algn="ctr">
-                      <a:solidFill>
-                        <a:schemeClr val="tx1"/>
-                      </a:solidFill>
-                      <a:prstDash val="solid"/>
-                      <a:round/>
-                      <a:headEnd type="none" w="med" len="med"/>
-                      <a:tailEnd type="none" w="med" len="med"/>
-                    </a:lnB>
-                    <a:lnTlToBr w="12700" cmpd="sng">
-                      <a:noFill/>
-                      <a:prstDash val="solid"/>
-                    </a:lnTlToBr>
-                    <a:lnBlToTr w="12700" cmpd="sng">
-                      <a:noFill/>
-                      <a:prstDash val="solid"/>
-                    </a:lnBlToTr>
-                  </a:tcPr>
-                </a:tc>
-                <a:tc>
-                  <a:txBody>
-                    <a:bodyPr/>
-                    <a:lstStyle/>
-                    <a:p>
-                      <a:r>
-                        <a:rPr lang="en-US" dirty="0" smtClean="0"/>
-                        <a:t>1</a:t>
-                      </a:r>
-                      <a:endParaRPr lang="en-US" dirty="0"/>
-                    </a:p>
-                  </a:txBody>
-                  <a:tcPr marL="109728" marR="109728">
-                    <a:lnL w="12700" cap="flat" cmpd="sng" algn="ctr">
-                      <a:solidFill>
-                        <a:schemeClr val="tx1"/>
-                      </a:solidFill>
-                      <a:prstDash val="solid"/>
-                      <a:round/>
-                      <a:headEnd type="none" w="med" len="med"/>
-                      <a:tailEnd type="none" w="med" len="med"/>
-                    </a:lnL>
-                    <a:lnR w="12700" cap="flat" cmpd="sng" algn="ctr">
-                      <a:solidFill>
-                        <a:schemeClr val="tx1"/>
-                      </a:solidFill>
-                      <a:prstDash val="solid"/>
-                      <a:round/>
-                      <a:headEnd type="none" w="med" len="med"/>
-                      <a:tailEnd type="none" w="med" len="med"/>
-                    </a:lnR>
-                    <a:lnT w="12700" cap="flat" cmpd="sng" algn="ctr">
-                      <a:solidFill>
-                        <a:schemeClr val="tx1"/>
-                      </a:solidFill>
-                      <a:prstDash val="solid"/>
-                      <a:round/>
-                      <a:headEnd type="none" w="med" len="med"/>
-                      <a:tailEnd type="none" w="med" len="med"/>
-                    </a:lnT>
-                    <a:lnB w="12700" cap="flat" cmpd="sng" algn="ctr">
-                      <a:solidFill>
-                        <a:schemeClr val="tx1"/>
-                      </a:solidFill>
-                      <a:prstDash val="solid"/>
-                      <a:round/>
-                      <a:headEnd type="none" w="med" len="med"/>
-                      <a:tailEnd type="none" w="med" len="med"/>
-                    </a:lnB>
-                    <a:lnTlToBr w="12700" cmpd="sng">
-                      <a:noFill/>
-                      <a:prstDash val="solid"/>
-                    </a:lnTlToBr>
-                    <a:lnBlToTr w="12700" cmpd="sng">
-                      <a:noFill/>
-                      <a:prstDash val="solid"/>
-                    </a:lnBlToTr>
-                  </a:tcPr>
-                </a:tc>
-                <a:tc>
-                  <a:txBody>
-                    <a:bodyPr/>
-                    <a:lstStyle/>
-                    <a:p>
-                      <a:r>
-                        <a:rPr lang="en-US" dirty="0" smtClean="0"/>
-                        <a:t>0</a:t>
-                      </a:r>
-                      <a:endParaRPr lang="en-US" dirty="0"/>
-                    </a:p>
-                  </a:txBody>
-                  <a:tcPr marL="109728" marR="109728">
-                    <a:lnL w="12700" cap="flat" cmpd="sng" algn="ctr">
-                      <a:solidFill>
-                        <a:schemeClr val="tx1"/>
-                      </a:solidFill>
-                      <a:prstDash val="solid"/>
-                      <a:round/>
-                      <a:headEnd type="none" w="med" len="med"/>
-                      <a:tailEnd type="none" w="med" len="med"/>
-                    </a:lnL>
-                    <a:lnR w="12700" cap="flat" cmpd="sng" algn="ctr">
-                      <a:solidFill>
-                        <a:schemeClr val="tx1"/>
-                      </a:solidFill>
-                      <a:prstDash val="solid"/>
-                      <a:round/>
-                      <a:headEnd type="none" w="med" len="med"/>
-                      <a:tailEnd type="none" w="med" len="med"/>
-                    </a:lnR>
-                    <a:lnT w="12700" cap="flat" cmpd="sng" algn="ctr">
-                      <a:solidFill>
-                        <a:schemeClr val="tx1"/>
-                      </a:solidFill>
-                      <a:prstDash val="solid"/>
-                      <a:round/>
-                      <a:headEnd type="none" w="med" len="med"/>
-                      <a:tailEnd type="none" w="med" len="med"/>
-                    </a:lnT>
-                    <a:lnB w="12700" cap="flat" cmpd="sng" algn="ctr">
-                      <a:solidFill>
-                        <a:schemeClr val="tx1"/>
-                      </a:solidFill>
-                      <a:prstDash val="solid"/>
-                      <a:round/>
-                      <a:headEnd type="none" w="med" len="med"/>
-                      <a:tailEnd type="none" w="med" len="med"/>
-                    </a:lnB>
-                    <a:lnTlToBr w="12700" cmpd="sng">
-                      <a:noFill/>
-                      <a:prstDash val="solid"/>
-                    </a:lnTlToBr>
-                    <a:lnBlToTr w="12700" cmpd="sng">
-                      <a:noFill/>
-                      <a:prstDash val="solid"/>
-                    </a:lnBlToTr>
-                  </a:tcPr>
-                </a:tc>
-                <a:tc>
-                  <a:txBody>
-                    <a:bodyPr/>
-                    <a:lstStyle/>
-                    <a:p>
-                      <a:r>
-                        <a:rPr lang="en-US" dirty="0" smtClean="0"/>
-                        <a:t>0</a:t>
-                      </a:r>
-                      <a:endParaRPr lang="en-US" dirty="0"/>
-                    </a:p>
-                  </a:txBody>
-                  <a:tcPr marL="109728" marR="109728">
-                    <a:lnL w="12700" cap="flat" cmpd="sng" algn="ctr">
-                      <a:solidFill>
-                        <a:schemeClr val="tx1"/>
-                      </a:solidFill>
-                      <a:prstDash val="solid"/>
-                      <a:round/>
-                      <a:headEnd type="none" w="med" len="med"/>
-                      <a:tailEnd type="none" w="med" len="med"/>
-                    </a:lnL>
-                    <a:lnR w="12700" cap="flat" cmpd="sng" algn="ctr">
-                      <a:solidFill>
-                        <a:schemeClr val="tx1"/>
-                      </a:solidFill>
-                      <a:prstDash val="solid"/>
-                      <a:round/>
-                      <a:headEnd type="none" w="med" len="med"/>
-                      <a:tailEnd type="none" w="med" len="med"/>
-                    </a:lnR>
-                    <a:lnT w="12700" cap="flat" cmpd="sng" algn="ctr">
-                      <a:solidFill>
-                        <a:schemeClr val="tx1"/>
-                      </a:solidFill>
-                      <a:prstDash val="solid"/>
-                      <a:round/>
-                      <a:headEnd type="none" w="med" len="med"/>
-                      <a:tailEnd type="none" w="med" len="med"/>
-                    </a:lnT>
-                    <a:lnB w="12700" cap="flat" cmpd="sng" algn="ctr">
-                      <a:solidFill>
-                        <a:schemeClr val="tx1"/>
-                      </a:solidFill>
-                      <a:prstDash val="solid"/>
-                      <a:round/>
-                      <a:headEnd type="none" w="med" len="med"/>
-                      <a:tailEnd type="none" w="med" len="med"/>
-                    </a:lnB>
-                    <a:lnTlToBr w="12700" cmpd="sng">
-                      <a:noFill/>
-                      <a:prstDash val="solid"/>
-                    </a:lnTlToBr>
-                    <a:lnBlToTr w="12700" cmpd="sng">
-                      <a:noFill/>
-                      <a:prstDash val="solid"/>
-                    </a:lnBlToTr>
-                  </a:tcPr>
-                </a:tc>
-                <a:tc>
-                  <a:txBody>
-                    <a:bodyPr/>
-                    <a:lstStyle/>
-                    <a:p>
-                      <a:endParaRPr lang="en-US" dirty="0"/>
-                    </a:p>
-                  </a:txBody>
-                  <a:tcPr marL="109728" marR="109728">
-                    <a:lnL w="12700" cap="flat" cmpd="sng" algn="ctr">
-                      <a:solidFill>
-                        <a:schemeClr val="tx1"/>
-                      </a:solidFill>
-                      <a:prstDash val="solid"/>
-                      <a:round/>
-                      <a:headEnd type="none" w="med" len="med"/>
-                      <a:tailEnd type="none" w="med" len="med"/>
-                    </a:lnL>
-                    <a:lnR w="12700" cap="flat" cmpd="sng" algn="ctr">
-                      <a:solidFill>
-                        <a:schemeClr val="tx1"/>
-                      </a:solidFill>
-                      <a:prstDash val="solid"/>
-                      <a:round/>
-                      <a:headEnd type="none" w="med" len="med"/>
-                      <a:tailEnd type="none" w="med" len="med"/>
-                    </a:lnR>
-                    <a:lnT w="12700" cap="flat" cmpd="sng" algn="ctr">
-                      <a:solidFill>
-                        <a:schemeClr val="tx1"/>
-                      </a:solidFill>
-                      <a:prstDash val="solid"/>
-                      <a:round/>
-                      <a:headEnd type="none" w="med" len="med"/>
-                      <a:tailEnd type="none" w="med" len="med"/>
-                    </a:lnT>
-                    <a:lnB w="12700" cap="flat" cmpd="sng" algn="ctr">
-                      <a:solidFill>
-                        <a:schemeClr val="tx1"/>
-                      </a:solidFill>
-                      <a:prstDash val="solid"/>
-                      <a:round/>
-                      <a:headEnd type="none" w="med" len="med"/>
-                      <a:tailEnd type="none" w="med" len="med"/>
-                    </a:lnB>
-                    <a:lnTlToBr w="12700" cmpd="sng">
-                      <a:noFill/>
-                      <a:prstDash val="solid"/>
-                    </a:lnTlToBr>
-                    <a:lnBlToTr w="12700" cmpd="sng">
-                      <a:noFill/>
-                      <a:prstDash val="solid"/>
-                    </a:lnBlToTr>
-                  </a:tcPr>
-                </a:tc>
-                <a:tc>
-                  <a:txBody>
-                    <a:bodyPr/>
-                    <a:lstStyle/>
-                    <a:p>
-                      <a:r>
-                        <a:rPr lang="en-US" dirty="0" smtClean="0"/>
-                        <a:t>1</a:t>
-                      </a:r>
-                      <a:endParaRPr lang="en-US" dirty="0"/>
-                    </a:p>
-                  </a:txBody>
-                  <a:tcPr marL="109728" marR="109728">
-                    <a:lnL w="12700" cap="flat" cmpd="sng" algn="ctr">
-                      <a:solidFill>
-                        <a:schemeClr val="tx1"/>
-                      </a:solidFill>
-                      <a:prstDash val="solid"/>
-                      <a:round/>
-                      <a:headEnd type="none" w="med" len="med"/>
-                      <a:tailEnd type="none" w="med" len="med"/>
-                    </a:lnL>
-                    <a:lnR w="12700" cap="flat" cmpd="sng" algn="ctr">
-                      <a:solidFill>
-                        <a:schemeClr val="tx1"/>
-                      </a:solidFill>
-                      <a:prstDash val="solid"/>
-                      <a:round/>
-                      <a:headEnd type="none" w="med" len="med"/>
-                      <a:tailEnd type="none" w="med" len="med"/>
-                    </a:lnR>
-                    <a:lnT w="12700" cap="flat" cmpd="sng" algn="ctr">
-                      <a:solidFill>
-                        <a:schemeClr val="tx1"/>
-                      </a:solidFill>
-                      <a:prstDash val="solid"/>
-                      <a:round/>
-                      <a:headEnd type="none" w="med" len="med"/>
-                      <a:tailEnd type="none" w="med" len="med"/>
-                    </a:lnT>
-                    <a:lnB w="12700" cap="flat" cmpd="sng" algn="ctr">
-                      <a:solidFill>
-                        <a:schemeClr val="tx1"/>
-                      </a:solidFill>
-                      <a:prstDash val="solid"/>
-                      <a:round/>
-                      <a:headEnd type="none" w="med" len="med"/>
-                      <a:tailEnd type="none" w="med" len="med"/>
-                    </a:lnB>
-                    <a:lnTlToBr w="12700" cmpd="sng">
-                      <a:noFill/>
-                      <a:prstDash val="solid"/>
-                    </a:lnTlToBr>
-                    <a:lnBlToTr w="12700" cmpd="sng">
-                      <a:noFill/>
-                      <a:prstDash val="solid"/>
-                    </a:lnBlToTr>
-                  </a:tcPr>
-                </a:tc>
-              </a:tr>
-              <a:tr h="370840">
-                <a:tc>
-                  <a:txBody>
-                    <a:bodyPr/>
-                    <a:lstStyle/>
-                    <a:p>
-                      <a:r>
-                        <a:rPr lang="en-US" dirty="0" smtClean="0"/>
-                        <a:t>Backup</a:t>
-                      </a:r>
-                      <a:endParaRPr lang="en-US" dirty="0"/>
-                    </a:p>
-                  </a:txBody>
-                  <a:tcPr marL="109728" marR="109728">
-                    <a:lnL w="12700" cmpd="sng">
-                      <a:noFill/>
-                    </a:lnL>
-                    <a:lnR w="12700" cap="flat" cmpd="sng" algn="ctr">
-                      <a:solidFill>
-                        <a:schemeClr val="tx1"/>
-                      </a:solidFill>
-                      <a:prstDash val="solid"/>
-                      <a:round/>
-                      <a:headEnd type="none" w="med" len="med"/>
-                      <a:tailEnd type="none" w="med" len="med"/>
-                    </a:lnR>
-                    <a:lnT w="12700" cmpd="sng">
-                      <a:noFill/>
-                    </a:lnT>
-                    <a:lnB w="12700" cmpd="sng">
-                      <a:noFill/>
-                    </a:lnB>
-                    <a:lnTlToBr w="12700" cmpd="sng">
-                      <a:noFill/>
-                      <a:prstDash val="solid"/>
-                    </a:lnTlToBr>
-                    <a:lnBlToTr w="12700" cmpd="sng">
-                      <a:noFill/>
-                      <a:prstDash val="solid"/>
-                    </a:lnBlToTr>
-                  </a:tcPr>
-                </a:tc>
-                <a:tc>
-                  <a:txBody>
-                    <a:bodyPr/>
-                    <a:lstStyle/>
-                    <a:p>
-                      <a:r>
-                        <a:rPr lang="en-US" dirty="0" smtClean="0"/>
-                        <a:t>1</a:t>
-                      </a:r>
-                      <a:endParaRPr lang="en-US" dirty="0"/>
-                    </a:p>
-                  </a:txBody>
-                  <a:tcPr marL="109728" marR="109728">
-                    <a:lnL w="12700" cap="flat" cmpd="sng" algn="ctr">
-                      <a:solidFill>
-                        <a:schemeClr val="tx1"/>
-                      </a:solidFill>
-                      <a:prstDash val="solid"/>
-                      <a:round/>
-                      <a:headEnd type="none" w="med" len="med"/>
-                      <a:tailEnd type="none" w="med" len="med"/>
-                    </a:lnL>
-                    <a:lnT w="12700" cap="flat" cmpd="sng" algn="ctr">
-                      <a:solidFill>
-                        <a:schemeClr val="tx1"/>
-                      </a:solidFill>
-                      <a:prstDash val="solid"/>
-                      <a:round/>
-                      <a:headEnd type="none" w="med" len="med"/>
-                      <a:tailEnd type="none" w="med" len="med"/>
-                    </a:lnT>
-                  </a:tcPr>
-                </a:tc>
-                <a:tc>
-                  <a:txBody>
-                    <a:bodyPr/>
-                    <a:lstStyle/>
-                    <a:p>
-                      <a:r>
-                        <a:rPr lang="en-US" dirty="0" smtClean="0"/>
-                        <a:t>1</a:t>
-                      </a:r>
-                      <a:endParaRPr lang="en-US" dirty="0"/>
-                    </a:p>
-                  </a:txBody>
-                  <a:tcPr marL="109728" marR="109728">
-                    <a:lnT w="12700" cap="flat" cmpd="sng" algn="ctr">
-                      <a:solidFill>
-                        <a:schemeClr val="tx1"/>
-                      </a:solidFill>
-                      <a:prstDash val="solid"/>
-                      <a:round/>
-                      <a:headEnd type="none" w="med" len="med"/>
-                      <a:tailEnd type="none" w="med" len="med"/>
-                    </a:lnT>
-                  </a:tcPr>
-                </a:tc>
-                <a:tc>
-                  <a:txBody>
-                    <a:bodyPr/>
-                    <a:lstStyle/>
-                    <a:p>
-                      <a:r>
-                        <a:rPr lang="en-US" dirty="0" smtClean="0"/>
-                        <a:t>0</a:t>
-                      </a:r>
-                      <a:endParaRPr lang="en-US" dirty="0"/>
-                    </a:p>
-                  </a:txBody>
-                  <a:tcPr marL="109728" marR="109728">
-                    <a:lnT w="12700" cap="flat" cmpd="sng" algn="ctr">
-                      <a:solidFill>
-                        <a:schemeClr val="tx1"/>
-                      </a:solidFill>
-                      <a:prstDash val="solid"/>
-                      <a:round/>
-                      <a:headEnd type="none" w="med" len="med"/>
-                      <a:tailEnd type="none" w="med" len="med"/>
-                    </a:lnT>
-                  </a:tcPr>
-                </a:tc>
-                <a:tc>
-                  <a:txBody>
-                    <a:bodyPr/>
-                    <a:lstStyle/>
-                    <a:p>
-                      <a:r>
-                        <a:rPr lang="en-US" dirty="0" smtClean="0"/>
-                        <a:t>0</a:t>
-                      </a:r>
-                      <a:endParaRPr lang="en-US" dirty="0"/>
-                    </a:p>
-                  </a:txBody>
-                  <a:tcPr marL="109728" marR="109728">
-                    <a:lnT w="12700" cap="flat" cmpd="sng" algn="ctr">
-                      <a:solidFill>
-                        <a:schemeClr val="tx1"/>
-                      </a:solidFill>
-                      <a:prstDash val="solid"/>
-                      <a:round/>
-                      <a:headEnd type="none" w="med" len="med"/>
-                      <a:tailEnd type="none" w="med" len="med"/>
-                    </a:lnT>
-                  </a:tcPr>
-                </a:tc>
-                <a:tc>
-                  <a:txBody>
-                    <a:bodyPr/>
-                    <a:lstStyle/>
-                    <a:p>
-                      <a:r>
-                        <a:rPr lang="en-US" dirty="0" smtClean="0"/>
-                        <a:t>1</a:t>
-                      </a:r>
-                      <a:endParaRPr lang="en-US" dirty="0"/>
-                    </a:p>
-                  </a:txBody>
-                  <a:tcPr marL="109728" marR="109728">
-                    <a:lnT w="12700" cap="flat" cmpd="sng" algn="ctr">
-                      <a:solidFill>
-                        <a:schemeClr val="tx1"/>
-                      </a:solidFill>
-                      <a:prstDash val="solid"/>
-                      <a:round/>
-                      <a:headEnd type="none" w="med" len="med"/>
-                      <a:tailEnd type="none" w="med" len="med"/>
-                    </a:lnT>
-                  </a:tcPr>
-                </a:tc>
-                <a:tc>
-                  <a:txBody>
-                    <a:bodyPr/>
-                    <a:lstStyle/>
-                    <a:p>
-                      <a:r>
-                        <a:rPr lang="en-US" dirty="0" smtClean="0"/>
-                        <a:t>1</a:t>
-                      </a:r>
-                      <a:endParaRPr lang="en-US" dirty="0"/>
-                    </a:p>
-                  </a:txBody>
-                  <a:tcPr marL="109728" marR="109728">
-                    <a:lnT w="12700" cap="flat" cmpd="sng" algn="ctr">
-                      <a:solidFill>
-                        <a:schemeClr val="tx1"/>
-                      </a:solidFill>
-                      <a:prstDash val="solid"/>
-                      <a:round/>
-                      <a:headEnd type="none" w="med" len="med"/>
-                      <a:tailEnd type="none" w="med" len="med"/>
-                    </a:lnT>
-                  </a:tcPr>
-                </a:tc>
-                <a:tc>
-                  <a:txBody>
-                    <a:bodyPr/>
-                    <a:lstStyle/>
-                    <a:p>
-                      <a:r>
-                        <a:rPr lang="en-US" dirty="0" smtClean="0"/>
-                        <a:t>1</a:t>
-                      </a:r>
-                      <a:endParaRPr lang="en-US" dirty="0"/>
-                    </a:p>
-                  </a:txBody>
-                  <a:tcPr marL="109728" marR="109728">
-                    <a:lnT w="12700" cap="flat" cmpd="sng" algn="ctr">
-                      <a:solidFill>
-                        <a:schemeClr val="tx1"/>
-                      </a:solidFill>
-                      <a:prstDash val="solid"/>
-                      <a:round/>
-                      <a:headEnd type="none" w="med" len="med"/>
-                      <a:tailEnd type="none" w="med" len="med"/>
-                    </a:lnT>
-                  </a:tcPr>
-                </a:tc>
-                <a:tc>
-                  <a:txBody>
-                    <a:bodyPr/>
-                    <a:lstStyle/>
-                    <a:p>
-                      <a:endParaRPr lang="en-US" dirty="0"/>
-                    </a:p>
-                  </a:txBody>
-                  <a:tcPr marL="109728" marR="109728">
-                    <a:lnT w="12700" cap="flat" cmpd="sng" algn="ctr">
-                      <a:solidFill>
-                        <a:schemeClr val="tx1"/>
-                      </a:solidFill>
-                      <a:prstDash val="solid"/>
-                      <a:round/>
-                      <a:headEnd type="none" w="med" len="med"/>
-                      <a:tailEnd type="none" w="med" len="med"/>
-                    </a:lnT>
-                  </a:tcPr>
-                </a:tc>
-                <a:tc>
-                  <a:txBody>
-                    <a:bodyPr/>
-                    <a:lstStyle/>
-                    <a:p>
-                      <a:r>
-                        <a:rPr lang="en-US" dirty="0" smtClean="0"/>
-                        <a:t>0</a:t>
-                      </a:r>
-                      <a:endParaRPr lang="en-US" dirty="0"/>
-                    </a:p>
-                  </a:txBody>
-                  <a:tcPr marL="109728" marR="109728">
-                    <a:lnT w="12700" cap="flat" cmpd="sng" algn="ctr">
-                      <a:solidFill>
-                        <a:schemeClr val="tx1"/>
-                      </a:solidFill>
-                      <a:prstDash val="solid"/>
-                      <a:round/>
-                      <a:headEnd type="none" w="med" len="med"/>
-                      <a:tailEnd type="none" w="med" len="med"/>
-                    </a:lnT>
-                  </a:tcPr>
-                </a:tc>
-              </a:tr>
-            </a:tbl>
-          </a:graphicData>
-        </a:graphic>
-      </p:graphicFrame>
-    </p:spTree>
-    <p:extLst>
-      <p:ext uri="{BB962C8B-B14F-4D97-AF65-F5344CB8AC3E}">
-        <p14:creationId xmlns:p14="http://schemas.microsoft.com/office/powerpoint/2010/main" val="1836120678"/>
-      </p:ext>
-    </p:extLst>
-  </p:cSld>
-  <p:clrMapOvr>
-    <a:masterClrMapping/>
-  </p:clrMapOvr>
-  <p:timing>
-    <p:tnLst>
-      <p:par>
-        <p:cTn id="1" dur="indefinite" restart="never" nodeType="tmRoot"/>
-      </p:par>
-    </p:tnLst>
-  </p:timing>
-</p:sld>
-</file>
-
-<file path=ppt/slides/slide24.xml><?xml version="1.0" encoding="utf-8"?>
-<p:sld xmlns:a="http://schemas.openxmlformats.org/drawingml/2006/main" xmlns:r="http://schemas.openxmlformats.org/officeDocument/2006/relationships" xmlns:p="http://schemas.openxmlformats.org/presentationml/2006/main">
-  <p:cSld>
-    <p:spTree>
-      <p:nvGrpSpPr>
-        <p:cNvPr id="1" name=""/>
-        <p:cNvGrpSpPr/>
-        <p:nvPr/>
-      </p:nvGrpSpPr>
-      <p:grpSpPr>
-        <a:xfrm>
-          <a:off x="0" y="0"/>
-          <a:ext cx="0" cy="0"/>
-          <a:chOff x="0" y="0"/>
-          <a:chExt cx="0" cy="0"/>
-        </a:xfrm>
-      </p:grpSpPr>
-      <p:sp>
-        <p:nvSpPr>
-          <p:cNvPr id="7" name="Title 6"/>
-          <p:cNvSpPr>
-            <a:spLocks noGrp="1"/>
-          </p:cNvSpPr>
-          <p:nvPr>
-            <p:ph type="title"/>
-          </p:nvPr>
-        </p:nvSpPr>
-        <p:spPr/>
-        <p:txBody>
-          <a:bodyPr/>
-          <a:lstStyle/>
-          <a:p>
-            <a:r>
-              <a:rPr lang="en-US" b="0" dirty="0" smtClean="0"/>
-              <a:t>3. HÀM THÍCH NGHI</a:t>
+              <a:t>. HÀM THÍCH NGHI</a:t>
             </a:r>
             <a:endParaRPr lang="en-US" b="0" dirty="0"/>
           </a:p>
@@ -18222,7 +13187,7 @@
           <a:p>
             <a:fld id="{E3E2306C-E34F-4492-8C03-BFD178B0B86F}" type="datetime1">
               <a:rPr lang="en-US" smtClean="0"/>
-              <a:t>4/7/2012</a:t>
+              <a:t>4/10/2012</a:t>
             </a:fld>
             <a:endParaRPr lang="en-US"/>
           </a:p>
@@ -18268,7 +13233,7 @@
           <a:p>
             <a:fld id="{77147098-D884-47A8-A2F8-2A4EFCDC3B56}" type="slidenum">
               <a:rPr lang="en-US" smtClean="0"/>
-              <a:t>24</a:t>
+              <a:t>21</a:t>
             </a:fld>
             <a:endParaRPr lang="en-US"/>
           </a:p>
@@ -18904,7 +13869,2459 @@
     </p:spTree>
     <p:extLst>
       <p:ext uri="{BB962C8B-B14F-4D97-AF65-F5344CB8AC3E}">
-        <p14:creationId xmlns:p14="http://schemas.microsoft.com/office/powerpoint/2010/main" val="1754683159"/>
+        <p14:creationId xmlns:p14="http://schemas.microsoft.com/office/powerpoint/2010/main" val="945441553"/>
+      </p:ext>
+    </p:extLst>
+  </p:cSld>
+  <p:clrMapOvr>
+    <a:masterClrMapping/>
+  </p:clrMapOvr>
+  <p:timing>
+    <p:tnLst>
+      <p:par>
+        <p:cTn id="1" dur="indefinite" restart="never" nodeType="tmRoot"/>
+      </p:par>
+    </p:tnLst>
+  </p:timing>
+</p:sld>
+</file>
+
+<file path=ppt/slides/slide22.xml><?xml version="1.0" encoding="utf-8"?>
+<p:sld xmlns:a="http://schemas.openxmlformats.org/drawingml/2006/main" xmlns:r="http://schemas.openxmlformats.org/officeDocument/2006/relationships" xmlns:p="http://schemas.openxmlformats.org/presentationml/2006/main">
+  <p:cSld>
+    <p:spTree>
+      <p:nvGrpSpPr>
+        <p:cNvPr id="1" name=""/>
+        <p:cNvGrpSpPr/>
+        <p:nvPr/>
+      </p:nvGrpSpPr>
+      <p:grpSpPr>
+        <a:xfrm>
+          <a:off x="0" y="0"/>
+          <a:ext cx="0" cy="0"/>
+          <a:chOff x="0" y="0"/>
+          <a:chExt cx="0" cy="0"/>
+        </a:xfrm>
+      </p:grpSpPr>
+      <p:sp>
+        <p:nvSpPr>
+          <p:cNvPr id="7" name="Title 6"/>
+          <p:cNvSpPr>
+            <a:spLocks noGrp="1"/>
+          </p:cNvSpPr>
+          <p:nvPr>
+            <p:ph type="title"/>
+          </p:nvPr>
+        </p:nvSpPr>
+        <p:spPr/>
+        <p:txBody>
+          <a:bodyPr/>
+          <a:lstStyle/>
+          <a:p>
+            <a:r>
+              <a:rPr lang="en-US" b="0" dirty="0"/>
+              <a:t>3</a:t>
+            </a:r>
+            <a:r>
+              <a:rPr lang="en-US" b="0" dirty="0" smtClean="0"/>
+              <a:t>. KHỞI TẠO QUẦN THỂ</a:t>
+            </a:r>
+            <a:endParaRPr lang="en-US" b="0" dirty="0"/>
+          </a:p>
+        </p:txBody>
+      </p:sp>
+      <p:sp>
+        <p:nvSpPr>
+          <p:cNvPr id="8" name="Content Placeholder 7"/>
+          <p:cNvSpPr>
+            <a:spLocks noGrp="1"/>
+          </p:cNvSpPr>
+          <p:nvPr>
+            <p:ph idx="1"/>
+          </p:nvPr>
+        </p:nvSpPr>
+        <p:spPr>
+          <a:xfrm>
+            <a:off x="457200" y="1600201"/>
+            <a:ext cx="3352800" cy="3809999"/>
+          </a:xfrm>
+        </p:spPr>
+        <p:txBody>
+          <a:bodyPr>
+            <a:normAutofit fontScale="92500" lnSpcReduction="10000"/>
+          </a:bodyPr>
+          <a:lstStyle/>
+          <a:p>
+            <a:r>
+              <a:rPr lang="en-US" dirty="0" err="1" smtClean="0"/>
+              <a:t>Mỗi</a:t>
+            </a:r>
+            <a:r>
+              <a:rPr lang="en-US" dirty="0" smtClean="0"/>
+              <a:t> router paths </a:t>
+            </a:r>
+            <a:r>
+              <a:rPr lang="en-US" dirty="0" err="1" smtClean="0"/>
+              <a:t>sẽ</a:t>
+            </a:r>
+            <a:r>
+              <a:rPr lang="en-US" dirty="0" smtClean="0"/>
+              <a:t> </a:t>
+            </a:r>
+            <a:r>
+              <a:rPr lang="en-US" dirty="0" err="1" smtClean="0"/>
+              <a:t>tương</a:t>
+            </a:r>
+            <a:r>
+              <a:rPr lang="en-US" dirty="0" smtClean="0"/>
+              <a:t> </a:t>
+            </a:r>
+            <a:r>
+              <a:rPr lang="en-US" dirty="0" err="1" smtClean="0"/>
+              <a:t>ứng</a:t>
+            </a:r>
+            <a:r>
+              <a:rPr lang="en-US" dirty="0" smtClean="0"/>
+              <a:t> 1 </a:t>
+            </a:r>
+            <a:r>
+              <a:rPr lang="en-US" dirty="0" err="1" smtClean="0"/>
+              <a:t>tập</a:t>
+            </a:r>
+            <a:r>
+              <a:rPr lang="en-US" dirty="0" smtClean="0"/>
+              <a:t> physical link</a:t>
+            </a:r>
+          </a:p>
+          <a:p>
+            <a:r>
+              <a:rPr lang="en-US" dirty="0" err="1" smtClean="0"/>
+              <a:t>Chọn</a:t>
+            </a:r>
+            <a:r>
+              <a:rPr lang="en-US" dirty="0" smtClean="0"/>
+              <a:t> L1 </a:t>
+            </a:r>
+            <a:r>
+              <a:rPr lang="en-US" dirty="0" err="1" smtClean="0"/>
+              <a:t>là</a:t>
+            </a:r>
+            <a:r>
+              <a:rPr lang="en-US" dirty="0" smtClean="0"/>
+              <a:t> </a:t>
+            </a:r>
+            <a:r>
+              <a:rPr lang="en-US" dirty="0" err="1" smtClean="0"/>
+              <a:t>đường</a:t>
+            </a:r>
+            <a:r>
+              <a:rPr lang="en-US" dirty="0" smtClean="0"/>
+              <a:t> </a:t>
+            </a:r>
+            <a:r>
+              <a:rPr lang="en-US" dirty="0" err="1" smtClean="0"/>
+              <a:t>đi</a:t>
+            </a:r>
+            <a:r>
+              <a:rPr lang="en-US" dirty="0" smtClean="0"/>
+              <a:t> working, L2 </a:t>
+            </a:r>
+            <a:r>
+              <a:rPr lang="en-US" dirty="0" err="1" smtClean="0"/>
+              <a:t>là</a:t>
+            </a:r>
+            <a:r>
+              <a:rPr lang="en-US" dirty="0" smtClean="0"/>
+              <a:t> </a:t>
+            </a:r>
+            <a:r>
+              <a:rPr lang="en-US" dirty="0" err="1" smtClean="0"/>
+              <a:t>đường</a:t>
+            </a:r>
+            <a:r>
+              <a:rPr lang="en-US" dirty="0" smtClean="0"/>
+              <a:t> </a:t>
+            </a:r>
+            <a:r>
+              <a:rPr lang="en-US" dirty="0" err="1" smtClean="0"/>
+              <a:t>đi</a:t>
+            </a:r>
+            <a:r>
+              <a:rPr lang="en-US" dirty="0" smtClean="0"/>
+              <a:t> backup.</a:t>
+            </a:r>
+          </a:p>
+          <a:p>
+            <a:r>
+              <a:rPr lang="en-US" dirty="0" smtClean="0"/>
+              <a:t>L1, L2 </a:t>
+            </a:r>
+            <a:r>
+              <a:rPr lang="en-US" dirty="0" err="1" smtClean="0"/>
+              <a:t>tương</a:t>
+            </a:r>
+            <a:r>
+              <a:rPr lang="en-US" dirty="0" smtClean="0"/>
+              <a:t> </a:t>
+            </a:r>
+            <a:r>
+              <a:rPr lang="en-US" dirty="0" err="1" smtClean="0"/>
+              <a:t>ứng</a:t>
+            </a:r>
+            <a:r>
+              <a:rPr lang="en-US" dirty="0" smtClean="0"/>
+              <a:t> 1 </a:t>
+            </a:r>
+            <a:r>
+              <a:rPr lang="en-US" dirty="0" err="1" smtClean="0"/>
+              <a:t>tập</a:t>
+            </a:r>
+            <a:r>
+              <a:rPr lang="en-US" dirty="0" smtClean="0"/>
+              <a:t> physical link : M1, M2 </a:t>
+            </a:r>
+            <a:r>
+              <a:rPr lang="en-US" dirty="0" err="1" smtClean="0"/>
+              <a:t>với</a:t>
+            </a:r>
+            <a:r>
+              <a:rPr lang="en-US" dirty="0" smtClean="0"/>
+              <a:t> M1, M2 </a:t>
+            </a:r>
+            <a:r>
+              <a:rPr lang="en-US" dirty="0" err="1" smtClean="0"/>
+              <a:t>chỉ</a:t>
+            </a:r>
+            <a:r>
+              <a:rPr lang="en-US" dirty="0" smtClean="0"/>
+              <a:t> </a:t>
+            </a:r>
+            <a:r>
+              <a:rPr lang="en-US" dirty="0" err="1" smtClean="0"/>
+              <a:t>có</a:t>
+            </a:r>
+            <a:r>
+              <a:rPr lang="en-US" dirty="0" smtClean="0"/>
+              <a:t> </a:t>
+            </a:r>
+            <a:r>
+              <a:rPr lang="en-US" dirty="0" err="1" smtClean="0"/>
+              <a:t>chung</a:t>
+            </a:r>
+            <a:r>
+              <a:rPr lang="en-US" dirty="0" smtClean="0"/>
+              <a:t> 2 </a:t>
+            </a:r>
+            <a:r>
+              <a:rPr lang="en-US" dirty="0" err="1" smtClean="0"/>
+              <a:t>đỉnh</a:t>
+            </a:r>
+            <a:r>
+              <a:rPr lang="en-US" dirty="0" smtClean="0"/>
+              <a:t> </a:t>
+            </a:r>
+            <a:r>
+              <a:rPr lang="en-US" dirty="0" err="1" smtClean="0"/>
+              <a:t>đầu</a:t>
+            </a:r>
+            <a:r>
+              <a:rPr lang="en-US" dirty="0" smtClean="0"/>
+              <a:t> </a:t>
+            </a:r>
+            <a:r>
+              <a:rPr lang="en-US" dirty="0" err="1" smtClean="0"/>
+              <a:t>và</a:t>
+            </a:r>
+            <a:r>
+              <a:rPr lang="en-US" dirty="0" smtClean="0"/>
+              <a:t> </a:t>
+            </a:r>
+            <a:r>
+              <a:rPr lang="en-US" dirty="0" err="1" smtClean="0"/>
+              <a:t>cuối</a:t>
+            </a:r>
+            <a:r>
+              <a:rPr lang="en-US" dirty="0" smtClean="0"/>
+              <a:t> </a:t>
+            </a:r>
+            <a:r>
+              <a:rPr lang="en-US" dirty="0" err="1" smtClean="0"/>
+              <a:t>của</a:t>
+            </a:r>
+            <a:r>
+              <a:rPr lang="en-US" dirty="0" smtClean="0"/>
+              <a:t> </a:t>
+            </a:r>
+            <a:r>
+              <a:rPr lang="en-US" dirty="0" err="1" smtClean="0"/>
+              <a:t>yêu</a:t>
+            </a:r>
+            <a:r>
+              <a:rPr lang="en-US" dirty="0" smtClean="0"/>
+              <a:t> </a:t>
+            </a:r>
+            <a:r>
+              <a:rPr lang="en-US" dirty="0" err="1" smtClean="0"/>
+              <a:t>cầu</a:t>
+            </a:r>
+            <a:r>
+              <a:rPr lang="en-US" dirty="0" smtClean="0"/>
+              <a:t>.</a:t>
+            </a:r>
+          </a:p>
+          <a:p>
+            <a:pPr lvl="1"/>
+            <a:endParaRPr lang="en-US" dirty="0" smtClean="0"/>
+          </a:p>
+        </p:txBody>
+      </p:sp>
+      <p:sp>
+        <p:nvSpPr>
+          <p:cNvPr id="4" name="Date Placeholder 3"/>
+          <p:cNvSpPr>
+            <a:spLocks noGrp="1"/>
+          </p:cNvSpPr>
+          <p:nvPr>
+            <p:ph type="dt" sz="half" idx="10"/>
+          </p:nvPr>
+        </p:nvSpPr>
+        <p:spPr/>
+        <p:txBody>
+          <a:bodyPr/>
+          <a:lstStyle/>
+          <a:p>
+            <a:fld id="{E3E2306C-E34F-4492-8C03-BFD178B0B86F}" type="datetime1">
+              <a:rPr lang="en-US" smtClean="0"/>
+              <a:t>4/10/2012</a:t>
+            </a:fld>
+            <a:endParaRPr lang="en-US"/>
+          </a:p>
+        </p:txBody>
+      </p:sp>
+      <p:sp>
+        <p:nvSpPr>
+          <p:cNvPr id="5" name="Footer Placeholder 4"/>
+          <p:cNvSpPr>
+            <a:spLocks noGrp="1"/>
+          </p:cNvSpPr>
+          <p:nvPr>
+            <p:ph type="ftr" sz="quarter" idx="11"/>
+          </p:nvPr>
+        </p:nvSpPr>
+        <p:spPr/>
+        <p:txBody>
+          <a:bodyPr/>
+          <a:lstStyle/>
+          <a:p>
+            <a:r>
+              <a:rPr lang="en-US" smtClean="0"/>
+              <a:t>Thiết kế mạng chịu lỗi</a:t>
+            </a:r>
+            <a:endParaRPr lang="en-US" dirty="0"/>
+          </a:p>
+        </p:txBody>
+      </p:sp>
+      <p:sp>
+        <p:nvSpPr>
+          <p:cNvPr id="6" name="Slide Number Placeholder 5"/>
+          <p:cNvSpPr>
+            <a:spLocks noGrp="1"/>
+          </p:cNvSpPr>
+          <p:nvPr>
+            <p:ph type="sldNum" sz="quarter" idx="12"/>
+          </p:nvPr>
+        </p:nvSpPr>
+        <p:spPr/>
+        <p:txBody>
+          <a:bodyPr/>
+          <a:lstStyle/>
+          <a:p>
+            <a:fld id="{77147098-D884-47A8-A2F8-2A4EFCDC3B56}" type="slidenum">
+              <a:rPr lang="en-US" smtClean="0"/>
+              <a:t>22</a:t>
+            </a:fld>
+            <a:endParaRPr lang="en-US"/>
+          </a:p>
+        </p:txBody>
+      </p:sp>
+      <p:pic>
+        <p:nvPicPr>
+          <p:cNvPr id="17" name="Picture 2"/>
+          <p:cNvPicPr>
+            <a:picLocks noChangeAspect="1" noChangeArrowheads="1"/>
+          </p:cNvPicPr>
+          <p:nvPr/>
+        </p:nvPicPr>
+        <p:blipFill>
+          <a:blip r:embed="rId2">
+            <a:extLst>
+              <a:ext uri="{28A0092B-C50C-407E-A947-70E740481C1C}">
+                <a14:useLocalDpi xmlns:a14="http://schemas.microsoft.com/office/drawing/2010/main" val="0"/>
+              </a:ext>
+            </a:extLst>
+          </a:blip>
+          <a:srcRect/>
+          <a:stretch>
+            <a:fillRect/>
+          </a:stretch>
+        </p:blipFill>
+        <p:spPr bwMode="auto">
+          <a:xfrm>
+            <a:off x="4267200" y="381000"/>
+            <a:ext cx="4343400" cy="3672680"/>
+          </a:xfrm>
+          <a:prstGeom prst="rect">
+            <a:avLst/>
+          </a:prstGeom>
+          <a:noFill/>
+          <a:ln>
+            <a:noFill/>
+          </a:ln>
+          <a:effectLst/>
+          <a:extLst>
+            <a:ext uri="{909E8E84-426E-40DD-AFC4-6F175D3DCCD1}">
+              <a14:hiddenFill xmlns:a14="http://schemas.microsoft.com/office/drawing/2010/main">
+                <a:solidFill>
+                  <a:schemeClr val="accent1"/>
+                </a:solidFill>
+              </a14:hiddenFill>
+            </a:ext>
+            <a:ext uri="{91240B29-F687-4F45-9708-019B960494DF}">
+              <a14:hiddenLine xmlns:a14="http://schemas.microsoft.com/office/drawing/2010/main" w="9525">
+                <a:solidFill>
+                  <a:schemeClr val="tx1"/>
+                </a:solidFill>
+                <a:miter lim="800000"/>
+                <a:headEnd/>
+                <a:tailEnd/>
+              </a14:hiddenLine>
+            </a:ext>
+            <a:ext uri="{AF507438-7753-43E0-B8FC-AC1667EBCBE1}">
+              <a14:hiddenEffects xmlns:a14="http://schemas.microsoft.com/office/drawing/2010/main">
+                <a:effectLst>
+                  <a:outerShdw dist="35921" dir="2700000" algn="ctr" rotWithShape="0">
+                    <a:schemeClr val="bg2"/>
+                  </a:outerShdw>
+                </a:effectLst>
+              </a14:hiddenEffects>
+            </a:ext>
+          </a:extLst>
+        </p:spPr>
+      </p:pic>
+      <p:sp>
+        <p:nvSpPr>
+          <p:cNvPr id="18" name="TextBox 17"/>
+          <p:cNvSpPr txBox="1"/>
+          <p:nvPr/>
+        </p:nvSpPr>
+        <p:spPr>
+          <a:xfrm>
+            <a:off x="2931673" y="4800600"/>
+            <a:ext cx="5678927" cy="646331"/>
+          </a:xfrm>
+          <a:prstGeom prst="rect">
+            <a:avLst/>
+          </a:prstGeom>
+          <a:noFill/>
+        </p:spPr>
+        <p:txBody>
+          <a:bodyPr wrap="none" rtlCol="0">
+            <a:spAutoFit/>
+          </a:bodyPr>
+          <a:lstStyle/>
+          <a:p>
+            <a:r>
+              <a:rPr lang="en-US" dirty="0" smtClean="0"/>
+              <a:t>L1: (V2, V4) =&gt; M1= {(</a:t>
+            </a:r>
+            <a:r>
+              <a:rPr lang="en-US" b="1" dirty="0" smtClean="0"/>
+              <a:t>w2</a:t>
+            </a:r>
+            <a:r>
+              <a:rPr lang="en-US" dirty="0" smtClean="0"/>
+              <a:t>,w6,</a:t>
+            </a:r>
+            <a:r>
+              <a:rPr lang="en-US" b="1" dirty="0" smtClean="0"/>
+              <a:t>w4</a:t>
+            </a:r>
+            <a:r>
+              <a:rPr lang="en-US" dirty="0" smtClean="0"/>
+              <a:t>), (w2,w6,w3,w4)}</a:t>
+            </a:r>
+          </a:p>
+          <a:p>
+            <a:r>
+              <a:rPr lang="en-US" dirty="0" smtClean="0"/>
+              <a:t>L2: (V2,V1,V4) =&gt; M2={(</a:t>
+            </a:r>
+            <a:r>
+              <a:rPr lang="en-US" b="1" dirty="0" smtClean="0"/>
+              <a:t>w2</a:t>
+            </a:r>
+            <a:r>
+              <a:rPr lang="en-US" dirty="0" smtClean="0"/>
+              <a:t>,</a:t>
+            </a:r>
+            <a:r>
+              <a:rPr lang="en-US" b="1" dirty="0" smtClean="0"/>
+              <a:t>w1</a:t>
+            </a:r>
+            <a:r>
+              <a:rPr lang="en-US" dirty="0" smtClean="0"/>
+              <a:t>,w5,</a:t>
+            </a:r>
+            <a:r>
+              <a:rPr lang="en-US" b="1" dirty="0" smtClean="0"/>
+              <a:t>w4</a:t>
+            </a:r>
+            <a:r>
+              <a:rPr lang="en-US" dirty="0" smtClean="0"/>
+              <a:t>),(</a:t>
+            </a:r>
+            <a:r>
+              <a:rPr lang="en-US" b="1" dirty="0" smtClean="0"/>
+              <a:t>w2</a:t>
+            </a:r>
+            <a:r>
+              <a:rPr lang="en-US" dirty="0" smtClean="0"/>
+              <a:t>,</a:t>
+            </a:r>
+            <a:r>
+              <a:rPr lang="en-US" b="1" dirty="0" smtClean="0"/>
+              <a:t>w1</a:t>
+            </a:r>
+            <a:r>
+              <a:rPr lang="en-US" dirty="0" smtClean="0"/>
+              <a:t>,w7,w3,</a:t>
+            </a:r>
+            <a:r>
+              <a:rPr lang="en-US" b="1" dirty="0" smtClean="0"/>
+              <a:t>w4</a:t>
+            </a:r>
+            <a:r>
+              <a:rPr lang="en-US" dirty="0" smtClean="0"/>
+              <a:t>)}</a:t>
+            </a:r>
+            <a:endParaRPr lang="en-US" dirty="0"/>
+          </a:p>
+        </p:txBody>
+      </p:sp>
+    </p:spTree>
+    <p:extLst>
+      <p:ext uri="{BB962C8B-B14F-4D97-AF65-F5344CB8AC3E}">
+        <p14:creationId xmlns:p14="http://schemas.microsoft.com/office/powerpoint/2010/main" val="916959638"/>
+      </p:ext>
+    </p:extLst>
+  </p:cSld>
+  <p:clrMapOvr>
+    <a:masterClrMapping/>
+  </p:clrMapOvr>
+  <p:timing>
+    <p:tnLst>
+      <p:par>
+        <p:cTn id="1" dur="indefinite" restart="never" nodeType="tmRoot"/>
+      </p:par>
+    </p:tnLst>
+  </p:timing>
+</p:sld>
+</file>
+
+<file path=ppt/slides/slide23.xml><?xml version="1.0" encoding="utf-8"?>
+<p:sld xmlns:a="http://schemas.openxmlformats.org/drawingml/2006/main" xmlns:r="http://schemas.openxmlformats.org/officeDocument/2006/relationships" xmlns:p="http://schemas.openxmlformats.org/presentationml/2006/main">
+  <p:cSld>
+    <p:spTree>
+      <p:nvGrpSpPr>
+        <p:cNvPr id="1" name=""/>
+        <p:cNvGrpSpPr/>
+        <p:nvPr/>
+      </p:nvGrpSpPr>
+      <p:grpSpPr>
+        <a:xfrm>
+          <a:off x="0" y="0"/>
+          <a:ext cx="0" cy="0"/>
+          <a:chOff x="0" y="0"/>
+          <a:chExt cx="0" cy="0"/>
+        </a:xfrm>
+      </p:grpSpPr>
+      <p:sp>
+        <p:nvSpPr>
+          <p:cNvPr id="7" name="Title 6"/>
+          <p:cNvSpPr>
+            <a:spLocks noGrp="1"/>
+          </p:cNvSpPr>
+          <p:nvPr>
+            <p:ph type="title"/>
+          </p:nvPr>
+        </p:nvSpPr>
+        <p:spPr/>
+        <p:txBody>
+          <a:bodyPr/>
+          <a:lstStyle/>
+          <a:p>
+            <a:r>
+              <a:rPr lang="en-US" b="0" dirty="0"/>
+              <a:t>3</a:t>
+            </a:r>
+            <a:r>
+              <a:rPr lang="en-US" b="0" dirty="0" smtClean="0"/>
+              <a:t>. KHỞI TẠO QUẦN THỂ</a:t>
+            </a:r>
+            <a:endParaRPr lang="en-US" b="0" dirty="0"/>
+          </a:p>
+        </p:txBody>
+      </p:sp>
+      <p:sp>
+        <p:nvSpPr>
+          <p:cNvPr id="8" name="Content Placeholder 7"/>
+          <p:cNvSpPr>
+            <a:spLocks noGrp="1"/>
+          </p:cNvSpPr>
+          <p:nvPr>
+            <p:ph idx="1"/>
+          </p:nvPr>
+        </p:nvSpPr>
+        <p:spPr/>
+        <p:txBody>
+          <a:bodyPr>
+            <a:normAutofit/>
+          </a:bodyPr>
+          <a:lstStyle/>
+          <a:p>
+            <a:pPr lvl="1"/>
+            <a:endParaRPr lang="en-US" dirty="0"/>
+          </a:p>
+        </p:txBody>
+      </p:sp>
+      <p:sp>
+        <p:nvSpPr>
+          <p:cNvPr id="4" name="Date Placeholder 3"/>
+          <p:cNvSpPr>
+            <a:spLocks noGrp="1"/>
+          </p:cNvSpPr>
+          <p:nvPr>
+            <p:ph type="dt" sz="half" idx="10"/>
+          </p:nvPr>
+        </p:nvSpPr>
+        <p:spPr/>
+        <p:txBody>
+          <a:bodyPr/>
+          <a:lstStyle/>
+          <a:p>
+            <a:fld id="{E3E2306C-E34F-4492-8C03-BFD178B0B86F}" type="datetime1">
+              <a:rPr lang="en-US" smtClean="0"/>
+              <a:t>4/10/2012</a:t>
+            </a:fld>
+            <a:endParaRPr lang="en-US"/>
+          </a:p>
+        </p:txBody>
+      </p:sp>
+      <p:sp>
+        <p:nvSpPr>
+          <p:cNvPr id="5" name="Footer Placeholder 4"/>
+          <p:cNvSpPr>
+            <a:spLocks noGrp="1"/>
+          </p:cNvSpPr>
+          <p:nvPr>
+            <p:ph type="ftr" sz="quarter" idx="11"/>
+          </p:nvPr>
+        </p:nvSpPr>
+        <p:spPr/>
+        <p:txBody>
+          <a:bodyPr/>
+          <a:lstStyle/>
+          <a:p>
+            <a:r>
+              <a:rPr lang="en-US" smtClean="0"/>
+              <a:t>Thiết kế mạng chịu lỗi</a:t>
+            </a:r>
+            <a:endParaRPr lang="en-US" dirty="0"/>
+          </a:p>
+        </p:txBody>
+      </p:sp>
+      <p:sp>
+        <p:nvSpPr>
+          <p:cNvPr id="6" name="Slide Number Placeholder 5"/>
+          <p:cNvSpPr>
+            <a:spLocks noGrp="1"/>
+          </p:cNvSpPr>
+          <p:nvPr>
+            <p:ph type="sldNum" sz="quarter" idx="12"/>
+          </p:nvPr>
+        </p:nvSpPr>
+        <p:spPr/>
+        <p:txBody>
+          <a:bodyPr/>
+          <a:lstStyle/>
+          <a:p>
+            <a:fld id="{77147098-D884-47A8-A2F8-2A4EFCDC3B56}" type="slidenum">
+              <a:rPr lang="en-US" smtClean="0"/>
+              <a:t>23</a:t>
+            </a:fld>
+            <a:endParaRPr lang="en-US"/>
+          </a:p>
+        </p:txBody>
+      </p:sp>
+    </p:spTree>
+    <p:extLst>
+      <p:ext uri="{BB962C8B-B14F-4D97-AF65-F5344CB8AC3E}">
+        <p14:creationId xmlns:p14="http://schemas.microsoft.com/office/powerpoint/2010/main" val="2621116127"/>
+      </p:ext>
+    </p:extLst>
+  </p:cSld>
+  <p:clrMapOvr>
+    <a:masterClrMapping/>
+  </p:clrMapOvr>
+  <p:timing>
+    <p:tnLst>
+      <p:par>
+        <p:cTn id="1" dur="indefinite" restart="never" nodeType="tmRoot"/>
+      </p:par>
+    </p:tnLst>
+  </p:timing>
+</p:sld>
+</file>
+
+<file path=ppt/slides/slide24.xml><?xml version="1.0" encoding="utf-8"?>
+<p:sld xmlns:a="http://schemas.openxmlformats.org/drawingml/2006/main" xmlns:r="http://schemas.openxmlformats.org/officeDocument/2006/relationships" xmlns:p="http://schemas.openxmlformats.org/presentationml/2006/main">
+  <p:cSld>
+    <p:spTree>
+      <p:nvGrpSpPr>
+        <p:cNvPr id="1" name=""/>
+        <p:cNvGrpSpPr/>
+        <p:nvPr/>
+      </p:nvGrpSpPr>
+      <p:grpSpPr>
+        <a:xfrm>
+          <a:off x="0" y="0"/>
+          <a:ext cx="0" cy="0"/>
+          <a:chOff x="0" y="0"/>
+          <a:chExt cx="0" cy="0"/>
+        </a:xfrm>
+      </p:grpSpPr>
+      <p:sp>
+        <p:nvSpPr>
+          <p:cNvPr id="7" name="Title 6"/>
+          <p:cNvSpPr>
+            <a:spLocks noGrp="1"/>
+          </p:cNvSpPr>
+          <p:nvPr>
+            <p:ph type="title"/>
+          </p:nvPr>
+        </p:nvSpPr>
+        <p:spPr/>
+        <p:txBody>
+          <a:bodyPr/>
+          <a:lstStyle/>
+          <a:p>
+            <a:r>
+              <a:rPr lang="en-US" b="0" dirty="0"/>
+              <a:t>3</a:t>
+            </a:r>
+            <a:r>
+              <a:rPr lang="en-US" b="0" dirty="0" smtClean="0"/>
+              <a:t>. KHỞI TẠO QUẦN THỂ</a:t>
+            </a:r>
+            <a:endParaRPr lang="en-US" b="0" dirty="0"/>
+          </a:p>
+        </p:txBody>
+      </p:sp>
+      <p:sp>
+        <p:nvSpPr>
+          <p:cNvPr id="8" name="Content Placeholder 7"/>
+          <p:cNvSpPr>
+            <a:spLocks noGrp="1"/>
+          </p:cNvSpPr>
+          <p:nvPr>
+            <p:ph idx="1"/>
+          </p:nvPr>
+        </p:nvSpPr>
+        <p:spPr>
+          <a:xfrm>
+            <a:off x="381000" y="1371600"/>
+            <a:ext cx="8229600" cy="685799"/>
+          </a:xfrm>
+        </p:spPr>
+        <p:txBody>
+          <a:bodyPr>
+            <a:normAutofit fontScale="77500" lnSpcReduction="20000"/>
+          </a:bodyPr>
+          <a:lstStyle/>
+          <a:p>
+            <a:r>
+              <a:rPr lang="en-US" sz="2400" dirty="0" err="1" smtClean="0"/>
+              <a:t>Số</a:t>
+            </a:r>
+            <a:r>
+              <a:rPr lang="en-US" sz="2400" dirty="0" smtClean="0"/>
+              <a:t> </a:t>
+            </a:r>
+            <a:r>
+              <a:rPr lang="en-US" sz="2400" dirty="0" err="1" smtClean="0"/>
+              <a:t>lượng</a:t>
+            </a:r>
+            <a:r>
+              <a:rPr lang="en-US" sz="2400" dirty="0" smtClean="0"/>
+              <a:t> </a:t>
+            </a:r>
+            <a:r>
+              <a:rPr lang="en-US" sz="2400" dirty="0" err="1" smtClean="0"/>
+              <a:t>cá</a:t>
+            </a:r>
+            <a:r>
+              <a:rPr lang="en-US" sz="2400" dirty="0" smtClean="0"/>
+              <a:t> </a:t>
+            </a:r>
+            <a:r>
+              <a:rPr lang="en-US" sz="2400" dirty="0" err="1" smtClean="0"/>
+              <a:t>thể</a:t>
+            </a:r>
+            <a:r>
+              <a:rPr lang="en-US" sz="2400" dirty="0" smtClean="0"/>
+              <a:t> </a:t>
+            </a:r>
+            <a:r>
+              <a:rPr lang="en-US" sz="2400" dirty="0" err="1" smtClean="0"/>
+              <a:t>trong</a:t>
+            </a:r>
+            <a:r>
+              <a:rPr lang="en-US" sz="2400" dirty="0" smtClean="0"/>
+              <a:t> </a:t>
+            </a:r>
+            <a:r>
+              <a:rPr lang="en-US" sz="2400" dirty="0" err="1" smtClean="0"/>
+              <a:t>quần</a:t>
+            </a:r>
+            <a:r>
+              <a:rPr lang="en-US" sz="2400" dirty="0" smtClean="0"/>
+              <a:t> </a:t>
+            </a:r>
+            <a:r>
+              <a:rPr lang="en-US" sz="2400" dirty="0" err="1" smtClean="0"/>
+              <a:t>thể</a:t>
+            </a:r>
+            <a:r>
+              <a:rPr lang="en-US" sz="2400" dirty="0" smtClean="0"/>
+              <a:t>: </a:t>
+            </a:r>
+            <a:r>
+              <a:rPr lang="en-US" sz="2400" dirty="0" err="1" smtClean="0"/>
+              <a:t>Tùy</a:t>
+            </a:r>
+            <a:r>
+              <a:rPr lang="en-US" sz="2400" dirty="0" smtClean="0"/>
+              <a:t> </a:t>
+            </a:r>
+            <a:r>
+              <a:rPr lang="en-US" sz="2400" dirty="0" err="1" smtClean="0"/>
+              <a:t>chọn</a:t>
+            </a:r>
+            <a:r>
+              <a:rPr lang="en-US" sz="2400" dirty="0" smtClean="0"/>
+              <a:t> (50 </a:t>
+            </a:r>
+            <a:r>
+              <a:rPr lang="en-US" sz="2400" dirty="0" err="1" smtClean="0"/>
+              <a:t>chẳng</a:t>
+            </a:r>
+            <a:r>
+              <a:rPr lang="en-US" sz="2400" dirty="0" smtClean="0"/>
+              <a:t> </a:t>
+            </a:r>
+            <a:r>
+              <a:rPr lang="en-US" sz="2400" dirty="0" err="1" smtClean="0"/>
+              <a:t>hạn</a:t>
+            </a:r>
+            <a:r>
+              <a:rPr lang="en-US" sz="2400" dirty="0" smtClean="0"/>
+              <a:t>)</a:t>
+            </a:r>
+          </a:p>
+          <a:p>
+            <a:r>
+              <a:rPr lang="en-US" sz="2400" dirty="0" err="1" smtClean="0"/>
+              <a:t>Với</a:t>
+            </a:r>
+            <a:r>
+              <a:rPr lang="en-US" sz="2400" dirty="0" smtClean="0"/>
+              <a:t> </a:t>
+            </a:r>
+            <a:r>
+              <a:rPr lang="en-US" sz="2400" dirty="0" err="1" smtClean="0"/>
+              <a:t>mỗi</a:t>
+            </a:r>
+            <a:r>
+              <a:rPr lang="en-US" sz="2400" dirty="0" smtClean="0"/>
+              <a:t> request , </a:t>
+            </a:r>
+            <a:r>
+              <a:rPr lang="en-US" sz="2400" dirty="0" err="1" smtClean="0"/>
+              <a:t>chọn</a:t>
+            </a:r>
+            <a:r>
+              <a:rPr lang="en-US" sz="2400" dirty="0" smtClean="0"/>
+              <a:t> </a:t>
+            </a:r>
+            <a:r>
+              <a:rPr lang="en-US" sz="2400" dirty="0" err="1" smtClean="0"/>
+              <a:t>ngẫu</a:t>
+            </a:r>
+            <a:r>
+              <a:rPr lang="en-US" sz="2400" dirty="0" smtClean="0"/>
+              <a:t> </a:t>
+            </a:r>
+            <a:r>
+              <a:rPr lang="en-US" sz="2400" dirty="0" err="1" smtClean="0"/>
+              <a:t>nhiên</a:t>
+            </a:r>
+            <a:r>
+              <a:rPr lang="en-US" sz="2400" dirty="0" smtClean="0"/>
+              <a:t> (0,1) 1 </a:t>
+            </a:r>
+            <a:r>
+              <a:rPr lang="en-US" sz="2400" dirty="0" err="1" smtClean="0"/>
+              <a:t>đường</a:t>
+            </a:r>
+            <a:r>
+              <a:rPr lang="en-US" sz="2400" dirty="0" smtClean="0"/>
+              <a:t> working </a:t>
+            </a:r>
+            <a:r>
+              <a:rPr lang="en-US" sz="2400" dirty="0" err="1" smtClean="0"/>
+              <a:t>và</a:t>
+            </a:r>
+            <a:r>
+              <a:rPr lang="en-US" sz="2400" dirty="0" smtClean="0"/>
+              <a:t> 1 </a:t>
+            </a:r>
+            <a:r>
+              <a:rPr lang="en-US" sz="2400" dirty="0" err="1" smtClean="0"/>
+              <a:t>đường</a:t>
+            </a:r>
+            <a:r>
+              <a:rPr lang="en-US" sz="2400" dirty="0" smtClean="0"/>
+              <a:t> backup</a:t>
+            </a:r>
+          </a:p>
+          <a:p>
+            <a:pPr marL="457200" lvl="1" indent="0">
+              <a:buNone/>
+            </a:pPr>
+            <a:endParaRPr lang="en-US" sz="2000" dirty="0" smtClean="0"/>
+          </a:p>
+        </p:txBody>
+      </p:sp>
+      <p:sp>
+        <p:nvSpPr>
+          <p:cNvPr id="4" name="Date Placeholder 3"/>
+          <p:cNvSpPr>
+            <a:spLocks noGrp="1"/>
+          </p:cNvSpPr>
+          <p:nvPr>
+            <p:ph type="dt" sz="half" idx="10"/>
+          </p:nvPr>
+        </p:nvSpPr>
+        <p:spPr/>
+        <p:txBody>
+          <a:bodyPr/>
+          <a:lstStyle/>
+          <a:p>
+            <a:fld id="{E3E2306C-E34F-4492-8C03-BFD178B0B86F}" type="datetime1">
+              <a:rPr lang="en-US" smtClean="0"/>
+              <a:t>4/10/2012</a:t>
+            </a:fld>
+            <a:endParaRPr lang="en-US"/>
+          </a:p>
+        </p:txBody>
+      </p:sp>
+      <p:sp>
+        <p:nvSpPr>
+          <p:cNvPr id="5" name="Footer Placeholder 4"/>
+          <p:cNvSpPr>
+            <a:spLocks noGrp="1"/>
+          </p:cNvSpPr>
+          <p:nvPr>
+            <p:ph type="ftr" sz="quarter" idx="11"/>
+          </p:nvPr>
+        </p:nvSpPr>
+        <p:spPr/>
+        <p:txBody>
+          <a:bodyPr/>
+          <a:lstStyle/>
+          <a:p>
+            <a:r>
+              <a:rPr lang="en-US" smtClean="0"/>
+              <a:t>Thiết kế mạng chịu lỗi</a:t>
+            </a:r>
+            <a:endParaRPr lang="en-US" dirty="0"/>
+          </a:p>
+        </p:txBody>
+      </p:sp>
+      <p:sp>
+        <p:nvSpPr>
+          <p:cNvPr id="6" name="Slide Number Placeholder 5"/>
+          <p:cNvSpPr>
+            <a:spLocks noGrp="1"/>
+          </p:cNvSpPr>
+          <p:nvPr>
+            <p:ph type="sldNum" sz="quarter" idx="12"/>
+          </p:nvPr>
+        </p:nvSpPr>
+        <p:spPr/>
+        <p:txBody>
+          <a:bodyPr/>
+          <a:lstStyle/>
+          <a:p>
+            <a:fld id="{77147098-D884-47A8-A2F8-2A4EFCDC3B56}" type="slidenum">
+              <a:rPr lang="en-US" smtClean="0"/>
+              <a:t>24</a:t>
+            </a:fld>
+            <a:endParaRPr lang="en-US"/>
+          </a:p>
+        </p:txBody>
+      </p:sp>
+      <p:graphicFrame>
+        <p:nvGraphicFramePr>
+          <p:cNvPr id="23" name="Content Placeholder 8"/>
+          <p:cNvGraphicFramePr>
+            <a:graphicFrameLocks/>
+          </p:cNvGraphicFramePr>
+          <p:nvPr>
+            <p:extLst>
+              <p:ext uri="{D42A27DB-BD31-4B8C-83A1-F6EECF244321}">
+                <p14:modId xmlns:p14="http://schemas.microsoft.com/office/powerpoint/2010/main" val="1003194227"/>
+              </p:ext>
+            </p:extLst>
+          </p:nvPr>
+        </p:nvGraphicFramePr>
+        <p:xfrm>
+          <a:off x="381000" y="3124200"/>
+          <a:ext cx="8229600" cy="1112520"/>
+        </p:xfrm>
+        <a:graphic>
+          <a:graphicData uri="http://schemas.openxmlformats.org/drawingml/2006/table">
+            <a:tbl>
+              <a:tblPr firstRow="1" bandRow="1">
+                <a:tableStyleId>{5940675A-B579-460E-94D1-54222C63F5DA}</a:tableStyleId>
+              </a:tblPr>
+              <a:tblGrid>
+                <a:gridCol w="1188720"/>
+                <a:gridCol w="457200"/>
+                <a:gridCol w="457200"/>
+                <a:gridCol w="457200"/>
+                <a:gridCol w="457200"/>
+                <a:gridCol w="457200"/>
+                <a:gridCol w="457200"/>
+                <a:gridCol w="457200"/>
+                <a:gridCol w="3017520"/>
+                <a:gridCol w="822960"/>
+              </a:tblGrid>
+              <a:tr h="370840">
+                <a:tc>
+                  <a:txBody>
+                    <a:bodyPr/>
+                    <a:lstStyle/>
+                    <a:p>
+                      <a:endParaRPr lang="en-US" dirty="0"/>
+                    </a:p>
+                  </a:txBody>
+                  <a:tcPr marL="109728" marR="109728">
+                    <a:lnL w="12700" cmpd="sng">
+                      <a:noFill/>
+                    </a:lnL>
+                    <a:lnR w="12700" cap="flat" cmpd="sng" algn="ctr">
+                      <a:noFill/>
+                      <a:prstDash val="solid"/>
+                      <a:round/>
+                      <a:headEnd type="none" w="med" len="med"/>
+                      <a:tailEnd type="none" w="med" len="med"/>
+                    </a:lnR>
+                    <a:lnT w="12700" cmpd="sng">
+                      <a:noFill/>
+                    </a:lnT>
+                    <a:lnB w="12700" cmpd="sng">
+                      <a:noFill/>
+                    </a:lnB>
+                    <a:lnTlToBr w="12700" cmpd="sng">
+                      <a:noFill/>
+                      <a:prstDash val="solid"/>
+                    </a:lnTlToBr>
+                    <a:lnBlToTr w="12700" cmpd="sng">
+                      <a:noFill/>
+                      <a:prstDash val="solid"/>
+                    </a:lnBlToTr>
+                  </a:tcPr>
+                </a:tc>
+                <a:tc>
+                  <a:txBody>
+                    <a:bodyPr/>
+                    <a:lstStyle/>
+                    <a:p>
+                      <a:r>
+                        <a:rPr lang="en-US" sz="1600" kern="1200" baseline="0" dirty="0" smtClean="0">
+                          <a:solidFill>
+                            <a:schemeClr val="tx1"/>
+                          </a:solidFill>
+                          <a:latin typeface="+mn-lt"/>
+                          <a:ea typeface="+mn-ea"/>
+                          <a:cs typeface="+mn-cs"/>
+                        </a:rPr>
+                        <a:t>t</a:t>
+                      </a:r>
+                      <a:r>
+                        <a:rPr lang="en-US" sz="1600" kern="1200" baseline="-25000" dirty="0" smtClean="0">
+                          <a:solidFill>
+                            <a:schemeClr val="tx1"/>
+                          </a:solidFill>
+                          <a:latin typeface="+mn-lt"/>
+                          <a:ea typeface="+mn-ea"/>
+                          <a:cs typeface="+mn-cs"/>
+                        </a:rPr>
+                        <a:t>1</a:t>
+                      </a:r>
+                      <a:endParaRPr lang="en-US" sz="1600" kern="1200" baseline="-25000" dirty="0">
+                        <a:solidFill>
+                          <a:schemeClr val="tx1"/>
+                        </a:solidFill>
+                        <a:latin typeface="+mn-lt"/>
+                        <a:ea typeface="+mn-ea"/>
+                        <a:cs typeface="+mn-cs"/>
+                      </a:endParaRPr>
+                    </a:p>
+                  </a:txBody>
+                  <a:tcPr marL="109728" marR="109728">
+                    <a:lnL w="12700" cap="flat" cmpd="sng" algn="ctr">
+                      <a:noFill/>
+                      <a:prstDash val="solid"/>
+                      <a:round/>
+                      <a:headEnd type="none" w="med" len="med"/>
+                      <a:tailEnd type="none" w="med" len="med"/>
+                    </a:lnL>
+                    <a:lnR w="12700" cmpd="sng">
+                      <a:noFill/>
+                    </a:lnR>
+                    <a:lnT w="12700" cmpd="sng">
+                      <a:noFill/>
+                    </a:lnT>
+                    <a:lnB w="12700" cap="flat" cmpd="sng" algn="ctr">
+                      <a:solidFill>
+                        <a:schemeClr val="tx1"/>
+                      </a:solidFill>
+                      <a:prstDash val="solid"/>
+                      <a:round/>
+                      <a:headEnd type="none" w="med" len="med"/>
+                      <a:tailEnd type="none" w="med" len="med"/>
+                    </a:lnB>
+                    <a:lnTlToBr w="12700" cmpd="sng">
+                      <a:noFill/>
+                      <a:prstDash val="solid"/>
+                    </a:lnTlToBr>
+                    <a:lnBlToTr w="12700" cmpd="sng">
+                      <a:noFill/>
+                      <a:prstDash val="solid"/>
+                    </a:lnBlToTr>
+                  </a:tcPr>
+                </a:tc>
+                <a:tc>
+                  <a:txBody>
+                    <a:bodyPr/>
+                    <a:lstStyle/>
+                    <a:p>
+                      <a:r>
+                        <a:rPr lang="en-US" dirty="0" smtClean="0"/>
+                        <a:t>t</a:t>
+                      </a:r>
+                      <a:r>
+                        <a:rPr lang="en-US" sz="1600" kern="1200" baseline="-25000" dirty="0" smtClean="0">
+                          <a:solidFill>
+                            <a:schemeClr val="tx1"/>
+                          </a:solidFill>
+                          <a:latin typeface="+mn-lt"/>
+                          <a:ea typeface="+mn-ea"/>
+                          <a:cs typeface="+mn-cs"/>
+                        </a:rPr>
+                        <a:t>2</a:t>
+                      </a:r>
+                      <a:endParaRPr lang="en-US" sz="1600" kern="1200" baseline="-25000" dirty="0">
+                        <a:solidFill>
+                          <a:schemeClr val="tx1"/>
+                        </a:solidFill>
+                        <a:latin typeface="+mn-lt"/>
+                        <a:ea typeface="+mn-ea"/>
+                        <a:cs typeface="+mn-cs"/>
+                      </a:endParaRPr>
+                    </a:p>
+                  </a:txBody>
+                  <a:tcPr marL="109728" marR="109728">
+                    <a:lnL w="12700" cmpd="sng">
+                      <a:noFill/>
+                    </a:lnL>
+                    <a:lnR w="12700" cmpd="sng">
+                      <a:noFill/>
+                    </a:lnR>
+                    <a:lnT w="12700" cmpd="sng">
+                      <a:noFill/>
+                    </a:lnT>
+                    <a:lnB w="12700" cap="flat" cmpd="sng" algn="ctr">
+                      <a:solidFill>
+                        <a:schemeClr val="tx1"/>
+                      </a:solidFill>
+                      <a:prstDash val="solid"/>
+                      <a:round/>
+                      <a:headEnd type="none" w="med" len="med"/>
+                      <a:tailEnd type="none" w="med" len="med"/>
+                    </a:lnB>
+                    <a:lnTlToBr w="12700" cmpd="sng">
+                      <a:noFill/>
+                      <a:prstDash val="solid"/>
+                    </a:lnTlToBr>
+                    <a:lnBlToTr w="12700" cmpd="sng">
+                      <a:noFill/>
+                      <a:prstDash val="solid"/>
+                    </a:lnBlToTr>
+                  </a:tcPr>
+                </a:tc>
+                <a:tc>
+                  <a:txBody>
+                    <a:bodyPr/>
+                    <a:lstStyle/>
+                    <a:p>
+                      <a:pPr marL="0" algn="l" defTabSz="914400" rtl="0" eaLnBrk="1" latinLnBrk="0" hangingPunct="1"/>
+                      <a:r>
+                        <a:rPr lang="en-US" dirty="0" smtClean="0"/>
+                        <a:t>t</a:t>
+                      </a:r>
+                      <a:r>
+                        <a:rPr lang="en-US" sz="1600" kern="1200" baseline="-25000" dirty="0" smtClean="0">
+                          <a:solidFill>
+                            <a:schemeClr val="tx1"/>
+                          </a:solidFill>
+                          <a:latin typeface="+mn-lt"/>
+                          <a:ea typeface="+mn-ea"/>
+                          <a:cs typeface="+mn-cs"/>
+                        </a:rPr>
+                        <a:t>3</a:t>
+                      </a:r>
+                      <a:endParaRPr lang="en-US" sz="1600" kern="1200" baseline="-25000" dirty="0">
+                        <a:solidFill>
+                          <a:schemeClr val="tx1"/>
+                        </a:solidFill>
+                        <a:latin typeface="+mn-lt"/>
+                        <a:ea typeface="+mn-ea"/>
+                        <a:cs typeface="+mn-cs"/>
+                      </a:endParaRPr>
+                    </a:p>
+                  </a:txBody>
+                  <a:tcPr marL="109728" marR="109728">
+                    <a:lnL w="12700" cmpd="sng">
+                      <a:noFill/>
+                    </a:lnL>
+                    <a:lnR w="12700" cmpd="sng">
+                      <a:noFill/>
+                    </a:lnR>
+                    <a:lnT w="12700" cmpd="sng">
+                      <a:noFill/>
+                    </a:lnT>
+                    <a:lnB w="12700" cap="flat" cmpd="sng" algn="ctr">
+                      <a:solidFill>
+                        <a:schemeClr val="tx1"/>
+                      </a:solidFill>
+                      <a:prstDash val="solid"/>
+                      <a:round/>
+                      <a:headEnd type="none" w="med" len="med"/>
+                      <a:tailEnd type="none" w="med" len="med"/>
+                    </a:lnB>
+                    <a:lnTlToBr w="12700" cmpd="sng">
+                      <a:noFill/>
+                      <a:prstDash val="solid"/>
+                    </a:lnTlToBr>
+                    <a:lnBlToTr w="12700" cmpd="sng">
+                      <a:noFill/>
+                      <a:prstDash val="solid"/>
+                    </a:lnBlToTr>
+                  </a:tcPr>
+                </a:tc>
+                <a:tc>
+                  <a:txBody>
+                    <a:bodyPr/>
+                    <a:lstStyle/>
+                    <a:p>
+                      <a:r>
+                        <a:rPr lang="en-US" dirty="0" smtClean="0"/>
+                        <a:t>t</a:t>
+                      </a:r>
+                      <a:r>
+                        <a:rPr lang="en-US" sz="1600" kern="1200" baseline="-25000" dirty="0" smtClean="0">
+                          <a:solidFill>
+                            <a:schemeClr val="tx1"/>
+                          </a:solidFill>
+                          <a:latin typeface="+mn-lt"/>
+                          <a:ea typeface="+mn-ea"/>
+                          <a:cs typeface="+mn-cs"/>
+                        </a:rPr>
+                        <a:t>4</a:t>
+                      </a:r>
+                      <a:endParaRPr lang="en-US" sz="1600" kern="1200" baseline="-25000" dirty="0">
+                        <a:solidFill>
+                          <a:schemeClr val="tx1"/>
+                        </a:solidFill>
+                        <a:latin typeface="+mn-lt"/>
+                        <a:ea typeface="+mn-ea"/>
+                        <a:cs typeface="+mn-cs"/>
+                      </a:endParaRPr>
+                    </a:p>
+                  </a:txBody>
+                  <a:tcPr marL="109728" marR="109728">
+                    <a:lnL w="12700" cmpd="sng">
+                      <a:noFill/>
+                    </a:lnL>
+                    <a:lnR w="12700" cmpd="sng">
+                      <a:noFill/>
+                    </a:lnR>
+                    <a:lnT w="12700" cmpd="sng">
+                      <a:noFill/>
+                    </a:lnT>
+                    <a:lnB w="12700" cap="flat" cmpd="sng" algn="ctr">
+                      <a:solidFill>
+                        <a:schemeClr val="tx1"/>
+                      </a:solidFill>
+                      <a:prstDash val="solid"/>
+                      <a:round/>
+                      <a:headEnd type="none" w="med" len="med"/>
+                      <a:tailEnd type="none" w="med" len="med"/>
+                    </a:lnB>
+                    <a:lnTlToBr w="12700" cmpd="sng">
+                      <a:noFill/>
+                      <a:prstDash val="solid"/>
+                    </a:lnTlToBr>
+                    <a:lnBlToTr w="12700" cmpd="sng">
+                      <a:noFill/>
+                      <a:prstDash val="solid"/>
+                    </a:lnBlToTr>
+                  </a:tcPr>
+                </a:tc>
+                <a:tc>
+                  <a:txBody>
+                    <a:bodyPr/>
+                    <a:lstStyle/>
+                    <a:p>
+                      <a:r>
+                        <a:rPr lang="en-US" dirty="0" smtClean="0"/>
+                        <a:t>t</a:t>
+                      </a:r>
+                      <a:r>
+                        <a:rPr lang="en-US" sz="1600" kern="1200" baseline="-25000" dirty="0" smtClean="0">
+                          <a:solidFill>
+                            <a:schemeClr val="tx1"/>
+                          </a:solidFill>
+                          <a:latin typeface="+mn-lt"/>
+                          <a:ea typeface="+mn-ea"/>
+                          <a:cs typeface="+mn-cs"/>
+                        </a:rPr>
+                        <a:t>5</a:t>
+                      </a:r>
+                      <a:endParaRPr lang="en-US" sz="1600" kern="1200" baseline="-25000" dirty="0">
+                        <a:solidFill>
+                          <a:schemeClr val="tx1"/>
+                        </a:solidFill>
+                        <a:latin typeface="+mn-lt"/>
+                        <a:ea typeface="+mn-ea"/>
+                        <a:cs typeface="+mn-cs"/>
+                      </a:endParaRPr>
+                    </a:p>
+                  </a:txBody>
+                  <a:tcPr marL="109728" marR="109728">
+                    <a:lnL w="12700" cmpd="sng">
+                      <a:noFill/>
+                    </a:lnL>
+                    <a:lnR w="12700" cmpd="sng">
+                      <a:noFill/>
+                    </a:lnR>
+                    <a:lnT w="12700" cmpd="sng">
+                      <a:noFill/>
+                    </a:lnT>
+                    <a:lnB w="12700" cap="flat" cmpd="sng" algn="ctr">
+                      <a:solidFill>
+                        <a:schemeClr val="tx1"/>
+                      </a:solidFill>
+                      <a:prstDash val="solid"/>
+                      <a:round/>
+                      <a:headEnd type="none" w="med" len="med"/>
+                      <a:tailEnd type="none" w="med" len="med"/>
+                    </a:lnB>
+                    <a:lnTlToBr w="12700" cmpd="sng">
+                      <a:noFill/>
+                      <a:prstDash val="solid"/>
+                    </a:lnTlToBr>
+                    <a:lnBlToTr w="12700" cmpd="sng">
+                      <a:noFill/>
+                      <a:prstDash val="solid"/>
+                    </a:lnBlToTr>
+                  </a:tcPr>
+                </a:tc>
+                <a:tc>
+                  <a:txBody>
+                    <a:bodyPr/>
+                    <a:lstStyle/>
+                    <a:p>
+                      <a:pPr marL="0" algn="l" defTabSz="914400" rtl="0" eaLnBrk="1" latinLnBrk="0" hangingPunct="1"/>
+                      <a:r>
+                        <a:rPr lang="en-US" dirty="0" smtClean="0"/>
+                        <a:t>t</a:t>
+                      </a:r>
+                      <a:r>
+                        <a:rPr lang="en-US" sz="1600" kern="1200" baseline="-25000" dirty="0" smtClean="0">
+                          <a:solidFill>
+                            <a:schemeClr val="tx1"/>
+                          </a:solidFill>
+                          <a:latin typeface="+mn-lt"/>
+                          <a:ea typeface="+mn-ea"/>
+                          <a:cs typeface="+mn-cs"/>
+                        </a:rPr>
+                        <a:t>6</a:t>
+                      </a:r>
+                      <a:endParaRPr lang="en-US" sz="1600" kern="1200" baseline="-25000" dirty="0">
+                        <a:solidFill>
+                          <a:schemeClr val="tx1"/>
+                        </a:solidFill>
+                        <a:latin typeface="+mn-lt"/>
+                        <a:ea typeface="+mn-ea"/>
+                        <a:cs typeface="+mn-cs"/>
+                      </a:endParaRPr>
+                    </a:p>
+                  </a:txBody>
+                  <a:tcPr marL="109728" marR="109728">
+                    <a:lnL w="12700" cmpd="sng">
+                      <a:noFill/>
+                    </a:lnL>
+                    <a:lnR w="12700" cmpd="sng">
+                      <a:noFill/>
+                    </a:lnR>
+                    <a:lnT w="12700" cmpd="sng">
+                      <a:noFill/>
+                    </a:lnT>
+                    <a:lnB w="12700" cap="flat" cmpd="sng" algn="ctr">
+                      <a:solidFill>
+                        <a:schemeClr val="tx1"/>
+                      </a:solidFill>
+                      <a:prstDash val="solid"/>
+                      <a:round/>
+                      <a:headEnd type="none" w="med" len="med"/>
+                      <a:tailEnd type="none" w="med" len="med"/>
+                    </a:lnB>
+                    <a:lnTlToBr w="12700" cmpd="sng">
+                      <a:noFill/>
+                      <a:prstDash val="solid"/>
+                    </a:lnTlToBr>
+                    <a:lnBlToTr w="12700" cmpd="sng">
+                      <a:noFill/>
+                      <a:prstDash val="solid"/>
+                    </a:lnBlToTr>
+                  </a:tcPr>
+                </a:tc>
+                <a:tc>
+                  <a:txBody>
+                    <a:bodyPr/>
+                    <a:lstStyle/>
+                    <a:p>
+                      <a:r>
+                        <a:rPr lang="en-US" dirty="0" smtClean="0"/>
+                        <a:t>t</a:t>
+                      </a:r>
+                      <a:r>
+                        <a:rPr lang="en-US" sz="1600" kern="1200" baseline="-25000" dirty="0" smtClean="0">
+                          <a:solidFill>
+                            <a:schemeClr val="tx1"/>
+                          </a:solidFill>
+                          <a:latin typeface="+mn-lt"/>
+                          <a:ea typeface="+mn-ea"/>
+                          <a:cs typeface="+mn-cs"/>
+                        </a:rPr>
+                        <a:t>7</a:t>
+                      </a:r>
+                      <a:endParaRPr lang="en-US" sz="1600" kern="1200" baseline="-25000" dirty="0">
+                        <a:solidFill>
+                          <a:schemeClr val="tx1"/>
+                        </a:solidFill>
+                        <a:latin typeface="+mn-lt"/>
+                        <a:ea typeface="+mn-ea"/>
+                        <a:cs typeface="+mn-cs"/>
+                      </a:endParaRPr>
+                    </a:p>
+                  </a:txBody>
+                  <a:tcPr marL="109728" marR="109728">
+                    <a:lnL w="12700" cmpd="sng">
+                      <a:noFill/>
+                    </a:lnL>
+                    <a:lnR w="12700" cmpd="sng">
+                      <a:noFill/>
+                    </a:lnR>
+                    <a:lnT w="12700" cmpd="sng">
+                      <a:noFill/>
+                    </a:lnT>
+                    <a:lnB w="12700" cap="flat" cmpd="sng" algn="ctr">
+                      <a:solidFill>
+                        <a:schemeClr val="tx1"/>
+                      </a:solidFill>
+                      <a:prstDash val="solid"/>
+                      <a:round/>
+                      <a:headEnd type="none" w="med" len="med"/>
+                      <a:tailEnd type="none" w="med" len="med"/>
+                    </a:lnB>
+                    <a:lnTlToBr w="12700" cmpd="sng">
+                      <a:noFill/>
+                      <a:prstDash val="solid"/>
+                    </a:lnTlToBr>
+                    <a:lnBlToTr w="12700" cmpd="sng">
+                      <a:noFill/>
+                      <a:prstDash val="solid"/>
+                    </a:lnBlToTr>
+                  </a:tcPr>
+                </a:tc>
+                <a:tc>
+                  <a:txBody>
+                    <a:bodyPr/>
+                    <a:lstStyle/>
+                    <a:p>
+                      <a:r>
+                        <a:rPr lang="en-US" dirty="0" smtClean="0"/>
+                        <a:t>…..</a:t>
+                      </a:r>
+                      <a:endParaRPr lang="en-US" dirty="0"/>
+                    </a:p>
+                  </a:txBody>
+                  <a:tcPr marL="109728" marR="109728">
+                    <a:lnL w="12700" cmpd="sng">
+                      <a:noFill/>
+                    </a:lnL>
+                    <a:lnR w="12700" cmpd="sng">
+                      <a:noFill/>
+                    </a:lnR>
+                    <a:lnT w="12700" cmpd="sng">
+                      <a:noFill/>
+                    </a:lnT>
+                    <a:lnB w="12700" cap="flat" cmpd="sng" algn="ctr">
+                      <a:solidFill>
+                        <a:schemeClr val="tx1"/>
+                      </a:solidFill>
+                      <a:prstDash val="solid"/>
+                      <a:round/>
+                      <a:headEnd type="none" w="med" len="med"/>
+                      <a:tailEnd type="none" w="med" len="med"/>
+                    </a:lnB>
+                    <a:lnTlToBr w="12700" cmpd="sng">
+                      <a:noFill/>
+                      <a:prstDash val="solid"/>
+                    </a:lnTlToBr>
+                    <a:lnBlToTr w="12700" cmpd="sng">
+                      <a:noFill/>
+                      <a:prstDash val="solid"/>
+                    </a:lnBlToTr>
+                  </a:tcPr>
+                </a:tc>
+                <a:tc>
+                  <a:txBody>
+                    <a:bodyPr/>
+                    <a:lstStyle/>
+                    <a:p>
+                      <a:r>
+                        <a:rPr lang="en-US" dirty="0" err="1" smtClean="0"/>
+                        <a:t>t</a:t>
+                      </a:r>
+                      <a:r>
+                        <a:rPr lang="en-US" sz="1600" kern="1200" baseline="-25000" dirty="0" err="1" smtClean="0">
+                          <a:solidFill>
+                            <a:schemeClr val="tx1"/>
+                          </a:solidFill>
+                          <a:latin typeface="+mn-lt"/>
+                          <a:ea typeface="+mn-ea"/>
+                          <a:cs typeface="+mn-cs"/>
+                        </a:rPr>
+                        <a:t>k</a:t>
+                      </a:r>
+                      <a:endParaRPr lang="en-US" sz="1600" kern="1200" baseline="-25000" dirty="0">
+                        <a:solidFill>
+                          <a:schemeClr val="tx1"/>
+                        </a:solidFill>
+                        <a:latin typeface="+mn-lt"/>
+                        <a:ea typeface="+mn-ea"/>
+                        <a:cs typeface="+mn-cs"/>
+                      </a:endParaRPr>
+                    </a:p>
+                  </a:txBody>
+                  <a:tcPr marL="109728" marR="109728">
+                    <a:lnL w="12700" cmpd="sng">
+                      <a:noFill/>
+                    </a:lnL>
+                    <a:lnR w="12700" cmpd="sng">
+                      <a:noFill/>
+                    </a:lnR>
+                    <a:lnT w="12700" cmpd="sng">
+                      <a:noFill/>
+                    </a:lnT>
+                    <a:lnB w="12700" cap="flat" cmpd="sng" algn="ctr">
+                      <a:solidFill>
+                        <a:schemeClr val="tx1"/>
+                      </a:solidFill>
+                      <a:prstDash val="solid"/>
+                      <a:round/>
+                      <a:headEnd type="none" w="med" len="med"/>
+                      <a:tailEnd type="none" w="med" len="med"/>
+                    </a:lnB>
+                    <a:lnTlToBr w="12700" cmpd="sng">
+                      <a:noFill/>
+                      <a:prstDash val="solid"/>
+                    </a:lnTlToBr>
+                    <a:lnBlToTr w="12700" cmpd="sng">
+                      <a:noFill/>
+                      <a:prstDash val="solid"/>
+                    </a:lnBlToTr>
+                  </a:tcPr>
+                </a:tc>
+              </a:tr>
+              <a:tr h="370840">
+                <a:tc>
+                  <a:txBody>
+                    <a:bodyPr/>
+                    <a:lstStyle/>
+                    <a:p>
+                      <a:r>
+                        <a:rPr lang="en-US" dirty="0" smtClean="0"/>
+                        <a:t>Working</a:t>
+                      </a:r>
+                      <a:endParaRPr lang="en-US" dirty="0"/>
+                    </a:p>
+                  </a:txBody>
+                  <a:tcPr marL="109728" marR="109728">
+                    <a:lnL w="12700" cmpd="sng">
+                      <a:noFill/>
+                    </a:lnL>
+                    <a:lnR w="12700" cap="flat" cmpd="sng" algn="ctr">
+                      <a:solidFill>
+                        <a:schemeClr val="tx1"/>
+                      </a:solidFill>
+                      <a:prstDash val="solid"/>
+                      <a:round/>
+                      <a:headEnd type="none" w="med" len="med"/>
+                      <a:tailEnd type="none" w="med" len="med"/>
+                    </a:lnR>
+                    <a:lnT w="12700" cmpd="sng">
+                      <a:noFill/>
+                    </a:lnT>
+                    <a:lnB w="12700" cmpd="sng">
+                      <a:noFill/>
+                    </a:lnB>
+                    <a:lnTlToBr w="12700" cmpd="sng">
+                      <a:noFill/>
+                      <a:prstDash val="solid"/>
+                    </a:lnTlToBr>
+                    <a:lnBlToTr w="12700" cmpd="sng">
+                      <a:noFill/>
+                      <a:prstDash val="solid"/>
+                    </a:lnBlToTr>
+                  </a:tcPr>
+                </a:tc>
+                <a:tc>
+                  <a:txBody>
+                    <a:bodyPr/>
+                    <a:lstStyle/>
+                    <a:p>
+                      <a:r>
+                        <a:rPr lang="en-US" dirty="0" smtClean="0"/>
+                        <a:t>1</a:t>
+                      </a:r>
+                      <a:endParaRPr lang="en-US" dirty="0"/>
+                    </a:p>
+                  </a:txBody>
+                  <a:tcPr marL="109728" marR="109728">
+                    <a:lnL w="12700" cap="flat" cmpd="sng" algn="ctr">
+                      <a:solidFill>
+                        <a:schemeClr val="tx1"/>
+                      </a:solidFill>
+                      <a:prstDash val="solid"/>
+                      <a:round/>
+                      <a:headEnd type="none" w="med" len="med"/>
+                      <a:tailEnd type="none" w="med" len="med"/>
+                    </a:lnL>
+                    <a:lnR w="12700" cap="flat" cmpd="sng" algn="ctr">
+                      <a:solidFill>
+                        <a:schemeClr val="tx1"/>
+                      </a:solidFill>
+                      <a:prstDash val="solid"/>
+                      <a:round/>
+                      <a:headEnd type="none" w="med" len="med"/>
+                      <a:tailEnd type="none" w="med" len="med"/>
+                    </a:lnR>
+                    <a:lnT w="12700" cap="flat" cmpd="sng" algn="ctr">
+                      <a:solidFill>
+                        <a:schemeClr val="tx1"/>
+                      </a:solidFill>
+                      <a:prstDash val="solid"/>
+                      <a:round/>
+                      <a:headEnd type="none" w="med" len="med"/>
+                      <a:tailEnd type="none" w="med" len="med"/>
+                    </a:lnT>
+                    <a:lnB w="12700" cap="flat" cmpd="sng" algn="ctr">
+                      <a:solidFill>
+                        <a:schemeClr val="tx1"/>
+                      </a:solidFill>
+                      <a:prstDash val="solid"/>
+                      <a:round/>
+                      <a:headEnd type="none" w="med" len="med"/>
+                      <a:tailEnd type="none" w="med" len="med"/>
+                    </a:lnB>
+                    <a:lnTlToBr w="12700" cmpd="sng">
+                      <a:noFill/>
+                      <a:prstDash val="solid"/>
+                    </a:lnTlToBr>
+                    <a:lnBlToTr w="12700" cmpd="sng">
+                      <a:noFill/>
+                      <a:prstDash val="solid"/>
+                    </a:lnBlToTr>
+                  </a:tcPr>
+                </a:tc>
+                <a:tc>
+                  <a:txBody>
+                    <a:bodyPr/>
+                    <a:lstStyle/>
+                    <a:p>
+                      <a:r>
+                        <a:rPr lang="en-US" dirty="0" smtClean="0"/>
+                        <a:t>c</a:t>
+                      </a:r>
+                      <a:endParaRPr lang="en-US" dirty="0"/>
+                    </a:p>
+                  </a:txBody>
+                  <a:tcPr marL="109728" marR="109728">
+                    <a:lnL w="12700" cap="flat" cmpd="sng" algn="ctr">
+                      <a:solidFill>
+                        <a:schemeClr val="tx1"/>
+                      </a:solidFill>
+                      <a:prstDash val="solid"/>
+                      <a:round/>
+                      <a:headEnd type="none" w="med" len="med"/>
+                      <a:tailEnd type="none" w="med" len="med"/>
+                    </a:lnL>
+                    <a:lnR w="12700" cap="flat" cmpd="sng" algn="ctr">
+                      <a:solidFill>
+                        <a:schemeClr val="tx1"/>
+                      </a:solidFill>
+                      <a:prstDash val="solid"/>
+                      <a:round/>
+                      <a:headEnd type="none" w="med" len="med"/>
+                      <a:tailEnd type="none" w="med" len="med"/>
+                    </a:lnR>
+                    <a:lnT w="12700" cap="flat" cmpd="sng" algn="ctr">
+                      <a:solidFill>
+                        <a:schemeClr val="tx1"/>
+                      </a:solidFill>
+                      <a:prstDash val="solid"/>
+                      <a:round/>
+                      <a:headEnd type="none" w="med" len="med"/>
+                      <a:tailEnd type="none" w="med" len="med"/>
+                    </a:lnT>
+                    <a:lnB w="12700" cap="flat" cmpd="sng" algn="ctr">
+                      <a:solidFill>
+                        <a:schemeClr val="tx1"/>
+                      </a:solidFill>
+                      <a:prstDash val="solid"/>
+                      <a:round/>
+                      <a:headEnd type="none" w="med" len="med"/>
+                      <a:tailEnd type="none" w="med" len="med"/>
+                    </a:lnB>
+                    <a:lnTlToBr w="12700" cmpd="sng">
+                      <a:noFill/>
+                      <a:prstDash val="solid"/>
+                    </a:lnTlToBr>
+                    <a:lnBlToTr w="12700" cmpd="sng">
+                      <a:noFill/>
+                      <a:prstDash val="solid"/>
+                    </a:lnBlToTr>
+                  </a:tcPr>
+                </a:tc>
+                <a:tc>
+                  <a:txBody>
+                    <a:bodyPr/>
+                    <a:lstStyle/>
+                    <a:p>
+                      <a:r>
+                        <a:rPr lang="en-US" dirty="0" smtClean="0"/>
+                        <a:t>4</a:t>
+                      </a:r>
+                      <a:endParaRPr lang="en-US" dirty="0"/>
+                    </a:p>
+                  </a:txBody>
+                  <a:tcPr marL="109728" marR="109728">
+                    <a:lnL w="12700" cap="flat" cmpd="sng" algn="ctr">
+                      <a:solidFill>
+                        <a:schemeClr val="tx1"/>
+                      </a:solidFill>
+                      <a:prstDash val="solid"/>
+                      <a:round/>
+                      <a:headEnd type="none" w="med" len="med"/>
+                      <a:tailEnd type="none" w="med" len="med"/>
+                    </a:lnL>
+                    <a:lnR w="12700" cap="flat" cmpd="sng" algn="ctr">
+                      <a:solidFill>
+                        <a:schemeClr val="tx1"/>
+                      </a:solidFill>
+                      <a:prstDash val="solid"/>
+                      <a:round/>
+                      <a:headEnd type="none" w="med" len="med"/>
+                      <a:tailEnd type="none" w="med" len="med"/>
+                    </a:lnR>
+                    <a:lnT w="12700" cap="flat" cmpd="sng" algn="ctr">
+                      <a:solidFill>
+                        <a:schemeClr val="tx1"/>
+                      </a:solidFill>
+                      <a:prstDash val="solid"/>
+                      <a:round/>
+                      <a:headEnd type="none" w="med" len="med"/>
+                      <a:tailEnd type="none" w="med" len="med"/>
+                    </a:lnT>
+                    <a:lnB w="12700" cap="flat" cmpd="sng" algn="ctr">
+                      <a:solidFill>
+                        <a:schemeClr val="tx1"/>
+                      </a:solidFill>
+                      <a:prstDash val="solid"/>
+                      <a:round/>
+                      <a:headEnd type="none" w="med" len="med"/>
+                      <a:tailEnd type="none" w="med" len="med"/>
+                    </a:lnB>
+                    <a:lnTlToBr w="12700" cmpd="sng">
+                      <a:noFill/>
+                      <a:prstDash val="solid"/>
+                    </a:lnTlToBr>
+                    <a:lnBlToTr w="12700" cmpd="sng">
+                      <a:noFill/>
+                      <a:prstDash val="solid"/>
+                    </a:lnBlToTr>
+                  </a:tcPr>
+                </a:tc>
+                <a:tc>
+                  <a:txBody>
+                    <a:bodyPr/>
+                    <a:lstStyle/>
+                    <a:p>
+                      <a:r>
+                        <a:rPr lang="en-US" dirty="0" smtClean="0"/>
+                        <a:t>5</a:t>
+                      </a:r>
+                      <a:endParaRPr lang="en-US" dirty="0"/>
+                    </a:p>
+                  </a:txBody>
+                  <a:tcPr marL="109728" marR="109728">
+                    <a:lnL w="12700" cap="flat" cmpd="sng" algn="ctr">
+                      <a:solidFill>
+                        <a:schemeClr val="tx1"/>
+                      </a:solidFill>
+                      <a:prstDash val="solid"/>
+                      <a:round/>
+                      <a:headEnd type="none" w="med" len="med"/>
+                      <a:tailEnd type="none" w="med" len="med"/>
+                    </a:lnL>
+                    <a:lnR w="12700" cap="flat" cmpd="sng" algn="ctr">
+                      <a:solidFill>
+                        <a:schemeClr val="tx1"/>
+                      </a:solidFill>
+                      <a:prstDash val="solid"/>
+                      <a:round/>
+                      <a:headEnd type="none" w="med" len="med"/>
+                      <a:tailEnd type="none" w="med" len="med"/>
+                    </a:lnR>
+                    <a:lnT w="12700" cap="flat" cmpd="sng" algn="ctr">
+                      <a:solidFill>
+                        <a:schemeClr val="tx1"/>
+                      </a:solidFill>
+                      <a:prstDash val="solid"/>
+                      <a:round/>
+                      <a:headEnd type="none" w="med" len="med"/>
+                      <a:tailEnd type="none" w="med" len="med"/>
+                    </a:lnT>
+                    <a:lnB w="12700" cap="flat" cmpd="sng" algn="ctr">
+                      <a:solidFill>
+                        <a:schemeClr val="tx1"/>
+                      </a:solidFill>
+                      <a:prstDash val="solid"/>
+                      <a:round/>
+                      <a:headEnd type="none" w="med" len="med"/>
+                      <a:tailEnd type="none" w="med" len="med"/>
+                    </a:lnB>
+                    <a:lnTlToBr w="12700" cmpd="sng">
+                      <a:noFill/>
+                      <a:prstDash val="solid"/>
+                    </a:lnTlToBr>
+                    <a:lnBlToTr w="12700" cmpd="sng">
+                      <a:noFill/>
+                      <a:prstDash val="solid"/>
+                    </a:lnBlToTr>
+                  </a:tcPr>
+                </a:tc>
+                <a:tc>
+                  <a:txBody>
+                    <a:bodyPr/>
+                    <a:lstStyle/>
+                    <a:p>
+                      <a:r>
+                        <a:rPr lang="en-US" dirty="0" smtClean="0"/>
+                        <a:t>1</a:t>
+                      </a:r>
+                      <a:endParaRPr lang="en-US" dirty="0"/>
+                    </a:p>
+                  </a:txBody>
+                  <a:tcPr marL="109728" marR="109728">
+                    <a:lnL w="12700" cap="flat" cmpd="sng" algn="ctr">
+                      <a:solidFill>
+                        <a:schemeClr val="tx1"/>
+                      </a:solidFill>
+                      <a:prstDash val="solid"/>
+                      <a:round/>
+                      <a:headEnd type="none" w="med" len="med"/>
+                      <a:tailEnd type="none" w="med" len="med"/>
+                    </a:lnL>
+                    <a:lnR w="12700" cap="flat" cmpd="sng" algn="ctr">
+                      <a:solidFill>
+                        <a:schemeClr val="tx1"/>
+                      </a:solidFill>
+                      <a:prstDash val="solid"/>
+                      <a:round/>
+                      <a:headEnd type="none" w="med" len="med"/>
+                      <a:tailEnd type="none" w="med" len="med"/>
+                    </a:lnR>
+                    <a:lnT w="12700" cap="flat" cmpd="sng" algn="ctr">
+                      <a:solidFill>
+                        <a:schemeClr val="tx1"/>
+                      </a:solidFill>
+                      <a:prstDash val="solid"/>
+                      <a:round/>
+                      <a:headEnd type="none" w="med" len="med"/>
+                      <a:tailEnd type="none" w="med" len="med"/>
+                    </a:lnT>
+                    <a:lnB w="12700" cap="flat" cmpd="sng" algn="ctr">
+                      <a:solidFill>
+                        <a:schemeClr val="tx1"/>
+                      </a:solidFill>
+                      <a:prstDash val="solid"/>
+                      <a:round/>
+                      <a:headEnd type="none" w="med" len="med"/>
+                      <a:tailEnd type="none" w="med" len="med"/>
+                    </a:lnB>
+                    <a:lnTlToBr w="12700" cmpd="sng">
+                      <a:noFill/>
+                      <a:prstDash val="solid"/>
+                    </a:lnTlToBr>
+                    <a:lnBlToTr w="12700" cmpd="sng">
+                      <a:noFill/>
+                      <a:prstDash val="solid"/>
+                    </a:lnBlToTr>
+                  </a:tcPr>
+                </a:tc>
+                <a:tc>
+                  <a:txBody>
+                    <a:bodyPr/>
+                    <a:lstStyle/>
+                    <a:p>
+                      <a:r>
+                        <a:rPr lang="en-US" dirty="0" smtClean="0"/>
+                        <a:t>4</a:t>
+                      </a:r>
+                      <a:endParaRPr lang="en-US" dirty="0"/>
+                    </a:p>
+                  </a:txBody>
+                  <a:tcPr marL="109728" marR="109728">
+                    <a:lnL w="12700" cap="flat" cmpd="sng" algn="ctr">
+                      <a:solidFill>
+                        <a:schemeClr val="tx1"/>
+                      </a:solidFill>
+                      <a:prstDash val="solid"/>
+                      <a:round/>
+                      <a:headEnd type="none" w="med" len="med"/>
+                      <a:tailEnd type="none" w="med" len="med"/>
+                    </a:lnL>
+                    <a:lnR w="12700" cap="flat" cmpd="sng" algn="ctr">
+                      <a:solidFill>
+                        <a:schemeClr val="tx1"/>
+                      </a:solidFill>
+                      <a:prstDash val="solid"/>
+                      <a:round/>
+                      <a:headEnd type="none" w="med" len="med"/>
+                      <a:tailEnd type="none" w="med" len="med"/>
+                    </a:lnR>
+                    <a:lnT w="12700" cap="flat" cmpd="sng" algn="ctr">
+                      <a:solidFill>
+                        <a:schemeClr val="tx1"/>
+                      </a:solidFill>
+                      <a:prstDash val="solid"/>
+                      <a:round/>
+                      <a:headEnd type="none" w="med" len="med"/>
+                      <a:tailEnd type="none" w="med" len="med"/>
+                    </a:lnT>
+                    <a:lnB w="12700" cap="flat" cmpd="sng" algn="ctr">
+                      <a:solidFill>
+                        <a:schemeClr val="tx1"/>
+                      </a:solidFill>
+                      <a:prstDash val="solid"/>
+                      <a:round/>
+                      <a:headEnd type="none" w="med" len="med"/>
+                      <a:tailEnd type="none" w="med" len="med"/>
+                    </a:lnB>
+                    <a:lnTlToBr w="12700" cmpd="sng">
+                      <a:noFill/>
+                      <a:prstDash val="solid"/>
+                    </a:lnTlToBr>
+                    <a:lnBlToTr w="12700" cmpd="sng">
+                      <a:noFill/>
+                      <a:prstDash val="solid"/>
+                    </a:lnBlToTr>
+                  </a:tcPr>
+                </a:tc>
+                <a:tc>
+                  <a:txBody>
+                    <a:bodyPr/>
+                    <a:lstStyle/>
+                    <a:p>
+                      <a:r>
+                        <a:rPr lang="en-US" dirty="0" smtClean="0"/>
+                        <a:t>5</a:t>
+                      </a:r>
+                      <a:endParaRPr lang="en-US" dirty="0"/>
+                    </a:p>
+                  </a:txBody>
+                  <a:tcPr marL="109728" marR="109728">
+                    <a:lnL w="12700" cap="flat" cmpd="sng" algn="ctr">
+                      <a:solidFill>
+                        <a:schemeClr val="tx1"/>
+                      </a:solidFill>
+                      <a:prstDash val="solid"/>
+                      <a:round/>
+                      <a:headEnd type="none" w="med" len="med"/>
+                      <a:tailEnd type="none" w="med" len="med"/>
+                    </a:lnL>
+                    <a:lnR w="12700" cap="flat" cmpd="sng" algn="ctr">
+                      <a:solidFill>
+                        <a:schemeClr val="tx1"/>
+                      </a:solidFill>
+                      <a:prstDash val="solid"/>
+                      <a:round/>
+                      <a:headEnd type="none" w="med" len="med"/>
+                      <a:tailEnd type="none" w="med" len="med"/>
+                    </a:lnR>
+                    <a:lnT w="12700" cap="flat" cmpd="sng" algn="ctr">
+                      <a:solidFill>
+                        <a:schemeClr val="tx1"/>
+                      </a:solidFill>
+                      <a:prstDash val="solid"/>
+                      <a:round/>
+                      <a:headEnd type="none" w="med" len="med"/>
+                      <a:tailEnd type="none" w="med" len="med"/>
+                    </a:lnT>
+                    <a:lnB w="12700" cap="flat" cmpd="sng" algn="ctr">
+                      <a:solidFill>
+                        <a:schemeClr val="tx1"/>
+                      </a:solidFill>
+                      <a:prstDash val="solid"/>
+                      <a:round/>
+                      <a:headEnd type="none" w="med" len="med"/>
+                      <a:tailEnd type="none" w="med" len="med"/>
+                    </a:lnB>
+                    <a:lnTlToBr w="12700" cmpd="sng">
+                      <a:noFill/>
+                      <a:prstDash val="solid"/>
+                    </a:lnTlToBr>
+                    <a:lnBlToTr w="12700" cmpd="sng">
+                      <a:noFill/>
+                      <a:prstDash val="solid"/>
+                    </a:lnBlToTr>
+                  </a:tcPr>
+                </a:tc>
+                <a:tc>
+                  <a:txBody>
+                    <a:bodyPr/>
+                    <a:lstStyle/>
+                    <a:p>
+                      <a:endParaRPr lang="en-US" dirty="0"/>
+                    </a:p>
+                  </a:txBody>
+                  <a:tcPr marL="109728" marR="109728">
+                    <a:lnL w="12700" cap="flat" cmpd="sng" algn="ctr">
+                      <a:solidFill>
+                        <a:schemeClr val="tx1"/>
+                      </a:solidFill>
+                      <a:prstDash val="solid"/>
+                      <a:round/>
+                      <a:headEnd type="none" w="med" len="med"/>
+                      <a:tailEnd type="none" w="med" len="med"/>
+                    </a:lnL>
+                    <a:lnR w="12700" cap="flat" cmpd="sng" algn="ctr">
+                      <a:solidFill>
+                        <a:schemeClr val="tx1"/>
+                      </a:solidFill>
+                      <a:prstDash val="solid"/>
+                      <a:round/>
+                      <a:headEnd type="none" w="med" len="med"/>
+                      <a:tailEnd type="none" w="med" len="med"/>
+                    </a:lnR>
+                    <a:lnT w="12700" cap="flat" cmpd="sng" algn="ctr">
+                      <a:solidFill>
+                        <a:schemeClr val="tx1"/>
+                      </a:solidFill>
+                      <a:prstDash val="solid"/>
+                      <a:round/>
+                      <a:headEnd type="none" w="med" len="med"/>
+                      <a:tailEnd type="none" w="med" len="med"/>
+                    </a:lnT>
+                    <a:lnB w="12700" cap="flat" cmpd="sng" algn="ctr">
+                      <a:solidFill>
+                        <a:schemeClr val="tx1"/>
+                      </a:solidFill>
+                      <a:prstDash val="solid"/>
+                      <a:round/>
+                      <a:headEnd type="none" w="med" len="med"/>
+                      <a:tailEnd type="none" w="med" len="med"/>
+                    </a:lnB>
+                    <a:lnTlToBr w="12700" cmpd="sng">
+                      <a:noFill/>
+                      <a:prstDash val="solid"/>
+                    </a:lnTlToBr>
+                    <a:lnBlToTr w="12700" cmpd="sng">
+                      <a:noFill/>
+                      <a:prstDash val="solid"/>
+                    </a:lnBlToTr>
+                  </a:tcPr>
+                </a:tc>
+                <a:tc>
+                  <a:txBody>
+                    <a:bodyPr/>
+                    <a:lstStyle/>
+                    <a:p>
+                      <a:r>
+                        <a:rPr lang="en-US" dirty="0" smtClean="0"/>
+                        <a:t>1</a:t>
+                      </a:r>
+                      <a:endParaRPr lang="en-US" dirty="0"/>
+                    </a:p>
+                  </a:txBody>
+                  <a:tcPr marL="109728" marR="109728">
+                    <a:lnL w="12700" cap="flat" cmpd="sng" algn="ctr">
+                      <a:solidFill>
+                        <a:schemeClr val="tx1"/>
+                      </a:solidFill>
+                      <a:prstDash val="solid"/>
+                      <a:round/>
+                      <a:headEnd type="none" w="med" len="med"/>
+                      <a:tailEnd type="none" w="med" len="med"/>
+                    </a:lnL>
+                    <a:lnR w="12700" cap="flat" cmpd="sng" algn="ctr">
+                      <a:solidFill>
+                        <a:schemeClr val="tx1"/>
+                      </a:solidFill>
+                      <a:prstDash val="solid"/>
+                      <a:round/>
+                      <a:headEnd type="none" w="med" len="med"/>
+                      <a:tailEnd type="none" w="med" len="med"/>
+                    </a:lnR>
+                    <a:lnT w="12700" cap="flat" cmpd="sng" algn="ctr">
+                      <a:solidFill>
+                        <a:schemeClr val="tx1"/>
+                      </a:solidFill>
+                      <a:prstDash val="solid"/>
+                      <a:round/>
+                      <a:headEnd type="none" w="med" len="med"/>
+                      <a:tailEnd type="none" w="med" len="med"/>
+                    </a:lnT>
+                    <a:lnB w="12700" cap="flat" cmpd="sng" algn="ctr">
+                      <a:solidFill>
+                        <a:schemeClr val="tx1"/>
+                      </a:solidFill>
+                      <a:prstDash val="solid"/>
+                      <a:round/>
+                      <a:headEnd type="none" w="med" len="med"/>
+                      <a:tailEnd type="none" w="med" len="med"/>
+                    </a:lnB>
+                    <a:lnTlToBr w="12700" cmpd="sng">
+                      <a:noFill/>
+                      <a:prstDash val="solid"/>
+                    </a:lnTlToBr>
+                    <a:lnBlToTr w="12700" cmpd="sng">
+                      <a:noFill/>
+                      <a:prstDash val="solid"/>
+                    </a:lnBlToTr>
+                  </a:tcPr>
+                </a:tc>
+              </a:tr>
+              <a:tr h="370840">
+                <a:tc>
+                  <a:txBody>
+                    <a:bodyPr/>
+                    <a:lstStyle/>
+                    <a:p>
+                      <a:r>
+                        <a:rPr lang="en-US" dirty="0" smtClean="0"/>
+                        <a:t>Backup</a:t>
+                      </a:r>
+                      <a:endParaRPr lang="en-US" dirty="0"/>
+                    </a:p>
+                  </a:txBody>
+                  <a:tcPr marL="109728" marR="109728">
+                    <a:lnL w="12700" cmpd="sng">
+                      <a:noFill/>
+                    </a:lnL>
+                    <a:lnR w="12700" cap="flat" cmpd="sng" algn="ctr">
+                      <a:solidFill>
+                        <a:schemeClr val="tx1"/>
+                      </a:solidFill>
+                      <a:prstDash val="solid"/>
+                      <a:round/>
+                      <a:headEnd type="none" w="med" len="med"/>
+                      <a:tailEnd type="none" w="med" len="med"/>
+                    </a:lnR>
+                    <a:lnT w="12700" cmpd="sng">
+                      <a:noFill/>
+                    </a:lnT>
+                    <a:lnB w="12700" cmpd="sng">
+                      <a:noFill/>
+                    </a:lnB>
+                    <a:lnTlToBr w="12700" cmpd="sng">
+                      <a:noFill/>
+                      <a:prstDash val="solid"/>
+                    </a:lnTlToBr>
+                    <a:lnBlToTr w="12700" cmpd="sng">
+                      <a:noFill/>
+                      <a:prstDash val="solid"/>
+                    </a:lnBlToTr>
+                  </a:tcPr>
+                </a:tc>
+                <a:tc>
+                  <a:txBody>
+                    <a:bodyPr/>
+                    <a:lstStyle/>
+                    <a:p>
+                      <a:r>
+                        <a:rPr lang="en-US" dirty="0" smtClean="0"/>
+                        <a:t>2</a:t>
+                      </a:r>
+                      <a:endParaRPr lang="en-US" dirty="0"/>
+                    </a:p>
+                  </a:txBody>
+                  <a:tcPr marL="109728" marR="109728">
+                    <a:lnL w="12700" cap="flat" cmpd="sng" algn="ctr">
+                      <a:solidFill>
+                        <a:schemeClr val="tx1"/>
+                      </a:solidFill>
+                      <a:prstDash val="solid"/>
+                      <a:round/>
+                      <a:headEnd type="none" w="med" len="med"/>
+                      <a:tailEnd type="none" w="med" len="med"/>
+                    </a:lnL>
+                    <a:lnT w="12700" cap="flat" cmpd="sng" algn="ctr">
+                      <a:solidFill>
+                        <a:schemeClr val="tx1"/>
+                      </a:solidFill>
+                      <a:prstDash val="solid"/>
+                      <a:round/>
+                      <a:headEnd type="none" w="med" len="med"/>
+                      <a:tailEnd type="none" w="med" len="med"/>
+                    </a:lnT>
+                  </a:tcPr>
+                </a:tc>
+                <a:tc>
+                  <a:txBody>
+                    <a:bodyPr/>
+                    <a:lstStyle/>
+                    <a:p>
+                      <a:r>
+                        <a:rPr lang="en-US" dirty="0" smtClean="0"/>
+                        <a:t>6</a:t>
+                      </a:r>
+                      <a:endParaRPr lang="en-US" dirty="0"/>
+                    </a:p>
+                  </a:txBody>
+                  <a:tcPr marL="109728" marR="109728">
+                    <a:lnT w="12700" cap="flat" cmpd="sng" algn="ctr">
+                      <a:solidFill>
+                        <a:schemeClr val="tx1"/>
+                      </a:solidFill>
+                      <a:prstDash val="solid"/>
+                      <a:round/>
+                      <a:headEnd type="none" w="med" len="med"/>
+                      <a:tailEnd type="none" w="med" len="med"/>
+                    </a:lnT>
+                  </a:tcPr>
+                </a:tc>
+                <a:tc>
+                  <a:txBody>
+                    <a:bodyPr/>
+                    <a:lstStyle/>
+                    <a:p>
+                      <a:r>
+                        <a:rPr lang="en-US" dirty="0" smtClean="0"/>
+                        <a:t>3</a:t>
+                      </a:r>
+                      <a:endParaRPr lang="en-US" dirty="0"/>
+                    </a:p>
+                  </a:txBody>
+                  <a:tcPr marL="109728" marR="109728">
+                    <a:lnT w="12700" cap="flat" cmpd="sng" algn="ctr">
+                      <a:solidFill>
+                        <a:schemeClr val="tx1"/>
+                      </a:solidFill>
+                      <a:prstDash val="solid"/>
+                      <a:round/>
+                      <a:headEnd type="none" w="med" len="med"/>
+                      <a:tailEnd type="none" w="med" len="med"/>
+                    </a:lnT>
+                  </a:tcPr>
+                </a:tc>
+                <a:tc>
+                  <a:txBody>
+                    <a:bodyPr/>
+                    <a:lstStyle/>
+                    <a:p>
+                      <a:r>
+                        <a:rPr lang="en-US" dirty="0" smtClean="0"/>
+                        <a:t>2</a:t>
+                      </a:r>
+                      <a:endParaRPr lang="en-US" dirty="0"/>
+                    </a:p>
+                  </a:txBody>
+                  <a:tcPr marL="109728" marR="109728">
+                    <a:lnT w="12700" cap="flat" cmpd="sng" algn="ctr">
+                      <a:solidFill>
+                        <a:schemeClr val="tx1"/>
+                      </a:solidFill>
+                      <a:prstDash val="solid"/>
+                      <a:round/>
+                      <a:headEnd type="none" w="med" len="med"/>
+                      <a:tailEnd type="none" w="med" len="med"/>
+                    </a:lnT>
+                  </a:tcPr>
+                </a:tc>
+                <a:tc>
+                  <a:txBody>
+                    <a:bodyPr/>
+                    <a:lstStyle/>
+                    <a:p>
+                      <a:r>
+                        <a:rPr lang="en-US" dirty="0" smtClean="0"/>
+                        <a:t>1</a:t>
+                      </a:r>
+                      <a:endParaRPr lang="en-US" dirty="0"/>
+                    </a:p>
+                  </a:txBody>
+                  <a:tcPr marL="109728" marR="109728">
+                    <a:lnT w="12700" cap="flat" cmpd="sng" algn="ctr">
+                      <a:solidFill>
+                        <a:schemeClr val="tx1"/>
+                      </a:solidFill>
+                      <a:prstDash val="solid"/>
+                      <a:round/>
+                      <a:headEnd type="none" w="med" len="med"/>
+                      <a:tailEnd type="none" w="med" len="med"/>
+                    </a:lnT>
+                  </a:tcPr>
+                </a:tc>
+                <a:tc>
+                  <a:txBody>
+                    <a:bodyPr/>
+                    <a:lstStyle/>
+                    <a:p>
+                      <a:r>
+                        <a:rPr lang="en-US" dirty="0" smtClean="0"/>
+                        <a:t>3</a:t>
+                      </a:r>
+                      <a:endParaRPr lang="en-US" dirty="0"/>
+                    </a:p>
+                  </a:txBody>
+                  <a:tcPr marL="109728" marR="109728">
+                    <a:lnT w="12700" cap="flat" cmpd="sng" algn="ctr">
+                      <a:solidFill>
+                        <a:schemeClr val="tx1"/>
+                      </a:solidFill>
+                      <a:prstDash val="solid"/>
+                      <a:round/>
+                      <a:headEnd type="none" w="med" len="med"/>
+                      <a:tailEnd type="none" w="med" len="med"/>
+                    </a:lnT>
+                  </a:tcPr>
+                </a:tc>
+                <a:tc>
+                  <a:txBody>
+                    <a:bodyPr/>
+                    <a:lstStyle/>
+                    <a:p>
+                      <a:r>
+                        <a:rPr lang="en-US" dirty="0" smtClean="0"/>
+                        <a:t>6</a:t>
+                      </a:r>
+                      <a:endParaRPr lang="en-US" dirty="0"/>
+                    </a:p>
+                  </a:txBody>
+                  <a:tcPr marL="109728" marR="109728">
+                    <a:lnT w="12700" cap="flat" cmpd="sng" algn="ctr">
+                      <a:solidFill>
+                        <a:schemeClr val="tx1"/>
+                      </a:solidFill>
+                      <a:prstDash val="solid"/>
+                      <a:round/>
+                      <a:headEnd type="none" w="med" len="med"/>
+                      <a:tailEnd type="none" w="med" len="med"/>
+                    </a:lnT>
+                  </a:tcPr>
+                </a:tc>
+                <a:tc>
+                  <a:txBody>
+                    <a:bodyPr/>
+                    <a:lstStyle/>
+                    <a:p>
+                      <a:endParaRPr lang="en-US" dirty="0"/>
+                    </a:p>
+                  </a:txBody>
+                  <a:tcPr marL="109728" marR="109728">
+                    <a:lnT w="12700" cap="flat" cmpd="sng" algn="ctr">
+                      <a:solidFill>
+                        <a:schemeClr val="tx1"/>
+                      </a:solidFill>
+                      <a:prstDash val="solid"/>
+                      <a:round/>
+                      <a:headEnd type="none" w="med" len="med"/>
+                      <a:tailEnd type="none" w="med" len="med"/>
+                    </a:lnT>
+                  </a:tcPr>
+                </a:tc>
+                <a:tc>
+                  <a:txBody>
+                    <a:bodyPr/>
+                    <a:lstStyle/>
+                    <a:p>
+                      <a:r>
+                        <a:rPr lang="en-US" dirty="0" smtClean="0"/>
+                        <a:t>9</a:t>
+                      </a:r>
+                      <a:endParaRPr lang="en-US" dirty="0"/>
+                    </a:p>
+                  </a:txBody>
+                  <a:tcPr marL="109728" marR="109728">
+                    <a:lnT w="12700" cap="flat" cmpd="sng" algn="ctr">
+                      <a:solidFill>
+                        <a:schemeClr val="tx1"/>
+                      </a:solidFill>
+                      <a:prstDash val="solid"/>
+                      <a:round/>
+                      <a:headEnd type="none" w="med" len="med"/>
+                      <a:tailEnd type="none" w="med" len="med"/>
+                    </a:lnT>
+                  </a:tcPr>
+                </a:tc>
+              </a:tr>
+            </a:tbl>
+          </a:graphicData>
+        </a:graphic>
+      </p:graphicFrame>
+    </p:spTree>
+    <p:extLst>
+      <p:ext uri="{BB962C8B-B14F-4D97-AF65-F5344CB8AC3E}">
+        <p14:creationId xmlns:p14="http://schemas.microsoft.com/office/powerpoint/2010/main" val="1836120678"/>
       </p:ext>
     </p:extLst>
   </p:cSld>
@@ -19095,7 +16512,7 @@
           <a:p>
             <a:fld id="{E3E2306C-E34F-4492-8C03-BFD178B0B86F}" type="datetime1">
               <a:rPr lang="en-US" smtClean="0"/>
-              <a:t>4/7/2012</a:t>
+              <a:t>4/10/2012</a:t>
             </a:fld>
             <a:endParaRPr lang="en-US"/>
           </a:p>
@@ -19300,7 +16717,7 @@
           <a:p>
             <a:fld id="{E3E2306C-E34F-4492-8C03-BFD178B0B86F}" type="datetime1">
               <a:rPr lang="en-US" smtClean="0"/>
-              <a:t>4/7/2012</a:t>
+              <a:t>4/10/2012</a:t>
             </a:fld>
             <a:endParaRPr lang="en-US"/>
           </a:p>
@@ -20531,7 +17948,7 @@
           <a:p>
             <a:fld id="{E3E2306C-E34F-4492-8C03-BFD178B0B86F}" type="datetime1">
               <a:rPr lang="en-US" smtClean="0"/>
-              <a:t>4/7/2012</a:t>
+              <a:t>4/10/2012</a:t>
             </a:fld>
             <a:endParaRPr lang="en-US"/>
           </a:p>
@@ -21793,7 +19210,7 @@
           <a:p>
             <a:fld id="{E3E2306C-E34F-4492-8C03-BFD178B0B86F}" type="datetime1">
               <a:rPr lang="en-US" smtClean="0"/>
-              <a:t>4/7/2012</a:t>
+              <a:t>4/10/2012</a:t>
             </a:fld>
             <a:endParaRPr lang="en-US"/>
           </a:p>
@@ -23097,7 +20514,7 @@
           <a:p>
             <a:fld id="{E3E2306C-E34F-4492-8C03-BFD178B0B86F}" type="datetime1">
               <a:rPr lang="en-US" smtClean="0"/>
-              <a:t>4/7/2012</a:t>
+              <a:t>4/10/2012</a:t>
             </a:fld>
             <a:endParaRPr lang="en-US"/>
           </a:p>
@@ -24347,7 +21764,7 @@
           <a:p>
             <a:fld id="{E3E2306C-E34F-4492-8C03-BFD178B0B86F}" type="datetime1">
               <a:rPr lang="en-US" smtClean="0"/>
-              <a:t>4/7/2012</a:t>
+              <a:t>4/10/2012</a:t>
             </a:fld>
             <a:endParaRPr lang="en-US"/>
           </a:p>
@@ -24594,7 +22011,7 @@
           <a:p>
             <a:fld id="{E3E2306C-E34F-4492-8C03-BFD178B0B86F}" type="datetime1">
               <a:rPr lang="en-US" smtClean="0"/>
-              <a:t>4/7/2012</a:t>
+              <a:t>4/10/2012</a:t>
             </a:fld>
             <a:endParaRPr lang="en-US"/>
           </a:p>
@@ -27968,7 +25385,7 @@
           <a:p>
             <a:fld id="{E3E2306C-E34F-4492-8C03-BFD178B0B86F}" type="datetime1">
               <a:rPr lang="en-US" smtClean="0"/>
-              <a:t>4/7/2012</a:t>
+              <a:t>4/10/2012</a:t>
             </a:fld>
             <a:endParaRPr lang="en-US"/>
           </a:p>
@@ -28245,7 +25662,7 @@
           <a:p>
             <a:fld id="{E3E2306C-E34F-4492-8C03-BFD178B0B86F}" type="datetime1">
               <a:rPr lang="en-US" smtClean="0"/>
-              <a:t>4/7/2012</a:t>
+              <a:t>4/10/2012</a:t>
             </a:fld>
             <a:endParaRPr lang="en-US"/>
           </a:p>
@@ -28546,7 +25963,7 @@
           <a:p>
             <a:fld id="{E3E2306C-E34F-4492-8C03-BFD178B0B86F}" type="datetime1">
               <a:rPr lang="en-US" smtClean="0"/>
-              <a:t>4/7/2012</a:t>
+              <a:t>4/10/2012</a:t>
             </a:fld>
             <a:endParaRPr lang="en-US"/>
           </a:p>
@@ -28942,7 +26359,7 @@
           <a:p>
             <a:fld id="{E3E2306C-E34F-4492-8C03-BFD178B0B86F}" type="datetime1">
               <a:rPr lang="en-US" smtClean="0"/>
-              <a:t>4/7/2012</a:t>
+              <a:t>4/10/2012</a:t>
             </a:fld>
             <a:endParaRPr lang="en-US"/>
           </a:p>
@@ -30075,7 +27492,7 @@
           <a:p>
             <a:fld id="{E3E2306C-E34F-4492-8C03-BFD178B0B86F}" type="datetime1">
               <a:rPr lang="en-US" smtClean="0"/>
-              <a:t>4/7/2012</a:t>
+              <a:t>4/10/2012</a:t>
             </a:fld>
             <a:endParaRPr lang="en-US"/>
           </a:p>
@@ -30402,7 +27819,7 @@
           <a:p>
             <a:fld id="{D9D502B8-AD58-4FD1-B793-29B56CAC21BC}" type="datetime1">
               <a:rPr lang="en-US" smtClean="0"/>
-              <a:t>4/7/2012</a:t>
+              <a:t>4/10/2012</a:t>
             </a:fld>
             <a:endParaRPr lang="en-US"/>
           </a:p>
@@ -30538,7 +27955,7 @@
           <a:p>
             <a:fld id="{E3E2306C-E34F-4492-8C03-BFD178B0B86F}" type="datetime1">
               <a:rPr lang="en-US" smtClean="0"/>
-              <a:t>4/7/2012</a:t>
+              <a:t>4/10/2012</a:t>
             </a:fld>
             <a:endParaRPr lang="en-US"/>
           </a:p>
@@ -30767,7 +28184,7 @@
           <a:p>
             <a:fld id="{F45CE621-976D-490D-93D6-82BE04FEF33C}" type="datetime1">
               <a:rPr lang="en-US" smtClean="0"/>
-              <a:t>4/7/2012</a:t>
+              <a:t>4/10/2012</a:t>
             </a:fld>
             <a:endParaRPr lang="en-US"/>
           </a:p>
@@ -30951,7 +28368,7 @@
           <a:p>
             <a:fld id="{D9D502B8-AD58-4FD1-B793-29B56CAC21BC}" type="datetime1">
               <a:rPr lang="en-US" smtClean="0"/>
-              <a:t>4/7/2012</a:t>
+              <a:t>4/10/2012</a:t>
             </a:fld>
             <a:endParaRPr lang="en-US"/>
           </a:p>
@@ -31185,7 +28602,7 @@
           <a:p>
             <a:fld id="{D9D502B8-AD58-4FD1-B793-29B56CAC21BC}" type="datetime1">
               <a:rPr lang="en-US" smtClean="0"/>
-              <a:t>4/7/2012</a:t>
+              <a:t>4/10/2012</a:t>
             </a:fld>
             <a:endParaRPr lang="en-US"/>
           </a:p>
@@ -31511,7 +28928,7 @@
           <a:p>
             <a:fld id="{D9D502B8-AD58-4FD1-B793-29B56CAC21BC}" type="datetime1">
               <a:rPr lang="en-US" smtClean="0"/>
-              <a:t>4/7/2012</a:t>
+              <a:t>4/10/2012</a:t>
             </a:fld>
             <a:endParaRPr lang="en-US"/>
           </a:p>
@@ -31706,7 +29123,7 @@
           <a:p>
             <a:fld id="{D9D502B8-AD58-4FD1-B793-29B56CAC21BC}" type="datetime1">
               <a:rPr lang="en-US" smtClean="0"/>
-              <a:t>4/7/2012</a:t>
+              <a:t>4/10/2012</a:t>
             </a:fld>
             <a:endParaRPr lang="en-US"/>
           </a:p>

--- a/Presents/Luongnv.Intro6.0.pptx
+++ b/Presents/Luongnv.Intro6.0.pptx
@@ -5,7 +5,7 @@
     <p:sldMasterId id="2147483648" r:id="rId1"/>
   </p:sldMasterIdLst>
   <p:notesMasterIdLst>
-    <p:notesMasterId r:id="rId31"/>
+    <p:notesMasterId r:id="rId32"/>
   </p:notesMasterIdLst>
   <p:sldIdLst>
     <p:sldId id="256" r:id="rId2"/>
@@ -35,8 +35,9 @@
     <p:sldId id="308" r:id="rId26"/>
     <p:sldId id="309" r:id="rId27"/>
     <p:sldId id="310" r:id="rId28"/>
-    <p:sldId id="262" r:id="rId29"/>
-    <p:sldId id="263" r:id="rId30"/>
+    <p:sldId id="328" r:id="rId29"/>
+    <p:sldId id="262" r:id="rId30"/>
+    <p:sldId id="263" r:id="rId31"/>
   </p:sldIdLst>
   <p:sldSz cx="9144000" cy="6858000" type="screen4x3"/>
   <p:notesSz cx="6858000" cy="9144000"/>
@@ -179,6 +180,7 @@
             <p14:sldId id="308"/>
             <p14:sldId id="309"/>
             <p14:sldId id="310"/>
+            <p14:sldId id="328"/>
           </p14:sldIdLst>
         </p14:section>
         <p14:section name="Conclude" id="{571CEC57-ED48-4FBC-8055-4565DACFEC75}">
@@ -275,7 +277,7 @@
           <a:p>
             <a:fld id="{25F1A227-23B6-4C19-942A-F47326EC29E8}" type="datetimeFigureOut">
               <a:rPr lang="en-US" smtClean="0"/>
-              <a:t>4/10/2012</a:t>
+              <a:t>4/17/2012</a:t>
             </a:fld>
             <a:endParaRPr lang="en-US"/>
           </a:p>
@@ -2370,7 +2372,7 @@
           <a:p>
             <a:fld id="{71052FE1-3B5B-4810-A49E-9809327C23B0}" type="datetime1">
               <a:rPr lang="en-US" smtClean="0"/>
-              <a:t>4/10/2012</a:t>
+              <a:t>4/17/2012</a:t>
             </a:fld>
             <a:endParaRPr lang="en-US"/>
           </a:p>
@@ -2544,7 +2546,7 @@
           <a:p>
             <a:fld id="{6508B24B-3736-46F1-A6CF-41C799FC1BF8}" type="datetime1">
               <a:rPr lang="en-US" smtClean="0"/>
-              <a:t>4/10/2012</a:t>
+              <a:t>4/17/2012</a:t>
             </a:fld>
             <a:endParaRPr lang="en-US"/>
           </a:p>
@@ -2728,7 +2730,7 @@
           <a:p>
             <a:fld id="{737D6933-6F8D-476F-B929-CFD95D14D3FE}" type="datetime1">
               <a:rPr lang="en-US" smtClean="0"/>
-              <a:t>4/10/2012</a:t>
+              <a:t>4/17/2012</a:t>
             </a:fld>
             <a:endParaRPr lang="en-US"/>
           </a:p>
@@ -2929,7 +2931,7 @@
           <a:p>
             <a:fld id="{E3E2306C-E34F-4492-8C03-BFD178B0B86F}" type="datetime1">
               <a:rPr lang="en-US" smtClean="0"/>
-              <a:t>4/10/2012</a:t>
+              <a:t>4/17/2012</a:t>
             </a:fld>
             <a:endParaRPr lang="en-US"/>
           </a:p>
@@ -3215,7 +3217,7 @@
           <a:p>
             <a:fld id="{F45CE621-976D-490D-93D6-82BE04FEF33C}" type="datetime1">
               <a:rPr lang="en-US" smtClean="0"/>
-              <a:t>4/10/2012</a:t>
+              <a:t>4/17/2012</a:t>
             </a:fld>
             <a:endParaRPr lang="en-US"/>
           </a:p>
@@ -3507,7 +3509,7 @@
           <a:p>
             <a:fld id="{24C18882-06AD-4971-A70B-932A9A310951}" type="datetime1">
               <a:rPr lang="en-US" smtClean="0"/>
-              <a:t>4/10/2012</a:t>
+              <a:t>4/17/2012</a:t>
             </a:fld>
             <a:endParaRPr lang="en-US"/>
           </a:p>
@@ -3933,7 +3935,7 @@
           <a:p>
             <a:fld id="{40FDA9CF-AA6A-4460-BD3C-E233BABB6924}" type="datetime1">
               <a:rPr lang="en-US" smtClean="0"/>
-              <a:t>4/10/2012</a:t>
+              <a:t>4/17/2012</a:t>
             </a:fld>
             <a:endParaRPr lang="en-US"/>
           </a:p>
@@ -4055,7 +4057,7 @@
           <a:p>
             <a:fld id="{D9D502B8-AD58-4FD1-B793-29B56CAC21BC}" type="datetime1">
               <a:rPr lang="en-US" smtClean="0"/>
-              <a:t>4/10/2012</a:t>
+              <a:t>4/17/2012</a:t>
             </a:fld>
             <a:endParaRPr lang="en-US"/>
           </a:p>
@@ -4154,7 +4156,7 @@
           <a:p>
             <a:fld id="{B92BDB8E-050F-425D-9DE1-477C1D76FE38}" type="datetime1">
               <a:rPr lang="en-US" smtClean="0"/>
-              <a:t>4/10/2012</a:t>
+              <a:t>4/17/2012</a:t>
             </a:fld>
             <a:endParaRPr lang="en-US"/>
           </a:p>
@@ -4435,7 +4437,7 @@
           <a:p>
             <a:fld id="{4DCF948D-9A0F-45A7-AC2A-0F9D66411295}" type="datetime1">
               <a:rPr lang="en-US" smtClean="0"/>
-              <a:t>4/10/2012</a:t>
+              <a:t>4/17/2012</a:t>
             </a:fld>
             <a:endParaRPr lang="en-US"/>
           </a:p>
@@ -4692,7 +4694,7 @@
           <a:p>
             <a:fld id="{4A21D891-95FB-4F5F-ADE7-5BBBBA77FC22}" type="datetime1">
               <a:rPr lang="en-US" smtClean="0"/>
-              <a:t>4/10/2012</a:t>
+              <a:t>4/17/2012</a:t>
             </a:fld>
             <a:endParaRPr lang="en-US"/>
           </a:p>
@@ -4909,7 +4911,7 @@
           <a:p>
             <a:fld id="{52F776B0-53FF-4CEF-B324-E68B4BDDBC71}" type="datetime1">
               <a:rPr lang="en-US" smtClean="0"/>
-              <a:t>4/10/2012</a:t>
+              <a:t>4/17/2012</a:t>
             </a:fld>
             <a:endParaRPr lang="en-US"/>
           </a:p>
@@ -5435,7 +5437,7 @@
           <a:p>
             <a:fld id="{76501CD9-90AD-4FB7-A953-0FB9DCCFDF2E}" type="datetime1">
               <a:rPr lang="en-US" smtClean="0"/>
-              <a:t>4/10/2012</a:t>
+              <a:t>4/17/2012</a:t>
             </a:fld>
             <a:endParaRPr lang="en-US"/>
           </a:p>
@@ -5763,7 +5765,7 @@
           <a:p>
             <a:fld id="{D9D502B8-AD58-4FD1-B793-29B56CAC21BC}" type="datetime1">
               <a:rPr lang="en-US" smtClean="0"/>
-              <a:t>4/10/2012</a:t>
+              <a:t>4/17/2012</a:t>
             </a:fld>
             <a:endParaRPr lang="en-US"/>
           </a:p>
@@ -5947,8 +5949,8 @@
           </a:p>
         </p:txBody>
       </p:sp>
-      <mc:AlternateContent xmlns:mc="http://schemas.openxmlformats.org/markup-compatibility/2006" xmlns:a14="http://schemas.microsoft.com/office/drawing/2010/main">
-        <mc:Choice Requires="a14">
+      <mc:AlternateContent xmlns:mc="http://schemas.openxmlformats.org/markup-compatibility/2006">
+        <mc:Choice xmlns:a14="http://schemas.microsoft.com/office/drawing/2010/main" Requires="a14">
           <p:sp>
             <p:nvSpPr>
               <p:cNvPr id="7" name="Content Placeholder 6"/>
@@ -6258,13 +6260,49 @@
                 </a:r>
                 <a:r>
                   <a:rPr lang="en-US" dirty="0" smtClean="0"/>
-                  <a:t> d</a:t>
+                  <a:t> </a:t>
+                </a:r>
+                <a:r>
+                  <a:rPr lang="en-US" dirty="0" err="1" smtClean="0"/>
+                  <a:t>d</a:t>
+                </a:r>
+                <a:r>
+                  <a:rPr lang="en-US" sz="2800" baseline="-25000" dirty="0" err="1" smtClean="0"/>
+                  <a:t>i</a:t>
+                </a:r>
+                <a:r>
+                  <a:rPr lang="en-US" sz="2800" dirty="0" err="1" smtClean="0"/>
+                  <a:t>,</a:t>
+                </a:r>
+                <a:r>
+                  <a:rPr lang="en-US" dirty="0" err="1" smtClean="0"/>
+                  <a:t>o</a:t>
+                </a:r>
+                <a:r>
+                  <a:rPr lang="en-US" sz="2800" baseline="-25000" dirty="0" err="1" smtClean="0"/>
+                  <a:t>i</a:t>
+                </a:r>
+                <a:r>
+                  <a:rPr lang="en-US" dirty="0" err="1" smtClean="0"/>
+                  <a:t>,d</a:t>
+                </a:r>
+                <a:r>
+                  <a:rPr lang="en-US" sz="2800" baseline="-25000" dirty="0" err="1" smtClean="0"/>
+                  <a:t>i</a:t>
                 </a:r>
                 <a:r>
                   <a:rPr lang="en-US" sz="2800" baseline="-25000" dirty="0" smtClean="0"/>
-                  <a:t>i</a:t>
+                  <a:t> </a:t>
                 </a:r>
-                <a:endParaRPr lang="en-US" b="1" dirty="0" smtClean="0">
+                <a:r>
+                  <a:rPr lang="en-US" dirty="0" smtClean="0"/>
+                  <a:t>∈ V</a:t>
+                </a:r>
+                <a:r>
+                  <a:rPr lang="en-US" baseline="-25000" dirty="0" smtClean="0"/>
+                  <a:t>1</a:t>
+                </a:r>
+                <a:endParaRPr lang="en-US" b="1" baseline="-25000" dirty="0" smtClean="0">
                   <a:solidFill>
                     <a:srgbClr val="FF0000"/>
                   </a:solidFill>
@@ -6383,7 +6421,7 @@
                 </a:r>
                 <a:r>
                   <a:rPr lang="en-US" dirty="0" err="1" smtClean="0"/>
-                  <a:t>phân</a:t>
+                  <a:t>rời</a:t>
                 </a:r>
                 <a:r>
                   <a:rPr lang="en-US" dirty="0" smtClean="0"/>
@@ -6391,7 +6429,7 @@
                 </a:r>
                 <a:r>
                   <a:rPr lang="en-US" dirty="0" err="1" smtClean="0"/>
-                  <a:t>biệt</a:t>
+                  <a:t>rạc</a:t>
                 </a:r>
                 <a:r>
                   <a:rPr lang="en-US" dirty="0" smtClean="0"/>
@@ -6399,7 +6437,23 @@
                 </a:r>
                 <a:r>
                   <a:rPr lang="en-US" dirty="0" err="1" smtClean="0"/>
-                  <a:t>nút</a:t>
+                  <a:t>không</a:t>
+                </a:r>
+                <a:r>
+                  <a:rPr lang="en-US" dirty="0" smtClean="0"/>
+                  <a:t> </a:t>
+                </a:r>
+                <a:r>
+                  <a:rPr lang="en-US" dirty="0" err="1" smtClean="0"/>
+                  <a:t>chung</a:t>
+                </a:r>
+                <a:r>
+                  <a:rPr lang="en-US" dirty="0" smtClean="0"/>
+                  <a:t> </a:t>
+                </a:r>
+                <a:r>
+                  <a:rPr lang="en-US" dirty="0" err="1" smtClean="0"/>
+                  <a:t>đỉnh</a:t>
                 </a:r>
                 <a:r>
                   <a:rPr lang="en-US" dirty="0" smtClean="0"/>
@@ -6486,14 +6540,40 @@
                 </a:r>
               </a:p>
               <a:p>
-                <a:pPr lvl="1"/>
+                <a:pPr marL="457200" lvl="1" indent="0">
+                  <a:buNone/>
+                </a:pPr>
                 <a:r>
                   <a:rPr lang="en-US" dirty="0" err="1" smtClean="0"/>
-                  <a:t>Mỗi</a:t>
+                  <a:t>Với</a:t>
                 </a:r>
                 <a:r>
                   <a:rPr lang="en-US" dirty="0" smtClean="0"/>
-                  <a:t> request </a:t>
+                  <a:t> </a:t>
+                </a:r>
+                <a:r>
+                  <a:rPr lang="en-US" dirty="0" err="1" smtClean="0"/>
+                  <a:t>mỗi</a:t>
+                </a:r>
+                <a:r>
+                  <a:rPr lang="en-US" dirty="0" smtClean="0"/>
+                  <a:t> </a:t>
+                </a:r>
+                <a:r>
+                  <a:rPr lang="en-US" dirty="0" err="1" smtClean="0"/>
+                  <a:t>yêu</a:t>
+                </a:r>
+                <a:r>
+                  <a:rPr lang="en-US" dirty="0" smtClean="0"/>
+                  <a:t> </a:t>
+                </a:r>
+                <a:r>
+                  <a:rPr lang="en-US" dirty="0" err="1" smtClean="0"/>
+                  <a:t>cầu</a:t>
+                </a:r>
+                <a:r>
+                  <a:rPr lang="en-US" dirty="0" smtClean="0"/>
+                  <a:t> </a:t>
                 </a:r>
                 <a:r>
                   <a:rPr lang="en-US" dirty="0" err="1" smtClean="0"/>
@@ -6509,7 +6589,15 @@
                 </a:r>
                 <a:r>
                   <a:rPr lang="en-US" dirty="0" err="1" smtClean="0"/>
-                  <a:t>có</a:t>
+                  <a:t>cần</a:t>
+                </a:r>
+                <a:r>
+                  <a:rPr lang="en-US" dirty="0" smtClean="0"/>
+                  <a:t> </a:t>
+                </a:r>
+                <a:r>
+                  <a:rPr lang="en-US" dirty="0" err="1" smtClean="0"/>
+                  <a:t>tìm</a:t>
                 </a:r>
                 <a:r>
                   <a:rPr lang="en-US" dirty="0" smtClean="0"/>
@@ -6529,7 +6617,7 @@
                       <a:srgbClr val="FF0000"/>
                     </a:solidFill>
                   </a:rPr>
-                  <a:t>phân</a:t>
+                  <a:t>đi</a:t>
                 </a:r>
                 <a:r>
                   <a:rPr lang="en-US" b="1" dirty="0" smtClean="0">
@@ -6545,7 +6633,7 @@
                       <a:srgbClr val="FF0000"/>
                     </a:solidFill>
                   </a:rPr>
-                  <a:t>biệt</a:t>
+                  <a:t>rời</a:t>
                 </a:r>
                 <a:r>
                   <a:rPr lang="en-US" b="1" dirty="0" smtClean="0">
@@ -6561,7 +6649,55 @@
                       <a:srgbClr val="FF0000"/>
                     </a:solidFill>
                   </a:rPr>
-                  <a:t>nút</a:t>
+                  <a:t>rạc</a:t>
+                </a:r>
+                <a:r>
+                  <a:rPr lang="en-US" b="1" dirty="0" smtClean="0">
+                    <a:solidFill>
+                      <a:srgbClr val="FF0000"/>
+                    </a:solidFill>
+                  </a:rPr>
+                  <a:t> </a:t>
+                </a:r>
+                <a:r>
+                  <a:rPr lang="en-US" b="1" dirty="0" err="1" smtClean="0">
+                    <a:solidFill>
+                      <a:srgbClr val="FF0000"/>
+                    </a:solidFill>
+                  </a:rPr>
+                  <a:t>không</a:t>
+                </a:r>
+                <a:r>
+                  <a:rPr lang="en-US" b="1" dirty="0" smtClean="0">
+                    <a:solidFill>
+                      <a:srgbClr val="FF0000"/>
+                    </a:solidFill>
+                  </a:rPr>
+                  <a:t> </a:t>
+                </a:r>
+                <a:r>
+                  <a:rPr lang="en-US" b="1" dirty="0" err="1" smtClean="0">
+                    <a:solidFill>
+                      <a:srgbClr val="FF0000"/>
+                    </a:solidFill>
+                  </a:rPr>
+                  <a:t>chung</a:t>
+                </a:r>
+                <a:r>
+                  <a:rPr lang="en-US" b="1" dirty="0" smtClean="0">
+                    <a:solidFill>
+                      <a:srgbClr val="FF0000"/>
+                    </a:solidFill>
+                  </a:rPr>
+                  <a:t> </a:t>
+                </a:r>
+                <a:r>
+                  <a:rPr lang="en-US" b="1" dirty="0" err="1" smtClean="0">
+                    <a:solidFill>
+                      <a:srgbClr val="FF0000"/>
+                    </a:solidFill>
+                  </a:rPr>
+                  <a:t>đỉnh</a:t>
                 </a:r>
                 <a:r>
                   <a:rPr lang="en-US" b="1" dirty="0" smtClean="0">
@@ -6723,7 +6859,7 @@
             </p:txBody>
           </p:sp>
         </mc:Choice>
-        <mc:Fallback xmlns="">
+        <mc:Fallback>
           <p:sp>
             <p:nvSpPr>
               <p:cNvPr id="7" name="Content Placeholder 6"/>
@@ -6778,7 +6914,7 @@
           <a:p>
             <a:fld id="{D9D502B8-AD58-4FD1-B793-29B56CAC21BC}" type="datetime1">
               <a:rPr lang="en-US" smtClean="0"/>
-              <a:t>4/10/2012</a:t>
+              <a:t>4/17/2012</a:t>
             </a:fld>
             <a:endParaRPr lang="en-US"/>
           </a:p>
@@ -6922,7 +7058,7 @@
           <a:p>
             <a:fld id="{D9D502B8-AD58-4FD1-B793-29B56CAC21BC}" type="datetime1">
               <a:rPr lang="en-US" smtClean="0"/>
-              <a:t>4/10/2012</a:t>
+              <a:t>4/17/2012</a:t>
             </a:fld>
             <a:endParaRPr lang="en-US"/>
           </a:p>
@@ -7349,8 +7485,149 @@
             </a:r>
             <a:r>
               <a:rPr lang="en-US" dirty="0" smtClean="0"/>
+              <a:t>)(</a:t>
+            </a:r>
+            <a:r>
+              <a:rPr lang="en-US" dirty="0" err="1" smtClean="0"/>
+              <a:t>tên</a:t>
+            </a:r>
+            <a:r>
+              <a:rPr lang="en-US" dirty="0" smtClean="0"/>
+              <a:t> </a:t>
+            </a:r>
+            <a:r>
+              <a:rPr lang="en-US" dirty="0" err="1" smtClean="0"/>
+              <a:t>tác</a:t>
+            </a:r>
+            <a:r>
+              <a:rPr lang="en-US" dirty="0" smtClean="0"/>
+              <a:t> </a:t>
+            </a:r>
+            <a:r>
+              <a:rPr lang="en-US" dirty="0" err="1" smtClean="0"/>
+              <a:t>giả-năm</a:t>
+            </a:r>
+            <a:r>
+              <a:rPr lang="en-US" dirty="0"/>
+              <a:t> </a:t>
+            </a:r>
+            <a:r>
+              <a:rPr lang="en-US" dirty="0" smtClean="0"/>
+              <a:t>-&gt; </a:t>
+            </a:r>
+            <a:r>
+              <a:rPr lang="en-US" dirty="0" err="1" smtClean="0"/>
+              <a:t>Cuối</a:t>
+            </a:r>
+            <a:r>
+              <a:rPr lang="en-US" dirty="0" smtClean="0"/>
+              <a:t> </a:t>
+            </a:r>
+            <a:r>
+              <a:rPr lang="en-US" dirty="0" err="1" smtClean="0"/>
+              <a:t>bài</a:t>
+            </a:r>
+            <a:r>
+              <a:rPr lang="en-US" dirty="0" smtClean="0"/>
+              <a:t> </a:t>
+            </a:r>
+            <a:r>
+              <a:rPr lang="en-US" dirty="0" err="1" smtClean="0"/>
+              <a:t>ghi</a:t>
+            </a:r>
+            <a:r>
+              <a:rPr lang="en-US" dirty="0" smtClean="0"/>
+              <a:t> </a:t>
+            </a:r>
+            <a:r>
+              <a:rPr lang="en-US" dirty="0" err="1" smtClean="0"/>
+              <a:t>đầy</a:t>
+            </a:r>
+            <a:r>
+              <a:rPr lang="en-US" dirty="0" smtClean="0"/>
+              <a:t> </a:t>
+            </a:r>
+            <a:r>
+              <a:rPr lang="en-US" dirty="0" err="1" smtClean="0"/>
+              <a:t>đủ</a:t>
+            </a:r>
+            <a:r>
+              <a:rPr lang="en-US" dirty="0" smtClean="0"/>
+              <a:t>: </a:t>
+            </a:r>
+            <a:r>
+              <a:rPr lang="en-US" dirty="0" err="1" smtClean="0"/>
+              <a:t>tên</a:t>
+            </a:r>
+            <a:r>
+              <a:rPr lang="en-US" dirty="0" smtClean="0"/>
+              <a:t> </a:t>
+            </a:r>
+            <a:r>
+              <a:rPr lang="en-US" dirty="0" err="1" smtClean="0"/>
+              <a:t>tác</a:t>
+            </a:r>
+            <a:r>
+              <a:rPr lang="en-US" dirty="0" smtClean="0"/>
+              <a:t> </a:t>
+            </a:r>
+            <a:r>
+              <a:rPr lang="en-US" dirty="0" err="1" smtClean="0"/>
+              <a:t>giả</a:t>
+            </a:r>
+            <a:r>
+              <a:rPr lang="en-US" dirty="0" smtClean="0"/>
+              <a:t> - </a:t>
+            </a:r>
+            <a:r>
+              <a:rPr lang="en-US" dirty="0" err="1" smtClean="0"/>
+              <a:t>tên</a:t>
+            </a:r>
+            <a:r>
+              <a:rPr lang="en-US" dirty="0" smtClean="0"/>
+              <a:t> </a:t>
+            </a:r>
+            <a:r>
+              <a:rPr lang="en-US" dirty="0" err="1" smtClean="0"/>
+              <a:t>bài</a:t>
+            </a:r>
+            <a:r>
+              <a:rPr lang="en-US" dirty="0" smtClean="0"/>
+              <a:t> </a:t>
+            </a:r>
+            <a:r>
+              <a:rPr lang="en-US" dirty="0" err="1" smtClean="0"/>
+              <a:t>báo</a:t>
+            </a:r>
+            <a:r>
+              <a:rPr lang="en-US" dirty="0" smtClean="0"/>
+              <a:t>- </a:t>
+            </a:r>
+            <a:r>
+              <a:rPr lang="en-US" dirty="0" err="1" smtClean="0"/>
+              <a:t>hội</a:t>
+            </a:r>
+            <a:r>
+              <a:rPr lang="en-US" dirty="0" smtClean="0"/>
+              <a:t> </a:t>
+            </a:r>
+            <a:r>
+              <a:rPr lang="en-US" dirty="0" err="1" smtClean="0"/>
+              <a:t>thảo-năm-số</a:t>
+            </a:r>
+            <a:r>
+              <a:rPr lang="en-US" dirty="0" smtClean="0"/>
+              <a:t> </a:t>
+            </a:r>
+            <a:r>
+              <a:rPr lang="en-US" dirty="0" err="1" smtClean="0"/>
+              <a:t>trang</a:t>
+            </a:r>
+            <a:r>
+              <a:rPr lang="en-US" dirty="0" smtClean="0"/>
               <a:t>)</a:t>
             </a:r>
+            <a:endParaRPr lang="en-US" dirty="0" smtClean="0"/>
           </a:p>
           <a:p>
             <a:r>
@@ -7592,8 +7869,25 @@
             </a:r>
             <a:r>
               <a:rPr lang="en-US" dirty="0" smtClean="0"/>
-              <a:t>.</a:t>
-            </a:r>
+              <a:t>. (</a:t>
+            </a:r>
+            <a:r>
+              <a:rPr lang="en-US" dirty="0" err="1" smtClean="0"/>
+              <a:t>Giải</a:t>
+            </a:r>
+            <a:r>
+              <a:rPr lang="en-US" dirty="0" smtClean="0"/>
+              <a:t> </a:t>
+            </a:r>
+            <a:r>
+              <a:rPr lang="en-US" dirty="0" err="1" smtClean="0"/>
+              <a:t>thích</a:t>
+            </a:r>
+            <a:r>
+              <a:rPr lang="en-US" dirty="0" smtClean="0"/>
+              <a:t>)</a:t>
+            </a:r>
+            <a:endParaRPr lang="en-US" dirty="0" smtClean="0"/>
           </a:p>
         </p:txBody>
       </p:sp>
@@ -7614,7 +7908,7 @@
           <a:p>
             <a:fld id="{D9D502B8-AD58-4FD1-B793-29B56CAC21BC}" type="datetime1">
               <a:rPr lang="en-US" smtClean="0"/>
-              <a:t>4/10/2012</a:t>
+              <a:t>4/17/2012</a:t>
             </a:fld>
             <a:endParaRPr lang="en-US"/>
           </a:p>
@@ -7784,7 +8078,7 @@
           <a:p>
             <a:fld id="{E3E2306C-E34F-4492-8C03-BFD178B0B86F}" type="datetime1">
               <a:rPr lang="en-US" smtClean="0"/>
-              <a:t>4/10/2012</a:t>
+              <a:t>4/17/2012</a:t>
             </a:fld>
             <a:endParaRPr lang="en-US"/>
           </a:p>
@@ -7895,11 +8189,7 @@
             </a:r>
             <a:r>
               <a:rPr lang="en-US" dirty="0" smtClean="0"/>
-              <a:t>. </a:t>
-            </a:r>
-            <a:r>
-              <a:rPr lang="en-US" dirty="0" smtClean="0"/>
-              <a:t>CÁC NGHIÊN CỨU LIÊN QUAN</a:t>
+              <a:t>. CÁC NGHIÊN CỨU LIÊN QUAN</a:t>
             </a:r>
             <a:endParaRPr lang="en-US" b="1" dirty="0"/>
           </a:p>
@@ -7922,7 +8212,7 @@
           <a:p>
             <a:fld id="{D9D502B8-AD58-4FD1-B793-29B56CAC21BC}" type="datetime1">
               <a:rPr lang="en-US" smtClean="0"/>
-              <a:t>4/10/2012</a:t>
+              <a:t>4/17/2012</a:t>
             </a:fld>
             <a:endParaRPr lang="en-US"/>
           </a:p>
@@ -7983,14 +8273,14 @@
           <p:nvPr>
             <p:extLst>
               <p:ext uri="{D42A27DB-BD31-4B8C-83A1-F6EECF244321}">
-                <p14:modId xmlns:p14="http://schemas.microsoft.com/office/powerpoint/2010/main" val="2455799318"/>
+                <p14:modId xmlns:p14="http://schemas.microsoft.com/office/powerpoint/2010/main" val="2569415721"/>
               </p:ext>
             </p:extLst>
           </p:nvPr>
         </p:nvGraphicFramePr>
         <p:xfrm>
           <a:off x="533400" y="1397000"/>
-          <a:ext cx="8153400" cy="4622802"/>
+          <a:ext cx="8153400" cy="4766735"/>
         </p:xfrm>
         <a:graphic>
           <a:graphicData uri="http://schemas.openxmlformats.org/drawingml/2006/table">
@@ -8125,7 +8415,67 @@
                     <a:bodyPr/>
                     <a:lstStyle/>
                     <a:p>
-                      <a:endParaRPr lang="en-US"/>
+                      <a:endParaRPr lang="en-US" dirty="0"/>
+                    </a:p>
+                  </a:txBody>
+                  <a:tcPr/>
+                </a:tc>
+                <a:tc>
+                  <a:txBody>
+                    <a:bodyPr/>
+                    <a:lstStyle/>
+                    <a:p>
+                      <a:r>
+                        <a:rPr lang="en-US" dirty="0" smtClean="0"/>
+                        <a:t>Brach</a:t>
+                      </a:r>
+                      <a:r>
+                        <a:rPr lang="en-US" baseline="0" dirty="0" smtClean="0"/>
+                        <a:t> and cut</a:t>
+                      </a:r>
+                      <a:endParaRPr lang="en-US" dirty="0"/>
+                    </a:p>
+                  </a:txBody>
+                  <a:tcPr/>
+                </a:tc>
+                <a:tc>
+                  <a:txBody>
+                    <a:bodyPr/>
+                    <a:lstStyle/>
+                    <a:p>
+                      <a:r>
+                        <a:rPr lang="en-US" dirty="0" smtClean="0"/>
+                        <a:t>V1: 10</a:t>
+                      </a:r>
+                    </a:p>
+                    <a:p>
+                      <a:r>
+                        <a:rPr lang="en-US" dirty="0" smtClean="0"/>
+                        <a:t>V2: 12</a:t>
+                      </a:r>
+                    </a:p>
+                    <a:p>
+                      <a:r>
+                        <a:rPr lang="en-US" dirty="0" smtClean="0"/>
+                        <a:t>T:</a:t>
+                      </a:r>
+                      <a:r>
+                        <a:rPr lang="en-US" baseline="0" dirty="0" smtClean="0"/>
+                        <a:t> 25</a:t>
+                      </a:r>
+                      <a:endParaRPr lang="en-US" dirty="0"/>
+                    </a:p>
+                  </a:txBody>
+                  <a:tcPr/>
+                </a:tc>
+              </a:tr>
+              <a:tr h="770467">
+                <a:tc>
+                  <a:txBody>
+                    <a:bodyPr/>
+                    <a:lstStyle/>
+                    <a:p>
+                      <a:endParaRPr lang="en-US" dirty="0"/>
                     </a:p>
                   </a:txBody>
                   <a:tcPr/>
@@ -8157,39 +8507,7 @@
                     <a:bodyPr/>
                     <a:lstStyle/>
                     <a:p>
-                      <a:endParaRPr lang="en-US"/>
-                    </a:p>
-                  </a:txBody>
-                  <a:tcPr/>
-                </a:tc>
-                <a:tc>
-                  <a:txBody>
-                    <a:bodyPr/>
-                    <a:lstStyle/>
-                    <a:p>
-                      <a:endParaRPr lang="en-US"/>
-                    </a:p>
-                  </a:txBody>
-                  <a:tcPr/>
-                </a:tc>
-                <a:tc>
-                  <a:txBody>
-                    <a:bodyPr/>
-                    <a:lstStyle/>
-                    <a:p>
-                      <a:endParaRPr lang="en-US"/>
-                    </a:p>
-                  </a:txBody>
-                  <a:tcPr/>
-                </a:tc>
-              </a:tr>
-              <a:tr h="770467">
-                <a:tc>
-                  <a:txBody>
-                    <a:bodyPr/>
-                    <a:lstStyle/>
-                    <a:p>
-                      <a:endParaRPr lang="en-US"/>
+                      <a:endParaRPr lang="en-US" dirty="0"/>
                     </a:p>
                   </a:txBody>
                   <a:tcPr/>
@@ -8394,7 +8712,7 @@
           <a:p>
             <a:fld id="{E3E2306C-E34F-4492-8C03-BFD178B0B86F}" type="datetime1">
               <a:rPr lang="en-US" smtClean="0"/>
-              <a:t>4/10/2012</a:t>
+              <a:t>4/17/2012</a:t>
             </a:fld>
             <a:endParaRPr lang="en-US"/>
           </a:p>
@@ -8506,15 +8824,7 @@
             </a:r>
             <a:r>
               <a:rPr lang="en-US" sz="2800" b="0" dirty="0" smtClean="0"/>
-              <a:t>. </a:t>
-            </a:r>
-            <a:r>
-              <a:rPr lang="en-US" sz="2800" b="0" dirty="0" smtClean="0"/>
-              <a:t>GIẢI THUẬT </a:t>
-            </a:r>
-            <a:r>
-              <a:rPr lang="en-US" sz="2800" b="0" dirty="0" smtClean="0"/>
-              <a:t>DI TRUYỀN </a:t>
+              <a:t>. GIẢI THUẬT DI TRUYỀN </a:t>
             </a:r>
             <a:endParaRPr lang="en-US" sz="2800" b="0" dirty="0"/>
           </a:p>
@@ -8752,7 +9062,7 @@
           <a:p>
             <a:fld id="{D9D502B8-AD58-4FD1-B793-29B56CAC21BC}" type="datetime1">
               <a:rPr lang="en-US" smtClean="0"/>
-              <a:t>4/10/2012</a:t>
+              <a:t>4/17/2012</a:t>
             </a:fld>
             <a:endParaRPr lang="en-US"/>
           </a:p>
@@ -10333,7 +10643,7 @@
           <a:p>
             <a:fld id="{E3E2306C-E34F-4492-8C03-BFD178B0B86F}" type="datetime1">
               <a:rPr lang="en-US" smtClean="0"/>
-              <a:t>4/10/2012</a:t>
+              <a:t>4/17/2012</a:t>
             </a:fld>
             <a:endParaRPr lang="en-US"/>
           </a:p>
@@ -12244,7 +12554,7 @@
           <a:p>
             <a:fld id="{E3E2306C-E34F-4492-8C03-BFD178B0B86F}" type="datetime1">
               <a:rPr lang="en-US" smtClean="0"/>
-              <a:t>4/10/2012</a:t>
+              <a:t>4/17/2012</a:t>
             </a:fld>
             <a:endParaRPr lang="en-US"/>
           </a:p>
@@ -12412,7 +12722,7 @@
         <p:spPr>
           <a:xfrm>
             <a:off x="2895600" y="4150027"/>
-            <a:ext cx="2836161" cy="615553"/>
+            <a:ext cx="2813847" cy="615553"/>
           </a:xfrm>
           <a:prstGeom prst="rect">
             <a:avLst/>
@@ -12465,7 +12775,7 @@
             </a:r>
             <a:r>
               <a:rPr lang="en-US" sz="1600" dirty="0" err="1" smtClean="0"/>
-              <a:t>cạnh</a:t>
+              <a:t>đỉnh</a:t>
             </a:r>
             <a:r>
               <a:rPr lang="en-US" sz="1600" dirty="0" smtClean="0"/>
@@ -12479,6 +12789,7 @@
               <a:rPr lang="en-US" sz="1600" dirty="0" smtClean="0"/>
               <a:t> gen</a:t>
             </a:r>
+            <a:endParaRPr lang="en-US" sz="1600" dirty="0" smtClean="0"/>
           </a:p>
         </p:txBody>
       </p:sp>
@@ -12742,7 +13053,7 @@
           <a:p>
             <a:fld id="{D9D502B8-AD58-4FD1-B793-29B56CAC21BC}" type="datetime1">
               <a:rPr lang="en-US" smtClean="0"/>
-              <a:t>4/10/2012</a:t>
+              <a:t>4/17/2012</a:t>
             </a:fld>
             <a:endParaRPr lang="en-US"/>
           </a:p>
@@ -12968,7 +13279,7 @@
           <a:p>
             <a:fld id="{E3E2306C-E34F-4492-8C03-BFD178B0B86F}" type="datetime1">
               <a:rPr lang="en-US" smtClean="0"/>
-              <a:t>4/10/2012</a:t>
+              <a:t>4/17/2012</a:t>
             </a:fld>
             <a:endParaRPr lang="en-US"/>
           </a:p>
@@ -13056,15 +13367,11 @@
               </a:rPr>
               <a:t>:</a:t>
             </a:r>
-            <a:endParaRPr lang="en-US" sz="2400" dirty="0" smtClean="0">
-              <a:latin typeface="Times New Roman" pitchFamily="18" charset="0"/>
-              <a:cs typeface="Times New Roman" pitchFamily="18" charset="0"/>
-            </a:endParaRPr>
           </a:p>
         </p:txBody>
       </p:sp>
-      <mc:AlternateContent xmlns:mc="http://schemas.openxmlformats.org/markup-compatibility/2006">
-        <mc:Choice xmlns:a14="http://schemas.microsoft.com/office/drawing/2010/main" Requires="a14">
+      <mc:AlternateContent xmlns:mc="http://schemas.openxmlformats.org/markup-compatibility/2006" xmlns:a14="http://schemas.microsoft.com/office/drawing/2010/main">
+        <mc:Choice Requires="a14">
           <p:sp>
             <p:nvSpPr>
               <p:cNvPr id="9" name="Rectangle 8"/>
@@ -13086,6 +13393,7 @@
               </a:bodyPr>
               <a:lstStyle/>
               <a:p>
+                <a:pPr/>
                 <a14:m>
                   <m:oMathPara xmlns:m="http://schemas.openxmlformats.org/officeDocument/2006/math">
                     <m:oMathParaPr>
@@ -13093,11 +13401,15 @@
                     </m:oMathParaPr>
                     <m:oMath xmlns:m="http://schemas.openxmlformats.org/officeDocument/2006/math">
                       <m:r>
-                        <a:rPr lang="en-US" i="1"/>
+                        <a:rPr lang="en-US" i="1">
+                          <a:latin typeface="Cambria Math"/>
+                        </a:rPr>
                         <m:t>𝐹</m:t>
                       </m:r>
                       <m:r>
-                        <a:rPr lang="en-US" i="1"/>
+                        <a:rPr lang="en-US" i="1">
+                          <a:latin typeface="Cambria Math"/>
+                        </a:rPr>
                         <m:t>=</m:t>
                       </m:r>
                       <m:nary>
@@ -13105,51 +13417,69 @@
                           <m:chr m:val="∑"/>
                           <m:limLoc m:val="undOvr"/>
                           <m:ctrlPr>
-                            <a:rPr lang="en-US" i="1"/>
+                            <a:rPr lang="en-US" i="1">
+                              <a:latin typeface="Cambria Math"/>
+                            </a:rPr>
                           </m:ctrlPr>
                         </m:naryPr>
                         <m:sub>
                           <m:r>
-                            <a:rPr lang="en-US" i="1"/>
+                            <a:rPr lang="en-US" i="1">
+                              <a:latin typeface="Cambria Math"/>
+                            </a:rPr>
                             <m:t>1</m:t>
                           </m:r>
                         </m:sub>
                         <m:sup>
                           <m:r>
-                            <a:rPr lang="en-US" i="1"/>
+                            <a:rPr lang="en-US" i="1">
+                              <a:latin typeface="Cambria Math"/>
+                            </a:rPr>
                             <m:t>𝑘</m:t>
                           </m:r>
                         </m:sup>
                         <m:e>
                           <m:r>
-                            <a:rPr lang="en-US" i="1"/>
+                            <a:rPr lang="en-US" i="1">
+                              <a:latin typeface="Cambria Math"/>
+                            </a:rPr>
                             <m:t>𝑤</m:t>
                           </m:r>
                           <m:r>
-                            <a:rPr lang="en-US" i="1"/>
+                            <a:rPr lang="en-US" i="1">
+                              <a:latin typeface="Cambria Math"/>
+                            </a:rPr>
                             <m:t>(</m:t>
                           </m:r>
                           <m:sSub>
                             <m:sSubPr>
                               <m:ctrlPr>
-                                <a:rPr lang="en-US" i="1"/>
+                                <a:rPr lang="en-US" i="1">
+                                  <a:latin typeface="Cambria Math"/>
+                                </a:rPr>
                               </m:ctrlPr>
                             </m:sSubPr>
                             <m:e>
                               <m:r>
-                                <a:rPr lang="en-US" i="1"/>
+                                <a:rPr lang="en-US" i="1">
+                                  <a:latin typeface="Cambria Math"/>
+                                </a:rPr>
                                 <m:t>𝑡</m:t>
                               </m:r>
                             </m:e>
                             <m:sub>
                               <m:r>
-                                <a:rPr lang="en-US" i="1"/>
+                                <a:rPr lang="en-US" i="1">
+                                  <a:latin typeface="Cambria Math"/>
+                                </a:rPr>
                                 <m:t>𝑖</m:t>
                               </m:r>
                             </m:sub>
                           </m:sSub>
                           <m:r>
-                            <a:rPr lang="en-US" i="1"/>
+                            <a:rPr lang="en-US" i="1">
+                              <a:latin typeface="Cambria Math"/>
+                            </a:rPr>
                             <m:t>)</m:t>
                           </m:r>
                         </m:e>
@@ -13162,7 +13492,7 @@
             </p:txBody>
           </p:sp>
         </mc:Choice>
-        <mc:Fallback>
+        <mc:Fallback xmlns="">
           <p:sp>
             <p:nvSpPr>
               <p:cNvPr id="9" name="Rectangle 8"/>
@@ -13201,8 +13531,8 @@
           </p:sp>
         </mc:Fallback>
       </mc:AlternateContent>
-      <mc:AlternateContent xmlns:mc="http://schemas.openxmlformats.org/markup-compatibility/2006">
-        <mc:Choice xmlns:a14="http://schemas.microsoft.com/office/drawing/2010/main" Requires="a14">
+      <mc:AlternateContent xmlns:mc="http://schemas.openxmlformats.org/markup-compatibility/2006" xmlns:a14="http://schemas.microsoft.com/office/drawing/2010/main">
+        <mc:Choice Requires="a14">
           <p:sp>
             <p:nvSpPr>
               <p:cNvPr id="11" name="Rectangle 10"/>
@@ -13224,6 +13554,7 @@
               </a:bodyPr>
               <a:lstStyle/>
               <a:p>
+                <a:pPr/>
                 <a14:m>
                   <m:oMathPara xmlns:m="http://schemas.openxmlformats.org/officeDocument/2006/math">
                     <m:oMathParaPr>
@@ -13231,31 +13562,41 @@
                     </m:oMathParaPr>
                     <m:oMath xmlns:m="http://schemas.openxmlformats.org/officeDocument/2006/math">
                       <m:r>
-                        <a:rPr lang="en-US" i="1"/>
+                        <a:rPr lang="en-US" i="1">
+                          <a:latin typeface="Cambria Math"/>
+                        </a:rPr>
                         <m:t>𝑤</m:t>
                       </m:r>
                       <m:d>
                         <m:dPr>
                           <m:ctrlPr>
-                            <a:rPr lang="en-US" i="1"/>
+                            <a:rPr lang="en-US" i="1">
+                              <a:latin typeface="Cambria Math"/>
+                            </a:rPr>
                           </m:ctrlPr>
                         </m:dPr>
                         <m:e>
                           <m:sSub>
                             <m:sSubPr>
                               <m:ctrlPr>
-                                <a:rPr lang="en-US" i="1"/>
+                                <a:rPr lang="en-US" i="1">
+                                  <a:latin typeface="Cambria Math"/>
+                                </a:rPr>
                               </m:ctrlPr>
                             </m:sSubPr>
                             <m:e>
                               <m:r>
-                                <a:rPr lang="en-US" i="1"/>
+                                <a:rPr lang="en-US" i="1">
+                                  <a:latin typeface="Cambria Math"/>
+                                </a:rPr>
                                 <m:t>𝑡</m:t>
                               </m:r>
                             </m:e>
                             <m:sub>
                               <m:r>
-                                <a:rPr lang="en-US" i="1"/>
+                                <a:rPr lang="en-US" i="1">
+                                  <a:latin typeface="Cambria Math"/>
+                                </a:rPr>
                                 <m:t>𝑖</m:t>
                               </m:r>
                             </m:sub>
@@ -13263,7 +13604,9 @@
                         </m:e>
                       </m:d>
                       <m:r>
-                        <a:rPr lang="en-US" i="1"/>
+                        <a:rPr lang="en-US" i="1">
+                          <a:latin typeface="Cambria Math"/>
+                        </a:rPr>
                         <m:t>= </m:t>
                       </m:r>
                       <m:nary>
@@ -13272,44 +13615,60 @@
                           <m:limLoc m:val="undOvr"/>
                           <m:supHide m:val="on"/>
                           <m:ctrlPr>
-                            <a:rPr lang="en-US" i="1"/>
+                            <a:rPr lang="en-US" i="1">
+                              <a:latin typeface="Cambria Math"/>
+                            </a:rPr>
                           </m:ctrlPr>
                         </m:naryPr>
                         <m:sub>
                           <m:eqArr>
                             <m:eqArrPr>
                               <m:ctrlPr>
-                                <a:rPr lang="en-US" i="1"/>
+                                <a:rPr lang="en-US" i="1">
+                                  <a:latin typeface="Cambria Math"/>
+                                </a:rPr>
                               </m:ctrlPr>
                             </m:eqArrPr>
                             <m:e>
                               <m:r>
-                                <a:rPr lang="en-US" i="1"/>
+                                <a:rPr lang="en-US" i="1">
+                                  <a:latin typeface="Cambria Math"/>
+                                </a:rPr>
                                 <m:t>𝑒</m:t>
                               </m:r>
                               <m:r>
-                                <a:rPr lang="en-US" i="1"/>
+                                <a:rPr lang="en-US" i="1">
+                                  <a:latin typeface="Cambria Math"/>
+                                </a:rPr>
                                 <m:t>∈</m:t>
                               </m:r>
                               <m:r>
-                                <a:rPr lang="en-US" i="1"/>
+                                <a:rPr lang="en-US" i="1">
+                                  <a:latin typeface="Cambria Math"/>
+                                </a:rPr>
                                 <m:t>𝑤𝑜𝑟𝑘𝑖𝑛</m:t>
                               </m:r>
                               <m:sSub>
                                 <m:sSubPr>
                                   <m:ctrlPr>
-                                    <a:rPr lang="en-US" i="1"/>
+                                    <a:rPr lang="en-US" i="1">
+                                      <a:latin typeface="Cambria Math"/>
+                                    </a:rPr>
                                   </m:ctrlPr>
                                 </m:sSubPr>
                                 <m:e>
                                   <m:r>
-                                    <a:rPr lang="en-US" i="1"/>
+                                    <a:rPr lang="en-US" i="1">
+                                      <a:latin typeface="Cambria Math"/>
+                                    </a:rPr>
                                     <m:t>𝑔</m:t>
                                   </m:r>
                                 </m:e>
                                 <m:sub>
                                   <m:r>
-                                    <a:rPr lang="en-US" i="1"/>
+                                    <a:rPr lang="en-US" i="1">
+                                      <a:latin typeface="Cambria Math"/>
+                                    </a:rPr>
                                     <m:t>𝑝𝑎𝑡h</m:t>
                                   </m:r>
                                 </m:sub>
@@ -13320,24 +13679,32 @@
                         <m:sup/>
                         <m:e>
                           <m:r>
-                            <a:rPr lang="en-US" i="1"/>
+                            <a:rPr lang="en-US" i="1">
+                              <a:latin typeface="Cambria Math"/>
+                            </a:rPr>
                             <m:t>𝑤𝑒𝑖𝑔h𝑡</m:t>
                           </m:r>
                           <m:d>
                             <m:dPr>
                               <m:ctrlPr>
-                                <a:rPr lang="en-US" i="1"/>
+                                <a:rPr lang="en-US" i="1">
+                                  <a:latin typeface="Cambria Math"/>
+                                </a:rPr>
                               </m:ctrlPr>
                             </m:dPr>
                             <m:e>
                               <m:r>
-                                <a:rPr lang="en-US" i="1"/>
+                                <a:rPr lang="en-US" i="1">
+                                  <a:latin typeface="Cambria Math"/>
+                                </a:rPr>
                                 <m:t>𝑒</m:t>
                               </m:r>
                             </m:e>
                           </m:d>
                           <m:r>
-                            <a:rPr lang="en-US" i="1"/>
+                            <a:rPr lang="en-US" i="1">
+                              <a:latin typeface="Cambria Math"/>
+                            </a:rPr>
                             <m:t>+ </m:t>
                           </m:r>
                           <m:nary>
@@ -13346,44 +13713,60 @@
                               <m:limLoc m:val="undOvr"/>
                               <m:supHide m:val="on"/>
                               <m:ctrlPr>
-                                <a:rPr lang="en-US" i="1"/>
+                                <a:rPr lang="en-US" i="1">
+                                  <a:latin typeface="Cambria Math"/>
+                                </a:rPr>
                               </m:ctrlPr>
                             </m:naryPr>
                             <m:sub>
                               <m:eqArr>
                                 <m:eqArrPr>
                                   <m:ctrlPr>
-                                    <a:rPr lang="en-US" i="1"/>
+                                    <a:rPr lang="en-US" i="1">
+                                      <a:latin typeface="Cambria Math"/>
+                                    </a:rPr>
                                   </m:ctrlPr>
                                 </m:eqArrPr>
                                 <m:e>
                                   <m:r>
-                                    <a:rPr lang="en-US" i="1"/>
+                                    <a:rPr lang="en-US" i="1">
+                                      <a:latin typeface="Cambria Math"/>
+                                    </a:rPr>
                                     <m:t>𝑒</m:t>
                                   </m:r>
                                   <m:r>
-                                    <a:rPr lang="en-US" i="1"/>
+                                    <a:rPr lang="en-US" i="1">
+                                      <a:latin typeface="Cambria Math"/>
+                                    </a:rPr>
                                     <m:t>∈</m:t>
                                   </m:r>
                                   <m:r>
-                                    <a:rPr lang="en-US" i="1"/>
+                                    <a:rPr lang="en-US" i="1">
+                                      <a:latin typeface="Cambria Math"/>
+                                    </a:rPr>
                                     <m:t>𝑏𝑎𝑐𝑘𝑢</m:t>
                                   </m:r>
                                   <m:sSub>
                                     <m:sSubPr>
                                       <m:ctrlPr>
-                                        <a:rPr lang="en-US" i="1"/>
+                                        <a:rPr lang="en-US" i="1">
+                                          <a:latin typeface="Cambria Math"/>
+                                        </a:rPr>
                                       </m:ctrlPr>
                                     </m:sSubPr>
                                     <m:e>
                                       <m:r>
-                                        <a:rPr lang="en-US" i="1"/>
+                                        <a:rPr lang="en-US" i="1">
+                                          <a:latin typeface="Cambria Math"/>
+                                        </a:rPr>
                                         <m:t>𝑝</m:t>
                                       </m:r>
                                     </m:e>
                                     <m:sub>
                                       <m:r>
-                                        <a:rPr lang="en-US" i="1"/>
+                                        <a:rPr lang="en-US" i="1">
+                                          <a:latin typeface="Cambria Math"/>
+                                        </a:rPr>
                                         <m:t>𝑝𝑎𝑡h</m:t>
                                       </m:r>
                                     </m:sub>
@@ -13394,19 +13777,27 @@
                             <m:sup/>
                             <m:e>
                               <m:r>
-                                <a:rPr lang="en-US" i="1"/>
+                                <a:rPr lang="en-US" i="1">
+                                  <a:latin typeface="Cambria Math"/>
+                                </a:rPr>
                                 <m:t>𝑤𝑒𝑖𝑔h𝑡</m:t>
                               </m:r>
                               <m:r>
-                                <a:rPr lang="en-US" i="1"/>
+                                <a:rPr lang="en-US" i="1">
+                                  <a:latin typeface="Cambria Math"/>
+                                </a:rPr>
                                 <m:t>(</m:t>
                               </m:r>
                               <m:r>
-                                <a:rPr lang="en-US" i="1"/>
+                                <a:rPr lang="en-US" i="1">
+                                  <a:latin typeface="Cambria Math"/>
+                                </a:rPr>
                                 <m:t>𝑒</m:t>
                               </m:r>
                               <m:r>
-                                <a:rPr lang="en-US" i="1"/>
+                                <a:rPr lang="en-US" i="1">
+                                  <a:latin typeface="Cambria Math"/>
+                                </a:rPr>
                                 <m:t>)</m:t>
                               </m:r>
                             </m:e>
@@ -13421,7 +13812,7 @@
             </p:txBody>
           </p:sp>
         </mc:Choice>
-        <mc:Fallback>
+        <mc:Fallback xmlns="">
           <p:sp>
             <p:nvSpPr>
               <p:cNvPr id="11" name="Rectangle 10"/>
@@ -13460,8 +13851,8 @@
           </p:sp>
         </mc:Fallback>
       </mc:AlternateContent>
-      <mc:AlternateContent xmlns:mc="http://schemas.openxmlformats.org/markup-compatibility/2006">
-        <mc:Choice xmlns:a14="http://schemas.microsoft.com/office/drawing/2010/main" Requires="a14">
+      <mc:AlternateContent xmlns:mc="http://schemas.openxmlformats.org/markup-compatibility/2006" xmlns:a14="http://schemas.microsoft.com/office/drawing/2010/main">
+        <mc:Choice Requires="a14">
           <p:sp>
             <p:nvSpPr>
               <p:cNvPr id="12" name="Rectangle 11"/>
@@ -13483,6 +13874,7 @@
               </a:bodyPr>
               <a:lstStyle/>
               <a:p>
+                <a:pPr/>
                 <a14:m>
                   <m:oMathPara xmlns:m="http://schemas.openxmlformats.org/officeDocument/2006/math">
                     <m:oMathParaPr>
@@ -13490,24 +13882,32 @@
                     </m:oMathParaPr>
                     <m:oMath xmlns:m="http://schemas.openxmlformats.org/officeDocument/2006/math">
                       <m:r>
-                        <a:rPr lang="en-US" i="1"/>
+                        <a:rPr lang="en-US" i="1">
+                          <a:latin typeface="Cambria Math"/>
+                        </a:rPr>
                         <m:t>𝑤𝑒𝑖𝑔h𝑡</m:t>
                       </m:r>
                       <m:d>
                         <m:dPr>
                           <m:ctrlPr>
-                            <a:rPr lang="en-US" i="1"/>
+                            <a:rPr lang="en-US" i="1">
+                              <a:latin typeface="Cambria Math"/>
+                            </a:rPr>
                           </m:ctrlPr>
                         </m:dPr>
                         <m:e>
                           <m:r>
-                            <a:rPr lang="en-US" i="1"/>
+                            <a:rPr lang="en-US" i="1">
+                              <a:latin typeface="Cambria Math"/>
+                            </a:rPr>
                             <m:t>𝑒</m:t>
                           </m:r>
                         </m:e>
                       </m:d>
                       <m:r>
-                        <a:rPr lang="en-US" i="1"/>
+                        <a:rPr lang="en-US" i="1">
+                          <a:latin typeface="Cambria Math"/>
+                        </a:rPr>
                         <m:t>= </m:t>
                       </m:r>
                       <m:d>
@@ -13515,38 +13915,52 @@
                           <m:begChr m:val="{"/>
                           <m:endChr m:val=""/>
                           <m:ctrlPr>
-                            <a:rPr lang="en-US" i="1"/>
+                            <a:rPr lang="en-US" i="1">
+                              <a:latin typeface="Cambria Math"/>
+                            </a:rPr>
                           </m:ctrlPr>
                         </m:dPr>
                         <m:e>
                           <m:eqArr>
                             <m:eqArrPr>
                               <m:ctrlPr>
-                                <a:rPr lang="en-US" i="1"/>
+                                <a:rPr lang="en-US" i="1">
+                                  <a:latin typeface="Cambria Math"/>
+                                </a:rPr>
                               </m:ctrlPr>
                             </m:eqArrPr>
                             <m:e>
                               <m:r>
-                                <a:rPr lang="en-US" i="1"/>
+                                <a:rPr lang="en-US" i="1">
+                                  <a:latin typeface="Cambria Math"/>
+                                </a:rPr>
                                 <m:t>𝑑𝑖𝑠𝑡𝑎𝑛𝑐𝑒</m:t>
                               </m:r>
                               <m:d>
                                 <m:dPr>
                                   <m:ctrlPr>
-                                    <a:rPr lang="en-US" i="1"/>
+                                    <a:rPr lang="en-US" i="1">
+                                      <a:latin typeface="Cambria Math"/>
+                                    </a:rPr>
                                   </m:ctrlPr>
                                 </m:dPr>
                                 <m:e>
                                   <m:r>
-                                    <a:rPr lang="en-US" i="1"/>
+                                    <a:rPr lang="en-US" i="1">
+                                      <a:latin typeface="Cambria Math"/>
+                                    </a:rPr>
                                     <m:t>𝑎</m:t>
                                   </m:r>
                                   <m:r>
-                                    <a:rPr lang="en-US" i="1"/>
+                                    <a:rPr lang="en-US" i="1">
+                                      <a:latin typeface="Cambria Math"/>
+                                    </a:rPr>
                                     <m:t>,</m:t>
                                   </m:r>
                                   <m:r>
-                                    <a:rPr lang="en-US" i="1"/>
+                                    <a:rPr lang="en-US" i="1">
+                                      <a:latin typeface="Cambria Math"/>
+                                    </a:rPr>
                                     <m:t>𝑏</m:t>
                                   </m:r>
                                 </m:e>
@@ -13554,79 +13968,117 @@
                             </m:e>
                             <m:e>
                               <m:r>
-                                <a:rPr lang="en-US" i="1"/>
+                                <a:rPr lang="en-US" i="1">
+                                  <a:latin typeface="Cambria Math"/>
+                                </a:rPr>
                                 <m:t>0   :</m:t>
                               </m:r>
                               <m:r>
-                                <a:rPr lang="en-US" i="1"/>
+                                <a:rPr lang="en-US" i="1">
+                                  <a:latin typeface="Cambria Math"/>
+                                </a:rPr>
                                 <m:t>𝑒</m:t>
                               </m:r>
                               <m:r>
-                                <a:rPr lang="en-US" i="1"/>
+                                <a:rPr lang="en-US" i="1">
+                                  <a:latin typeface="Cambria Math"/>
+                                </a:rPr>
                                 <m:t> đã đượ</m:t>
                               </m:r>
                               <m:r>
-                                <a:rPr lang="en-US" i="1"/>
+                                <a:rPr lang="en-US" i="1">
+                                  <a:latin typeface="Cambria Math"/>
+                                </a:rPr>
                                 <m:t>𝑐</m:t>
                               </m:r>
                               <m:r>
-                                <a:rPr lang="en-US" i="1"/>
+                                <a:rPr lang="en-US" i="1">
+                                  <a:latin typeface="Cambria Math"/>
+                                </a:rPr>
                                 <m:t> </m:t>
                               </m:r>
                               <m:r>
-                                <a:rPr lang="en-US" i="1"/>
+                                <a:rPr lang="en-US" i="1">
+                                  <a:latin typeface="Cambria Math"/>
+                                </a:rPr>
                                 <m:t>𝑠</m:t>
                               </m:r>
                               <m:r>
-                                <a:rPr lang="en-US" i="1"/>
+                                <a:rPr lang="en-US" i="1">
+                                  <a:latin typeface="Cambria Math"/>
+                                </a:rPr>
                                 <m:t>ử </m:t>
                               </m:r>
                               <m:r>
-                                <a:rPr lang="en-US" i="1"/>
+                                <a:rPr lang="en-US" i="1">
+                                  <a:latin typeface="Cambria Math"/>
+                                </a:rPr>
                                 <m:t>𝑑</m:t>
                               </m:r>
                               <m:r>
-                                <a:rPr lang="en-US" i="1"/>
+                                <a:rPr lang="en-US" i="1">
+                                  <a:latin typeface="Cambria Math"/>
+                                </a:rPr>
                                 <m:t>ụ</m:t>
                               </m:r>
                               <m:r>
-                                <a:rPr lang="en-US" i="1"/>
+                                <a:rPr lang="en-US" i="1">
+                                  <a:latin typeface="Cambria Math"/>
+                                </a:rPr>
                                 <m:t>𝑛𝑔</m:t>
                               </m:r>
                               <m:r>
-                                <a:rPr lang="en-US" i="1"/>
+                                <a:rPr lang="en-US" i="1">
+                                  <a:latin typeface="Cambria Math"/>
+                                </a:rPr>
                                 <m:t> </m:t>
                               </m:r>
                               <m:r>
-                                <a:rPr lang="en-US" i="1"/>
+                                <a:rPr lang="en-US" i="1">
+                                  <a:latin typeface="Cambria Math"/>
+                                </a:rPr>
                                 <m:t>𝑡𝑟𝑜𝑛𝑔</m:t>
                               </m:r>
                               <m:r>
-                                <a:rPr lang="en-US" i="1"/>
+                                <a:rPr lang="en-US" i="1">
+                                  <a:latin typeface="Cambria Math"/>
+                                </a:rPr>
                                 <m:t> </m:t>
                               </m:r>
                               <m:r>
-                                <a:rPr lang="en-US" i="1"/>
+                                <a:rPr lang="en-US" i="1">
+                                  <a:latin typeface="Cambria Math"/>
+                                </a:rPr>
                                 <m:t>𝑟𝑒𝑞𝑢𝑒𝑠𝑡</m:t>
                               </m:r>
                               <m:r>
-                                <a:rPr lang="en-US" i="1"/>
+                                <a:rPr lang="en-US" i="1">
+                                  <a:latin typeface="Cambria Math"/>
+                                </a:rPr>
                                 <m:t> </m:t>
                               </m:r>
                               <m:r>
-                                <a:rPr lang="en-US" i="1"/>
+                                <a:rPr lang="en-US" i="1">
+                                  <a:latin typeface="Cambria Math"/>
+                                </a:rPr>
                                 <m:t>𝑡𝑟</m:t>
                               </m:r>
                               <m:r>
-                                <a:rPr lang="en-US" i="1"/>
+                                <a:rPr lang="en-US" i="1">
+                                  <a:latin typeface="Cambria Math"/>
+                                </a:rPr>
                                 <m:t>ướ</m:t>
                               </m:r>
                               <m:r>
-                                <a:rPr lang="en-US" i="1"/>
+                                <a:rPr lang="en-US" i="1">
+                                  <a:latin typeface="Cambria Math"/>
+                                </a:rPr>
                                 <m:t>𝑐</m:t>
                               </m:r>
                               <m:r>
-                                <a:rPr lang="en-US" i="1"/>
+                                <a:rPr lang="en-US" i="1">
+                                  <a:latin typeface="Cambria Math"/>
+                                </a:rPr>
                                 <m:t> đó</m:t>
                               </m:r>
                             </m:e>
@@ -13641,7 +14093,7 @@
             </p:txBody>
           </p:sp>
         </mc:Choice>
-        <mc:Fallback>
+        <mc:Fallback xmlns="">
           <p:sp>
             <p:nvSpPr>
               <p:cNvPr id="12" name="Rectangle 11"/>
@@ -13761,7 +14213,7 @@
           <a:p>
             <a:fld id="{E3E2306C-E34F-4492-8C03-BFD178B0B86F}" type="datetime1">
               <a:rPr lang="en-US" smtClean="0"/>
-              <a:t>4/10/2012</a:t>
+              <a:t>4/17/2012</a:t>
             </a:fld>
             <a:endParaRPr lang="en-US"/>
           </a:p>
@@ -14699,13 +15151,8 @@
             </a:r>
             <a:r>
               <a:rPr lang="en-US" sz="2400" dirty="0" smtClean="0"/>
-              <a:t>: </a:t>
-            </a:r>
-            <a:r>
-              <a:rPr lang="en-US" sz="2400" dirty="0" smtClean="0"/>
-              <a:t>100</a:t>
-            </a:r>
-            <a:endParaRPr lang="en-US" sz="2400" dirty="0" smtClean="0"/>
+              <a:t>: 100</a:t>
+            </a:r>
           </a:p>
           <a:p>
             <a:r>
@@ -14746,11 +15193,7 @@
             </a:r>
             <a:r>
               <a:rPr lang="en-US" sz="2400" dirty="0" smtClean="0"/>
-              <a:t> </a:t>
-            </a:r>
-            <a:r>
-              <a:rPr lang="en-US" sz="2400" dirty="0" smtClean="0"/>
-              <a:t>1 </a:t>
+              <a:t> 1 </a:t>
             </a:r>
             <a:r>
               <a:rPr lang="en-US" sz="2400" dirty="0" err="1" smtClean="0"/>
@@ -14802,7 +15245,7 @@
           <a:p>
             <a:fld id="{E3E2306C-E34F-4492-8C03-BFD178B0B86F}" type="datetime1">
               <a:rPr lang="en-US" smtClean="0"/>
-              <a:t>4/10/2012</a:t>
+              <a:t>4/17/2012</a:t>
             </a:fld>
             <a:endParaRPr lang="en-US"/>
           </a:p>
@@ -16388,83 +16831,37 @@
             </a:r>
             <a:r>
               <a:rPr lang="en-US" dirty="0" err="1" smtClean="0"/>
-              <a:t>theo</a:t>
-            </a:r>
-            <a:r>
-              <a:rPr lang="en-US" dirty="0" smtClean="0"/>
-              <a:t> </a:t>
-            </a:r>
-            <a:r>
-              <a:rPr lang="en-US" dirty="0" err="1" smtClean="0"/>
-              <a:t>xếp</a:t>
-            </a:r>
-            <a:r>
-              <a:rPr lang="en-US" dirty="0" smtClean="0"/>
-              <a:t> </a:t>
-            </a:r>
-            <a:r>
-              <a:rPr lang="en-US" dirty="0" err="1" smtClean="0"/>
-              <a:t>hạng</a:t>
+              <a:t>ngẫu</a:t>
+            </a:r>
+            <a:r>
+              <a:rPr lang="en-US" dirty="0" smtClean="0"/>
+              <a:t> </a:t>
+            </a:r>
+            <a:r>
+              <a:rPr lang="en-US" dirty="0" err="1" smtClean="0"/>
+              <a:t>nhiên</a:t>
+            </a:r>
+            <a:r>
+              <a:rPr lang="en-US" dirty="0" smtClean="0"/>
+              <a:t> 10 </a:t>
+            </a:r>
+            <a:r>
+              <a:rPr lang="en-US" dirty="0" err="1" smtClean="0"/>
+              <a:t>cặp</a:t>
+            </a:r>
+            <a:r>
+              <a:rPr lang="en-US" dirty="0" smtClean="0"/>
+              <a:t> cha </a:t>
+            </a:r>
+            <a:r>
+              <a:rPr lang="en-US" dirty="0" err="1" smtClean="0"/>
+              <a:t>mẹ</a:t>
+            </a:r>
+            <a:r>
+              <a:rPr lang="en-US" dirty="0" smtClean="0"/>
+              <a:t> </a:t>
             </a:r>
             <a:endParaRPr lang="en-US" dirty="0" smtClean="0"/>
-          </a:p>
-          <a:p>
-            <a:r>
-              <a:rPr lang="en-US" dirty="0" err="1" smtClean="0"/>
-              <a:t>Chọn</a:t>
-            </a:r>
-            <a:r>
-              <a:rPr lang="en-US" dirty="0" smtClean="0"/>
-              <a:t> 10 </a:t>
-            </a:r>
-            <a:r>
-              <a:rPr lang="en-US" dirty="0" err="1" smtClean="0"/>
-              <a:t>cá</a:t>
-            </a:r>
-            <a:r>
-              <a:rPr lang="en-US" dirty="0" smtClean="0"/>
-              <a:t> </a:t>
-            </a:r>
-            <a:r>
-              <a:rPr lang="en-US" dirty="0" err="1" smtClean="0"/>
-              <a:t>thể</a:t>
-            </a:r>
-            <a:r>
-              <a:rPr lang="en-US" dirty="0" smtClean="0"/>
-              <a:t> </a:t>
-            </a:r>
-            <a:r>
-              <a:rPr lang="en-US" dirty="0" err="1" smtClean="0"/>
-              <a:t>xếp</a:t>
-            </a:r>
-            <a:r>
-              <a:rPr lang="en-US" dirty="0" smtClean="0"/>
-              <a:t> </a:t>
-            </a:r>
-            <a:r>
-              <a:rPr lang="en-US" dirty="0" err="1" smtClean="0"/>
-              <a:t>hạng</a:t>
-            </a:r>
-            <a:r>
-              <a:rPr lang="en-US" dirty="0" smtClean="0"/>
-              <a:t> </a:t>
-            </a:r>
-            <a:r>
-              <a:rPr lang="en-US" dirty="0" err="1" smtClean="0"/>
-              <a:t>cao</a:t>
-            </a:r>
-            <a:r>
-              <a:rPr lang="en-US" dirty="0" smtClean="0"/>
-              <a:t> </a:t>
-            </a:r>
-            <a:r>
-              <a:rPr lang="en-US" dirty="0" err="1" smtClean="0"/>
-              <a:t>nhất</a:t>
-            </a:r>
-            <a:r>
-              <a:rPr lang="en-US" dirty="0"/>
-              <a:t>.</a:t>
-            </a:r>
           </a:p>
         </p:txBody>
       </p:sp>
@@ -16485,7 +16882,7 @@
           <a:p>
             <a:fld id="{E3E2306C-E34F-4492-8C03-BFD178B0B86F}" type="datetime1">
               <a:rPr lang="en-US" smtClean="0"/>
-              <a:t>4/10/2012</a:t>
+              <a:t>4/17/2012</a:t>
             </a:fld>
             <a:endParaRPr lang="en-US"/>
           </a:p>
@@ -16643,6 +17040,30 @@
               <a:rPr lang="en-US" dirty="0" err="1" smtClean="0"/>
               <a:t>cắt</a:t>
             </a:r>
+            <a:r>
+              <a:rPr lang="en-US" dirty="0" smtClean="0"/>
+              <a:t> : </a:t>
+            </a:r>
+            <a:r>
+              <a:rPr lang="en-US" dirty="0" err="1" smtClean="0"/>
+              <a:t>cắt</a:t>
+            </a:r>
+            <a:r>
+              <a:rPr lang="en-US" dirty="0" smtClean="0"/>
+              <a:t> ở </a:t>
+            </a:r>
+            <a:r>
+              <a:rPr lang="en-US" dirty="0" err="1" smtClean="0"/>
+              <a:t>điểm</a:t>
+            </a:r>
+            <a:r>
+              <a:rPr lang="en-US" dirty="0" smtClean="0"/>
+              <a:t> </a:t>
+            </a:r>
+            <a:r>
+              <a:rPr lang="en-US" dirty="0" err="1" smtClean="0"/>
+              <a:t>giữa</a:t>
+            </a:r>
             <a:endParaRPr lang="en-US" dirty="0" smtClean="0"/>
           </a:p>
           <a:p>
@@ -16664,12 +17085,17 @@
             </a:r>
             <a:r>
               <a:rPr lang="en-US" dirty="0"/>
-              <a:t>) -&gt; 2 </a:t>
-            </a:r>
-            <a:r>
-              <a:rPr lang="en-US" dirty="0" smtClean="0"/>
-              <a:t>con</a:t>
-            </a:r>
+              <a:t>) -&gt; </a:t>
+            </a:r>
+            <a:r>
+              <a:rPr lang="en-US" dirty="0" err="1" smtClean="0"/>
+              <a:t>lấy</a:t>
+            </a:r>
+            <a:r>
+              <a:rPr lang="en-US" dirty="0" smtClean="0"/>
+              <a:t> 2 con</a:t>
+            </a:r>
+            <a:endParaRPr lang="en-US" dirty="0" smtClean="0"/>
           </a:p>
           <a:p>
             <a:pPr marL="0" indent="0">
@@ -16696,7 +17122,7 @@
           <a:p>
             <a:fld id="{E3E2306C-E34F-4492-8C03-BFD178B0B86F}" type="datetime1">
               <a:rPr lang="en-US" smtClean="0"/>
-              <a:t>4/10/2012</a:t>
+              <a:t>4/17/2012</a:t>
             </a:fld>
             <a:endParaRPr lang="en-US"/>
           </a:p>
@@ -17988,7 +18414,7 @@
           <a:p>
             <a:fld id="{E3E2306C-E34F-4492-8C03-BFD178B0B86F}" type="datetime1">
               <a:rPr lang="en-US" smtClean="0"/>
-              <a:t>4/10/2012</a:t>
+              <a:t>4/17/2012</a:t>
             </a:fld>
             <a:endParaRPr lang="en-US"/>
           </a:p>
@@ -21362,7 +21788,7 @@
           <a:p>
             <a:fld id="{E3E2306C-E34F-4492-8C03-BFD178B0B86F}" type="datetime1">
               <a:rPr lang="en-US" smtClean="0"/>
-              <a:t>4/10/2012</a:t>
+              <a:t>4/17/2012</a:t>
             </a:fld>
             <a:endParaRPr lang="en-US"/>
           </a:p>
@@ -21545,7 +21971,6 @@
               <a:rPr lang="en-US" dirty="0" smtClean="0"/>
               <a:t>.</a:t>
             </a:r>
-            <a:endParaRPr lang="en-US" dirty="0" smtClean="0"/>
           </a:p>
         </p:txBody>
       </p:sp>
@@ -21566,7 +21991,7 @@
           <a:p>
             <a:fld id="{E3E2306C-E34F-4492-8C03-BFD178B0B86F}" type="datetime1">
               <a:rPr lang="en-US" smtClean="0"/>
-              <a:t>4/10/2012</a:t>
+              <a:t>4/17/2012</a:t>
             </a:fld>
             <a:endParaRPr lang="en-US"/>
           </a:p>
@@ -21657,7 +22082,7 @@
       </p:grpSpPr>
       <p:sp>
         <p:nvSpPr>
-          <p:cNvPr id="6" name="Title 5"/>
+          <p:cNvPr id="7" name="Title 6"/>
           <p:cNvSpPr>
             <a:spLocks noGrp="1"/>
           </p:cNvSpPr>
@@ -21671,16 +22096,20 @@
           <a:lstStyle/>
           <a:p>
             <a:r>
-              <a:rPr lang="en-US" dirty="0" smtClean="0"/>
-              <a:t>TÀI LIỆU THAM KHẢO</a:t>
-            </a:r>
-            <a:endParaRPr lang="en-US" dirty="0"/>
+              <a:rPr lang="en-US" b="0" dirty="0" smtClean="0"/>
+              <a:t>7. </a:t>
+            </a:r>
+            <a:r>
+              <a:rPr lang="en-US" b="0" dirty="0" smtClean="0"/>
+              <a:t>KẾT QUẢ THỰC NGHIỆM	</a:t>
+            </a:r>
+            <a:endParaRPr lang="en-US" b="0" dirty="0"/>
           </a:p>
         </p:txBody>
       </p:sp>
       <p:sp>
         <p:nvSpPr>
-          <p:cNvPr id="7" name="Content Placeholder 6"/>
+          <p:cNvPr id="8" name="Content Placeholder 7"/>
           <p:cNvSpPr>
             <a:spLocks noGrp="1"/>
           </p:cNvSpPr>
@@ -21690,195 +22119,580 @@
         </p:nvSpPr>
         <p:spPr/>
         <p:txBody>
-          <a:bodyPr>
-            <a:normAutofit/>
-          </a:bodyPr>
+          <a:bodyPr/>
           <a:lstStyle/>
           <a:p>
             <a:r>
-              <a:rPr lang="en-US" dirty="0" smtClean="0"/>
-              <a:t>Design of Survivable Optical Networks by Mathematical Optimization; </a:t>
-            </a:r>
-            <a:r>
-              <a:rPr lang="en-US" i="1" dirty="0" err="1" smtClean="0"/>
-              <a:t>Diplom</a:t>
-            </a:r>
-            <a:r>
-              <a:rPr lang="en-US" i="1" dirty="0" smtClean="0"/>
-              <a:t> , Adrian </a:t>
-            </a:r>
-            <a:r>
-              <a:rPr lang="en-US" i="1" dirty="0" err="1" smtClean="0"/>
-              <a:t>Zymolka</a:t>
-            </a:r>
-            <a:r>
-              <a:rPr lang="en-US" dirty="0" smtClean="0"/>
-              <a:t>, Berlin 2007, pp7-39.</a:t>
-            </a:r>
-          </a:p>
-          <a:p>
-            <a:r>
-              <a:rPr lang="en-US" dirty="0" smtClean="0"/>
-              <a:t>Multilayer Survivable Optical Network Design; </a:t>
-            </a:r>
-            <a:r>
-              <a:rPr lang="en-US" i="1" dirty="0" smtClean="0"/>
-              <a:t>Sylvie Borne, </a:t>
-            </a:r>
-            <a:r>
-              <a:rPr lang="en-US" i="1" dirty="0" err="1" smtClean="0"/>
-              <a:t>Virginie</a:t>
-            </a:r>
-            <a:r>
-              <a:rPr lang="en-US" i="1" dirty="0" smtClean="0"/>
-              <a:t> </a:t>
-            </a:r>
-            <a:r>
-              <a:rPr lang="en-US" i="1" dirty="0" err="1" smtClean="0"/>
-              <a:t>Gabrel</a:t>
-            </a:r>
-            <a:r>
-              <a:rPr lang="en-US" i="1" dirty="0" smtClean="0"/>
+              <a:rPr lang="en-US" dirty="0" err="1" smtClean="0"/>
+              <a:t>Môi</a:t>
+            </a:r>
+            <a:r>
+              <a:rPr lang="en-US" dirty="0" smtClean="0"/>
+              <a:t> </a:t>
+            </a:r>
+            <a:r>
+              <a:rPr lang="en-US" dirty="0" err="1" smtClean="0"/>
+              <a:t>trường</a:t>
+            </a:r>
+            <a:r>
+              <a:rPr lang="en-US" dirty="0" smtClean="0"/>
+              <a:t> </a:t>
+            </a:r>
+            <a:r>
+              <a:rPr lang="en-US" dirty="0" err="1" smtClean="0"/>
+              <a:t>thực</a:t>
+            </a:r>
+            <a:r>
+              <a:rPr lang="en-US" dirty="0" smtClean="0"/>
+              <a:t> </a:t>
+            </a:r>
+            <a:r>
+              <a:rPr lang="en-US" dirty="0" err="1" smtClean="0"/>
+              <a:t>nghiệm</a:t>
+            </a:r>
+            <a:endParaRPr lang="en-US" dirty="0" smtClean="0"/>
+          </a:p>
+          <a:p>
+            <a:r>
+              <a:rPr lang="en-US" dirty="0" err="1" smtClean="0"/>
+              <a:t>Dữ</a:t>
+            </a:r>
+            <a:r>
+              <a:rPr lang="en-US" dirty="0" smtClean="0"/>
+              <a:t> </a:t>
+            </a:r>
+            <a:r>
+              <a:rPr lang="en-US" dirty="0" err="1" smtClean="0"/>
+              <a:t>liệu</a:t>
+            </a:r>
+            <a:r>
+              <a:rPr lang="en-US" dirty="0" smtClean="0"/>
+              <a:t> </a:t>
+            </a:r>
+            <a:r>
+              <a:rPr lang="en-US" dirty="0" err="1" smtClean="0"/>
+              <a:t>sử</a:t>
+            </a:r>
+            <a:r>
+              <a:rPr lang="en-US" dirty="0" smtClean="0"/>
+              <a:t> </a:t>
+            </a:r>
+            <a:r>
+              <a:rPr lang="en-US" dirty="0" err="1" smtClean="0"/>
+              <a:t>dụng</a:t>
+            </a:r>
+            <a:r>
+              <a:rPr lang="en-US" dirty="0" smtClean="0"/>
+              <a:t>: </a:t>
+            </a:r>
+            <a:r>
+              <a:rPr lang="en-US" dirty="0" err="1" smtClean="0"/>
+              <a:t>Mô</a:t>
+            </a:r>
+            <a:r>
+              <a:rPr lang="en-US" dirty="0" smtClean="0"/>
+              <a:t> </a:t>
+            </a:r>
+            <a:r>
+              <a:rPr lang="en-US" dirty="0" err="1" smtClean="0"/>
+              <a:t>tả</a:t>
+            </a:r>
+            <a:r>
+              <a:rPr lang="en-US" dirty="0" smtClean="0"/>
+              <a:t> </a:t>
+            </a:r>
+            <a:r>
+              <a:rPr lang="en-US" dirty="0" err="1" smtClean="0"/>
+              <a:t>bộ</a:t>
+            </a:r>
+            <a:r>
+              <a:rPr lang="en-US" dirty="0" smtClean="0"/>
+              <a:t> </a:t>
+            </a:r>
+            <a:r>
+              <a:rPr lang="en-US" dirty="0" err="1" smtClean="0"/>
+              <a:t>dữ</a:t>
+            </a:r>
+            <a:r>
+              <a:rPr lang="en-US" dirty="0" smtClean="0"/>
+              <a:t> </a:t>
+            </a:r>
+            <a:r>
+              <a:rPr lang="en-US" dirty="0" err="1" smtClean="0"/>
+              <a:t>liệu</a:t>
+            </a:r>
+            <a:r>
+              <a:rPr lang="en-US" dirty="0" smtClean="0"/>
               <a:t>, </a:t>
             </a:r>
             <a:r>
-              <a:rPr lang="en-US" i="1" dirty="0" err="1" smtClean="0"/>
-              <a:t>Ridha</a:t>
-            </a:r>
-            <a:r>
-              <a:rPr lang="en-US" i="1" dirty="0" smtClean="0"/>
-              <a:t> </a:t>
-            </a:r>
-            <a:r>
-              <a:rPr lang="en-US" i="1" dirty="0" err="1" smtClean="0"/>
-              <a:t>Mahjoub</a:t>
-            </a:r>
-            <a:r>
-              <a:rPr lang="en-US" i="1" dirty="0" smtClean="0"/>
-              <a:t>, and </a:t>
-            </a:r>
-            <a:r>
-              <a:rPr lang="en-US" i="1" dirty="0" err="1" smtClean="0"/>
-              <a:t>Raouia</a:t>
-            </a:r>
-            <a:r>
-              <a:rPr lang="en-US" i="1" dirty="0" smtClean="0"/>
-              <a:t> </a:t>
-            </a:r>
-            <a:r>
-              <a:rPr lang="en-US" i="1" dirty="0" err="1" smtClean="0"/>
-              <a:t>Taktak</a:t>
-            </a:r>
-            <a:r>
-              <a:rPr lang="en-US" i="1" dirty="0" smtClean="0"/>
+              <a:rPr lang="en-US" dirty="0" err="1" smtClean="0"/>
+              <a:t>việc</a:t>
+            </a:r>
+            <a:r>
+              <a:rPr lang="en-US" dirty="0" smtClean="0"/>
+              <a:t> </a:t>
+            </a:r>
+            <a:r>
+              <a:rPr lang="en-US" dirty="0" err="1" smtClean="0"/>
+              <a:t>sử</a:t>
+            </a:r>
+            <a:r>
+              <a:rPr lang="en-US" dirty="0" smtClean="0"/>
+              <a:t> </a:t>
+            </a:r>
+            <a:r>
+              <a:rPr lang="en-US" dirty="0" err="1" smtClean="0"/>
+              <a:t>dụng</a:t>
+            </a:r>
+            <a:r>
+              <a:rPr lang="en-US" dirty="0" smtClean="0"/>
+              <a:t> </a:t>
+            </a:r>
+            <a:r>
+              <a:rPr lang="en-US" dirty="0" err="1" smtClean="0"/>
+              <a:t>như</a:t>
+            </a:r>
+            <a:r>
+              <a:rPr lang="en-US" dirty="0" smtClean="0"/>
+              <a:t> </a:t>
+            </a:r>
+            <a:r>
+              <a:rPr lang="en-US" dirty="0" err="1" smtClean="0"/>
+              <a:t>thế</a:t>
+            </a:r>
+            <a:r>
+              <a:rPr lang="en-US" dirty="0" smtClean="0"/>
+              <a:t> </a:t>
+            </a:r>
+            <a:r>
+              <a:rPr lang="en-US" dirty="0" err="1" smtClean="0"/>
+              <a:t>nào</a:t>
+            </a:r>
+            <a:r>
+              <a:rPr lang="en-US" dirty="0" smtClean="0"/>
+              <a:t>?</a:t>
+            </a:r>
+          </a:p>
+          <a:p>
+            <a:r>
+              <a:rPr lang="en-US" dirty="0" smtClean="0"/>
+              <a:t>So </a:t>
+            </a:r>
+            <a:r>
+              <a:rPr lang="en-US" dirty="0" err="1" smtClean="0"/>
+              <a:t>sánh</a:t>
+            </a:r>
+            <a:r>
+              <a:rPr lang="en-US" dirty="0" smtClean="0"/>
+              <a:t> </a:t>
+            </a:r>
+            <a:r>
+              <a:rPr lang="en-US" dirty="0" err="1" smtClean="0"/>
+              <a:t>với</a:t>
+            </a:r>
+            <a:r>
+              <a:rPr lang="en-US" dirty="0" smtClean="0"/>
+              <a:t> </a:t>
+            </a:r>
+            <a:r>
+              <a:rPr lang="en-US" dirty="0" err="1" smtClean="0"/>
+              <a:t>ai</a:t>
+            </a:r>
+            <a:r>
+              <a:rPr lang="en-US" dirty="0" smtClean="0"/>
+              <a:t>?</a:t>
+            </a:r>
+          </a:p>
+          <a:p>
+            <a:r>
+              <a:rPr lang="en-US" dirty="0" smtClean="0"/>
+              <a:t>- </a:t>
+            </a:r>
+            <a:r>
+              <a:rPr lang="en-US" dirty="0" err="1" smtClean="0"/>
+              <a:t>Giá</a:t>
+            </a:r>
+            <a:r>
+              <a:rPr lang="en-US" dirty="0" smtClean="0"/>
+              <a:t> </a:t>
+            </a:r>
+            <a:r>
+              <a:rPr lang="en-US" dirty="0" err="1" smtClean="0"/>
+              <a:t>trị</a:t>
+            </a:r>
+            <a:r>
+              <a:rPr lang="en-US" dirty="0" smtClean="0"/>
+              <a:t> </a:t>
+            </a:r>
+            <a:r>
+              <a:rPr lang="en-US" dirty="0" err="1" smtClean="0"/>
+              <a:t>tốt</a:t>
+            </a:r>
+            <a:r>
+              <a:rPr lang="en-US" dirty="0" smtClean="0"/>
+              <a:t> </a:t>
+            </a:r>
+            <a:r>
+              <a:rPr lang="en-US" dirty="0" err="1" smtClean="0"/>
+              <a:t>nhất</a:t>
+            </a:r>
+            <a:endParaRPr lang="en-US" dirty="0" smtClean="0"/>
+          </a:p>
+          <a:p>
+            <a:r>
+              <a:rPr lang="en-US" dirty="0" smtClean="0"/>
+              <a:t>- </a:t>
+            </a:r>
+            <a:r>
+              <a:rPr lang="en-US" dirty="0" err="1" smtClean="0"/>
+              <a:t>Giá</a:t>
+            </a:r>
+            <a:r>
+              <a:rPr lang="en-US" dirty="0" smtClean="0"/>
+              <a:t> </a:t>
+            </a:r>
+            <a:r>
+              <a:rPr lang="en-US" dirty="0" err="1" smtClean="0"/>
+              <a:t>trị</a:t>
+            </a:r>
+            <a:r>
+              <a:rPr lang="en-US" dirty="0" smtClean="0"/>
+              <a:t> </a:t>
+            </a:r>
+            <a:r>
+              <a:rPr lang="en-US" dirty="0" err="1" smtClean="0"/>
+              <a:t>trung</a:t>
+            </a:r>
+            <a:r>
+              <a:rPr lang="en-US" dirty="0" smtClean="0"/>
+              <a:t> </a:t>
+            </a:r>
+            <a:r>
+              <a:rPr lang="en-US" dirty="0" err="1" smtClean="0"/>
+              <a:t>bình</a:t>
+            </a:r>
+            <a:endParaRPr lang="en-US" dirty="0" smtClean="0"/>
+          </a:p>
+          <a:p>
+            <a:r>
+              <a:rPr lang="en-US" dirty="0" smtClean="0"/>
+              <a:t>- </a:t>
+            </a:r>
+            <a:r>
+              <a:rPr lang="en-US" dirty="0" err="1" smtClean="0"/>
+              <a:t>Giá</a:t>
+            </a:r>
+            <a:r>
+              <a:rPr lang="en-US" dirty="0" smtClean="0"/>
+              <a:t> </a:t>
+            </a:r>
+            <a:r>
+              <a:rPr lang="en-US" dirty="0" err="1" smtClean="0"/>
+              <a:t>trị</a:t>
+            </a:r>
+            <a:r>
+              <a:rPr lang="en-US" dirty="0" smtClean="0"/>
+              <a:t> </a:t>
+            </a:r>
+            <a:r>
+              <a:rPr lang="en-US" dirty="0" err="1" smtClean="0"/>
+              <a:t>tồi</a:t>
+            </a:r>
+            <a:r>
+              <a:rPr lang="en-US" dirty="0" smtClean="0"/>
+              <a:t> </a:t>
+            </a:r>
+            <a:r>
+              <a:rPr lang="en-US" dirty="0" err="1" smtClean="0"/>
+              <a:t>nhất</a:t>
+            </a:r>
+            <a:endParaRPr lang="en-US" dirty="0" smtClean="0"/>
+          </a:p>
+          <a:p>
+            <a:r>
+              <a:rPr lang="en-US" dirty="0" smtClean="0"/>
+              <a:t>- </a:t>
+            </a:r>
+            <a:r>
+              <a:rPr lang="en-US" dirty="0" err="1" smtClean="0"/>
+              <a:t>Thời</a:t>
+            </a:r>
+            <a:r>
+              <a:rPr lang="en-US" dirty="0"/>
+              <a:t> </a:t>
+            </a:r>
+            <a:r>
+              <a:rPr lang="en-US" dirty="0" err="1" smtClean="0"/>
+              <a:t>gian</a:t>
+            </a:r>
+            <a:r>
+              <a:rPr lang="en-US" dirty="0" smtClean="0"/>
+              <a:t> </a:t>
+            </a:r>
+            <a:r>
+              <a:rPr lang="en-US" dirty="0" err="1" smtClean="0"/>
+              <a:t>chạy</a:t>
+            </a:r>
+            <a:r>
+              <a:rPr lang="en-US" dirty="0" smtClean="0"/>
               <a:t>, </a:t>
             </a:r>
             <a:r>
-              <a:rPr lang="en-US" dirty="0" smtClean="0"/>
-              <a:t>Springer-</a:t>
-            </a:r>
-            <a:r>
-              <a:rPr lang="en-US" dirty="0" err="1" smtClean="0"/>
-              <a:t>Verlag</a:t>
-            </a:r>
-            <a:r>
-              <a:rPr lang="en-US" dirty="0" smtClean="0"/>
-              <a:t> Berlin Heidelberg 2011</a:t>
-            </a:r>
-          </a:p>
-          <a:p>
-            <a:r>
-              <a:rPr lang="en-US" dirty="0" smtClean="0"/>
-              <a:t>Design of survivable IP-over-optical networks; </a:t>
-            </a:r>
-            <a:r>
-              <a:rPr lang="en-US" i="1" dirty="0" smtClean="0"/>
-              <a:t>Sylvie Borne , Eric </a:t>
-            </a:r>
-            <a:r>
-              <a:rPr lang="en-US" i="1" dirty="0" err="1" smtClean="0"/>
-              <a:t>Gourdin</a:t>
-            </a:r>
-            <a:r>
-              <a:rPr lang="en-US" i="1" dirty="0" smtClean="0"/>
-              <a:t> ,Bernard </a:t>
-            </a:r>
-            <a:r>
-              <a:rPr lang="en-US" i="1" dirty="0" err="1" smtClean="0"/>
-              <a:t>Liau</a:t>
-            </a:r>
-            <a:r>
-              <a:rPr lang="en-US" i="1" dirty="0" smtClean="0"/>
-              <a:t> , A. </a:t>
-            </a:r>
-            <a:r>
-              <a:rPr lang="en-US" i="1" dirty="0" err="1" smtClean="0"/>
-              <a:t>Ridha</a:t>
-            </a:r>
-            <a:r>
-              <a:rPr lang="en-US" i="1" dirty="0" smtClean="0"/>
-              <a:t> </a:t>
-            </a:r>
-            <a:r>
-              <a:rPr lang="en-US" i="1" dirty="0" err="1" smtClean="0"/>
-              <a:t>Mahjoub</a:t>
-            </a:r>
-            <a:r>
-              <a:rPr lang="en-US" i="1" dirty="0" smtClean="0"/>
-              <a:t> , </a:t>
-            </a:r>
-            <a:r>
-              <a:rPr lang="en-US" dirty="0" smtClean="0"/>
-              <a:t>Springer Science + Business Media, LLC 2006</a:t>
-            </a:r>
-          </a:p>
-          <a:p>
-            <a:r>
-              <a:rPr lang="en-US" dirty="0" err="1" smtClean="0"/>
-              <a:t>Các</a:t>
-            </a:r>
-            <a:r>
-              <a:rPr lang="en-US" dirty="0" smtClean="0"/>
-              <a:t> </a:t>
-            </a:r>
-            <a:r>
-              <a:rPr lang="en-US" dirty="0" err="1" smtClean="0"/>
-              <a:t>bài</a:t>
-            </a:r>
-            <a:r>
-              <a:rPr lang="en-US" dirty="0" smtClean="0"/>
-              <a:t> </a:t>
-            </a:r>
-            <a:r>
-              <a:rPr lang="en-US" dirty="0" err="1" smtClean="0"/>
-              <a:t>viết</a:t>
-            </a:r>
-            <a:r>
-              <a:rPr lang="en-US" dirty="0" smtClean="0"/>
-              <a:t> </a:t>
-            </a:r>
-            <a:r>
-              <a:rPr lang="en-US" dirty="0" err="1" smtClean="0"/>
-              <a:t>trên</a:t>
-            </a:r>
-            <a:r>
-              <a:rPr lang="en-US" dirty="0" smtClean="0"/>
-              <a:t> </a:t>
-            </a:r>
-            <a:r>
-              <a:rPr lang="en-US" dirty="0" err="1" smtClean="0"/>
-              <a:t>mạng</a:t>
+              <a:rPr lang="en-US" dirty="0" err="1" smtClean="0"/>
+              <a:t>giá</a:t>
+            </a:r>
+            <a:r>
+              <a:rPr lang="en-US" dirty="0" smtClean="0"/>
+              <a:t> </a:t>
+            </a:r>
+            <a:r>
+              <a:rPr lang="en-US" dirty="0" err="1" smtClean="0"/>
+              <a:t>trị</a:t>
+            </a:r>
+            <a:r>
+              <a:rPr lang="en-US" dirty="0" smtClean="0"/>
+              <a:t> </a:t>
+            </a:r>
+            <a:r>
+              <a:rPr lang="en-US" dirty="0" err="1" smtClean="0"/>
+              <a:t>tốt</a:t>
+            </a:r>
+            <a:r>
+              <a:rPr lang="en-US" dirty="0" smtClean="0"/>
+              <a:t> </a:t>
+            </a:r>
+            <a:r>
+              <a:rPr lang="en-US" dirty="0" err="1" smtClean="0"/>
+              <a:t>nhất</a:t>
+            </a:r>
+            <a:r>
+              <a:rPr lang="en-US" dirty="0" smtClean="0"/>
+              <a:t>, </a:t>
+            </a:r>
+            <a:r>
+              <a:rPr lang="en-US" dirty="0" err="1" smtClean="0"/>
+              <a:t>quy</a:t>
+            </a:r>
+            <a:r>
+              <a:rPr lang="en-US" dirty="0" smtClean="0"/>
+              <a:t> </a:t>
+            </a:r>
+            <a:r>
+              <a:rPr lang="en-US" dirty="0" err="1" smtClean="0"/>
+              <a:t>mô</a:t>
+            </a:r>
+            <a:r>
+              <a:rPr lang="en-US" dirty="0" smtClean="0"/>
+              <a:t> </a:t>
+            </a:r>
+            <a:r>
+              <a:rPr lang="en-US" dirty="0" err="1" smtClean="0"/>
+              <a:t>dữ</a:t>
+            </a:r>
+            <a:r>
+              <a:rPr lang="en-US" dirty="0" smtClean="0"/>
+              <a:t> </a:t>
+            </a:r>
+            <a:r>
+              <a:rPr lang="en-US" dirty="0" err="1" smtClean="0"/>
+              <a:t>liệu</a:t>
             </a:r>
             <a:endParaRPr lang="en-US" dirty="0" smtClean="0"/>
           </a:p>
           <a:p>
-            <a:endParaRPr lang="en-US" dirty="0"/>
+            <a:r>
+              <a:rPr lang="en-US" dirty="0" err="1" smtClean="0"/>
+              <a:t>Đồ</a:t>
+            </a:r>
+            <a:r>
+              <a:rPr lang="en-US" dirty="0" smtClean="0"/>
+              <a:t> </a:t>
+            </a:r>
+            <a:r>
+              <a:rPr lang="en-US" dirty="0" err="1" smtClean="0"/>
+              <a:t>thị</a:t>
+            </a:r>
+            <a:r>
+              <a:rPr lang="en-US" dirty="0" smtClean="0"/>
+              <a:t> </a:t>
+            </a:r>
+            <a:r>
+              <a:rPr lang="en-US" dirty="0" err="1" smtClean="0"/>
+              <a:t>biểu</a:t>
+            </a:r>
+            <a:r>
+              <a:rPr lang="en-US" dirty="0" smtClean="0"/>
+              <a:t> </a:t>
+            </a:r>
+            <a:r>
+              <a:rPr lang="en-US" dirty="0" err="1" smtClean="0"/>
+              <a:t>diễn</a:t>
+            </a:r>
+            <a:r>
+              <a:rPr lang="en-US" dirty="0" smtClean="0"/>
+              <a:t> </a:t>
+            </a:r>
+            <a:r>
+              <a:rPr lang="en-US" dirty="0" err="1" smtClean="0"/>
+              <a:t>kết</a:t>
+            </a:r>
+            <a:r>
+              <a:rPr lang="en-US" dirty="0" smtClean="0"/>
+              <a:t> </a:t>
+            </a:r>
+            <a:r>
+              <a:rPr lang="en-US" dirty="0" err="1" smtClean="0"/>
+              <a:t>quả</a:t>
+            </a:r>
+            <a:r>
+              <a:rPr lang="en-US" dirty="0" smtClean="0"/>
+              <a:t>: </a:t>
+            </a:r>
+            <a:r>
+              <a:rPr lang="en-US" dirty="0" err="1" smtClean="0"/>
+              <a:t>ghi</a:t>
+            </a:r>
+            <a:r>
+              <a:rPr lang="en-US" dirty="0" smtClean="0"/>
+              <a:t> </a:t>
+            </a:r>
+            <a:r>
+              <a:rPr lang="en-US" dirty="0" err="1" smtClean="0"/>
+              <a:t>rõ</a:t>
+            </a:r>
+            <a:r>
+              <a:rPr lang="en-US" dirty="0" smtClean="0"/>
+              <a:t> </a:t>
+            </a:r>
+            <a:r>
+              <a:rPr lang="en-US" dirty="0" err="1" smtClean="0"/>
+              <a:t>trục</a:t>
+            </a:r>
+            <a:r>
+              <a:rPr lang="en-US" dirty="0" smtClean="0"/>
+              <a:t> </a:t>
+            </a:r>
+            <a:r>
+              <a:rPr lang="en-US" dirty="0" err="1" smtClean="0"/>
+              <a:t>hoành</a:t>
+            </a:r>
+            <a:r>
+              <a:rPr lang="en-US" dirty="0" smtClean="0"/>
+              <a:t>, </a:t>
+            </a:r>
+            <a:r>
+              <a:rPr lang="en-US" dirty="0" err="1" smtClean="0"/>
+              <a:t>trục</a:t>
+            </a:r>
+            <a:r>
+              <a:rPr lang="en-US" dirty="0" smtClean="0"/>
+              <a:t> </a:t>
+            </a:r>
+            <a:r>
+              <a:rPr lang="en-US" dirty="0" err="1" smtClean="0"/>
+              <a:t>tung</a:t>
+            </a:r>
+            <a:r>
+              <a:rPr lang="en-US" dirty="0" smtClean="0"/>
+              <a:t> </a:t>
+            </a:r>
+            <a:r>
+              <a:rPr lang="en-US" dirty="0" err="1" smtClean="0"/>
+              <a:t>biểu</a:t>
+            </a:r>
+            <a:r>
+              <a:rPr lang="en-US" dirty="0" smtClean="0"/>
+              <a:t> </a:t>
+            </a:r>
+            <a:r>
+              <a:rPr lang="en-US" dirty="0" err="1" smtClean="0"/>
+              <a:t>diễn</a:t>
+            </a:r>
+            <a:r>
+              <a:rPr lang="en-US" dirty="0" smtClean="0"/>
+              <a:t> </a:t>
+            </a:r>
+            <a:r>
+              <a:rPr lang="en-US" dirty="0" err="1" smtClean="0"/>
+              <a:t>cái</a:t>
+            </a:r>
+            <a:r>
+              <a:rPr lang="en-US" dirty="0" smtClean="0"/>
+              <a:t> </a:t>
+            </a:r>
+            <a:r>
+              <a:rPr lang="en-US" dirty="0" err="1" smtClean="0"/>
+              <a:t>gì</a:t>
+            </a:r>
+            <a:r>
+              <a:rPr lang="en-US" dirty="0" smtClean="0"/>
+              <a:t>?</a:t>
+            </a:r>
+          </a:p>
+          <a:p>
+            <a:r>
+              <a:rPr lang="en-US" dirty="0" err="1" smtClean="0"/>
+              <a:t>Có</a:t>
+            </a:r>
+            <a:r>
+              <a:rPr lang="en-US" dirty="0" smtClean="0"/>
+              <a:t> </a:t>
+            </a:r>
+            <a:r>
+              <a:rPr lang="en-US" dirty="0" err="1" smtClean="0"/>
+              <a:t>thể</a:t>
+            </a:r>
+            <a:r>
+              <a:rPr lang="en-US" dirty="0" smtClean="0"/>
+              <a:t> </a:t>
+            </a:r>
+            <a:r>
+              <a:rPr lang="en-US" dirty="0" err="1" smtClean="0"/>
+              <a:t>dùng</a:t>
+            </a:r>
+            <a:r>
+              <a:rPr lang="en-US" dirty="0" smtClean="0"/>
+              <a:t> </a:t>
+            </a:r>
+            <a:r>
+              <a:rPr lang="en-US" dirty="0" err="1" smtClean="0"/>
+              <a:t>phương</a:t>
+            </a:r>
+            <a:r>
+              <a:rPr lang="en-US" dirty="0" smtClean="0"/>
+              <a:t> </a:t>
+            </a:r>
+            <a:r>
+              <a:rPr lang="en-US" dirty="0" err="1" smtClean="0"/>
+              <a:t>pháp</a:t>
+            </a:r>
+            <a:r>
+              <a:rPr lang="en-US" dirty="0" smtClean="0"/>
+              <a:t> </a:t>
+            </a:r>
+            <a:r>
+              <a:rPr lang="en-US" dirty="0" err="1" smtClean="0"/>
+              <a:t>kẻ</a:t>
+            </a:r>
+            <a:r>
+              <a:rPr lang="en-US" dirty="0" smtClean="0"/>
+              <a:t> </a:t>
+            </a:r>
+            <a:r>
+              <a:rPr lang="en-US" dirty="0" err="1" smtClean="0"/>
+              <a:t>bảng</a:t>
+            </a:r>
+            <a:endParaRPr lang="en-US" dirty="0" smtClean="0"/>
+          </a:p>
+          <a:p>
+            <a:endParaRPr lang="en-US" dirty="0" smtClean="0"/>
           </a:p>
         </p:txBody>
       </p:sp>
       <p:sp>
         <p:nvSpPr>
-          <p:cNvPr id="3" name="Date Placeholder 2"/>
+          <p:cNvPr id="4" name="Date Placeholder 3"/>
           <p:cNvSpPr>
             <a:spLocks noGrp="1"/>
           </p:cNvSpPr>
@@ -21891,9 +22705,9 @@
           <a:bodyPr/>
           <a:lstStyle/>
           <a:p>
-            <a:fld id="{D9D502B8-AD58-4FD1-B793-29B56CAC21BC}" type="datetime1">
+            <a:fld id="{E3E2306C-E34F-4492-8C03-BFD178B0B86F}" type="datetime1">
               <a:rPr lang="en-US" smtClean="0"/>
-              <a:t>4/10/2012</a:t>
+              <a:t>4/17/2012</a:t>
             </a:fld>
             <a:endParaRPr lang="en-US"/>
           </a:p>
@@ -21901,7 +22715,7 @@
       </p:sp>
       <p:sp>
         <p:nvSpPr>
-          <p:cNvPr id="4" name="Footer Placeholder 3"/>
+          <p:cNvPr id="5" name="Footer Placeholder 4"/>
           <p:cNvSpPr>
             <a:spLocks noGrp="1"/>
           </p:cNvSpPr>
@@ -21918,13 +22732,13 @@
               <a:rPr lang="en-US" smtClean="0"/>
               <a:t>Thiết kế mạng chịu lỗi</a:t>
             </a:r>
-            <a:endParaRPr lang="en-US"/>
+            <a:endParaRPr lang="en-US" dirty="0"/>
           </a:p>
         </p:txBody>
       </p:sp>
       <p:sp>
         <p:nvSpPr>
-          <p:cNvPr id="5" name="Slide Number Placeholder 4"/>
+          <p:cNvPr id="6" name="Slide Number Placeholder 5"/>
           <p:cNvSpPr>
             <a:spLocks noGrp="1"/>
           </p:cNvSpPr>
@@ -21948,7 +22762,7 @@
     </p:spTree>
     <p:extLst>
       <p:ext uri="{BB962C8B-B14F-4D97-AF65-F5344CB8AC3E}">
-        <p14:creationId xmlns:p14="http://schemas.microsoft.com/office/powerpoint/2010/main" val="3870080801"/>
+        <p14:creationId xmlns:p14="http://schemas.microsoft.com/office/powerpoint/2010/main" val="585537775"/>
       </p:ext>
     </p:extLst>
   </p:cSld>
@@ -21984,7 +22798,7 @@
       </p:grpSpPr>
       <p:sp>
         <p:nvSpPr>
-          <p:cNvPr id="7" name="Title 6"/>
+          <p:cNvPr id="6" name="Title 5"/>
           <p:cNvSpPr>
             <a:spLocks noGrp="1"/>
           </p:cNvSpPr>
@@ -21992,29 +22806,220 @@
             <p:ph type="title"/>
           </p:nvPr>
         </p:nvSpPr>
-        <p:spPr>
-          <a:xfrm>
-            <a:off x="609600" y="2362200"/>
-            <a:ext cx="8229600" cy="1143000"/>
-          </a:xfrm>
-        </p:spPr>
+        <p:spPr/>
         <p:txBody>
-          <a:bodyPr>
-            <a:noAutofit/>
-          </a:bodyPr>
+          <a:bodyPr/>
           <a:lstStyle/>
           <a:p>
             <a:r>
-              <a:rPr lang="en-US" sz="8800" dirty="0" smtClean="0"/>
-              <a:t>Question ?</a:t>
-            </a:r>
-            <a:endParaRPr lang="en-US" sz="8800" dirty="0"/>
+              <a:rPr lang="en-US" dirty="0" smtClean="0"/>
+              <a:t>TÀI LIỆU THAM KHẢO</a:t>
+            </a:r>
+            <a:endParaRPr lang="en-US" dirty="0"/>
           </a:p>
         </p:txBody>
       </p:sp>
       <p:sp>
         <p:nvSpPr>
-          <p:cNvPr id="4" name="Date Placeholder 3"/>
+          <p:cNvPr id="7" name="Content Placeholder 6"/>
+          <p:cNvSpPr>
+            <a:spLocks noGrp="1"/>
+          </p:cNvSpPr>
+          <p:nvPr>
+            <p:ph idx="1"/>
+          </p:nvPr>
+        </p:nvSpPr>
+        <p:spPr/>
+        <p:txBody>
+          <a:bodyPr>
+            <a:normAutofit/>
+          </a:bodyPr>
+          <a:lstStyle/>
+          <a:p>
+            <a:r>
+              <a:rPr lang="en-US" dirty="0" smtClean="0"/>
+              <a:t>Design of Survivable Optical Networks by Mathematical Optimization; </a:t>
+            </a:r>
+            <a:r>
+              <a:rPr lang="en-US" i="1" dirty="0" err="1" smtClean="0"/>
+              <a:t>Diplom</a:t>
+            </a:r>
+            <a:r>
+              <a:rPr lang="en-US" i="1" dirty="0" smtClean="0"/>
+              <a:t> , Adrian </a:t>
+            </a:r>
+            <a:r>
+              <a:rPr lang="en-US" i="1" dirty="0" err="1" smtClean="0"/>
+              <a:t>Zymolka</a:t>
+            </a:r>
+            <a:r>
+              <a:rPr lang="en-US" dirty="0" smtClean="0"/>
+              <a:t>, Berlin 2007, pp7-39.</a:t>
+            </a:r>
+          </a:p>
+          <a:p>
+            <a:r>
+              <a:rPr lang="en-US" dirty="0" smtClean="0"/>
+              <a:t>Multilayer Survivable Optical Network Design; </a:t>
+            </a:r>
+            <a:r>
+              <a:rPr lang="en-US" i="1" dirty="0" smtClean="0"/>
+              <a:t>Sylvie Borne, </a:t>
+            </a:r>
+            <a:r>
+              <a:rPr lang="en-US" i="1" dirty="0" err="1" smtClean="0"/>
+              <a:t>Virginie</a:t>
+            </a:r>
+            <a:r>
+              <a:rPr lang="en-US" i="1" dirty="0" smtClean="0"/>
+              <a:t> </a:t>
+            </a:r>
+            <a:r>
+              <a:rPr lang="en-US" i="1" dirty="0" err="1" smtClean="0"/>
+              <a:t>Gabrel</a:t>
+            </a:r>
+            <a:r>
+              <a:rPr lang="en-US" i="1" dirty="0" smtClean="0"/>
+              <a:t>, </a:t>
+            </a:r>
+            <a:r>
+              <a:rPr lang="en-US" i="1" dirty="0" err="1" smtClean="0"/>
+              <a:t>Ridha</a:t>
+            </a:r>
+            <a:r>
+              <a:rPr lang="en-US" i="1" dirty="0" smtClean="0"/>
+              <a:t> </a:t>
+            </a:r>
+            <a:r>
+              <a:rPr lang="en-US" i="1" dirty="0" err="1" smtClean="0"/>
+              <a:t>Mahjoub</a:t>
+            </a:r>
+            <a:r>
+              <a:rPr lang="en-US" i="1" dirty="0" smtClean="0"/>
+              <a:t>, and </a:t>
+            </a:r>
+            <a:r>
+              <a:rPr lang="en-US" i="1" dirty="0" err="1" smtClean="0"/>
+              <a:t>Raouia</a:t>
+            </a:r>
+            <a:r>
+              <a:rPr lang="en-US" i="1" dirty="0" smtClean="0"/>
+              <a:t> </a:t>
+            </a:r>
+            <a:r>
+              <a:rPr lang="en-US" i="1" dirty="0" err="1" smtClean="0"/>
+              <a:t>Taktak</a:t>
+            </a:r>
+            <a:r>
+              <a:rPr lang="en-US" i="1" dirty="0" smtClean="0"/>
+              <a:t>, </a:t>
+            </a:r>
+            <a:r>
+              <a:rPr lang="en-US" dirty="0" smtClean="0"/>
+              <a:t>Springer-</a:t>
+            </a:r>
+            <a:r>
+              <a:rPr lang="en-US" dirty="0" err="1" smtClean="0"/>
+              <a:t>Verlag</a:t>
+            </a:r>
+            <a:r>
+              <a:rPr lang="en-US" dirty="0" smtClean="0"/>
+              <a:t> Berlin Heidelberg 2011</a:t>
+            </a:r>
+          </a:p>
+          <a:p>
+            <a:r>
+              <a:rPr lang="en-US" dirty="0" smtClean="0"/>
+              <a:t>Design of survivable IP-over-optical networks; </a:t>
+            </a:r>
+            <a:r>
+              <a:rPr lang="en-US" i="1" dirty="0" smtClean="0"/>
+              <a:t>Sylvie Borne , Eric </a:t>
+            </a:r>
+            <a:r>
+              <a:rPr lang="en-US" i="1" dirty="0" err="1" smtClean="0"/>
+              <a:t>Gourdin</a:t>
+            </a:r>
+            <a:r>
+              <a:rPr lang="en-US" i="1" dirty="0" smtClean="0"/>
+              <a:t> ,Bernard </a:t>
+            </a:r>
+            <a:r>
+              <a:rPr lang="en-US" i="1" dirty="0" err="1" smtClean="0"/>
+              <a:t>Liau</a:t>
+            </a:r>
+            <a:r>
+              <a:rPr lang="en-US" i="1" dirty="0" smtClean="0"/>
+              <a:t> , A. </a:t>
+            </a:r>
+            <a:r>
+              <a:rPr lang="en-US" i="1" dirty="0" err="1" smtClean="0"/>
+              <a:t>Ridha</a:t>
+            </a:r>
+            <a:r>
+              <a:rPr lang="en-US" i="1" dirty="0" smtClean="0"/>
+              <a:t> </a:t>
+            </a:r>
+            <a:r>
+              <a:rPr lang="en-US" i="1" dirty="0" err="1" smtClean="0"/>
+              <a:t>Mahjoub</a:t>
+            </a:r>
+            <a:r>
+              <a:rPr lang="en-US" i="1" dirty="0" smtClean="0"/>
+              <a:t> , </a:t>
+            </a:r>
+            <a:r>
+              <a:rPr lang="en-US" dirty="0" smtClean="0"/>
+              <a:t>Springer Science + Business Media, LLC 2006</a:t>
+            </a:r>
+          </a:p>
+          <a:p>
+            <a:r>
+              <a:rPr lang="en-US" dirty="0" err="1" smtClean="0"/>
+              <a:t>Các</a:t>
+            </a:r>
+            <a:r>
+              <a:rPr lang="en-US" dirty="0" smtClean="0"/>
+              <a:t> </a:t>
+            </a:r>
+            <a:r>
+              <a:rPr lang="en-US" dirty="0" err="1" smtClean="0"/>
+              <a:t>bài</a:t>
+            </a:r>
+            <a:r>
+              <a:rPr lang="en-US" dirty="0" smtClean="0"/>
+              <a:t> </a:t>
+            </a:r>
+            <a:r>
+              <a:rPr lang="en-US" dirty="0" err="1" smtClean="0"/>
+              <a:t>viết</a:t>
+            </a:r>
+            <a:r>
+              <a:rPr lang="en-US" dirty="0" smtClean="0"/>
+              <a:t> </a:t>
+            </a:r>
+            <a:r>
+              <a:rPr lang="en-US" dirty="0" err="1" smtClean="0"/>
+              <a:t>trên</a:t>
+            </a:r>
+            <a:r>
+              <a:rPr lang="en-US" dirty="0" smtClean="0"/>
+              <a:t> </a:t>
+            </a:r>
+            <a:r>
+              <a:rPr lang="en-US" dirty="0" err="1" smtClean="0"/>
+              <a:t>mạng</a:t>
+            </a:r>
+            <a:endParaRPr lang="en-US" dirty="0" smtClean="0"/>
+          </a:p>
+          <a:p>
+            <a:endParaRPr lang="en-US" dirty="0"/>
+          </a:p>
+        </p:txBody>
+      </p:sp>
+      <p:sp>
+        <p:nvSpPr>
+          <p:cNvPr id="3" name="Date Placeholder 2"/>
           <p:cNvSpPr>
             <a:spLocks noGrp="1"/>
           </p:cNvSpPr>
@@ -22027,9 +23032,9 @@
           <a:bodyPr/>
           <a:lstStyle/>
           <a:p>
-            <a:fld id="{E3E2306C-E34F-4492-8C03-BFD178B0B86F}" type="datetime1">
+            <a:fld id="{D9D502B8-AD58-4FD1-B793-29B56CAC21BC}" type="datetime1">
               <a:rPr lang="en-US" smtClean="0"/>
-              <a:t>4/10/2012</a:t>
+              <a:t>4/17/2012</a:t>
             </a:fld>
             <a:endParaRPr lang="en-US"/>
           </a:p>
@@ -22037,7 +23042,7 @@
       </p:sp>
       <p:sp>
         <p:nvSpPr>
-          <p:cNvPr id="5" name="Footer Placeholder 4"/>
+          <p:cNvPr id="4" name="Footer Placeholder 3"/>
           <p:cNvSpPr>
             <a:spLocks noGrp="1"/>
           </p:cNvSpPr>
@@ -22060,7 +23065,7 @@
       </p:sp>
       <p:sp>
         <p:nvSpPr>
-          <p:cNvPr id="6" name="Slide Number Placeholder 5"/>
+          <p:cNvPr id="5" name="Slide Number Placeholder 4"/>
           <p:cNvSpPr>
             <a:spLocks noGrp="1"/>
           </p:cNvSpPr>
@@ -22084,7 +23089,7 @@
     </p:spTree>
     <p:extLst>
       <p:ext uri="{BB962C8B-B14F-4D97-AF65-F5344CB8AC3E}">
-        <p14:creationId xmlns:p14="http://schemas.microsoft.com/office/powerpoint/2010/main" val="2985894228"/>
+        <p14:creationId xmlns:p14="http://schemas.microsoft.com/office/powerpoint/2010/main" val="3870080801"/>
       </p:ext>
     </p:extLst>
   </p:cSld>
@@ -22401,7 +23406,7 @@
           <a:p>
             <a:fld id="{E3E2306C-E34F-4492-8C03-BFD178B0B86F}" type="datetime1">
               <a:rPr lang="en-US" smtClean="0"/>
-              <a:t>4/10/2012</a:t>
+              <a:t>4/17/2012</a:t>
             </a:fld>
             <a:endParaRPr lang="en-US"/>
           </a:p>
@@ -22457,6 +23462,142 @@
     <p:extLst>
       <p:ext uri="{BB962C8B-B14F-4D97-AF65-F5344CB8AC3E}">
         <p14:creationId xmlns:p14="http://schemas.microsoft.com/office/powerpoint/2010/main" val="3990211921"/>
+      </p:ext>
+    </p:extLst>
+  </p:cSld>
+  <p:clrMapOvr>
+    <a:masterClrMapping/>
+  </p:clrMapOvr>
+  <p:timing>
+    <p:tnLst>
+      <p:par>
+        <p:cTn id="1" dur="indefinite" restart="never" nodeType="tmRoot"/>
+      </p:par>
+    </p:tnLst>
+  </p:timing>
+</p:sld>
+</file>
+
+<file path=ppt/slides/slide30.xml><?xml version="1.0" encoding="utf-8"?>
+<p:sld xmlns:a="http://schemas.openxmlformats.org/drawingml/2006/main" xmlns:r="http://schemas.openxmlformats.org/officeDocument/2006/relationships" xmlns:p="http://schemas.openxmlformats.org/presentationml/2006/main">
+  <p:cSld>
+    <p:spTree>
+      <p:nvGrpSpPr>
+        <p:cNvPr id="1" name=""/>
+        <p:cNvGrpSpPr/>
+        <p:nvPr/>
+      </p:nvGrpSpPr>
+      <p:grpSpPr>
+        <a:xfrm>
+          <a:off x="0" y="0"/>
+          <a:ext cx="0" cy="0"/>
+          <a:chOff x="0" y="0"/>
+          <a:chExt cx="0" cy="0"/>
+        </a:xfrm>
+      </p:grpSpPr>
+      <p:sp>
+        <p:nvSpPr>
+          <p:cNvPr id="7" name="Title 6"/>
+          <p:cNvSpPr>
+            <a:spLocks noGrp="1"/>
+          </p:cNvSpPr>
+          <p:nvPr>
+            <p:ph type="title"/>
+          </p:nvPr>
+        </p:nvSpPr>
+        <p:spPr>
+          <a:xfrm>
+            <a:off x="609600" y="2362200"/>
+            <a:ext cx="8229600" cy="1143000"/>
+          </a:xfrm>
+        </p:spPr>
+        <p:txBody>
+          <a:bodyPr>
+            <a:noAutofit/>
+          </a:bodyPr>
+          <a:lstStyle/>
+          <a:p>
+            <a:r>
+              <a:rPr lang="en-US" sz="8800" dirty="0" smtClean="0"/>
+              <a:t>Question ?</a:t>
+            </a:r>
+            <a:endParaRPr lang="en-US" sz="8800" dirty="0"/>
+          </a:p>
+        </p:txBody>
+      </p:sp>
+      <p:sp>
+        <p:nvSpPr>
+          <p:cNvPr id="4" name="Date Placeholder 3"/>
+          <p:cNvSpPr>
+            <a:spLocks noGrp="1"/>
+          </p:cNvSpPr>
+          <p:nvPr>
+            <p:ph type="dt" sz="half" idx="10"/>
+          </p:nvPr>
+        </p:nvSpPr>
+        <p:spPr/>
+        <p:txBody>
+          <a:bodyPr/>
+          <a:lstStyle/>
+          <a:p>
+            <a:fld id="{E3E2306C-E34F-4492-8C03-BFD178B0B86F}" type="datetime1">
+              <a:rPr lang="en-US" smtClean="0"/>
+              <a:t>4/17/2012</a:t>
+            </a:fld>
+            <a:endParaRPr lang="en-US"/>
+          </a:p>
+        </p:txBody>
+      </p:sp>
+      <p:sp>
+        <p:nvSpPr>
+          <p:cNvPr id="5" name="Footer Placeholder 4"/>
+          <p:cNvSpPr>
+            <a:spLocks noGrp="1"/>
+          </p:cNvSpPr>
+          <p:nvPr>
+            <p:ph type="ftr" sz="quarter" idx="11"/>
+          </p:nvPr>
+        </p:nvSpPr>
+        <p:spPr/>
+        <p:txBody>
+          <a:bodyPr/>
+          <a:lstStyle/>
+          <a:p>
+            <a:r>
+              <a:rPr lang="en-US" smtClean="0"/>
+              <a:t>Thiết kế mạng chịu lỗi</a:t>
+            </a:r>
+            <a:endParaRPr lang="en-US"/>
+          </a:p>
+        </p:txBody>
+      </p:sp>
+      <p:sp>
+        <p:nvSpPr>
+          <p:cNvPr id="6" name="Slide Number Placeholder 5"/>
+          <p:cNvSpPr>
+            <a:spLocks noGrp="1"/>
+          </p:cNvSpPr>
+          <p:nvPr>
+            <p:ph type="sldNum" sz="quarter" idx="12"/>
+          </p:nvPr>
+        </p:nvSpPr>
+        <p:spPr/>
+        <p:txBody>
+          <a:bodyPr/>
+          <a:lstStyle/>
+          <a:p>
+            <a:fld id="{77147098-D884-47A8-A2F8-2A4EFCDC3B56}" type="slidenum">
+              <a:rPr lang="en-US" smtClean="0"/>
+              <a:t>30</a:t>
+            </a:fld>
+            <a:endParaRPr lang="en-US"/>
+          </a:p>
+        </p:txBody>
+      </p:sp>
+    </p:spTree>
+    <p:extLst>
+      <p:ext uri="{BB962C8B-B14F-4D97-AF65-F5344CB8AC3E}">
+        <p14:creationId xmlns:p14="http://schemas.microsoft.com/office/powerpoint/2010/main" val="2985894228"/>
       </p:ext>
     </p:extLst>
   </p:cSld>
@@ -22585,7 +23726,7 @@
           <a:p>
             <a:fld id="{D9D502B8-AD58-4FD1-B793-29B56CAC21BC}" type="datetime1">
               <a:rPr lang="en-US" smtClean="0"/>
-              <a:t>4/10/2012</a:t>
+              <a:t>4/17/2012</a:t>
             </a:fld>
             <a:endParaRPr lang="en-US"/>
           </a:p>
@@ -22819,7 +23960,7 @@
           <a:p>
             <a:fld id="{D9D502B8-AD58-4FD1-B793-29B56CAC21BC}" type="datetime1">
               <a:rPr lang="en-US" smtClean="0"/>
-              <a:t>4/10/2012</a:t>
+              <a:t>4/17/2012</a:t>
             </a:fld>
             <a:endParaRPr lang="en-US"/>
           </a:p>
@@ -23145,7 +24286,7 @@
           <a:p>
             <a:fld id="{D9D502B8-AD58-4FD1-B793-29B56CAC21BC}" type="datetime1">
               <a:rPr lang="en-US" smtClean="0"/>
-              <a:t>4/10/2012</a:t>
+              <a:t>4/17/2012</a:t>
             </a:fld>
             <a:endParaRPr lang="en-US"/>
           </a:p>
@@ -23340,7 +24481,7 @@
           <a:p>
             <a:fld id="{D9D502B8-AD58-4FD1-B793-29B56CAC21BC}" type="datetime1">
               <a:rPr lang="en-US" smtClean="0"/>
-              <a:t>4/10/2012</a:t>
+              <a:t>4/17/2012</a:t>
             </a:fld>
             <a:endParaRPr lang="en-US"/>
           </a:p>
@@ -23674,7 +24815,7 @@
           <a:p>
             <a:fld id="{D9D502B8-AD58-4FD1-B793-29B56CAC21BC}" type="datetime1">
               <a:rPr lang="en-US" smtClean="0"/>
-              <a:t>4/10/2012</a:t>
+              <a:t>4/17/2012</a:t>
             </a:fld>
             <a:endParaRPr lang="en-US"/>
           </a:p>
